--- a/Cuaderno_trabajo/ARTI-4109-4-CuadernoTrabajo-Reto1_desarrollo.pptx
+++ b/Cuaderno_trabajo/ARTI-4109-4-CuadernoTrabajo-Reto1_desarrollo.pptx
@@ -5,10 +5,10 @@
     <p:sldMasterId id="2147483648" r:id="rId4"/>
   </p:sldMasterIdLst>
   <p:notesMasterIdLst>
-    <p:notesMasterId r:id="rId36"/>
+    <p:notesMasterId r:id="rId35"/>
   </p:notesMasterIdLst>
   <p:handoutMasterIdLst>
-    <p:handoutMasterId r:id="rId37"/>
+    <p:handoutMasterId r:id="rId36"/>
   </p:handoutMasterIdLst>
   <p:sldIdLst>
     <p:sldId id="256" r:id="rId5"/>
@@ -30,9 +30,9 @@
     <p:sldId id="435" r:id="rId21"/>
     <p:sldId id="476" r:id="rId22"/>
     <p:sldId id="477" r:id="rId23"/>
-    <p:sldId id="478" r:id="rId24"/>
+    <p:sldId id="487" r:id="rId24"/>
     <p:sldId id="479" r:id="rId25"/>
-    <p:sldId id="480" r:id="rId26"/>
+    <p:sldId id="478" r:id="rId26"/>
     <p:sldId id="482" r:id="rId27"/>
     <p:sldId id="483" r:id="rId28"/>
     <p:sldId id="437" r:id="rId29"/>
@@ -41,7 +41,6 @@
     <p:sldId id="484" r:id="rId32"/>
     <p:sldId id="485" r:id="rId33"/>
     <p:sldId id="486" r:id="rId34"/>
-    <p:sldId id="463" r:id="rId35"/>
   </p:sldIdLst>
   <p:sldSz cx="9144000" cy="6858000" type="screen4x3"/>
   <p:notesSz cx="6858000" cy="9144000"/>
@@ -165,1541 +164,16 @@
 <file path=ppt/revisionInfo.xml><?xml version="1.0" encoding="utf-8"?>
 <p1510:revInfo xmlns:a="http://schemas.openxmlformats.org/drawingml/2006/main" xmlns:r="http://schemas.openxmlformats.org/officeDocument/2006/relationships" xmlns:p1510="http://schemas.microsoft.com/office/powerpoint/2015/10/main">
   <p1510:revLst>
+    <p1510:client id="{3AE1E0B8-C456-0400-B6DD-C98D68F91645}" v="37" dt="2025-09-02T21:55:06.738"/>
+    <p1510:client id="{57CB3760-14B7-FDDF-CC07-9A568419C0D5}" v="117" dt="2025-09-02T17:31:11.421"/>
     <p1510:client id="{58103525-E681-31BA-BAF7-33EBB53FD5AB}" v="3591" dt="2025-09-02T05:02:27.544"/>
     <p1510:client id="{78E1A115-80C1-A3A3-521C-0335BA36D7EF}" v="487" dt="2025-09-02T05:40:48.797"/>
+    <p1510:client id="{7E23D7C2-D240-9771-7DAE-F32DC9688C7A}" v="1" dt="2025-09-02T17:33:48.623"/>
     <p1510:client id="{8A17EEF3-B1A7-AF94-6167-1EDD3B45EBD6}" v="409" dt="2025-09-02T04:48:26.844"/>
     <p1510:client id="{D8699984-A15F-4FDC-831C-048F7142C1F4}" v="36" dt="2025-09-02T04:38:14.178"/>
     <p1510:client id="{E1197103-D5D8-11E3-89E8-757975F27206}" v="148" dt="2025-09-02T05:04:56.020"/>
   </p1510:revLst>
 </p1510:revInfo>
-</file>
-
-<file path=ppt/changesInfos/changesInfo1.xml><?xml version="1.0" encoding="utf-8"?>
-<pc:chgInfo xmlns:a="http://schemas.openxmlformats.org/drawingml/2006/main" xmlns:r="http://schemas.openxmlformats.org/officeDocument/2006/relationships" xmlns:ac="http://schemas.microsoft.com/office/drawing/2013/main/command" xmlns:pc="http://schemas.microsoft.com/office/powerpoint/2013/main/command">
-  <pc:docChgLst>
-    <pc:chgData name="Brayan Felipe Rojas Bernal" userId="S::b.rojasb@uniandes.edu.co::0e1c8319-9d93-42bd-95ed-f63e83f638a1" providerId="AD" clId="Web-{C5EAD2B4-614F-53CC-DE08-4C17140082D7}"/>
-    <pc:docChg chg="delSld modSld">
-      <pc:chgData name="Brayan Felipe Rojas Bernal" userId="S::b.rojasb@uniandes.edu.co::0e1c8319-9d93-42bd-95ed-f63e83f638a1" providerId="AD" clId="Web-{C5EAD2B4-614F-53CC-DE08-4C17140082D7}" dt="2025-08-30T16:25:38.651" v="662" actId="14100"/>
-      <pc:docMkLst>
-        <pc:docMk/>
-      </pc:docMkLst>
-      <pc:sldChg chg="modSp">
-        <pc:chgData name="Brayan Felipe Rojas Bernal" userId="S::b.rojasb@uniandes.edu.co::0e1c8319-9d93-42bd-95ed-f63e83f638a1" providerId="AD" clId="Web-{C5EAD2B4-614F-53CC-DE08-4C17140082D7}" dt="2025-08-30T15:15:39.743" v="510"/>
-        <pc:sldMkLst>
-          <pc:docMk/>
-          <pc:sldMk cId="198856905" sldId="432"/>
-        </pc:sldMkLst>
-        <pc:graphicFrameChg chg="mod modGraphic">
-          <ac:chgData name="Brayan Felipe Rojas Bernal" userId="S::b.rojasb@uniandes.edu.co::0e1c8319-9d93-42bd-95ed-f63e83f638a1" providerId="AD" clId="Web-{C5EAD2B4-614F-53CC-DE08-4C17140082D7}" dt="2025-08-30T15:15:39.743" v="510"/>
-          <ac:graphicFrameMkLst>
-            <pc:docMk/>
-            <pc:sldMk cId="198856905" sldId="432"/>
-            <ac:graphicFrameMk id="9" creationId="{674E3414-D2BA-3D41-BAEC-BDDF5879A1D8}"/>
-          </ac:graphicFrameMkLst>
-        </pc:graphicFrameChg>
-      </pc:sldChg>
-      <pc:sldChg chg="del">
-        <pc:chgData name="Brayan Felipe Rojas Bernal" userId="S::b.rojasb@uniandes.edu.co::0e1c8319-9d93-42bd-95ed-f63e83f638a1" providerId="AD" clId="Web-{C5EAD2B4-614F-53CC-DE08-4C17140082D7}" dt="2025-08-30T14:55:37.036" v="0"/>
-        <pc:sldMkLst>
-          <pc:docMk/>
-          <pc:sldMk cId="687333583" sldId="466"/>
-        </pc:sldMkLst>
-      </pc:sldChg>
-      <pc:sldChg chg="modSp">
-        <pc:chgData name="Brayan Felipe Rojas Bernal" userId="S::b.rojasb@uniandes.edu.co::0e1c8319-9d93-42bd-95ed-f63e83f638a1" providerId="AD" clId="Web-{C5EAD2B4-614F-53CC-DE08-4C17140082D7}" dt="2025-08-30T14:59:20.886" v="16"/>
-        <pc:sldMkLst>
-          <pc:docMk/>
-          <pc:sldMk cId="592874193" sldId="467"/>
-        </pc:sldMkLst>
-        <pc:graphicFrameChg chg="mod modGraphic">
-          <ac:chgData name="Brayan Felipe Rojas Bernal" userId="S::b.rojasb@uniandes.edu.co::0e1c8319-9d93-42bd-95ed-f63e83f638a1" providerId="AD" clId="Web-{C5EAD2B4-614F-53CC-DE08-4C17140082D7}" dt="2025-08-30T14:59:20.886" v="16"/>
-          <ac:graphicFrameMkLst>
-            <pc:docMk/>
-            <pc:sldMk cId="592874193" sldId="467"/>
-            <ac:graphicFrameMk id="8" creationId="{8E3EA33B-4F1D-1D8D-2655-02AF6C8C3BB7}"/>
-          </ac:graphicFrameMkLst>
-        </pc:graphicFrameChg>
-      </pc:sldChg>
-      <pc:sldChg chg="modSp">
-        <pc:chgData name="Brayan Felipe Rojas Bernal" userId="S::b.rojasb@uniandes.edu.co::0e1c8319-9d93-42bd-95ed-f63e83f638a1" providerId="AD" clId="Web-{C5EAD2B4-614F-53CC-DE08-4C17140082D7}" dt="2025-08-30T15:18:27.819" v="572"/>
-        <pc:sldMkLst>
-          <pc:docMk/>
-          <pc:sldMk cId="2607037317" sldId="474"/>
-        </pc:sldMkLst>
-        <pc:graphicFrameChg chg="mod modGraphic">
-          <ac:chgData name="Brayan Felipe Rojas Bernal" userId="S::b.rojasb@uniandes.edu.co::0e1c8319-9d93-42bd-95ed-f63e83f638a1" providerId="AD" clId="Web-{C5EAD2B4-614F-53CC-DE08-4C17140082D7}" dt="2025-08-30T15:18:27.819" v="572"/>
-          <ac:graphicFrameMkLst>
-            <pc:docMk/>
-            <pc:sldMk cId="2607037317" sldId="474"/>
-            <ac:graphicFrameMk id="9" creationId="{E87D49B9-FEFB-D845-87E4-39A147340360}"/>
-          </ac:graphicFrameMkLst>
-        </pc:graphicFrameChg>
-      </pc:sldChg>
-      <pc:sldChg chg="addSp delSp modSp">
-        <pc:chgData name="Brayan Felipe Rojas Bernal" userId="S::b.rojasb@uniandes.edu.co::0e1c8319-9d93-42bd-95ed-f63e83f638a1" providerId="AD" clId="Web-{C5EAD2B4-614F-53CC-DE08-4C17140082D7}" dt="2025-08-30T16:25:38.651" v="662" actId="14100"/>
-        <pc:sldMkLst>
-          <pc:docMk/>
-          <pc:sldMk cId="2983963519" sldId="476"/>
-        </pc:sldMkLst>
-        <pc:spChg chg="mod">
-          <ac:chgData name="Brayan Felipe Rojas Bernal" userId="S::b.rojasb@uniandes.edu.co::0e1c8319-9d93-42bd-95ed-f63e83f638a1" providerId="AD" clId="Web-{C5EAD2B4-614F-53CC-DE08-4C17140082D7}" dt="2025-08-30T15:38:50.686" v="647" actId="20577"/>
-          <ac:spMkLst>
-            <pc:docMk/>
-            <pc:sldMk cId="2983963519" sldId="476"/>
-            <ac:spMk id="7" creationId="{218E002B-5F16-AF8E-D18E-6539578CE088}"/>
-          </ac:spMkLst>
-        </pc:spChg>
-        <pc:picChg chg="add mod">
-          <ac:chgData name="Brayan Felipe Rojas Bernal" userId="S::b.rojasb@uniandes.edu.co::0e1c8319-9d93-42bd-95ed-f63e83f638a1" providerId="AD" clId="Web-{C5EAD2B4-614F-53CC-DE08-4C17140082D7}" dt="2025-08-30T16:25:38.651" v="662" actId="14100"/>
-          <ac:picMkLst>
-            <pc:docMk/>
-            <pc:sldMk cId="2983963519" sldId="476"/>
-            <ac:picMk id="4" creationId="{F81751C7-7F56-7C46-4111-A0BFF7D80F26}"/>
-          </ac:picMkLst>
-        </pc:picChg>
-      </pc:sldChg>
-      <pc:sldChg chg="addSp modSp">
-        <pc:chgData name="Brayan Felipe Rojas Bernal" userId="S::b.rojasb@uniandes.edu.co::0e1c8319-9d93-42bd-95ed-f63e83f638a1" providerId="AD" clId="Web-{C5EAD2B4-614F-53CC-DE08-4C17140082D7}" dt="2025-08-30T15:36:51.183" v="595" actId="20577"/>
-        <pc:sldMkLst>
-          <pc:docMk/>
-          <pc:sldMk cId="4038774577" sldId="477"/>
-        </pc:sldMkLst>
-        <pc:spChg chg="mod">
-          <ac:chgData name="Brayan Felipe Rojas Bernal" userId="S::b.rojasb@uniandes.edu.co::0e1c8319-9d93-42bd-95ed-f63e83f638a1" providerId="AD" clId="Web-{C5EAD2B4-614F-53CC-DE08-4C17140082D7}" dt="2025-08-30T15:36:51.183" v="595" actId="20577"/>
-          <ac:spMkLst>
-            <pc:docMk/>
-            <pc:sldMk cId="4038774577" sldId="477"/>
-            <ac:spMk id="7" creationId="{521CF45E-FFFC-502F-347D-EA542C593FE7}"/>
-          </ac:spMkLst>
-        </pc:spChg>
-        <pc:picChg chg="add mod">
-          <ac:chgData name="Brayan Felipe Rojas Bernal" userId="S::b.rojasb@uniandes.edu.co::0e1c8319-9d93-42bd-95ed-f63e83f638a1" providerId="AD" clId="Web-{C5EAD2B4-614F-53CC-DE08-4C17140082D7}" dt="2025-08-30T15:36:18.228" v="576" actId="1076"/>
-          <ac:picMkLst>
-            <pc:docMk/>
-            <pc:sldMk cId="4038774577" sldId="477"/>
-            <ac:picMk id="2" creationId="{A31AEC50-4EEE-5B6D-C348-D47612B3A473}"/>
-          </ac:picMkLst>
-        </pc:picChg>
-      </pc:sldChg>
-      <pc:sldChg chg="modSp">
-        <pc:chgData name="Brayan Felipe Rojas Bernal" userId="S::b.rojasb@uniandes.edu.co::0e1c8319-9d93-42bd-95ed-f63e83f638a1" providerId="AD" clId="Web-{C5EAD2B4-614F-53CC-DE08-4C17140082D7}" dt="2025-08-30T15:38:20.279" v="629" actId="20577"/>
-        <pc:sldMkLst>
-          <pc:docMk/>
-          <pc:sldMk cId="4288963705" sldId="478"/>
-        </pc:sldMkLst>
-        <pc:spChg chg="mod">
-          <ac:chgData name="Brayan Felipe Rojas Bernal" userId="S::b.rojasb@uniandes.edu.co::0e1c8319-9d93-42bd-95ed-f63e83f638a1" providerId="AD" clId="Web-{C5EAD2B4-614F-53CC-DE08-4C17140082D7}" dt="2025-08-30T15:38:20.279" v="629" actId="20577"/>
-          <ac:spMkLst>
-            <pc:docMk/>
-            <pc:sldMk cId="4288963705" sldId="478"/>
-            <ac:spMk id="7" creationId="{2DBED479-FB19-E089-1C6E-2AE0B82F2A0C}"/>
-          </ac:spMkLst>
-        </pc:spChg>
-      </pc:sldChg>
-      <pc:sldChg chg="modSp">
-        <pc:chgData name="Brayan Felipe Rojas Bernal" userId="S::b.rojasb@uniandes.edu.co::0e1c8319-9d93-42bd-95ed-f63e83f638a1" providerId="AD" clId="Web-{C5EAD2B4-614F-53CC-DE08-4C17140082D7}" dt="2025-08-30T15:38:00.075" v="608" actId="20577"/>
-        <pc:sldMkLst>
-          <pc:docMk/>
-          <pc:sldMk cId="1446356416" sldId="479"/>
-        </pc:sldMkLst>
-        <pc:spChg chg="mod">
-          <ac:chgData name="Brayan Felipe Rojas Bernal" userId="S::b.rojasb@uniandes.edu.co::0e1c8319-9d93-42bd-95ed-f63e83f638a1" providerId="AD" clId="Web-{C5EAD2B4-614F-53CC-DE08-4C17140082D7}" dt="2025-08-30T15:38:00.075" v="608" actId="20577"/>
-          <ac:spMkLst>
-            <pc:docMk/>
-            <pc:sldMk cId="1446356416" sldId="479"/>
-            <ac:spMk id="7" creationId="{6C2A64F7-21DA-14DB-83BC-306E861DB0B1}"/>
-          </ac:spMkLst>
-        </pc:spChg>
-      </pc:sldChg>
-    </pc:docChg>
-  </pc:docChgLst>
-  <pc:docChgLst>
-    <pc:chgData name="Brayan Felipe Rojas Bernal" userId="S::b.rojasb@uniandes.edu.co::0e1c8319-9d93-42bd-95ed-f63e83f638a1" providerId="AD" clId="Web-{78E1A115-80C1-A3A3-521C-0335BA36D7EF}"/>
-    <pc:docChg chg="addSld modSld">
-      <pc:chgData name="Brayan Felipe Rojas Bernal" userId="S::b.rojasb@uniandes.edu.co::0e1c8319-9d93-42bd-95ed-f63e83f638a1" providerId="AD" clId="Web-{78E1A115-80C1-A3A3-521C-0335BA36D7EF}" dt="2025-09-02T05:40:48.797" v="268" actId="1076"/>
-      <pc:docMkLst>
-        <pc:docMk/>
-      </pc:docMkLst>
-      <pc:sldChg chg="modSp">
-        <pc:chgData name="Brayan Felipe Rojas Bernal" userId="S::b.rojasb@uniandes.edu.co::0e1c8319-9d93-42bd-95ed-f63e83f638a1" providerId="AD" clId="Web-{78E1A115-80C1-A3A3-521C-0335BA36D7EF}" dt="2025-09-02T04:53:05.339" v="19"/>
-        <pc:sldMkLst>
-          <pc:docMk/>
-          <pc:sldMk cId="1957387262" sldId="438"/>
-        </pc:sldMkLst>
-        <pc:graphicFrameChg chg="mod modGraphic">
-          <ac:chgData name="Brayan Felipe Rojas Bernal" userId="S::b.rojasb@uniandes.edu.co::0e1c8319-9d93-42bd-95ed-f63e83f638a1" providerId="AD" clId="Web-{78E1A115-80C1-A3A3-521C-0335BA36D7EF}" dt="2025-09-02T04:53:05.339" v="19"/>
-          <ac:graphicFrameMkLst>
-            <pc:docMk/>
-            <pc:sldMk cId="1957387262" sldId="438"/>
-            <ac:graphicFrameMk id="9" creationId="{3EE47E5E-5DD0-FD4C-A0F9-65C73C7768D6}"/>
-          </ac:graphicFrameMkLst>
-        </pc:graphicFrameChg>
-      </pc:sldChg>
-      <pc:sldChg chg="addSp modSp">
-        <pc:chgData name="Brayan Felipe Rojas Bernal" userId="S::b.rojasb@uniandes.edu.co::0e1c8319-9d93-42bd-95ed-f63e83f638a1" providerId="AD" clId="Web-{78E1A115-80C1-A3A3-521C-0335BA36D7EF}" dt="2025-09-02T05:04:13.300" v="216" actId="14100"/>
-        <pc:sldMkLst>
-          <pc:docMk/>
-          <pc:sldMk cId="4288963705" sldId="478"/>
-        </pc:sldMkLst>
-        <pc:cxnChg chg="add mod">
-          <ac:chgData name="Brayan Felipe Rojas Bernal" userId="S::b.rojasb@uniandes.edu.co::0e1c8319-9d93-42bd-95ed-f63e83f638a1" providerId="AD" clId="Web-{78E1A115-80C1-A3A3-521C-0335BA36D7EF}" dt="2025-09-02T05:04:13.300" v="216" actId="14100"/>
-          <ac:cxnSpMkLst>
-            <pc:docMk/>
-            <pc:sldMk cId="4288963705" sldId="478"/>
-            <ac:cxnSpMk id="4" creationId="{69E9DF3D-CDB2-F19D-05C9-F2F67715CC0D}"/>
-          </ac:cxnSpMkLst>
-        </pc:cxnChg>
-      </pc:sldChg>
-      <pc:sldChg chg="modSp">
-        <pc:chgData name="Brayan Felipe Rojas Bernal" userId="S::b.rojasb@uniandes.edu.co::0e1c8319-9d93-42bd-95ed-f63e83f638a1" providerId="AD" clId="Web-{78E1A115-80C1-A3A3-521C-0335BA36D7EF}" dt="2025-09-02T04:59:04.142" v="90" actId="20577"/>
-        <pc:sldMkLst>
-          <pc:docMk/>
-          <pc:sldMk cId="866889576" sldId="483"/>
-        </pc:sldMkLst>
-        <pc:spChg chg="mod">
-          <ac:chgData name="Brayan Felipe Rojas Bernal" userId="S::b.rojasb@uniandes.edu.co::0e1c8319-9d93-42bd-95ed-f63e83f638a1" providerId="AD" clId="Web-{78E1A115-80C1-A3A3-521C-0335BA36D7EF}" dt="2025-09-02T04:50:31.822" v="10" actId="1076"/>
-          <ac:spMkLst>
-            <pc:docMk/>
-            <pc:sldMk cId="866889576" sldId="483"/>
-            <ac:spMk id="8" creationId="{281E5B3D-85CE-5DC4-9DBF-BA8C89200656}"/>
-          </ac:spMkLst>
-        </pc:spChg>
-        <pc:spChg chg="mod">
-          <ac:chgData name="Brayan Felipe Rojas Bernal" userId="S::b.rojasb@uniandes.edu.co::0e1c8319-9d93-42bd-95ed-f63e83f638a1" providerId="AD" clId="Web-{78E1A115-80C1-A3A3-521C-0335BA36D7EF}" dt="2025-09-02T04:50:14.462" v="7" actId="14100"/>
-          <ac:spMkLst>
-            <pc:docMk/>
-            <pc:sldMk cId="866889576" sldId="483"/>
-            <ac:spMk id="9" creationId="{920F8023-41E5-01A6-67CC-C0913E2D1A54}"/>
-          </ac:spMkLst>
-        </pc:spChg>
-        <pc:spChg chg="mod">
-          <ac:chgData name="Brayan Felipe Rojas Bernal" userId="S::b.rojasb@uniandes.edu.co::0e1c8319-9d93-42bd-95ed-f63e83f638a1" providerId="AD" clId="Web-{78E1A115-80C1-A3A3-521C-0335BA36D7EF}" dt="2025-09-02T04:59:04.142" v="90" actId="20577"/>
-          <ac:spMkLst>
-            <pc:docMk/>
-            <pc:sldMk cId="866889576" sldId="483"/>
-            <ac:spMk id="13" creationId="{FDF11067-DB84-C2A9-7FC9-6B8D8C7A3E1D}"/>
-          </ac:spMkLst>
-        </pc:spChg>
-        <pc:grpChg chg="mod">
-          <ac:chgData name="Brayan Felipe Rojas Bernal" userId="S::b.rojasb@uniandes.edu.co::0e1c8319-9d93-42bd-95ed-f63e83f638a1" providerId="AD" clId="Web-{78E1A115-80C1-A3A3-521C-0335BA36D7EF}" dt="2025-09-02T04:50:59.807" v="13" actId="14100"/>
-          <ac:grpSpMkLst>
-            <pc:docMk/>
-            <pc:sldMk cId="866889576" sldId="483"/>
-            <ac:grpSpMk id="14" creationId="{BBFAD93D-B4CC-F197-99E0-9491EEFE9B85}"/>
-          </ac:grpSpMkLst>
-        </pc:grpChg>
-      </pc:sldChg>
-      <pc:sldChg chg="addSp delSp modSp add replId">
-        <pc:chgData name="Brayan Felipe Rojas Bernal" userId="S::b.rojasb@uniandes.edu.co::0e1c8319-9d93-42bd-95ed-f63e83f638a1" providerId="AD" clId="Web-{78E1A115-80C1-A3A3-521C-0335BA36D7EF}" dt="2025-09-02T05:27:00.769" v="248" actId="20577"/>
-        <pc:sldMkLst>
-          <pc:docMk/>
-          <pc:sldMk cId="2874359720" sldId="484"/>
-        </pc:sldMkLst>
-        <pc:spChg chg="add mod">
-          <ac:chgData name="Brayan Felipe Rojas Bernal" userId="S::b.rojasb@uniandes.edu.co::0e1c8319-9d93-42bd-95ed-f63e83f638a1" providerId="AD" clId="Web-{78E1A115-80C1-A3A3-521C-0335BA36D7EF}" dt="2025-09-02T04:59:55.678" v="140" actId="1076"/>
-          <ac:spMkLst>
-            <pc:docMk/>
-            <pc:sldMk cId="2874359720" sldId="484"/>
-            <ac:spMk id="2" creationId="{E93686AA-B7DE-56D0-5EED-DE77719283F2}"/>
-          </ac:spMkLst>
-        </pc:spChg>
-        <pc:spChg chg="add mod">
-          <ac:chgData name="Brayan Felipe Rojas Bernal" userId="S::b.rojasb@uniandes.edu.co::0e1c8319-9d93-42bd-95ed-f63e83f638a1" providerId="AD" clId="Web-{78E1A115-80C1-A3A3-521C-0335BA36D7EF}" dt="2025-09-02T05:27:00.769" v="248" actId="20577"/>
-          <ac:spMkLst>
-            <pc:docMk/>
-            <pc:sldMk cId="2874359720" sldId="484"/>
-            <ac:spMk id="5" creationId="{445317F2-A079-7D07-5B27-3EC465DDAD9C}"/>
-          </ac:spMkLst>
-        </pc:spChg>
-        <pc:spChg chg="mod">
-          <ac:chgData name="Brayan Felipe Rojas Bernal" userId="S::b.rojasb@uniandes.edu.co::0e1c8319-9d93-42bd-95ed-f63e83f638a1" providerId="AD" clId="Web-{78E1A115-80C1-A3A3-521C-0335BA36D7EF}" dt="2025-09-02T04:55:03.250" v="55" actId="20577"/>
-          <ac:spMkLst>
-            <pc:docMk/>
-            <pc:sldMk cId="2874359720" sldId="484"/>
-            <ac:spMk id="8" creationId="{5BCE38A4-A098-7918-7E8E-769238A17DB9}"/>
-          </ac:spMkLst>
-        </pc:spChg>
-        <pc:graphicFrameChg chg="del mod">
-          <ac:chgData name="Brayan Felipe Rojas Bernal" userId="S::b.rojasb@uniandes.edu.co::0e1c8319-9d93-42bd-95ed-f63e83f638a1" providerId="AD" clId="Web-{78E1A115-80C1-A3A3-521C-0335BA36D7EF}" dt="2025-09-02T04:53:42.453" v="23"/>
-          <ac:graphicFrameMkLst>
-            <pc:docMk/>
-            <pc:sldMk cId="2874359720" sldId="484"/>
-            <ac:graphicFrameMk id="9" creationId="{DFEC6D58-181A-7220-F3CF-6A2AE223A728}"/>
-          </ac:graphicFrameMkLst>
-        </pc:graphicFrameChg>
-        <pc:picChg chg="add del mod">
-          <ac:chgData name="Brayan Felipe Rojas Bernal" userId="S::b.rojasb@uniandes.edu.co::0e1c8319-9d93-42bd-95ed-f63e83f638a1" providerId="AD" clId="Web-{78E1A115-80C1-A3A3-521C-0335BA36D7EF}" dt="2025-09-02T05:26:39.847" v="241"/>
-          <ac:picMkLst>
-            <pc:docMk/>
-            <pc:sldMk cId="2874359720" sldId="484"/>
-            <ac:picMk id="4" creationId="{94A79394-42CA-4B96-777D-CBB5262AF1BA}"/>
-          </ac:picMkLst>
-        </pc:picChg>
-        <pc:picChg chg="add mod">
-          <ac:chgData name="Brayan Felipe Rojas Bernal" userId="S::b.rojasb@uniandes.edu.co::0e1c8319-9d93-42bd-95ed-f63e83f638a1" providerId="AD" clId="Web-{78E1A115-80C1-A3A3-521C-0335BA36D7EF}" dt="2025-09-02T05:26:48.472" v="244" actId="1076"/>
-          <ac:picMkLst>
-            <pc:docMk/>
-            <pc:sldMk cId="2874359720" sldId="484"/>
-            <ac:picMk id="7" creationId="{9AFC4D02-B2C8-B46D-17DB-C2943FB3B317}"/>
-          </ac:picMkLst>
-        </pc:picChg>
-      </pc:sldChg>
-      <pc:sldChg chg="addSp delSp modSp add replId">
-        <pc:chgData name="Brayan Felipe Rojas Bernal" userId="S::b.rojasb@uniandes.edu.co::0e1c8319-9d93-42bd-95ed-f63e83f638a1" providerId="AD" clId="Web-{78E1A115-80C1-A3A3-521C-0335BA36D7EF}" dt="2025-09-02T05:23:40.549" v="240" actId="20577"/>
-        <pc:sldMkLst>
-          <pc:docMk/>
-          <pc:sldMk cId="1698789125" sldId="485"/>
-        </pc:sldMkLst>
-        <pc:spChg chg="mod">
-          <ac:chgData name="Brayan Felipe Rojas Bernal" userId="S::b.rojasb@uniandes.edu.co::0e1c8319-9d93-42bd-95ed-f63e83f638a1" providerId="AD" clId="Web-{78E1A115-80C1-A3A3-521C-0335BA36D7EF}" dt="2025-09-02T05:23:12.643" v="235" actId="20577"/>
-          <ac:spMkLst>
-            <pc:docMk/>
-            <pc:sldMk cId="1698789125" sldId="485"/>
-            <ac:spMk id="2" creationId="{B8B14F63-CAD9-AE0D-AD0E-F1130C2226B0}"/>
-          </ac:spMkLst>
-        </pc:spChg>
-        <pc:spChg chg="mod">
-          <ac:chgData name="Brayan Felipe Rojas Bernal" userId="S::b.rojasb@uniandes.edu.co::0e1c8319-9d93-42bd-95ed-f63e83f638a1" providerId="AD" clId="Web-{78E1A115-80C1-A3A3-521C-0335BA36D7EF}" dt="2025-09-02T05:23:40.549" v="240" actId="20577"/>
-          <ac:spMkLst>
-            <pc:docMk/>
-            <pc:sldMk cId="1698789125" sldId="485"/>
-            <ac:spMk id="5" creationId="{F83E3757-A971-21EE-2A57-3A0C9A67F263}"/>
-          </ac:spMkLst>
-        </pc:spChg>
-        <pc:picChg chg="del">
-          <ac:chgData name="Brayan Felipe Rojas Bernal" userId="S::b.rojasb@uniandes.edu.co::0e1c8319-9d93-42bd-95ed-f63e83f638a1" providerId="AD" clId="Web-{78E1A115-80C1-A3A3-521C-0335BA36D7EF}" dt="2025-09-02T05:22:00.485" v="218"/>
-          <ac:picMkLst>
-            <pc:docMk/>
-            <pc:sldMk cId="1698789125" sldId="485"/>
-            <ac:picMk id="4" creationId="{C2973F52-3A13-AC4F-0122-4A80F028EFBE}"/>
-          </ac:picMkLst>
-        </pc:picChg>
-        <pc:picChg chg="add del mod">
-          <ac:chgData name="Brayan Felipe Rojas Bernal" userId="S::b.rojasb@uniandes.edu.co::0e1c8319-9d93-42bd-95ed-f63e83f638a1" providerId="AD" clId="Web-{78E1A115-80C1-A3A3-521C-0335BA36D7EF}" dt="2025-09-02T05:22:08.392" v="221"/>
-          <ac:picMkLst>
-            <pc:docMk/>
-            <pc:sldMk cId="1698789125" sldId="485"/>
-            <ac:picMk id="7" creationId="{8700B0FF-FE01-A6AB-DA64-23E11F177721}"/>
-          </ac:picMkLst>
-        </pc:picChg>
-        <pc:picChg chg="add mod">
-          <ac:chgData name="Brayan Felipe Rojas Bernal" userId="S::b.rojasb@uniandes.edu.co::0e1c8319-9d93-42bd-95ed-f63e83f638a1" providerId="AD" clId="Web-{78E1A115-80C1-A3A3-521C-0335BA36D7EF}" dt="2025-09-02T05:22:55.252" v="224" actId="1076"/>
-          <ac:picMkLst>
-            <pc:docMk/>
-            <pc:sldMk cId="1698789125" sldId="485"/>
-            <ac:picMk id="9" creationId="{CC66C2B4-C286-F1E8-D22A-57A07291ED64}"/>
-          </ac:picMkLst>
-        </pc:picChg>
-      </pc:sldChg>
-      <pc:sldChg chg="addSp delSp modSp add replId">
-        <pc:chgData name="Brayan Felipe Rojas Bernal" userId="S::b.rojasb@uniandes.edu.co::0e1c8319-9d93-42bd-95ed-f63e83f638a1" providerId="AD" clId="Web-{78E1A115-80C1-A3A3-521C-0335BA36D7EF}" dt="2025-09-02T05:40:48.797" v="268" actId="1076"/>
-        <pc:sldMkLst>
-          <pc:docMk/>
-          <pc:sldMk cId="665455168" sldId="486"/>
-        </pc:sldMkLst>
-        <pc:spChg chg="mod">
-          <ac:chgData name="Brayan Felipe Rojas Bernal" userId="S::b.rojasb@uniandes.edu.co::0e1c8319-9d93-42bd-95ed-f63e83f638a1" providerId="AD" clId="Web-{78E1A115-80C1-A3A3-521C-0335BA36D7EF}" dt="2025-09-02T05:40:37.907" v="264" actId="14100"/>
-          <ac:spMkLst>
-            <pc:docMk/>
-            <pc:sldMk cId="665455168" sldId="486"/>
-            <ac:spMk id="2" creationId="{6BCAE436-5F1D-F8FA-E81B-0155711F6CF7}"/>
-          </ac:spMkLst>
-        </pc:spChg>
-        <pc:picChg chg="add mod">
-          <ac:chgData name="Brayan Felipe Rojas Bernal" userId="S::b.rojasb@uniandes.edu.co::0e1c8319-9d93-42bd-95ed-f63e83f638a1" providerId="AD" clId="Web-{78E1A115-80C1-A3A3-521C-0335BA36D7EF}" dt="2025-09-02T05:40:48.797" v="268" actId="1076"/>
-          <ac:picMkLst>
-            <pc:docMk/>
-            <pc:sldMk cId="665455168" sldId="486"/>
-            <ac:picMk id="4" creationId="{8BF9E78C-3948-92C7-7AC7-38048C3CB79D}"/>
-          </ac:picMkLst>
-        </pc:picChg>
-        <pc:picChg chg="del">
-          <ac:chgData name="Brayan Felipe Rojas Bernal" userId="S::b.rojasb@uniandes.edu.co::0e1c8319-9d93-42bd-95ed-f63e83f638a1" providerId="AD" clId="Web-{78E1A115-80C1-A3A3-521C-0335BA36D7EF}" dt="2025-09-02T05:40:41.875" v="265"/>
-          <ac:picMkLst>
-            <pc:docMk/>
-            <pc:sldMk cId="665455168" sldId="486"/>
-            <ac:picMk id="9" creationId="{66514773-B7FE-7D27-8157-74D702A4432F}"/>
-          </ac:picMkLst>
-        </pc:picChg>
-      </pc:sldChg>
-    </pc:docChg>
-  </pc:docChgLst>
-  <pc:docChgLst>
-    <pc:chgData name="Camilo Alejandro Nossa Calderon" userId="S::c.nossa@uniandes.edu.co::2aab6646-8111-4774-b23e-f2fd5229594e" providerId="AD" clId="Web-{E1197103-D5D8-11E3-89E8-757975F27206}"/>
-    <pc:docChg chg="addSld modSld">
-      <pc:chgData name="Camilo Alejandro Nossa Calderon" userId="S::c.nossa@uniandes.edu.co::2aab6646-8111-4774-b23e-f2fd5229594e" providerId="AD" clId="Web-{E1197103-D5D8-11E3-89E8-757975F27206}" dt="2025-09-02T05:04:55.801" v="100" actId="20577"/>
-      <pc:docMkLst>
-        <pc:docMk/>
-      </pc:docMkLst>
-      <pc:sldChg chg="modSp">
-        <pc:chgData name="Camilo Alejandro Nossa Calderon" userId="S::c.nossa@uniandes.edu.co::2aab6646-8111-4774-b23e-f2fd5229594e" providerId="AD" clId="Web-{E1197103-D5D8-11E3-89E8-757975F27206}" dt="2025-09-02T04:39:32.594" v="35" actId="20577"/>
-        <pc:sldMkLst>
-          <pc:docMk/>
-          <pc:sldMk cId="4038774577" sldId="477"/>
-        </pc:sldMkLst>
-        <pc:spChg chg="mod">
-          <ac:chgData name="Camilo Alejandro Nossa Calderon" userId="S::c.nossa@uniandes.edu.co::2aab6646-8111-4774-b23e-f2fd5229594e" providerId="AD" clId="Web-{E1197103-D5D8-11E3-89E8-757975F27206}" dt="2025-09-02T04:39:32.594" v="35" actId="20577"/>
-          <ac:spMkLst>
-            <pc:docMk/>
-            <pc:sldMk cId="4038774577" sldId="477"/>
-            <ac:spMk id="7" creationId="{521CF45E-FFFC-502F-347D-EA542C593FE7}"/>
-          </ac:spMkLst>
-        </pc:spChg>
-      </pc:sldChg>
-      <pc:sldChg chg="addSp modSp">
-        <pc:chgData name="Camilo Alejandro Nossa Calderon" userId="S::c.nossa@uniandes.edu.co::2aab6646-8111-4774-b23e-f2fd5229594e" providerId="AD" clId="Web-{E1197103-D5D8-11E3-89E8-757975F27206}" dt="2025-09-02T04:37:00.571" v="26" actId="1076"/>
-        <pc:sldMkLst>
-          <pc:docMk/>
-          <pc:sldMk cId="1446356416" sldId="479"/>
-        </pc:sldMkLst>
-        <pc:spChg chg="mod ord">
-          <ac:chgData name="Camilo Alejandro Nossa Calderon" userId="S::c.nossa@uniandes.edu.co::2aab6646-8111-4774-b23e-f2fd5229594e" providerId="AD" clId="Web-{E1197103-D5D8-11E3-89E8-757975F27206}" dt="2025-09-02T04:36:33.194" v="19"/>
-          <ac:spMkLst>
-            <pc:docMk/>
-            <pc:sldMk cId="1446356416" sldId="479"/>
-            <ac:spMk id="3" creationId="{B8D06B53-9801-43FF-3C5D-DCAD0DB3165D}"/>
-          </ac:spMkLst>
-        </pc:spChg>
-        <pc:spChg chg="mod ord">
-          <ac:chgData name="Camilo Alejandro Nossa Calderon" userId="S::c.nossa@uniandes.edu.co::2aab6646-8111-4774-b23e-f2fd5229594e" providerId="AD" clId="Web-{E1197103-D5D8-11E3-89E8-757975F27206}" dt="2025-09-02T04:36:33.194" v="19"/>
-          <ac:spMkLst>
-            <pc:docMk/>
-            <pc:sldMk cId="1446356416" sldId="479"/>
-            <ac:spMk id="6" creationId="{E1292BA6-9E4A-705B-71DB-740DAA321743}"/>
-          </ac:spMkLst>
-        </pc:spChg>
-        <pc:spChg chg="mod">
-          <ac:chgData name="Camilo Alejandro Nossa Calderon" userId="S::c.nossa@uniandes.edu.co::2aab6646-8111-4774-b23e-f2fd5229594e" providerId="AD" clId="Web-{E1197103-D5D8-11E3-89E8-757975F27206}" dt="2025-09-02T04:36:33.194" v="19"/>
-          <ac:spMkLst>
-            <pc:docMk/>
-            <pc:sldMk cId="1446356416" sldId="479"/>
-            <ac:spMk id="7" creationId="{6C2A64F7-21DA-14DB-83BC-306E861DB0B1}"/>
-          </ac:spMkLst>
-        </pc:spChg>
-        <pc:picChg chg="add mod">
-          <ac:chgData name="Camilo Alejandro Nossa Calderon" userId="S::c.nossa@uniandes.edu.co::2aab6646-8111-4774-b23e-f2fd5229594e" providerId="AD" clId="Web-{E1197103-D5D8-11E3-89E8-757975F27206}" dt="2025-09-02T04:37:00.571" v="26" actId="1076"/>
-          <ac:picMkLst>
-            <pc:docMk/>
-            <pc:sldMk cId="1446356416" sldId="479"/>
-            <ac:picMk id="2" creationId="{F4A48EC1-A620-0F43-7392-63891325E29E}"/>
-          </ac:picMkLst>
-        </pc:picChg>
-      </pc:sldChg>
-      <pc:sldChg chg="delSp modSp">
-        <pc:chgData name="Camilo Alejandro Nossa Calderon" userId="S::c.nossa@uniandes.edu.co::2aab6646-8111-4774-b23e-f2fd5229594e" providerId="AD" clId="Web-{E1197103-D5D8-11E3-89E8-757975F27206}" dt="2025-09-02T04:41:50.614" v="48"/>
-        <pc:sldMkLst>
-          <pc:docMk/>
-          <pc:sldMk cId="1316333021" sldId="482"/>
-        </pc:sldMkLst>
-        <pc:spChg chg="mod">
-          <ac:chgData name="Camilo Alejandro Nossa Calderon" userId="S::c.nossa@uniandes.edu.co::2aab6646-8111-4774-b23e-f2fd5229594e" providerId="AD" clId="Web-{E1197103-D5D8-11E3-89E8-757975F27206}" dt="2025-09-02T04:34:17.398" v="9" actId="20577"/>
-          <ac:spMkLst>
-            <pc:docMk/>
-            <pc:sldMk cId="1316333021" sldId="482"/>
-            <ac:spMk id="8" creationId="{41FCA9EC-2B4F-61E0-2120-7AEB26B1810B}"/>
-          </ac:spMkLst>
-        </pc:spChg>
-        <pc:picChg chg="del">
-          <ac:chgData name="Camilo Alejandro Nossa Calderon" userId="S::c.nossa@uniandes.edu.co::2aab6646-8111-4774-b23e-f2fd5229594e" providerId="AD" clId="Web-{E1197103-D5D8-11E3-89E8-757975F27206}" dt="2025-09-02T04:41:50.614" v="48"/>
-          <ac:picMkLst>
-            <pc:docMk/>
-            <pc:sldMk cId="1316333021" sldId="482"/>
-            <ac:picMk id="31" creationId="{6FFC862E-1FBC-3911-42C7-64C14610EF07}"/>
-          </ac:picMkLst>
-        </pc:picChg>
-      </pc:sldChg>
-      <pc:sldChg chg="addSp delSp modSp add replId">
-        <pc:chgData name="Camilo Alejandro Nossa Calderon" userId="S::c.nossa@uniandes.edu.co::2aab6646-8111-4774-b23e-f2fd5229594e" providerId="AD" clId="Web-{E1197103-D5D8-11E3-89E8-757975F27206}" dt="2025-09-02T04:55:29.380" v="97" actId="20577"/>
-        <pc:sldMkLst>
-          <pc:docMk/>
-          <pc:sldMk cId="866889576" sldId="483"/>
-        </pc:sldMkLst>
-        <pc:spChg chg="del">
-          <ac:chgData name="Camilo Alejandro Nossa Calderon" userId="S::c.nossa@uniandes.edu.co::2aab6646-8111-4774-b23e-f2fd5229594e" providerId="AD" clId="Web-{E1197103-D5D8-11E3-89E8-757975F27206}" dt="2025-09-02T04:29:59.268" v="4"/>
-          <ac:spMkLst>
-            <pc:docMk/>
-            <pc:sldMk cId="866889576" sldId="483"/>
-            <ac:spMk id="2" creationId="{F79F9C68-268D-4773-B26E-4EE896DE8B5F}"/>
-          </ac:spMkLst>
-        </pc:spChg>
-        <pc:spChg chg="del">
-          <ac:chgData name="Camilo Alejandro Nossa Calderon" userId="S::c.nossa@uniandes.edu.co::2aab6646-8111-4774-b23e-f2fd5229594e" providerId="AD" clId="Web-{E1197103-D5D8-11E3-89E8-757975F27206}" dt="2025-09-02T04:30:03.175" v="5"/>
-          <ac:spMkLst>
-            <pc:docMk/>
-            <pc:sldMk cId="866889576" sldId="483"/>
-            <ac:spMk id="5" creationId="{66A79521-89C9-B918-5784-29CCFD0AAC6C}"/>
-          </ac:spMkLst>
-        </pc:spChg>
-        <pc:spChg chg="del mod">
-          <ac:chgData name="Camilo Alejandro Nossa Calderon" userId="S::c.nossa@uniandes.edu.co::2aab6646-8111-4774-b23e-f2fd5229594e" providerId="AD" clId="Web-{E1197103-D5D8-11E3-89E8-757975F27206}" dt="2025-09-02T04:29:57.378" v="3"/>
-          <ac:spMkLst>
-            <pc:docMk/>
-            <pc:sldMk cId="866889576" sldId="483"/>
-            <ac:spMk id="8" creationId="{0110397D-3523-B88E-9B6C-7C61024F5DBE}"/>
-          </ac:spMkLst>
-        </pc:spChg>
-        <pc:spChg chg="mod">
-          <ac:chgData name="Camilo Alejandro Nossa Calderon" userId="S::c.nossa@uniandes.edu.co::2aab6646-8111-4774-b23e-f2fd5229594e" providerId="AD" clId="Web-{E1197103-D5D8-11E3-89E8-757975F27206}" dt="2025-09-02T04:54:59.192" v="86" actId="20577"/>
-          <ac:spMkLst>
-            <pc:docMk/>
-            <pc:sldMk cId="866889576" sldId="483"/>
-            <ac:spMk id="8" creationId="{281E5B3D-85CE-5DC4-9DBF-BA8C89200656}"/>
-          </ac:spMkLst>
-        </pc:spChg>
-        <pc:spChg chg="mod">
-          <ac:chgData name="Camilo Alejandro Nossa Calderon" userId="S::c.nossa@uniandes.edu.co::2aab6646-8111-4774-b23e-f2fd5229594e" providerId="AD" clId="Web-{E1197103-D5D8-11E3-89E8-757975F27206}" dt="2025-09-02T04:54:36.552" v="72" actId="20577"/>
-          <ac:spMkLst>
-            <pc:docMk/>
-            <pc:sldMk cId="866889576" sldId="483"/>
-            <ac:spMk id="9" creationId="{920F8023-41E5-01A6-67CC-C0913E2D1A54}"/>
-          </ac:spMkLst>
-        </pc:spChg>
-        <pc:spChg chg="add del">
-          <ac:chgData name="Camilo Alejandro Nossa Calderon" userId="S::c.nossa@uniandes.edu.co::2aab6646-8111-4774-b23e-f2fd5229594e" providerId="AD" clId="Web-{E1197103-D5D8-11E3-89E8-757975F27206}" dt="2025-09-02T04:37:19.963" v="31"/>
-          <ac:spMkLst>
-            <pc:docMk/>
-            <pc:sldMk cId="866889576" sldId="483"/>
-            <ac:spMk id="13" creationId="{6A2D209A-ACC5-8E69-6E66-05B185885BB0}"/>
-          </ac:spMkLst>
-        </pc:spChg>
-        <pc:spChg chg="add mod">
-          <ac:chgData name="Camilo Alejandro Nossa Calderon" userId="S::c.nossa@uniandes.edu.co::2aab6646-8111-4774-b23e-f2fd5229594e" providerId="AD" clId="Web-{E1197103-D5D8-11E3-89E8-757975F27206}" dt="2025-09-02T04:55:29.380" v="97" actId="20577"/>
-          <ac:spMkLst>
-            <pc:docMk/>
-            <pc:sldMk cId="866889576" sldId="483"/>
-            <ac:spMk id="13" creationId="{FDF11067-DB84-C2A9-7FC9-6B8D8C7A3E1D}"/>
-          </ac:spMkLst>
-        </pc:spChg>
-        <pc:spChg chg="add del mod">
-          <ac:chgData name="Camilo Alejandro Nossa Calderon" userId="S::c.nossa@uniandes.edu.co::2aab6646-8111-4774-b23e-f2fd5229594e" providerId="AD" clId="Web-{E1197103-D5D8-11E3-89E8-757975F27206}" dt="2025-09-02T04:37:17.900" v="30"/>
-          <ac:spMkLst>
-            <pc:docMk/>
-            <pc:sldMk cId="866889576" sldId="483"/>
-            <ac:spMk id="15" creationId="{C7ABAF76-1A87-C286-1BC1-FDF08F9EA494}"/>
-          </ac:spMkLst>
-        </pc:spChg>
-        <pc:grpChg chg="add del mod">
-          <ac:chgData name="Camilo Alejandro Nossa Calderon" userId="S::c.nossa@uniandes.edu.co::2aab6646-8111-4774-b23e-f2fd5229594e" providerId="AD" clId="Web-{E1197103-D5D8-11E3-89E8-757975F27206}" dt="2025-09-02T04:54:59.692" v="87"/>
-          <ac:grpSpMkLst>
-            <pc:docMk/>
-            <pc:sldMk cId="866889576" sldId="483"/>
-            <ac:grpSpMk id="14" creationId="{BBFAD93D-B4CC-F197-99E0-9491EEFE9B85}"/>
-          </ac:grpSpMkLst>
-        </pc:grpChg>
-        <pc:picChg chg="mod">
-          <ac:chgData name="Camilo Alejandro Nossa Calderon" userId="S::c.nossa@uniandes.edu.co::2aab6646-8111-4774-b23e-f2fd5229594e" providerId="AD" clId="Web-{E1197103-D5D8-11E3-89E8-757975F27206}" dt="2025-09-02T04:41:39.989" v="46" actId="1076"/>
-          <ac:picMkLst>
-            <pc:docMk/>
-            <pc:sldMk cId="866889576" sldId="483"/>
-            <ac:picMk id="2" creationId="{6E053FC1-4348-B868-B975-119764789A40}"/>
-          </ac:picMkLst>
-        </pc:picChg>
-        <pc:picChg chg="del">
-          <ac:chgData name="Camilo Alejandro Nossa Calderon" userId="S::c.nossa@uniandes.edu.co::2aab6646-8111-4774-b23e-f2fd5229594e" providerId="AD" clId="Web-{E1197103-D5D8-11E3-89E8-757975F27206}" dt="2025-09-02T04:30:03.175" v="6"/>
-          <ac:picMkLst>
-            <pc:docMk/>
-            <pc:sldMk cId="866889576" sldId="483"/>
-            <ac:picMk id="4" creationId="{3FD44677-B8F8-EEA6-8FDC-0E5C11D30DA8}"/>
-          </ac:picMkLst>
-        </pc:picChg>
-        <pc:picChg chg="mod">
-          <ac:chgData name="Camilo Alejandro Nossa Calderon" userId="S::c.nossa@uniandes.edu.co::2aab6646-8111-4774-b23e-f2fd5229594e" providerId="AD" clId="Web-{E1197103-D5D8-11E3-89E8-757975F27206}" dt="2025-09-02T04:35:03.245" v="16" actId="1076"/>
-          <ac:picMkLst>
-            <pc:docMk/>
-            <pc:sldMk cId="866889576" sldId="483"/>
-            <ac:picMk id="9" creationId="{85F8D5FC-6002-AAD8-40DD-7D7D025B60CA}"/>
-          </ac:picMkLst>
-        </pc:picChg>
-        <pc:picChg chg="mod">
-          <ac:chgData name="Camilo Alejandro Nossa Calderon" userId="S::c.nossa@uniandes.edu.co::2aab6646-8111-4774-b23e-f2fd5229594e" providerId="AD" clId="Web-{E1197103-D5D8-11E3-89E8-757975F27206}" dt="2025-09-02T04:53:35.692" v="52" actId="1076"/>
-          <ac:picMkLst>
-            <pc:docMk/>
-            <pc:sldMk cId="866889576" sldId="483"/>
-            <ac:picMk id="10" creationId="{FB89661D-D2B5-9AB5-8F62-DA62E840A241}"/>
-          </ac:picMkLst>
-        </pc:picChg>
-        <pc:picChg chg="add del">
-          <ac:chgData name="Camilo Alejandro Nossa Calderon" userId="S::c.nossa@uniandes.edu.co::2aab6646-8111-4774-b23e-f2fd5229594e" providerId="AD" clId="Web-{E1197103-D5D8-11E3-89E8-757975F27206}" dt="2025-09-02T04:37:19.963" v="32"/>
-          <ac:picMkLst>
-            <pc:docMk/>
-            <pc:sldMk cId="866889576" sldId="483"/>
-            <ac:picMk id="11" creationId="{8064C370-85FB-1AD9-9B0B-3E77244FD524}"/>
-          </ac:picMkLst>
-        </pc:picChg>
-        <pc:picChg chg="del">
-          <ac:chgData name="Camilo Alejandro Nossa Calderon" userId="S::c.nossa@uniandes.edu.co::2aab6646-8111-4774-b23e-f2fd5229594e" providerId="AD" clId="Web-{E1197103-D5D8-11E3-89E8-757975F27206}" dt="2025-09-02T04:53:53.958" v="59"/>
-          <ac:picMkLst>
-            <pc:docMk/>
-            <pc:sldMk cId="866889576" sldId="483"/>
-            <ac:picMk id="12" creationId="{DA8CD3B6-3F82-5DD7-D749-66FE2301CE93}"/>
-          </ac:picMkLst>
-        </pc:picChg>
-        <pc:picChg chg="add mod">
-          <ac:chgData name="Camilo Alejandro Nossa Calderon" userId="S::c.nossa@uniandes.edu.co::2aab6646-8111-4774-b23e-f2fd5229594e" providerId="AD" clId="Web-{E1197103-D5D8-11E3-89E8-757975F27206}" dt="2025-09-02T04:55:08.349" v="89" actId="1076"/>
-          <ac:picMkLst>
-            <pc:docMk/>
-            <pc:sldMk cId="866889576" sldId="483"/>
-            <ac:picMk id="17" creationId="{CC983B16-6FF0-BC5D-2EED-51DAC0B4409D}"/>
-          </ac:picMkLst>
-        </pc:picChg>
-      </pc:sldChg>
-      <pc:sldChg chg="modSp">
-        <pc:chgData name="Camilo Alejandro Nossa Calderon" userId="S::c.nossa@uniandes.edu.co::2aab6646-8111-4774-b23e-f2fd5229594e" providerId="AD" clId="Web-{E1197103-D5D8-11E3-89E8-757975F27206}" dt="2025-09-02T05:04:55.801" v="100" actId="20577"/>
-        <pc:sldMkLst>
-          <pc:docMk/>
-          <pc:sldMk cId="2874359720" sldId="484"/>
-        </pc:sldMkLst>
-        <pc:spChg chg="mod">
-          <ac:chgData name="Camilo Alejandro Nossa Calderon" userId="S::c.nossa@uniandes.edu.co::2aab6646-8111-4774-b23e-f2fd5229594e" providerId="AD" clId="Web-{E1197103-D5D8-11E3-89E8-757975F27206}" dt="2025-09-02T05:04:55.801" v="100" actId="20577"/>
-          <ac:spMkLst>
-            <pc:docMk/>
-            <pc:sldMk cId="2874359720" sldId="484"/>
-            <ac:spMk id="5" creationId="{445317F2-A079-7D07-5B27-3EC465DDAD9C}"/>
-          </ac:spMkLst>
-        </pc:spChg>
-      </pc:sldChg>
-    </pc:docChg>
-  </pc:docChgLst>
-  <pc:docChgLst>
-    <pc:chgData name="Elmar Santofimio Suarez" userId="S::e.santofimio@uniandes.edu.co::86345d55-0e9d-4882-9f6b-fbf6a9d0ca43" providerId="AD" clId="Web-{24C5AA91-4C7A-C091-B5D9-66B4131D99A5}"/>
-    <pc:docChg chg="addSld modSld">
-      <pc:chgData name="Elmar Santofimio Suarez" userId="S::e.santofimio@uniandes.edu.co::86345d55-0e9d-4882-9f6b-fbf6a9d0ca43" providerId="AD" clId="Web-{24C5AA91-4C7A-C091-B5D9-66B4131D99A5}" dt="2025-09-01T02:22:40.865" v="6"/>
-      <pc:docMkLst>
-        <pc:docMk/>
-      </pc:docMkLst>
-      <pc:sldChg chg="addSp modSp">
-        <pc:chgData name="Elmar Santofimio Suarez" userId="S::e.santofimio@uniandes.edu.co::86345d55-0e9d-4882-9f6b-fbf6a9d0ca43" providerId="AD" clId="Web-{24C5AA91-4C7A-C091-B5D9-66B4131D99A5}" dt="2025-09-01T02:22:22.005" v="4" actId="1076"/>
-        <pc:sldMkLst>
-          <pc:docMk/>
-          <pc:sldMk cId="4288963705" sldId="478"/>
-        </pc:sldMkLst>
-        <pc:picChg chg="add mod">
-          <ac:chgData name="Elmar Santofimio Suarez" userId="S::e.santofimio@uniandes.edu.co::86345d55-0e9d-4882-9f6b-fbf6a9d0ca43" providerId="AD" clId="Web-{24C5AA91-4C7A-C091-B5D9-66B4131D99A5}" dt="2025-09-01T02:22:22.005" v="4" actId="1076"/>
-          <ac:picMkLst>
-            <pc:docMk/>
-            <pc:sldMk cId="4288963705" sldId="478"/>
-            <ac:picMk id="2" creationId="{AE1EE4F7-F4E1-BA9A-4E59-ABF48953B124}"/>
-          </ac:picMkLst>
-        </pc:picChg>
-      </pc:sldChg>
-      <pc:sldChg chg="delSp new">
-        <pc:chgData name="Elmar Santofimio Suarez" userId="S::e.santofimio@uniandes.edu.co::86345d55-0e9d-4882-9f6b-fbf6a9d0ca43" providerId="AD" clId="Web-{24C5AA91-4C7A-C091-B5D9-66B4131D99A5}" dt="2025-09-01T02:22:40.865" v="6"/>
-        <pc:sldMkLst>
-          <pc:docMk/>
-          <pc:sldMk cId="2145844100" sldId="482"/>
-        </pc:sldMkLst>
-        <pc:spChg chg="del">
-          <ac:chgData name="Elmar Santofimio Suarez" userId="S::e.santofimio@uniandes.edu.co::86345d55-0e9d-4882-9f6b-fbf6a9d0ca43" providerId="AD" clId="Web-{24C5AA91-4C7A-C091-B5D9-66B4131D99A5}" dt="2025-09-01T02:22:40.865" v="6"/>
-          <ac:spMkLst>
-            <pc:docMk/>
-            <pc:sldMk cId="2145844100" sldId="482"/>
-            <ac:spMk id="2" creationId="{8B6735CF-4A78-4287-CD0E-C69A26911318}"/>
-          </ac:spMkLst>
-        </pc:spChg>
-      </pc:sldChg>
-    </pc:docChg>
-  </pc:docChgLst>
-  <pc:docChgLst>
-    <pc:chgData name="Carlos Rodríguez" userId="f1dedf0d09b55e6e" providerId="LiveId" clId="{521D7EF0-1FB3-4662-BCD5-642370DF5537}"/>
-    <pc:docChg chg="undo custSel addSld delSld modSld sldOrd">
-      <pc:chgData name="Carlos Rodríguez" userId="f1dedf0d09b55e6e" providerId="LiveId" clId="{521D7EF0-1FB3-4662-BCD5-642370DF5537}" dt="2025-08-30T02:54:35.560" v="499" actId="20577"/>
-      <pc:docMkLst>
-        <pc:docMk/>
-      </pc:docMkLst>
-      <pc:sldChg chg="addSp modSp mod">
-        <pc:chgData name="Carlos Rodríguez" userId="f1dedf0d09b55e6e" providerId="LiveId" clId="{521D7EF0-1FB3-4662-BCD5-642370DF5537}" dt="2025-08-29T23:40:13.825" v="58" actId="1076"/>
-        <pc:sldMkLst>
-          <pc:docMk/>
-          <pc:sldMk cId="4069642230" sldId="256"/>
-        </pc:sldMkLst>
-        <pc:spChg chg="mod">
-          <ac:chgData name="Carlos Rodríguez" userId="f1dedf0d09b55e6e" providerId="LiveId" clId="{521D7EF0-1FB3-4662-BCD5-642370DF5537}" dt="2025-08-29T23:40:07.358" v="57" actId="1076"/>
-          <ac:spMkLst>
-            <pc:docMk/>
-            <pc:sldMk cId="4069642230" sldId="256"/>
-            <ac:spMk id="2" creationId="{00000000-0000-0000-0000-000000000000}"/>
-          </ac:spMkLst>
-        </pc:spChg>
-        <pc:spChg chg="mod">
-          <ac:chgData name="Carlos Rodríguez" userId="f1dedf0d09b55e6e" providerId="LiveId" clId="{521D7EF0-1FB3-4662-BCD5-642370DF5537}" dt="2025-08-29T23:40:13.825" v="58" actId="1076"/>
-          <ac:spMkLst>
-            <pc:docMk/>
-            <pc:sldMk cId="4069642230" sldId="256"/>
-            <ac:spMk id="3" creationId="{00000000-0000-0000-0000-000000000000}"/>
-          </ac:spMkLst>
-        </pc:spChg>
-        <pc:spChg chg="add mod">
-          <ac:chgData name="Carlos Rodríguez" userId="f1dedf0d09b55e6e" providerId="LiveId" clId="{521D7EF0-1FB3-4662-BCD5-642370DF5537}" dt="2025-08-29T23:39:13.372" v="49" actId="313"/>
-          <ac:spMkLst>
-            <pc:docMk/>
-            <pc:sldMk cId="4069642230" sldId="256"/>
-            <ac:spMk id="4" creationId="{4562C3EC-D7CA-2F3A-3FC1-65FAB7734B07}"/>
-          </ac:spMkLst>
-        </pc:spChg>
-      </pc:sldChg>
-      <pc:sldChg chg="modSp mod">
-        <pc:chgData name="Carlos Rodríguez" userId="f1dedf0d09b55e6e" providerId="LiveId" clId="{521D7EF0-1FB3-4662-BCD5-642370DF5537}" dt="2025-08-29T23:57:15.539" v="352"/>
-        <pc:sldMkLst>
-          <pc:docMk/>
-          <pc:sldMk cId="198856905" sldId="432"/>
-        </pc:sldMkLst>
-        <pc:graphicFrameChg chg="mod modGraphic">
-          <ac:chgData name="Carlos Rodríguez" userId="f1dedf0d09b55e6e" providerId="LiveId" clId="{521D7EF0-1FB3-4662-BCD5-642370DF5537}" dt="2025-08-29T23:57:15.539" v="352"/>
-          <ac:graphicFrameMkLst>
-            <pc:docMk/>
-            <pc:sldMk cId="198856905" sldId="432"/>
-            <ac:graphicFrameMk id="9" creationId="{674E3414-D2BA-3D41-BAEC-BDDF5879A1D8}"/>
-          </ac:graphicFrameMkLst>
-        </pc:graphicFrameChg>
-      </pc:sldChg>
-      <pc:sldChg chg="del">
-        <pc:chgData name="Carlos Rodríguez" userId="f1dedf0d09b55e6e" providerId="LiveId" clId="{521D7EF0-1FB3-4662-BCD5-642370DF5537}" dt="2025-08-29T23:58:01.253" v="354" actId="2696"/>
-        <pc:sldMkLst>
-          <pc:docMk/>
-          <pc:sldMk cId="1373323368" sldId="433"/>
-        </pc:sldMkLst>
-      </pc:sldChg>
-      <pc:sldChg chg="del">
-        <pc:chgData name="Carlos Rodríguez" userId="f1dedf0d09b55e6e" providerId="LiveId" clId="{521D7EF0-1FB3-4662-BCD5-642370DF5537}" dt="2025-08-29T23:58:17.836" v="356" actId="2696"/>
-        <pc:sldMkLst>
-          <pc:docMk/>
-          <pc:sldMk cId="1958245087" sldId="434"/>
-        </pc:sldMkLst>
-      </pc:sldChg>
-      <pc:sldChg chg="del">
-        <pc:chgData name="Carlos Rodríguez" userId="f1dedf0d09b55e6e" providerId="LiveId" clId="{521D7EF0-1FB3-4662-BCD5-642370DF5537}" dt="2025-08-29T23:41:40.188" v="59" actId="2696"/>
-        <pc:sldMkLst>
-          <pc:docMk/>
-          <pc:sldMk cId="910794238" sldId="461"/>
-        </pc:sldMkLst>
-      </pc:sldChg>
-      <pc:sldChg chg="addSp delSp modSp mod ord">
-        <pc:chgData name="Carlos Rodríguez" userId="f1dedf0d09b55e6e" providerId="LiveId" clId="{521D7EF0-1FB3-4662-BCD5-642370DF5537}" dt="2025-08-29T23:44:51.838" v="214"/>
-        <pc:sldMkLst>
-          <pc:docMk/>
-          <pc:sldMk cId="687333583" sldId="466"/>
-        </pc:sldMkLst>
-      </pc:sldChg>
-      <pc:sldChg chg="addSp delSp modSp add del mod">
-        <pc:chgData name="Carlos Rodríguez" userId="f1dedf0d09b55e6e" providerId="LiveId" clId="{521D7EF0-1FB3-4662-BCD5-642370DF5537}" dt="2025-08-30T02:54:06.211" v="491" actId="13926"/>
-        <pc:sldMkLst>
-          <pc:docMk/>
-          <pc:sldMk cId="592874193" sldId="467"/>
-        </pc:sldMkLst>
-        <pc:spChg chg="add del mod">
-          <ac:chgData name="Carlos Rodríguez" userId="f1dedf0d09b55e6e" providerId="LiveId" clId="{521D7EF0-1FB3-4662-BCD5-642370DF5537}" dt="2025-08-30T01:05:07.518" v="481" actId="313"/>
-          <ac:spMkLst>
-            <pc:docMk/>
-            <pc:sldMk cId="592874193" sldId="467"/>
-            <ac:spMk id="2" creationId="{64595BA3-335B-ADDC-0BA7-189E3C02448A}"/>
-          </ac:spMkLst>
-        </pc:spChg>
-        <pc:spChg chg="mod">
-          <ac:chgData name="Carlos Rodríguez" userId="f1dedf0d09b55e6e" providerId="LiveId" clId="{521D7EF0-1FB3-4662-BCD5-642370DF5537}" dt="2025-08-29T23:43:32.760" v="114" actId="1036"/>
-          <ac:spMkLst>
-            <pc:docMk/>
-            <pc:sldMk cId="592874193" sldId="467"/>
-            <ac:spMk id="20" creationId="{502190BB-CBFB-C2FF-C363-855B4C22F5BD}"/>
-          </ac:spMkLst>
-        </pc:spChg>
-        <pc:spChg chg="mod">
-          <ac:chgData name="Carlos Rodríguez" userId="f1dedf0d09b55e6e" providerId="LiveId" clId="{521D7EF0-1FB3-4662-BCD5-642370DF5537}" dt="2025-08-29T23:43:32.760" v="114" actId="1036"/>
-          <ac:spMkLst>
-            <pc:docMk/>
-            <pc:sldMk cId="592874193" sldId="467"/>
-            <ac:spMk id="21" creationId="{F73DAA3F-AF89-C555-27FF-0985DB323C92}"/>
-          </ac:spMkLst>
-        </pc:spChg>
-        <pc:graphicFrameChg chg="mod modGraphic">
-          <ac:chgData name="Carlos Rodríguez" userId="f1dedf0d09b55e6e" providerId="LiveId" clId="{521D7EF0-1FB3-4662-BCD5-642370DF5537}" dt="2025-08-30T02:54:06.211" v="491" actId="13926"/>
-          <ac:graphicFrameMkLst>
-            <pc:docMk/>
-            <pc:sldMk cId="592874193" sldId="467"/>
-            <ac:graphicFrameMk id="8" creationId="{8E3EA33B-4F1D-1D8D-2655-02AF6C8C3BB7}"/>
-          </ac:graphicFrameMkLst>
-        </pc:graphicFrameChg>
-        <pc:graphicFrameChg chg="mod">
-          <ac:chgData name="Carlos Rodríguez" userId="f1dedf0d09b55e6e" providerId="LiveId" clId="{521D7EF0-1FB3-4662-BCD5-642370DF5537}" dt="2025-08-29T23:43:32.760" v="114" actId="1036"/>
-          <ac:graphicFrameMkLst>
-            <pc:docMk/>
-            <pc:sldMk cId="592874193" sldId="467"/>
-            <ac:graphicFrameMk id="14" creationId="{E833C5EF-FBD9-2B4E-E6F7-AC71C0760243}"/>
-          </ac:graphicFrameMkLst>
-        </pc:graphicFrameChg>
-        <pc:graphicFrameChg chg="mod">
-          <ac:chgData name="Carlos Rodríguez" userId="f1dedf0d09b55e6e" providerId="LiveId" clId="{521D7EF0-1FB3-4662-BCD5-642370DF5537}" dt="2025-08-29T23:43:32.760" v="114" actId="1036"/>
-          <ac:graphicFrameMkLst>
-            <pc:docMk/>
-            <pc:sldMk cId="592874193" sldId="467"/>
-            <ac:graphicFrameMk id="15" creationId="{B2657318-CE98-EE19-89B2-C1F7160E121F}"/>
-          </ac:graphicFrameMkLst>
-        </pc:graphicFrameChg>
-        <pc:graphicFrameChg chg="mod">
-          <ac:chgData name="Carlos Rodríguez" userId="f1dedf0d09b55e6e" providerId="LiveId" clId="{521D7EF0-1FB3-4662-BCD5-642370DF5537}" dt="2025-08-29T23:43:32.760" v="114" actId="1036"/>
-          <ac:graphicFrameMkLst>
-            <pc:docMk/>
-            <pc:sldMk cId="592874193" sldId="467"/>
-            <ac:graphicFrameMk id="16" creationId="{D660B063-8C58-E99E-44DB-3CF3EDD9EFF7}"/>
-          </ac:graphicFrameMkLst>
-        </pc:graphicFrameChg>
-        <pc:graphicFrameChg chg="mod">
-          <ac:chgData name="Carlos Rodríguez" userId="f1dedf0d09b55e6e" providerId="LiveId" clId="{521D7EF0-1FB3-4662-BCD5-642370DF5537}" dt="2025-08-29T23:43:32.760" v="114" actId="1036"/>
-          <ac:graphicFrameMkLst>
-            <pc:docMk/>
-            <pc:sldMk cId="592874193" sldId="467"/>
-            <ac:graphicFrameMk id="22" creationId="{D1D77F1C-B890-684D-7C8A-EA312B1ABBB3}"/>
-          </ac:graphicFrameMkLst>
-        </pc:graphicFrameChg>
-        <pc:graphicFrameChg chg="mod">
-          <ac:chgData name="Carlos Rodríguez" userId="f1dedf0d09b55e6e" providerId="LiveId" clId="{521D7EF0-1FB3-4662-BCD5-642370DF5537}" dt="2025-08-29T23:43:32.760" v="114" actId="1036"/>
-          <ac:graphicFrameMkLst>
-            <pc:docMk/>
-            <pc:sldMk cId="592874193" sldId="467"/>
-            <ac:graphicFrameMk id="23" creationId="{48C5B24B-6EAD-2C31-AF1E-50610C2ADD7E}"/>
-          </ac:graphicFrameMkLst>
-        </pc:graphicFrameChg>
-        <pc:graphicFrameChg chg="mod">
-          <ac:chgData name="Carlos Rodríguez" userId="f1dedf0d09b55e6e" providerId="LiveId" clId="{521D7EF0-1FB3-4662-BCD5-642370DF5537}" dt="2025-08-29T23:43:32.760" v="114" actId="1036"/>
-          <ac:graphicFrameMkLst>
-            <pc:docMk/>
-            <pc:sldMk cId="592874193" sldId="467"/>
-            <ac:graphicFrameMk id="24" creationId="{CCA9DA9C-C8D3-E28B-D770-76A8FC51FD27}"/>
-          </ac:graphicFrameMkLst>
-        </pc:graphicFrameChg>
-      </pc:sldChg>
-      <pc:sldChg chg="add">
-        <pc:chgData name="Carlos Rodríguez" userId="f1dedf0d09b55e6e" providerId="LiveId" clId="{521D7EF0-1FB3-4662-BCD5-642370DF5537}" dt="2025-08-29T23:54:14.356" v="222"/>
-        <pc:sldMkLst>
-          <pc:docMk/>
-          <pc:sldMk cId="4270332461" sldId="468"/>
-        </pc:sldMkLst>
-      </pc:sldChg>
-      <pc:sldChg chg="add">
-        <pc:chgData name="Carlos Rodríguez" userId="f1dedf0d09b55e6e" providerId="LiveId" clId="{521D7EF0-1FB3-4662-BCD5-642370DF5537}" dt="2025-08-29T23:54:14.356" v="222"/>
-        <pc:sldMkLst>
-          <pc:docMk/>
-          <pc:sldMk cId="2551976890" sldId="469"/>
-        </pc:sldMkLst>
-      </pc:sldChg>
-      <pc:sldChg chg="add">
-        <pc:chgData name="Carlos Rodríguez" userId="f1dedf0d09b55e6e" providerId="LiveId" clId="{521D7EF0-1FB3-4662-BCD5-642370DF5537}" dt="2025-08-29T23:54:14.356" v="222"/>
-        <pc:sldMkLst>
-          <pc:docMk/>
-          <pc:sldMk cId="2963442731" sldId="473"/>
-        </pc:sldMkLst>
-      </pc:sldChg>
-      <pc:sldChg chg="add">
-        <pc:chgData name="Carlos Rodríguez" userId="f1dedf0d09b55e6e" providerId="LiveId" clId="{521D7EF0-1FB3-4662-BCD5-642370DF5537}" dt="2025-08-29T23:57:45.052" v="353"/>
-        <pc:sldMkLst>
-          <pc:docMk/>
-          <pc:sldMk cId="2607037317" sldId="474"/>
-        </pc:sldMkLst>
-      </pc:sldChg>
-      <pc:sldChg chg="add">
-        <pc:chgData name="Carlos Rodríguez" userId="f1dedf0d09b55e6e" providerId="LiveId" clId="{521D7EF0-1FB3-4662-BCD5-642370DF5537}" dt="2025-08-29T23:58:14.088" v="355"/>
-        <pc:sldMkLst>
-          <pc:docMk/>
-          <pc:sldMk cId="2639478463" sldId="475"/>
-        </pc:sldMkLst>
-      </pc:sldChg>
-      <pc:sldChg chg="addSp delSp modSp add mod">
-        <pc:chgData name="Carlos Rodríguez" userId="f1dedf0d09b55e6e" providerId="LiveId" clId="{521D7EF0-1FB3-4662-BCD5-642370DF5537}" dt="2025-08-29T23:59:34.890" v="392" actId="1036"/>
-        <pc:sldMkLst>
-          <pc:docMk/>
-          <pc:sldMk cId="2983963519" sldId="476"/>
-        </pc:sldMkLst>
-        <pc:spChg chg="add del mod">
-          <ac:chgData name="Carlos Rodríguez" userId="f1dedf0d09b55e6e" providerId="LiveId" clId="{521D7EF0-1FB3-4662-BCD5-642370DF5537}" dt="2025-08-29T23:59:34.890" v="392" actId="1036"/>
-          <ac:spMkLst>
-            <pc:docMk/>
-            <pc:sldMk cId="2983963519" sldId="476"/>
-            <ac:spMk id="7" creationId="{218E002B-5F16-AF8E-D18E-6539578CE088}"/>
-          </ac:spMkLst>
-        </pc:spChg>
-      </pc:sldChg>
-      <pc:sldChg chg="modSp add mod">
-        <pc:chgData name="Carlos Rodríguez" userId="f1dedf0d09b55e6e" providerId="LiveId" clId="{521D7EF0-1FB3-4662-BCD5-642370DF5537}" dt="2025-08-29T23:59:59.496" v="447" actId="20577"/>
-        <pc:sldMkLst>
-          <pc:docMk/>
-          <pc:sldMk cId="4038774577" sldId="477"/>
-        </pc:sldMkLst>
-        <pc:spChg chg="mod">
-          <ac:chgData name="Carlos Rodríguez" userId="f1dedf0d09b55e6e" providerId="LiveId" clId="{521D7EF0-1FB3-4662-BCD5-642370DF5537}" dt="2025-08-29T23:59:59.496" v="447" actId="20577"/>
-          <ac:spMkLst>
-            <pc:docMk/>
-            <pc:sldMk cId="4038774577" sldId="477"/>
-            <ac:spMk id="7" creationId="{521CF45E-FFFC-502F-347D-EA542C593FE7}"/>
-          </ac:spMkLst>
-        </pc:spChg>
-      </pc:sldChg>
-      <pc:sldChg chg="modSp add mod">
-        <pc:chgData name="Carlos Rodríguez" userId="f1dedf0d09b55e6e" providerId="LiveId" clId="{521D7EF0-1FB3-4662-BCD5-642370DF5537}" dt="2025-08-30T00:00:08.864" v="458" actId="20577"/>
-        <pc:sldMkLst>
-          <pc:docMk/>
-          <pc:sldMk cId="4288963705" sldId="478"/>
-        </pc:sldMkLst>
-        <pc:spChg chg="mod">
-          <ac:chgData name="Carlos Rodríguez" userId="f1dedf0d09b55e6e" providerId="LiveId" clId="{521D7EF0-1FB3-4662-BCD5-642370DF5537}" dt="2025-08-30T00:00:08.864" v="458" actId="20577"/>
-          <ac:spMkLst>
-            <pc:docMk/>
-            <pc:sldMk cId="4288963705" sldId="478"/>
-            <ac:spMk id="7" creationId="{2DBED479-FB19-E089-1C6E-2AE0B82F2A0C}"/>
-          </ac:spMkLst>
-        </pc:spChg>
-      </pc:sldChg>
-      <pc:sldChg chg="modSp add mod">
-        <pc:chgData name="Carlos Rodríguez" userId="f1dedf0d09b55e6e" providerId="LiveId" clId="{521D7EF0-1FB3-4662-BCD5-642370DF5537}" dt="2025-08-30T00:00:24.052" v="473" actId="20577"/>
-        <pc:sldMkLst>
-          <pc:docMk/>
-          <pc:sldMk cId="1446356416" sldId="479"/>
-        </pc:sldMkLst>
-        <pc:spChg chg="mod">
-          <ac:chgData name="Carlos Rodríguez" userId="f1dedf0d09b55e6e" providerId="LiveId" clId="{521D7EF0-1FB3-4662-BCD5-642370DF5537}" dt="2025-08-30T00:00:24.052" v="473" actId="20577"/>
-          <ac:spMkLst>
-            <pc:docMk/>
-            <pc:sldMk cId="1446356416" sldId="479"/>
-            <ac:spMk id="7" creationId="{6C2A64F7-21DA-14DB-83BC-306E861DB0B1}"/>
-          </ac:spMkLst>
-        </pc:spChg>
-      </pc:sldChg>
-      <pc:sldChg chg="modSp add mod">
-        <pc:chgData name="Carlos Rodríguez" userId="f1dedf0d09b55e6e" providerId="LiveId" clId="{521D7EF0-1FB3-4662-BCD5-642370DF5537}" dt="2025-08-30T00:00:32.330" v="480" actId="20577"/>
-        <pc:sldMkLst>
-          <pc:docMk/>
-          <pc:sldMk cId="704289826" sldId="480"/>
-        </pc:sldMkLst>
-        <pc:spChg chg="mod">
-          <ac:chgData name="Carlos Rodríguez" userId="f1dedf0d09b55e6e" providerId="LiveId" clId="{521D7EF0-1FB3-4662-BCD5-642370DF5537}" dt="2025-08-30T00:00:32.330" v="480" actId="20577"/>
-          <ac:spMkLst>
-            <pc:docMk/>
-            <pc:sldMk cId="704289826" sldId="480"/>
-            <ac:spMk id="7" creationId="{89200B14-9632-309F-25C9-B4AE0B4B0883}"/>
-          </ac:spMkLst>
-        </pc:spChg>
-      </pc:sldChg>
-      <pc:sldChg chg="modSp add mod">
-        <pc:chgData name="Carlos Rodríguez" userId="f1dedf0d09b55e6e" providerId="LiveId" clId="{521D7EF0-1FB3-4662-BCD5-642370DF5537}" dt="2025-08-30T02:54:35.560" v="499" actId="20577"/>
-        <pc:sldMkLst>
-          <pc:docMk/>
-          <pc:sldMk cId="3650402415" sldId="481"/>
-        </pc:sldMkLst>
-        <pc:graphicFrameChg chg="modGraphic">
-          <ac:chgData name="Carlos Rodríguez" userId="f1dedf0d09b55e6e" providerId="LiveId" clId="{521D7EF0-1FB3-4662-BCD5-642370DF5537}" dt="2025-08-30T02:54:35.560" v="499" actId="20577"/>
-          <ac:graphicFrameMkLst>
-            <pc:docMk/>
-            <pc:sldMk cId="3650402415" sldId="481"/>
-            <ac:graphicFrameMk id="8" creationId="{F5FEE616-3199-2999-CB0A-0FC0E3ED6D00}"/>
-          </ac:graphicFrameMkLst>
-        </pc:graphicFrameChg>
-      </pc:sldChg>
-    </pc:docChg>
-  </pc:docChgLst>
-  <pc:docChgLst>
-    <pc:chgData name="Carlos Fidel Rodriguez Alarcon" userId="e73d52b7-37e9-45c9-b1e0-ea73a820c70c" providerId="ADAL" clId="{1B945DB3-14C5-42AA-B3E7-E4658E947A49}"/>
-    <pc:docChg chg="modSld">
-      <pc:chgData name="Carlos Fidel Rodriguez Alarcon" userId="e73d52b7-37e9-45c9-b1e0-ea73a820c70c" providerId="ADAL" clId="{1B945DB3-14C5-42AA-B3E7-E4658E947A49}" dt="2025-08-31T19:49:56.295" v="7" actId="20577"/>
-      <pc:docMkLst>
-        <pc:docMk/>
-      </pc:docMkLst>
-      <pc:sldChg chg="modSp mod">
-        <pc:chgData name="Carlos Fidel Rodriguez Alarcon" userId="e73d52b7-37e9-45c9-b1e0-ea73a820c70c" providerId="ADAL" clId="{1B945DB3-14C5-42AA-B3E7-E4658E947A49}" dt="2025-08-31T19:49:56.295" v="7" actId="20577"/>
-        <pc:sldMkLst>
-          <pc:docMk/>
-          <pc:sldMk cId="3650402415" sldId="481"/>
-        </pc:sldMkLst>
-        <pc:graphicFrameChg chg="modGraphic">
-          <ac:chgData name="Carlos Fidel Rodriguez Alarcon" userId="e73d52b7-37e9-45c9-b1e0-ea73a820c70c" providerId="ADAL" clId="{1B945DB3-14C5-42AA-B3E7-E4658E947A49}" dt="2025-08-31T19:49:56.295" v="7" actId="20577"/>
-          <ac:graphicFrameMkLst>
-            <pc:docMk/>
-            <pc:sldMk cId="3650402415" sldId="481"/>
-            <ac:graphicFrameMk id="8" creationId="{F5FEE616-3199-2999-CB0A-0FC0E3ED6D00}"/>
-          </ac:graphicFrameMkLst>
-        </pc:graphicFrameChg>
-      </pc:sldChg>
-    </pc:docChg>
-  </pc:docChgLst>
-  <pc:docChgLst>
-    <pc:chgData name="Carlos Fidel Rodriguez Alarcon" userId="e73d52b7-37e9-45c9-b1e0-ea73a820c70c" providerId="ADAL" clId="{9153E608-F2BD-4E50-89E7-541200AD15EC}"/>
-    <pc:docChg chg="custSel modSld">
-      <pc:chgData name="Carlos Fidel Rodriguez Alarcon" userId="e73d52b7-37e9-45c9-b1e0-ea73a820c70c" providerId="ADAL" clId="{9153E608-F2BD-4E50-89E7-541200AD15EC}" dt="2025-09-02T04:38:14.178" v="35" actId="790"/>
-      <pc:docMkLst>
-        <pc:docMk/>
-      </pc:docMkLst>
-      <pc:sldChg chg="modSp mod">
-        <pc:chgData name="Carlos Fidel Rodriguez Alarcon" userId="e73d52b7-37e9-45c9-b1e0-ea73a820c70c" providerId="ADAL" clId="{9153E608-F2BD-4E50-89E7-541200AD15EC}" dt="2025-09-02T04:36:56.941" v="32" actId="20577"/>
-        <pc:sldMkLst>
-          <pc:docMk/>
-          <pc:sldMk cId="198856905" sldId="432"/>
-        </pc:sldMkLst>
-        <pc:graphicFrameChg chg="modGraphic">
-          <ac:chgData name="Carlos Fidel Rodriguez Alarcon" userId="e73d52b7-37e9-45c9-b1e0-ea73a820c70c" providerId="ADAL" clId="{9153E608-F2BD-4E50-89E7-541200AD15EC}" dt="2025-09-02T04:36:56.941" v="32" actId="20577"/>
-          <ac:graphicFrameMkLst>
-            <pc:docMk/>
-            <pc:sldMk cId="198856905" sldId="432"/>
-            <ac:graphicFrameMk id="9" creationId="{674E3414-D2BA-3D41-BAEC-BDDF5879A1D8}"/>
-          </ac:graphicFrameMkLst>
-        </pc:graphicFrameChg>
-      </pc:sldChg>
-      <pc:sldChg chg="modSp mod">
-        <pc:chgData name="Carlos Fidel Rodriguez Alarcon" userId="e73d52b7-37e9-45c9-b1e0-ea73a820c70c" providerId="ADAL" clId="{9153E608-F2BD-4E50-89E7-541200AD15EC}" dt="2025-09-02T04:32:03.003" v="0" actId="313"/>
-        <pc:sldMkLst>
-          <pc:docMk/>
-          <pc:sldMk cId="1119887568" sldId="437"/>
-        </pc:sldMkLst>
-        <pc:graphicFrameChg chg="modGraphic">
-          <ac:chgData name="Carlos Fidel Rodriguez Alarcon" userId="e73d52b7-37e9-45c9-b1e0-ea73a820c70c" providerId="ADAL" clId="{9153E608-F2BD-4E50-89E7-541200AD15EC}" dt="2025-09-02T04:32:03.003" v="0" actId="313"/>
-          <ac:graphicFrameMkLst>
-            <pc:docMk/>
-            <pc:sldMk cId="1119887568" sldId="437"/>
-            <ac:graphicFrameMk id="10" creationId="{936F00B5-C18A-254E-9723-C4AE215E98DD}"/>
-          </ac:graphicFrameMkLst>
-        </pc:graphicFrameChg>
-      </pc:sldChg>
-      <pc:sldChg chg="modSp mod">
-        <pc:chgData name="Carlos Fidel Rodriguez Alarcon" userId="e73d52b7-37e9-45c9-b1e0-ea73a820c70c" providerId="ADAL" clId="{9153E608-F2BD-4E50-89E7-541200AD15EC}" dt="2025-09-02T04:37:42.151" v="34" actId="20577"/>
-        <pc:sldMkLst>
-          <pc:docMk/>
-          <pc:sldMk cId="2607037317" sldId="474"/>
-        </pc:sldMkLst>
-        <pc:graphicFrameChg chg="modGraphic">
-          <ac:chgData name="Carlos Fidel Rodriguez Alarcon" userId="e73d52b7-37e9-45c9-b1e0-ea73a820c70c" providerId="ADAL" clId="{9153E608-F2BD-4E50-89E7-541200AD15EC}" dt="2025-09-02T04:37:42.151" v="34" actId="20577"/>
-          <ac:graphicFrameMkLst>
-            <pc:docMk/>
-            <pc:sldMk cId="2607037317" sldId="474"/>
-            <ac:graphicFrameMk id="9" creationId="{E87D49B9-FEFB-D845-87E4-39A147340360}"/>
-          </ac:graphicFrameMkLst>
-        </pc:graphicFrameChg>
-      </pc:sldChg>
-      <pc:sldChg chg="modSp mod">
-        <pc:chgData name="Carlos Fidel Rodriguez Alarcon" userId="e73d52b7-37e9-45c9-b1e0-ea73a820c70c" providerId="ADAL" clId="{9153E608-F2BD-4E50-89E7-541200AD15EC}" dt="2025-09-02T04:38:14.178" v="35" actId="790"/>
-        <pc:sldMkLst>
-          <pc:docMk/>
-          <pc:sldMk cId="2639478463" sldId="475"/>
-        </pc:sldMkLst>
-        <pc:graphicFrameChg chg="modGraphic">
-          <ac:chgData name="Carlos Fidel Rodriguez Alarcon" userId="e73d52b7-37e9-45c9-b1e0-ea73a820c70c" providerId="ADAL" clId="{9153E608-F2BD-4E50-89E7-541200AD15EC}" dt="2025-09-02T04:38:14.178" v="35" actId="790"/>
-          <ac:graphicFrameMkLst>
-            <pc:docMk/>
-            <pc:sldMk cId="2639478463" sldId="475"/>
-            <ac:graphicFrameMk id="10" creationId="{65513008-6D5E-444F-89F9-F7978FEFE492}"/>
-          </ac:graphicFrameMkLst>
-        </pc:graphicFrameChg>
-      </pc:sldChg>
-    </pc:docChg>
-  </pc:docChgLst>
-  <pc:docChgLst>
-    <pc:chgData name="Juan David Forero Rodriguez" userId="S::jd.foreror1@uniandes.edu.co::109b95e3-f476-4372-9cca-31c3c7f47b50" providerId="AD" clId="Web-{58103525-E681-31BA-BAF7-33EBB53FD5AB}"/>
-    <pc:docChg chg="delSld modSld sldOrd">
-      <pc:chgData name="Juan David Forero Rodriguez" userId="S::jd.foreror1@uniandes.edu.co::109b95e3-f476-4372-9cca-31c3c7f47b50" providerId="AD" clId="Web-{58103525-E681-31BA-BAF7-33EBB53FD5AB}" dt="2025-09-02T05:02:14.062" v="3420"/>
-      <pc:docMkLst>
-        <pc:docMk/>
-      </pc:docMkLst>
-      <pc:sldChg chg="modSp">
-        <pc:chgData name="Juan David Forero Rodriguez" userId="S::jd.foreror1@uniandes.edu.co::109b95e3-f476-4372-9cca-31c3c7f47b50" providerId="AD" clId="Web-{58103525-E681-31BA-BAF7-33EBB53FD5AB}" dt="2025-09-02T04:08:38.006" v="1587"/>
-        <pc:sldMkLst>
-          <pc:docMk/>
-          <pc:sldMk cId="1119887568" sldId="437"/>
-        </pc:sldMkLst>
-        <pc:graphicFrameChg chg="mod modGraphic">
-          <ac:chgData name="Juan David Forero Rodriguez" userId="S::jd.foreror1@uniandes.edu.co::109b95e3-f476-4372-9cca-31c3c7f47b50" providerId="AD" clId="Web-{58103525-E681-31BA-BAF7-33EBB53FD5AB}" dt="2025-09-02T04:08:38.006" v="1587"/>
-          <ac:graphicFrameMkLst>
-            <pc:docMk/>
-            <pc:sldMk cId="1119887568" sldId="437"/>
-            <ac:graphicFrameMk id="10" creationId="{936F00B5-C18A-254E-9723-C4AE215E98DD}"/>
-          </ac:graphicFrameMkLst>
-        </pc:graphicFrameChg>
-      </pc:sldChg>
-      <pc:sldChg chg="modSp">
-        <pc:chgData name="Juan David Forero Rodriguez" userId="S::jd.foreror1@uniandes.edu.co::109b95e3-f476-4372-9cca-31c3c7f47b50" providerId="AD" clId="Web-{58103525-E681-31BA-BAF7-33EBB53FD5AB}" dt="2025-09-02T04:23:54.823" v="2555"/>
-        <pc:sldMkLst>
-          <pc:docMk/>
-          <pc:sldMk cId="2556734983" sldId="462"/>
-        </pc:sldMkLst>
-        <pc:graphicFrameChg chg="mod modGraphic">
-          <ac:chgData name="Juan David Forero Rodriguez" userId="S::jd.foreror1@uniandes.edu.co::109b95e3-f476-4372-9cca-31c3c7f47b50" providerId="AD" clId="Web-{58103525-E681-31BA-BAF7-33EBB53FD5AB}" dt="2025-09-02T04:23:54.823" v="2555"/>
-          <ac:graphicFrameMkLst>
-            <pc:docMk/>
-            <pc:sldMk cId="2556734983" sldId="462"/>
-            <ac:graphicFrameMk id="10" creationId="{936F00B5-C18A-254E-9723-C4AE215E98DD}"/>
-          </ac:graphicFrameMkLst>
-        </pc:graphicFrameChg>
-      </pc:sldChg>
-      <pc:sldChg chg="modSp ord">
-        <pc:chgData name="Juan David Forero Rodriguez" userId="S::jd.foreror1@uniandes.edu.co::109b95e3-f476-4372-9cca-31c3c7f47b50" providerId="AD" clId="Web-{58103525-E681-31BA-BAF7-33EBB53FD5AB}" dt="2025-09-02T03:51:03.603" v="40" actId="20577"/>
-        <pc:sldMkLst>
-          <pc:docMk/>
-          <pc:sldMk cId="592874193" sldId="467"/>
-        </pc:sldMkLst>
-        <pc:spChg chg="mod">
-          <ac:chgData name="Juan David Forero Rodriguez" userId="S::jd.foreror1@uniandes.edu.co::109b95e3-f476-4372-9cca-31c3c7f47b50" providerId="AD" clId="Web-{58103525-E681-31BA-BAF7-33EBB53FD5AB}" dt="2025-09-02T03:51:03.603" v="40" actId="20577"/>
-          <ac:spMkLst>
-            <pc:docMk/>
-            <pc:sldMk cId="592874193" sldId="467"/>
-            <ac:spMk id="5" creationId="{476C7C65-5A98-BF64-8286-457F361796C9}"/>
-          </ac:spMkLst>
-        </pc:spChg>
-        <pc:graphicFrameChg chg="mod modGraphic">
-          <ac:chgData name="Juan David Forero Rodriguez" userId="S::jd.foreror1@uniandes.edu.co::109b95e3-f476-4372-9cca-31c3c7f47b50" providerId="AD" clId="Web-{58103525-E681-31BA-BAF7-33EBB53FD5AB}" dt="2025-09-02T03:50:42.135" v="37"/>
-          <ac:graphicFrameMkLst>
-            <pc:docMk/>
-            <pc:sldMk cId="592874193" sldId="467"/>
-            <ac:graphicFrameMk id="8" creationId="{8E3EA33B-4F1D-1D8D-2655-02AF6C8C3BB7}"/>
-          </ac:graphicFrameMkLst>
-        </pc:graphicFrameChg>
-      </pc:sldChg>
-      <pc:sldChg chg="modSp">
-        <pc:chgData name="Juan David Forero Rodriguez" userId="S::jd.foreror1@uniandes.edu.co::109b95e3-f476-4372-9cca-31c3c7f47b50" providerId="AD" clId="Web-{58103525-E681-31BA-BAF7-33EBB53FD5AB}" dt="2025-09-02T03:51:17.588" v="41"/>
-        <pc:sldMkLst>
-          <pc:docMk/>
-          <pc:sldMk cId="2607037317" sldId="474"/>
-        </pc:sldMkLst>
-        <pc:graphicFrameChg chg="modGraphic">
-          <ac:chgData name="Juan David Forero Rodriguez" userId="S::jd.foreror1@uniandes.edu.co::109b95e3-f476-4372-9cca-31c3c7f47b50" providerId="AD" clId="Web-{58103525-E681-31BA-BAF7-33EBB53FD5AB}" dt="2025-09-02T03:51:17.588" v="41"/>
-          <ac:graphicFrameMkLst>
-            <pc:docMk/>
-            <pc:sldMk cId="2607037317" sldId="474"/>
-            <ac:graphicFrameMk id="9" creationId="{E87D49B9-FEFB-D845-87E4-39A147340360}"/>
-          </ac:graphicFrameMkLst>
-        </pc:graphicFrameChg>
-      </pc:sldChg>
-      <pc:sldChg chg="addSp delSp modSp">
-        <pc:chgData name="Juan David Forero Rodriguez" userId="S::jd.foreror1@uniandes.edu.co::109b95e3-f476-4372-9cca-31c3c7f47b50" providerId="AD" clId="Web-{58103525-E681-31BA-BAF7-33EBB53FD5AB}" dt="2025-09-02T03:53:44.998" v="114" actId="1076"/>
-        <pc:sldMkLst>
-          <pc:docMk/>
-          <pc:sldMk cId="2639478463" sldId="475"/>
-        </pc:sldMkLst>
-        <pc:graphicFrameChg chg="add del mod">
-          <ac:chgData name="Juan David Forero Rodriguez" userId="S::jd.foreror1@uniandes.edu.co::109b95e3-f476-4372-9cca-31c3c7f47b50" providerId="AD" clId="Web-{58103525-E681-31BA-BAF7-33EBB53FD5AB}" dt="2025-09-02T03:51:47.572" v="43"/>
-          <ac:graphicFrameMkLst>
-            <pc:docMk/>
-            <pc:sldMk cId="2639478463" sldId="475"/>
-            <ac:graphicFrameMk id="4" creationId="{CDCE6D81-A235-8426-19F8-250016D6AFC4}"/>
-          </ac:graphicFrameMkLst>
-        </pc:graphicFrameChg>
-        <pc:graphicFrameChg chg="mod modGraphic">
-          <ac:chgData name="Juan David Forero Rodriguez" userId="S::jd.foreror1@uniandes.edu.co::109b95e3-f476-4372-9cca-31c3c7f47b50" providerId="AD" clId="Web-{58103525-E681-31BA-BAF7-33EBB53FD5AB}" dt="2025-09-02T03:53:27.215" v="111"/>
-          <ac:graphicFrameMkLst>
-            <pc:docMk/>
-            <pc:sldMk cId="2639478463" sldId="475"/>
-            <ac:graphicFrameMk id="9" creationId="{D84B17D5-B0EF-B74B-B55E-CE7F2B338D40}"/>
-          </ac:graphicFrameMkLst>
-        </pc:graphicFrameChg>
-        <pc:graphicFrameChg chg="mod modGraphic">
-          <ac:chgData name="Juan David Forero Rodriguez" userId="S::jd.foreror1@uniandes.edu.co::109b95e3-f476-4372-9cca-31c3c7f47b50" providerId="AD" clId="Web-{58103525-E681-31BA-BAF7-33EBB53FD5AB}" dt="2025-09-02T03:53:44.998" v="114" actId="1076"/>
-          <ac:graphicFrameMkLst>
-            <pc:docMk/>
-            <pc:sldMk cId="2639478463" sldId="475"/>
-            <ac:graphicFrameMk id="10" creationId="{65513008-6D5E-444F-89F9-F7978FEFE492}"/>
-          </ac:graphicFrameMkLst>
-        </pc:graphicFrameChg>
-      </pc:sldChg>
-      <pc:sldChg chg="addSp delSp modSp">
-        <pc:chgData name="Juan David Forero Rodriguez" userId="S::jd.foreror1@uniandes.edu.co::109b95e3-f476-4372-9cca-31c3c7f47b50" providerId="AD" clId="Web-{58103525-E681-31BA-BAF7-33EBB53FD5AB}" dt="2025-09-02T04:38:11.539" v="2609"/>
-        <pc:sldMkLst>
-          <pc:docMk/>
-          <pc:sldMk cId="1316333021" sldId="482"/>
-        </pc:sldMkLst>
-        <pc:spChg chg="add mod">
-          <ac:chgData name="Juan David Forero Rodriguez" userId="S::jd.foreror1@uniandes.edu.co::109b95e3-f476-4372-9cca-31c3c7f47b50" providerId="AD" clId="Web-{58103525-E681-31BA-BAF7-33EBB53FD5AB}" dt="2025-09-02T04:27:07.124" v="2559" actId="14100"/>
-          <ac:spMkLst>
-            <pc:docMk/>
-            <pc:sldMk cId="1316333021" sldId="482"/>
-            <ac:spMk id="2" creationId="{2DD6DFA3-7034-2600-F799-10A0D3BADC5E}"/>
-          </ac:spMkLst>
-        </pc:spChg>
-        <pc:spChg chg="add del mod">
-          <ac:chgData name="Juan David Forero Rodriguez" userId="S::jd.foreror1@uniandes.edu.co::109b95e3-f476-4372-9cca-31c3c7f47b50" providerId="AD" clId="Web-{58103525-E681-31BA-BAF7-33EBB53FD5AB}" dt="2025-09-02T04:30:25.370" v="2567"/>
-          <ac:spMkLst>
-            <pc:docMk/>
-            <pc:sldMk cId="1316333021" sldId="482"/>
-            <ac:spMk id="17" creationId="{3955A0C0-7D82-9C65-1AF7-CC0297AE18C4}"/>
-          </ac:spMkLst>
-        </pc:spChg>
-        <pc:spChg chg="add del mod">
-          <ac:chgData name="Juan David Forero Rodriguez" userId="S::jd.foreror1@uniandes.edu.co::109b95e3-f476-4372-9cca-31c3c7f47b50" providerId="AD" clId="Web-{58103525-E681-31BA-BAF7-33EBB53FD5AB}" dt="2025-09-02T04:30:32.589" v="2579"/>
-          <ac:spMkLst>
-            <pc:docMk/>
-            <pc:sldMk cId="1316333021" sldId="482"/>
-            <ac:spMk id="26" creationId="{36A963CC-4498-CFB3-ADB6-BDA75C97955E}"/>
-          </ac:spMkLst>
-        </pc:spChg>
-        <pc:spChg chg="add del mod">
-          <ac:chgData name="Juan David Forero Rodriguez" userId="S::jd.foreror1@uniandes.edu.co::109b95e3-f476-4372-9cca-31c3c7f47b50" providerId="AD" clId="Web-{58103525-E681-31BA-BAF7-33EBB53FD5AB}" dt="2025-09-02T04:31:16.685" v="2588"/>
-          <ac:spMkLst>
-            <pc:docMk/>
-            <pc:sldMk cId="1316333021" sldId="482"/>
-            <ac:spMk id="29" creationId="{EF9FB5B0-7E57-A2D8-F5E6-A396E528A0D2}"/>
-          </ac:spMkLst>
-        </pc:spChg>
-        <pc:graphicFrameChg chg="add del mod">
-          <ac:chgData name="Juan David Forero Rodriguez" userId="S::jd.foreror1@uniandes.edu.co::109b95e3-f476-4372-9cca-31c3c7f47b50" providerId="AD" clId="Web-{58103525-E681-31BA-BAF7-33EBB53FD5AB}" dt="2025-09-02T04:30:25.370" v="2571"/>
-          <ac:graphicFrameMkLst>
-            <pc:docMk/>
-            <pc:sldMk cId="1316333021" sldId="482"/>
-            <ac:graphicFrameMk id="10" creationId="{1234A2CA-6FD1-97A4-A414-217C98A56BFC}"/>
-          </ac:graphicFrameMkLst>
-        </pc:graphicFrameChg>
-        <pc:graphicFrameChg chg="add del mod">
-          <ac:chgData name="Juan David Forero Rodriguez" userId="S::jd.foreror1@uniandes.edu.co::109b95e3-f476-4372-9cca-31c3c7f47b50" providerId="AD" clId="Web-{58103525-E681-31BA-BAF7-33EBB53FD5AB}" dt="2025-09-02T04:30:25.370" v="2570"/>
-          <ac:graphicFrameMkLst>
-            <pc:docMk/>
-            <pc:sldMk cId="1316333021" sldId="482"/>
-            <ac:graphicFrameMk id="12" creationId="{4753EF80-7B23-DEDD-EF08-8963AC85AA2C}"/>
-          </ac:graphicFrameMkLst>
-        </pc:graphicFrameChg>
-        <pc:graphicFrameChg chg="add del mod">
-          <ac:chgData name="Juan David Forero Rodriguez" userId="S::jd.foreror1@uniandes.edu.co::109b95e3-f476-4372-9cca-31c3c7f47b50" providerId="AD" clId="Web-{58103525-E681-31BA-BAF7-33EBB53FD5AB}" dt="2025-09-02T04:30:25.370" v="2569"/>
-          <ac:graphicFrameMkLst>
-            <pc:docMk/>
-            <pc:sldMk cId="1316333021" sldId="482"/>
-            <ac:graphicFrameMk id="14" creationId="{628B3DC1-9772-2627-E39D-67FD68701998}"/>
-          </ac:graphicFrameMkLst>
-        </pc:graphicFrameChg>
-        <pc:graphicFrameChg chg="add del mod">
-          <ac:chgData name="Juan David Forero Rodriguez" userId="S::jd.foreror1@uniandes.edu.co::109b95e3-f476-4372-9cca-31c3c7f47b50" providerId="AD" clId="Web-{58103525-E681-31BA-BAF7-33EBB53FD5AB}" dt="2025-09-02T04:30:25.370" v="2568"/>
-          <ac:graphicFrameMkLst>
-            <pc:docMk/>
-            <pc:sldMk cId="1316333021" sldId="482"/>
-            <ac:graphicFrameMk id="16" creationId="{45E394F5-00A8-DD60-D9CA-6CCE1F54F03C}"/>
-          </ac:graphicFrameMkLst>
-        </pc:graphicFrameChg>
-        <pc:graphicFrameChg chg="add del mod">
-          <ac:chgData name="Juan David Forero Rodriguez" userId="S::jd.foreror1@uniandes.edu.co::109b95e3-f476-4372-9cca-31c3c7f47b50" providerId="AD" clId="Web-{58103525-E681-31BA-BAF7-33EBB53FD5AB}" dt="2025-09-02T04:30:32.589" v="2583"/>
-          <ac:graphicFrameMkLst>
-            <pc:docMk/>
-            <pc:sldMk cId="1316333021" sldId="482"/>
-            <ac:graphicFrameMk id="19" creationId="{E726592F-5C69-2CB9-368B-3EAD4B06E0B6}"/>
-          </ac:graphicFrameMkLst>
-        </pc:graphicFrameChg>
-        <pc:graphicFrameChg chg="add del mod">
-          <ac:chgData name="Juan David Forero Rodriguez" userId="S::jd.foreror1@uniandes.edu.co::109b95e3-f476-4372-9cca-31c3c7f47b50" providerId="AD" clId="Web-{58103525-E681-31BA-BAF7-33EBB53FD5AB}" dt="2025-09-02T04:30:32.589" v="2582"/>
-          <ac:graphicFrameMkLst>
-            <pc:docMk/>
-            <pc:sldMk cId="1316333021" sldId="482"/>
-            <ac:graphicFrameMk id="21" creationId="{D80723A7-3DE2-7606-AA40-59F4824D683F}"/>
-          </ac:graphicFrameMkLst>
-        </pc:graphicFrameChg>
-        <pc:graphicFrameChg chg="add del mod">
-          <ac:chgData name="Juan David Forero Rodriguez" userId="S::jd.foreror1@uniandes.edu.co::109b95e3-f476-4372-9cca-31c3c7f47b50" providerId="AD" clId="Web-{58103525-E681-31BA-BAF7-33EBB53FD5AB}" dt="2025-09-02T04:30:32.589" v="2581"/>
-          <ac:graphicFrameMkLst>
-            <pc:docMk/>
-            <pc:sldMk cId="1316333021" sldId="482"/>
-            <ac:graphicFrameMk id="23" creationId="{FADE838B-A1ED-2CE5-5C40-0DAE71E62CAC}"/>
-          </ac:graphicFrameMkLst>
-        </pc:graphicFrameChg>
-        <pc:graphicFrameChg chg="add del mod">
-          <ac:chgData name="Juan David Forero Rodriguez" userId="S::jd.foreror1@uniandes.edu.co::109b95e3-f476-4372-9cca-31c3c7f47b50" providerId="AD" clId="Web-{58103525-E681-31BA-BAF7-33EBB53FD5AB}" dt="2025-09-02T04:30:32.589" v="2580"/>
-          <ac:graphicFrameMkLst>
-            <pc:docMk/>
-            <pc:sldMk cId="1316333021" sldId="482"/>
-            <ac:graphicFrameMk id="25" creationId="{D59F7D1D-5AC1-EF57-366F-B0E26146F03E}"/>
-          </ac:graphicFrameMkLst>
-        </pc:graphicFrameChg>
-        <pc:graphicFrameChg chg="add del mod">
-          <ac:chgData name="Juan David Forero Rodriguez" userId="S::jd.foreror1@uniandes.edu.co::109b95e3-f476-4372-9cca-31c3c7f47b50" providerId="AD" clId="Web-{58103525-E681-31BA-BAF7-33EBB53FD5AB}" dt="2025-09-02T04:31:16.685" v="2589"/>
-          <ac:graphicFrameMkLst>
-            <pc:docMk/>
-            <pc:sldMk cId="1316333021" sldId="482"/>
-            <ac:graphicFrameMk id="28" creationId="{C77CA60F-910F-8F64-72CA-CA6C987E8DCD}"/>
-          </ac:graphicFrameMkLst>
-        </pc:graphicFrameChg>
-        <pc:picChg chg="add mod">
-          <ac:chgData name="Juan David Forero Rodriguez" userId="S::jd.foreror1@uniandes.edu.co::109b95e3-f476-4372-9cca-31c3c7f47b50" providerId="AD" clId="Web-{58103525-E681-31BA-BAF7-33EBB53FD5AB}" dt="2025-09-02T04:31:45.029" v="2593" actId="1076"/>
-          <ac:picMkLst>
-            <pc:docMk/>
-            <pc:sldMk cId="1316333021" sldId="482"/>
-            <ac:picMk id="30" creationId="{0800F7B3-DA2A-1487-5432-59CC1F6D4D92}"/>
-          </ac:picMkLst>
-        </pc:picChg>
-        <pc:picChg chg="add mod">
-          <ac:chgData name="Juan David Forero Rodriguez" userId="S::jd.foreror1@uniandes.edu.co::109b95e3-f476-4372-9cca-31c3c7f47b50" providerId="AD" clId="Web-{58103525-E681-31BA-BAF7-33EBB53FD5AB}" dt="2025-09-02T04:37:46.566" v="2606" actId="1076"/>
-          <ac:picMkLst>
-            <pc:docMk/>
-            <pc:sldMk cId="1316333021" sldId="482"/>
-            <ac:picMk id="31" creationId="{6FFC862E-1FBC-3911-42C7-64C14610EF07}"/>
-          </ac:picMkLst>
-        </pc:picChg>
-        <pc:picChg chg="add mod">
-          <ac:chgData name="Juan David Forero Rodriguez" userId="S::jd.foreror1@uniandes.edu.co::109b95e3-f476-4372-9cca-31c3c7f47b50" providerId="AD" clId="Web-{58103525-E681-31BA-BAF7-33EBB53FD5AB}" dt="2025-09-02T04:33:01.687" v="2600" actId="1076"/>
-          <ac:picMkLst>
-            <pc:docMk/>
-            <pc:sldMk cId="1316333021" sldId="482"/>
-            <ac:picMk id="32" creationId="{DC457D1A-2F76-B783-A81F-CD1F1D82A24E}"/>
-          </ac:picMkLst>
-        </pc:picChg>
-        <pc:picChg chg="add del mod">
-          <ac:chgData name="Juan David Forero Rodriguez" userId="S::jd.foreror1@uniandes.edu.co::109b95e3-f476-4372-9cca-31c3c7f47b50" providerId="AD" clId="Web-{58103525-E681-31BA-BAF7-33EBB53FD5AB}" dt="2025-09-02T04:38:11.539" v="2609"/>
-          <ac:picMkLst>
-            <pc:docMk/>
-            <pc:sldMk cId="1316333021" sldId="482"/>
-            <ac:picMk id="33" creationId="{847858CF-2957-800C-BBEA-AD23637A2B67}"/>
-          </ac:picMkLst>
-        </pc:picChg>
-      </pc:sldChg>
-      <pc:sldChg chg="del">
-        <pc:chgData name="Juan David Forero Rodriguez" userId="S::jd.foreror1@uniandes.edu.co::109b95e3-f476-4372-9cca-31c3c7f47b50" providerId="AD" clId="Web-{58103525-E681-31BA-BAF7-33EBB53FD5AB}" dt="2025-09-02T03:54:02.170" v="115"/>
-        <pc:sldMkLst>
-          <pc:docMk/>
-          <pc:sldMk cId="2145844100" sldId="482"/>
-        </pc:sldMkLst>
-      </pc:sldChg>
-      <pc:sldChg chg="addSp delSp modSp">
-        <pc:chgData name="Juan David Forero Rodriguez" userId="S::jd.foreror1@uniandes.edu.co::109b95e3-f476-4372-9cca-31c3c7f47b50" providerId="AD" clId="Web-{58103525-E681-31BA-BAF7-33EBB53FD5AB}" dt="2025-09-02T05:02:14.062" v="3420"/>
-        <pc:sldMkLst>
-          <pc:docMk/>
-          <pc:sldMk cId="866889576" sldId="483"/>
-        </pc:sldMkLst>
-        <pc:spChg chg="add del mod">
-          <ac:chgData name="Juan David Forero Rodriguez" userId="S::jd.foreror1@uniandes.edu.co::109b95e3-f476-4372-9cca-31c3c7f47b50" providerId="AD" clId="Web-{58103525-E681-31BA-BAF7-33EBB53FD5AB}" dt="2025-09-02T05:00:57.590" v="3402"/>
-          <ac:spMkLst>
-            <pc:docMk/>
-            <pc:sldMk cId="866889576" sldId="483"/>
-            <ac:spMk id="5" creationId="{B42F0E09-DCFF-34D4-B1CC-CEBAE04DDE61}"/>
-          </ac:spMkLst>
-        </pc:spChg>
-        <pc:spChg chg="add del mod">
-          <ac:chgData name="Juan David Forero Rodriguez" userId="S::jd.foreror1@uniandes.edu.co::109b95e3-f476-4372-9cca-31c3c7f47b50" providerId="AD" clId="Web-{58103525-E681-31BA-BAF7-33EBB53FD5AB}" dt="2025-09-02T04:46:19.280" v="2839"/>
-          <ac:spMkLst>
-            <pc:docMk/>
-            <pc:sldMk cId="866889576" sldId="483"/>
-            <ac:spMk id="11" creationId="{F396C292-18B6-83D4-EABC-49578DA4C430}"/>
-          </ac:spMkLst>
-        </pc:spChg>
-        <pc:graphicFrameChg chg="add mod modGraphic">
-          <ac:chgData name="Juan David Forero Rodriguez" userId="S::jd.foreror1@uniandes.edu.co::109b95e3-f476-4372-9cca-31c3c7f47b50" providerId="AD" clId="Web-{58103525-E681-31BA-BAF7-33EBB53FD5AB}" dt="2025-09-02T04:44:31.740" v="2835" actId="1076"/>
-          <ac:graphicFrameMkLst>
-            <pc:docMk/>
-            <pc:sldMk cId="866889576" sldId="483"/>
-            <ac:graphicFrameMk id="4" creationId="{A8882CF8-1E77-AB86-B778-762B5A44C351}"/>
-          </ac:graphicFrameMkLst>
-        </pc:graphicFrameChg>
-        <pc:graphicFrameChg chg="add del mod modGraphic">
-          <ac:chgData name="Juan David Forero Rodriguez" userId="S::jd.foreror1@uniandes.edu.co::109b95e3-f476-4372-9cca-31c3c7f47b50" providerId="AD" clId="Web-{58103525-E681-31BA-BAF7-33EBB53FD5AB}" dt="2025-09-02T04:49:45.842" v="2876"/>
-          <ac:graphicFrameMkLst>
-            <pc:docMk/>
-            <pc:sldMk cId="866889576" sldId="483"/>
-            <ac:graphicFrameMk id="11" creationId="{34CF9E00-4C5C-9246-EBB2-97917ACA66B4}"/>
-          </ac:graphicFrameMkLst>
-        </pc:graphicFrameChg>
-        <pc:graphicFrameChg chg="add mod modGraphic">
-          <ac:chgData name="Juan David Forero Rodriguez" userId="S::jd.foreror1@uniandes.edu.co::109b95e3-f476-4372-9cca-31c3c7f47b50" providerId="AD" clId="Web-{58103525-E681-31BA-BAF7-33EBB53FD5AB}" dt="2025-09-02T05:02:14.062" v="3420"/>
-          <ac:graphicFrameMkLst>
-            <pc:docMk/>
-            <pc:sldMk cId="866889576" sldId="483"/>
-            <ac:graphicFrameMk id="11" creationId="{397AAC81-FA65-F154-A098-59C5A8D748B5}"/>
-          </ac:graphicFrameMkLst>
-        </pc:graphicFrameChg>
-        <pc:picChg chg="add del mod">
-          <ac:chgData name="Juan David Forero Rodriguez" userId="S::jd.foreror1@uniandes.edu.co::109b95e3-f476-4372-9cca-31c3c7f47b50" providerId="AD" clId="Web-{58103525-E681-31BA-BAF7-33EBB53FD5AB}" dt="2025-09-02T05:00:53.652" v="3400"/>
-          <ac:picMkLst>
-            <pc:docMk/>
-            <pc:sldMk cId="866889576" sldId="483"/>
-            <ac:picMk id="2" creationId="{6E053FC1-4348-B868-B975-119764789A40}"/>
-          </ac:picMkLst>
-        </pc:picChg>
-        <pc:picChg chg="del mod">
-          <ac:chgData name="Juan David Forero Rodriguez" userId="S::jd.foreror1@uniandes.edu.co::109b95e3-f476-4372-9cca-31c3c7f47b50" providerId="AD" clId="Web-{58103525-E681-31BA-BAF7-33EBB53FD5AB}" dt="2025-09-02T04:39:59.705" v="2613"/>
-          <ac:picMkLst>
-            <pc:docMk/>
-            <pc:sldMk cId="866889576" sldId="483"/>
-            <ac:picMk id="9" creationId="{85F8D5FC-6002-AAD8-40DD-7D7D025B60CA}"/>
-          </ac:picMkLst>
-        </pc:picChg>
-        <pc:picChg chg="del mod">
-          <ac:chgData name="Juan David Forero Rodriguez" userId="S::jd.foreror1@uniandes.edu.co::109b95e3-f476-4372-9cca-31c3c7f47b50" providerId="AD" clId="Web-{58103525-E681-31BA-BAF7-33EBB53FD5AB}" dt="2025-09-02T05:00:54.918" v="3401"/>
-          <ac:picMkLst>
-            <pc:docMk/>
-            <pc:sldMk cId="866889576" sldId="483"/>
-            <ac:picMk id="10" creationId="{FB89661D-D2B5-9AB5-8F62-DA62E840A241}"/>
-          </ac:picMkLst>
-        </pc:picChg>
-        <pc:picChg chg="del">
-          <ac:chgData name="Juan David Forero Rodriguez" userId="S::jd.foreror1@uniandes.edu.co::109b95e3-f476-4372-9cca-31c3c7f47b50" providerId="AD" clId="Web-{58103525-E681-31BA-BAF7-33EBB53FD5AB}" dt="2025-09-02T05:00:52.668" v="3399"/>
-          <ac:picMkLst>
-            <pc:docMk/>
-            <pc:sldMk cId="866889576" sldId="483"/>
-            <ac:picMk id="17" creationId="{CC983B16-6FF0-BC5D-2EED-51DAC0B4409D}"/>
-          </ac:picMkLst>
-        </pc:picChg>
-      </pc:sldChg>
-    </pc:docChg>
-  </pc:docChgLst>
-  <pc:docChgLst>
-    <pc:chgData name="Brayan Felipe Rojas Bernal" userId="S::b.rojasb@uniandes.edu.co::0e1c8319-9d93-42bd-95ed-f63e83f638a1" providerId="AD" clId="Web-{8A17EEF3-B1A7-AF94-6167-1EDD3B45EBD6}"/>
-    <pc:docChg chg="addSld modSld">
-      <pc:chgData name="Brayan Felipe Rojas Bernal" userId="S::b.rojasb@uniandes.edu.co::0e1c8319-9d93-42bd-95ed-f63e83f638a1" providerId="AD" clId="Web-{8A17EEF3-B1A7-AF94-6167-1EDD3B45EBD6}" dt="2025-09-02T04:48:26.844" v="260"/>
-      <pc:docMkLst>
-        <pc:docMk/>
-      </pc:docMkLst>
-      <pc:sldChg chg="addSp delSp modSp add replId">
-        <pc:chgData name="Brayan Felipe Rojas Bernal" userId="S::b.rojasb@uniandes.edu.co::0e1c8319-9d93-42bd-95ed-f63e83f638a1" providerId="AD" clId="Web-{8A17EEF3-B1A7-AF94-6167-1EDD3B45EBD6}" dt="2025-09-02T04:36:55.074" v="104"/>
-        <pc:sldMkLst>
-          <pc:docMk/>
-          <pc:sldMk cId="1316333021" sldId="482"/>
-        </pc:sldMkLst>
-        <pc:spChg chg="del mod">
-          <ac:chgData name="Brayan Felipe Rojas Bernal" userId="S::b.rojasb@uniandes.edu.co::0e1c8319-9d93-42bd-95ed-f63e83f638a1" providerId="AD" clId="Web-{8A17EEF3-B1A7-AF94-6167-1EDD3B45EBD6}" dt="2025-09-02T04:32:54.757" v="95"/>
-          <ac:spMkLst>
-            <pc:docMk/>
-            <pc:sldMk cId="1316333021" sldId="482"/>
-            <ac:spMk id="2" creationId="{2DD6DFA3-7034-2600-F799-10A0D3BADC5E}"/>
-          </ac:spMkLst>
-        </pc:spChg>
-        <pc:spChg chg="add mod">
-          <ac:chgData name="Brayan Felipe Rojas Bernal" userId="S::b.rojasb@uniandes.edu.co::0e1c8319-9d93-42bd-95ed-f63e83f638a1" providerId="AD" clId="Web-{8A17EEF3-B1A7-AF94-6167-1EDD3B45EBD6}" dt="2025-09-02T04:30:07.775" v="61" actId="1076"/>
-          <ac:spMkLst>
-            <pc:docMk/>
-            <pc:sldMk cId="1316333021" sldId="482"/>
-            <ac:spMk id="5" creationId="{04D6D7A0-AB61-A42D-10A1-8E400683B3B6}"/>
-          </ac:spMkLst>
-        </pc:spChg>
-        <pc:spChg chg="mod">
-          <ac:chgData name="Brayan Felipe Rojas Bernal" userId="S::b.rojasb@uniandes.edu.co::0e1c8319-9d93-42bd-95ed-f63e83f638a1" providerId="AD" clId="Web-{8A17EEF3-B1A7-AF94-6167-1EDD3B45EBD6}" dt="2025-09-02T04:26:39.693" v="37" actId="20577"/>
-          <ac:spMkLst>
-            <pc:docMk/>
-            <pc:sldMk cId="1316333021" sldId="482"/>
-            <ac:spMk id="7" creationId="{73586764-63CB-3ADF-CD3D-11C4C5934109}"/>
-          </ac:spMkLst>
-        </pc:spChg>
-        <pc:spChg chg="add mod">
-          <ac:chgData name="Brayan Felipe Rojas Bernal" userId="S::b.rojasb@uniandes.edu.co::0e1c8319-9d93-42bd-95ed-f63e83f638a1" providerId="AD" clId="Web-{8A17EEF3-B1A7-AF94-6167-1EDD3B45EBD6}" dt="2025-09-02T04:29:57.852" v="59" actId="1076"/>
-          <ac:spMkLst>
-            <pc:docMk/>
-            <pc:sldMk cId="1316333021" sldId="482"/>
-            <ac:spMk id="8" creationId="{41FCA9EC-2B4F-61E0-2120-7AEB26B1810B}"/>
-          </ac:spMkLst>
-        </pc:spChg>
-        <pc:spChg chg="add mod">
-          <ac:chgData name="Brayan Felipe Rojas Bernal" userId="S::b.rojasb@uniandes.edu.co::0e1c8319-9d93-42bd-95ed-f63e83f638a1" providerId="AD" clId="Web-{8A17EEF3-B1A7-AF94-6167-1EDD3B45EBD6}" dt="2025-09-02T04:31:28.643" v="74" actId="20577"/>
-          <ac:spMkLst>
-            <pc:docMk/>
-            <pc:sldMk cId="1316333021" sldId="482"/>
-            <ac:spMk id="11" creationId="{5970FF15-17EE-688D-60A1-46F3556D1E95}"/>
-          </ac:spMkLst>
-        </pc:spChg>
-        <pc:spChg chg="add mod">
-          <ac:chgData name="Brayan Felipe Rojas Bernal" userId="S::b.rojasb@uniandes.edu.co::0e1c8319-9d93-42bd-95ed-f63e83f638a1" providerId="AD" clId="Web-{8A17EEF3-B1A7-AF94-6167-1EDD3B45EBD6}" dt="2025-09-02T04:32:50.319" v="93" actId="1076"/>
-          <ac:spMkLst>
-            <pc:docMk/>
-            <pc:sldMk cId="1316333021" sldId="482"/>
-            <ac:spMk id="13" creationId="{626C37F4-9D86-0FEF-A0F1-88711818FE14}"/>
-          </ac:spMkLst>
-        </pc:spChg>
-        <pc:picChg chg="add mod">
-          <ac:chgData name="Brayan Felipe Rojas Bernal" userId="S::b.rojasb@uniandes.edu.co::0e1c8319-9d93-42bd-95ed-f63e83f638a1" providerId="AD" clId="Web-{8A17EEF3-B1A7-AF94-6167-1EDD3B45EBD6}" dt="2025-09-02T04:30:07.759" v="60" actId="1076"/>
-          <ac:picMkLst>
-            <pc:docMk/>
-            <pc:sldMk cId="1316333021" sldId="482"/>
-            <ac:picMk id="4" creationId="{E11A69F9-AC45-8757-A752-CAAC1F087278}"/>
-          </ac:picMkLst>
-        </pc:picChg>
-        <pc:picChg chg="add mod">
-          <ac:chgData name="Brayan Felipe Rojas Bernal" userId="S::b.rojasb@uniandes.edu.co::0e1c8319-9d93-42bd-95ed-f63e83f638a1" providerId="AD" clId="Web-{8A17EEF3-B1A7-AF94-6167-1EDD3B45EBD6}" dt="2025-09-02T04:31:11.032" v="69" actId="1076"/>
-          <ac:picMkLst>
-            <pc:docMk/>
-            <pc:sldMk cId="1316333021" sldId="482"/>
-            <ac:picMk id="9" creationId="{3469077E-C23B-2D38-7388-720161B77886}"/>
-          </ac:picMkLst>
-        </pc:picChg>
-        <pc:picChg chg="del mod">
-          <ac:chgData name="Brayan Felipe Rojas Bernal" userId="S::b.rojasb@uniandes.edu.co::0e1c8319-9d93-42bd-95ed-f63e83f638a1" providerId="AD" clId="Web-{8A17EEF3-B1A7-AF94-6167-1EDD3B45EBD6}" dt="2025-09-02T04:36:55.074" v="104"/>
-          <ac:picMkLst>
-            <pc:docMk/>
-            <pc:sldMk cId="1316333021" sldId="482"/>
-            <ac:picMk id="30" creationId="{0800F7B3-DA2A-1487-5432-59CC1F6D4D92}"/>
-          </ac:picMkLst>
-        </pc:picChg>
-        <pc:picChg chg="del mod">
-          <ac:chgData name="Brayan Felipe Rojas Bernal" userId="S::b.rojasb@uniandes.edu.co::0e1c8319-9d93-42bd-95ed-f63e83f638a1" providerId="AD" clId="Web-{8A17EEF3-B1A7-AF94-6167-1EDD3B45EBD6}" dt="2025-09-02T04:33:02.616" v="97"/>
-          <ac:picMkLst>
-            <pc:docMk/>
-            <pc:sldMk cId="1316333021" sldId="482"/>
-            <ac:picMk id="32" creationId="{DC457D1A-2F76-B783-A81F-CD1F1D82A24E}"/>
-          </ac:picMkLst>
-        </pc:picChg>
-        <pc:picChg chg="mod">
-          <ac:chgData name="Brayan Felipe Rojas Bernal" userId="S::b.rojasb@uniandes.edu.co::0e1c8319-9d93-42bd-95ed-f63e83f638a1" providerId="AD" clId="Web-{8A17EEF3-B1A7-AF94-6167-1EDD3B45EBD6}" dt="2025-09-02T04:35:28.183" v="100" actId="1076"/>
-          <ac:picMkLst>
-            <pc:docMk/>
-            <pc:sldMk cId="1316333021" sldId="482"/>
-            <ac:picMk id="33" creationId="{847858CF-2957-800C-BBEA-AD23637A2B67}"/>
-          </ac:picMkLst>
-        </pc:picChg>
-      </pc:sldChg>
-      <pc:sldChg chg="addSp delSp modSp">
-        <pc:chgData name="Brayan Felipe Rojas Bernal" userId="S::b.rojasb@uniandes.edu.co::0e1c8319-9d93-42bd-95ed-f63e83f638a1" providerId="AD" clId="Web-{8A17EEF3-B1A7-AF94-6167-1EDD3B45EBD6}" dt="2025-09-02T04:48:26.844" v="260"/>
-        <pc:sldMkLst>
-          <pc:docMk/>
-          <pc:sldMk cId="866889576" sldId="483"/>
-        </pc:sldMkLst>
-        <pc:spChg chg="add del mod topLvl">
-          <ac:chgData name="Brayan Felipe Rojas Bernal" userId="S::b.rojasb@uniandes.edu.co::0e1c8319-9d93-42bd-95ed-f63e83f638a1" providerId="AD" clId="Web-{8A17EEF3-B1A7-AF94-6167-1EDD3B45EBD6}" dt="2025-09-02T04:48:16.922" v="259"/>
-          <ac:spMkLst>
-            <pc:docMk/>
-            <pc:sldMk cId="866889576" sldId="483"/>
-            <ac:spMk id="8" creationId="{281E5B3D-85CE-5DC4-9DBF-BA8C89200656}"/>
-          </ac:spMkLst>
-        </pc:spChg>
-        <pc:spChg chg="add mod">
-          <ac:chgData name="Brayan Felipe Rojas Bernal" userId="S::b.rojasb@uniandes.edu.co::0e1c8319-9d93-42bd-95ed-f63e83f638a1" providerId="AD" clId="Web-{8A17EEF3-B1A7-AF94-6167-1EDD3B45EBD6}" dt="2025-09-02T04:47:31.078" v="239" actId="20577"/>
-          <ac:spMkLst>
-            <pc:docMk/>
-            <pc:sldMk cId="866889576" sldId="483"/>
-            <ac:spMk id="9" creationId="{920F8023-41E5-01A6-67CC-C0913E2D1A54}"/>
-          </ac:spMkLst>
-        </pc:spChg>
-        <pc:grpChg chg="add del">
-          <ac:chgData name="Brayan Felipe Rojas Bernal" userId="S::b.rojasb@uniandes.edu.co::0e1c8319-9d93-42bd-95ed-f63e83f638a1" providerId="AD" clId="Web-{8A17EEF3-B1A7-AF94-6167-1EDD3B45EBD6}" dt="2025-09-02T04:48:12.860" v="256"/>
-          <ac:grpSpMkLst>
-            <pc:docMk/>
-            <pc:sldMk cId="866889576" sldId="483"/>
-            <ac:grpSpMk id="13" creationId="{737C931F-CC2A-22D0-D331-D7C723C62169}"/>
-          </ac:grpSpMkLst>
-        </pc:grpChg>
-        <pc:grpChg chg="add">
-          <ac:chgData name="Brayan Felipe Rojas Bernal" userId="S::b.rojasb@uniandes.edu.co::0e1c8319-9d93-42bd-95ed-f63e83f638a1" providerId="AD" clId="Web-{8A17EEF3-B1A7-AF94-6167-1EDD3B45EBD6}" dt="2025-09-02T04:48:26.844" v="260"/>
-          <ac:grpSpMkLst>
-            <pc:docMk/>
-            <pc:sldMk cId="866889576" sldId="483"/>
-            <ac:grpSpMk id="14" creationId="{BBFAD93D-B4CC-F197-99E0-9491EEFE9B85}"/>
-          </ac:grpSpMkLst>
-        </pc:grpChg>
-        <pc:picChg chg="add mod">
-          <ac:chgData name="Brayan Felipe Rojas Bernal" userId="S::b.rojasb@uniandes.edu.co::0e1c8319-9d93-42bd-95ed-f63e83f638a1" providerId="AD" clId="Web-{8A17EEF3-B1A7-AF94-6167-1EDD3B45EBD6}" dt="2025-09-02T04:39:10.122" v="115" actId="1076"/>
-          <ac:picMkLst>
-            <pc:docMk/>
-            <pc:sldMk cId="866889576" sldId="483"/>
-            <ac:picMk id="9" creationId="{85F8D5FC-6002-AAD8-40DD-7D7D025B60CA}"/>
-          </ac:picMkLst>
-        </pc:picChg>
-        <pc:picChg chg="add mod modCrop">
-          <ac:chgData name="Brayan Felipe Rojas Bernal" userId="S::b.rojasb@uniandes.edu.co::0e1c8319-9d93-42bd-95ed-f63e83f638a1" providerId="AD" clId="Web-{8A17EEF3-B1A7-AF94-6167-1EDD3B45EBD6}" dt="2025-09-02T04:42:21.826" v="122" actId="1076"/>
-          <ac:picMkLst>
-            <pc:docMk/>
-            <pc:sldMk cId="866889576" sldId="483"/>
-            <ac:picMk id="10" creationId="{FB89661D-D2B5-9AB5-8F62-DA62E840A241}"/>
-          </ac:picMkLst>
-        </pc:picChg>
-        <pc:picChg chg="add del mod topLvl">
-          <ac:chgData name="Brayan Felipe Rojas Bernal" userId="S::b.rojasb@uniandes.edu.co::0e1c8319-9d93-42bd-95ed-f63e83f638a1" providerId="AD" clId="Web-{8A17EEF3-B1A7-AF94-6167-1EDD3B45EBD6}" dt="2025-09-02T04:48:14.594" v="257" actId="1076"/>
-          <ac:picMkLst>
-            <pc:docMk/>
-            <pc:sldMk cId="866889576" sldId="483"/>
-            <ac:picMk id="12" creationId="{DA8CD3B6-3F82-5DD7-D749-66FE2301CE93}"/>
-          </ac:picMkLst>
-        </pc:picChg>
-        <pc:picChg chg="mod">
-          <ac:chgData name="Brayan Felipe Rojas Bernal" userId="S::b.rojasb@uniandes.edu.co::0e1c8319-9d93-42bd-95ed-f63e83f638a1" providerId="AD" clId="Web-{8A17EEF3-B1A7-AF94-6167-1EDD3B45EBD6}" dt="2025-09-02T04:41:19.310" v="116" actId="1076"/>
-          <ac:picMkLst>
-            <pc:docMk/>
-            <pc:sldMk cId="866889576" sldId="483"/>
-            <ac:picMk id="17" creationId="{CC983B16-6FF0-BC5D-2EED-51DAC0B4409D}"/>
-          </ac:picMkLst>
-        </pc:picChg>
-      </pc:sldChg>
-    </pc:docChg>
-  </pc:docChgLst>
-</pc:chgInfo>
 </file>
 
 <file path=ppt/handoutMasters/handoutMaster1.xml><?xml version="1.0" encoding="utf-8"?>
@@ -1784,7 +258,7 @@
           <a:p>
             <a:fld id="{9E7CEA7A-8677-4FDA-B3F8-0F442B823CF2}" type="datetimeFigureOut">
               <a:rPr lang="es-CO" smtClean="0"/>
-              <a:t>1/09/2025</a:t>
+              <a:t>2/09/2025</a:t>
             </a:fld>
             <a:endParaRPr lang="es-CO"/>
           </a:p>
@@ -1850,7 +324,7 @@
           <a:p>
             <a:fld id="{B4AA10B8-D2AD-4939-8FB4-21E6196E416D}" type="slidenum">
               <a:rPr lang="es-CO" smtClean="0"/>
-              <a:t>‹#›</a:t>
+              <a:t>‹Nº›</a:t>
             </a:fld>
             <a:endParaRPr lang="es-CO"/>
           </a:p>
@@ -1950,7 +424,7 @@
           <a:p>
             <a:fld id="{3CF76EF8-CCBC-4AD8-9A62-F8ABF7C63A58}" type="datetimeFigureOut">
               <a:rPr lang="es-CO" smtClean="0"/>
-              <a:t>1/09/2025</a:t>
+              <a:t>2/09/2025</a:t>
             </a:fld>
             <a:endParaRPr lang="es-CO"/>
           </a:p>
@@ -2109,7 +583,7 @@
           <a:p>
             <a:fld id="{39CE3E00-5BD7-44D7-B945-08D1EB9B6B4C}" type="slidenum">
               <a:rPr lang="es-CO" smtClean="0"/>
-              <a:t>‹#›</a:t>
+              <a:t>‹Nº›</a:t>
             </a:fld>
             <a:endParaRPr lang="es-CO"/>
           </a:p>
@@ -3187,7 +1661,7 @@
         <p:cNvPr id="1" name="">
           <a:extLst>
             <a:ext uri="{FF2B5EF4-FFF2-40B4-BE49-F238E27FC236}">
-              <a16:creationId xmlns:a16="http://schemas.microsoft.com/office/drawing/2014/main" id="{868A36B6-013A-4AEE-943E-31D485EE678C}"/>
+              <a16:creationId xmlns:a16="http://schemas.microsoft.com/office/drawing/2014/main" id="{004789C5-3EC1-67A4-C117-146B31686C67}"/>
             </a:ext>
           </a:extLst>
         </p:cNvPr>
@@ -3207,7 +1681,7 @@
           <p:cNvPr id="2" name="Slide Image Placeholder 1">
             <a:extLst>
               <a:ext uri="{FF2B5EF4-FFF2-40B4-BE49-F238E27FC236}">
-                <a16:creationId xmlns:a16="http://schemas.microsoft.com/office/drawing/2014/main" id="{3A3CFC94-E6A3-755D-82B9-F4E9AB5B408C}"/>
+                <a16:creationId xmlns:a16="http://schemas.microsoft.com/office/drawing/2014/main" id="{FEBF555A-A43A-8856-4D50-F6E5FEDC5C10}"/>
               </a:ext>
             </a:extLst>
           </p:cNvPr>
@@ -3225,7 +1699,7 @@
           <p:cNvPr id="3" name="Notes Placeholder 2">
             <a:extLst>
               <a:ext uri="{FF2B5EF4-FFF2-40B4-BE49-F238E27FC236}">
-                <a16:creationId xmlns:a16="http://schemas.microsoft.com/office/drawing/2014/main" id="{86B4B9F8-259D-C9B4-763E-95A9A34BE188}"/>
+                <a16:creationId xmlns:a16="http://schemas.microsoft.com/office/drawing/2014/main" id="{26637D2E-832A-9F34-A357-F0DC2FCFD841}"/>
               </a:ext>
             </a:extLst>
           </p:cNvPr>
@@ -3250,7 +1724,7 @@
           <p:cNvPr id="4" name="Slide Number Placeholder 3">
             <a:extLst>
               <a:ext uri="{FF2B5EF4-FFF2-40B4-BE49-F238E27FC236}">
-                <a16:creationId xmlns:a16="http://schemas.microsoft.com/office/drawing/2014/main" id="{3B2505A4-425D-8873-BB96-AF201749EA04}"/>
+                <a16:creationId xmlns:a16="http://schemas.microsoft.com/office/drawing/2014/main" id="{A67B3E74-72F6-5EA9-06D4-D069AAA3AFAC}"/>
               </a:ext>
             </a:extLst>
           </p:cNvPr>
@@ -3277,7 +1751,7 @@
     </p:spTree>
     <p:extLst>
       <p:ext uri="{BB962C8B-B14F-4D97-AF65-F5344CB8AC3E}">
-        <p14:creationId xmlns:p14="http://schemas.microsoft.com/office/powerpoint/2010/main" val="3796428311"/>
+        <p14:creationId xmlns:p14="http://schemas.microsoft.com/office/powerpoint/2010/main" val="3604112601"/>
       </p:ext>
     </p:extLst>
   </p:cSld>
@@ -3487,7 +1961,7 @@
         <p:cNvPr id="1" name="">
           <a:extLst>
             <a:ext uri="{FF2B5EF4-FFF2-40B4-BE49-F238E27FC236}">
-              <a16:creationId xmlns:a16="http://schemas.microsoft.com/office/drawing/2014/main" id="{FC49CC12-09F0-74A5-CD53-DE005E912EC2}"/>
+              <a16:creationId xmlns:a16="http://schemas.microsoft.com/office/drawing/2014/main" id="{868A36B6-013A-4AEE-943E-31D485EE678C}"/>
             </a:ext>
           </a:extLst>
         </p:cNvPr>
@@ -3507,7 +1981,7 @@
           <p:cNvPr id="2" name="Slide Image Placeholder 1">
             <a:extLst>
               <a:ext uri="{FF2B5EF4-FFF2-40B4-BE49-F238E27FC236}">
-                <a16:creationId xmlns:a16="http://schemas.microsoft.com/office/drawing/2014/main" id="{DA44CF05-EBDE-B214-D5F0-9A5D2F1B2041}"/>
+                <a16:creationId xmlns:a16="http://schemas.microsoft.com/office/drawing/2014/main" id="{3A3CFC94-E6A3-755D-82B9-F4E9AB5B408C}"/>
               </a:ext>
             </a:extLst>
           </p:cNvPr>
@@ -3525,7 +1999,7 @@
           <p:cNvPr id="3" name="Notes Placeholder 2">
             <a:extLst>
               <a:ext uri="{FF2B5EF4-FFF2-40B4-BE49-F238E27FC236}">
-                <a16:creationId xmlns:a16="http://schemas.microsoft.com/office/drawing/2014/main" id="{9E4FEBF7-8267-9AD5-7810-B08CDA92C52C}"/>
+                <a16:creationId xmlns:a16="http://schemas.microsoft.com/office/drawing/2014/main" id="{86B4B9F8-259D-C9B4-763E-95A9A34BE188}"/>
               </a:ext>
             </a:extLst>
           </p:cNvPr>
@@ -3550,7 +2024,7 @@
           <p:cNvPr id="4" name="Slide Number Placeholder 3">
             <a:extLst>
               <a:ext uri="{FF2B5EF4-FFF2-40B4-BE49-F238E27FC236}">
-                <a16:creationId xmlns:a16="http://schemas.microsoft.com/office/drawing/2014/main" id="{082CBC96-FF31-80A0-6DCB-5F304C7058E5}"/>
+                <a16:creationId xmlns:a16="http://schemas.microsoft.com/office/drawing/2014/main" id="{3B2505A4-425D-8873-BB96-AF201749EA04}"/>
               </a:ext>
             </a:extLst>
           </p:cNvPr>
@@ -3577,7 +2051,7 @@
     </p:spTree>
     <p:extLst>
       <p:ext uri="{BB962C8B-B14F-4D97-AF65-F5344CB8AC3E}">
-        <p14:creationId xmlns:p14="http://schemas.microsoft.com/office/powerpoint/2010/main" val="3531819309"/>
+        <p14:creationId xmlns:p14="http://schemas.microsoft.com/office/powerpoint/2010/main" val="3796428311"/>
       </p:ext>
     </p:extLst>
   </p:cSld>
@@ -4487,90 +2961,6 @@
 </p:notes>
 </file>
 
-<file path=ppt/notesSlides/notesSlide30.xml><?xml version="1.0" encoding="utf-8"?>
-<p:notes xmlns:a="http://schemas.openxmlformats.org/drawingml/2006/main" xmlns:r="http://schemas.openxmlformats.org/officeDocument/2006/relationships" xmlns:p="http://schemas.openxmlformats.org/presentationml/2006/main">
-  <p:cSld>
-    <p:spTree>
-      <p:nvGrpSpPr>
-        <p:cNvPr id="1" name=""/>
-        <p:cNvGrpSpPr/>
-        <p:nvPr/>
-      </p:nvGrpSpPr>
-      <p:grpSpPr>
-        <a:xfrm>
-          <a:off x="0" y="0"/>
-          <a:ext cx="0" cy="0"/>
-          <a:chOff x="0" y="0"/>
-          <a:chExt cx="0" cy="0"/>
-        </a:xfrm>
-      </p:grpSpPr>
-      <p:sp>
-        <p:nvSpPr>
-          <p:cNvPr id="2" name="Slide Image Placeholder 1"/>
-          <p:cNvSpPr>
-            <a:spLocks noGrp="1" noRot="1" noChangeAspect="1"/>
-          </p:cNvSpPr>
-          <p:nvPr>
-            <p:ph type="sldImg"/>
-          </p:nvPr>
-        </p:nvSpPr>
-        <p:spPr/>
-      </p:sp>
-      <p:sp>
-        <p:nvSpPr>
-          <p:cNvPr id="3" name="Notes Placeholder 2"/>
-          <p:cNvSpPr>
-            <a:spLocks noGrp="1"/>
-          </p:cNvSpPr>
-          <p:nvPr>
-            <p:ph type="body" idx="1"/>
-          </p:nvPr>
-        </p:nvSpPr>
-        <p:spPr/>
-        <p:txBody>
-          <a:bodyPr/>
-          <a:lstStyle/>
-          <a:p>
-            <a:endParaRPr lang="es-CO"/>
-          </a:p>
-        </p:txBody>
-      </p:sp>
-      <p:sp>
-        <p:nvSpPr>
-          <p:cNvPr id="4" name="Slide Number Placeholder 3"/>
-          <p:cNvSpPr>
-            <a:spLocks noGrp="1"/>
-          </p:cNvSpPr>
-          <p:nvPr>
-            <p:ph type="sldNum" sz="quarter" idx="10"/>
-          </p:nvPr>
-        </p:nvSpPr>
-        <p:spPr/>
-        <p:txBody>
-          <a:bodyPr/>
-          <a:lstStyle/>
-          <a:p>
-            <a:fld id="{39CE3E00-5BD7-44D7-B945-08D1EB9B6B4C}" type="slidenum">
-              <a:rPr lang="es-CO" smtClean="0"/>
-              <a:t>31</a:t>
-            </a:fld>
-            <a:endParaRPr lang="es-CO"/>
-          </a:p>
-        </p:txBody>
-      </p:sp>
-    </p:spTree>
-    <p:extLst>
-      <p:ext uri="{BB962C8B-B14F-4D97-AF65-F5344CB8AC3E}">
-        <p14:creationId xmlns:p14="http://schemas.microsoft.com/office/powerpoint/2010/main" val="3827556090"/>
-      </p:ext>
-    </p:extLst>
-  </p:cSld>
-  <p:clrMapOvr>
-    <a:masterClrMapping/>
-  </p:clrMapOvr>
-</p:notes>
-</file>
-
 <file path=ppt/notesSlides/notesSlide4.xml><?xml version="1.0" encoding="utf-8"?>
 <p:notes xmlns:a="http://schemas.openxmlformats.org/drawingml/2006/main" xmlns:r="http://schemas.openxmlformats.org/officeDocument/2006/relationships" xmlns:p="http://schemas.openxmlformats.org/presentationml/2006/main">
   <p:cSld>
@@ -5321,7 +3711,7 @@
             <a:fld id="{0AEE6DC9-5AC4-4174-887C-07A615CCC701}" type="slidenum">
               <a:rPr lang="es-CO" smtClean="0"/>
               <a:pPr/>
-              <a:t>‹#›</a:t>
+              <a:t>‹Nº›</a:t>
             </a:fld>
             <a:endParaRPr lang="es-CO"/>
           </a:p>
@@ -5845,7 +4235,7 @@
             <a:fld id="{0AEE6DC9-5AC4-4174-887C-07A615CCC701}" type="slidenum">
               <a:rPr lang="es-CO" smtClean="0"/>
               <a:pPr/>
-              <a:t>‹#›</a:t>
+              <a:t>‹Nº›</a:t>
             </a:fld>
             <a:endParaRPr lang="es-CO"/>
           </a:p>
@@ -6360,7 +4750,7 @@
             <a:fld id="{0AEE6DC9-5AC4-4174-887C-07A615CCC701}" type="slidenum">
               <a:rPr lang="es-CO" smtClean="0"/>
               <a:pPr/>
-              <a:t>‹#›</a:t>
+              <a:t>‹Nº›</a:t>
             </a:fld>
             <a:endParaRPr lang="es-CO"/>
           </a:p>
@@ -6872,7 +5262,7 @@
             <a:fld id="{0AEE6DC9-5AC4-4174-887C-07A615CCC701}" type="slidenum">
               <a:rPr lang="es-CO" smtClean="0"/>
               <a:pPr/>
-              <a:t>‹#›</a:t>
+              <a:t>‹Nº›</a:t>
             </a:fld>
             <a:endParaRPr lang="es-CO"/>
           </a:p>
@@ -7286,7 +5676,7 @@
             <a:fld id="{0AEE6DC9-5AC4-4174-887C-07A615CCC701}" type="slidenum">
               <a:rPr lang="es-CO" smtClean="0"/>
               <a:pPr/>
-              <a:t>‹#›</a:t>
+              <a:t>‹Nº›</a:t>
             </a:fld>
             <a:endParaRPr lang="es-CO"/>
           </a:p>
@@ -7919,7 +6309,7 @@
             <a:fld id="{0AEE6DC9-5AC4-4174-887C-07A615CCC701}" type="slidenum">
               <a:rPr lang="es-CO" smtClean="0"/>
               <a:pPr/>
-              <a:t>‹#›</a:t>
+              <a:t>‹Nº›</a:t>
             </a:fld>
             <a:endParaRPr lang="es-CO"/>
           </a:p>
@@ -8552,7 +6942,7 @@
             <a:fld id="{0AEE6DC9-5AC4-4174-887C-07A615CCC701}" type="slidenum">
               <a:rPr lang="es-CO" smtClean="0"/>
               <a:pPr/>
-              <a:t>‹#›</a:t>
+              <a:t>‹Nº›</a:t>
             </a:fld>
             <a:endParaRPr lang="es-CO"/>
           </a:p>
@@ -9046,7 +7436,7 @@
             <a:fld id="{0AEE6DC9-5AC4-4174-887C-07A615CCC701}" type="slidenum">
               <a:rPr lang="es-CO" smtClean="0"/>
               <a:pPr/>
-              <a:t>‹#›</a:t>
+              <a:t>‹Nº›</a:t>
             </a:fld>
             <a:endParaRPr lang="es-CO"/>
           </a:p>
@@ -9736,7 +8126,7 @@
             <a:fld id="{0AEE6DC9-5AC4-4174-887C-07A615CCC701}" type="slidenum">
               <a:rPr lang="es-CO" smtClean="0"/>
               <a:pPr/>
-              <a:t>‹#›</a:t>
+              <a:t>‹Nº›</a:t>
             </a:fld>
             <a:endParaRPr lang="es-CO"/>
           </a:p>
@@ -10405,7 +8795,7 @@
             <a:fld id="{0AEE6DC9-5AC4-4174-887C-07A615CCC701}" type="slidenum">
               <a:rPr lang="es-CO" smtClean="0"/>
               <a:pPr/>
-              <a:t>‹#›</a:t>
+              <a:t>‹Nº›</a:t>
             </a:fld>
             <a:endParaRPr lang="es-CO"/>
           </a:p>
@@ -10880,7 +9270,7 @@
             <a:fld id="{0AEE6DC9-5AC4-4174-887C-07A615CCC701}" type="slidenum">
               <a:rPr lang="es-CO" smtClean="0"/>
               <a:pPr/>
-              <a:t>‹#›</a:t>
+              <a:t>‹Nº›</a:t>
             </a:fld>
             <a:endParaRPr lang="es-CO"/>
           </a:p>
@@ -11355,7 +9745,7 @@
             <a:fld id="{0AEE6DC9-5AC4-4174-887C-07A615CCC701}" type="slidenum">
               <a:rPr lang="es-CO" smtClean="0"/>
               <a:pPr/>
-              <a:t>‹#›</a:t>
+              <a:t>‹Nº›</a:t>
             </a:fld>
             <a:endParaRPr lang="es-CO"/>
           </a:p>
@@ -11935,7 +10325,7 @@
             <a:fld id="{0AEE6DC9-5AC4-4174-887C-07A615CCC701}" type="slidenum">
               <a:rPr lang="es-CO" smtClean="0"/>
               <a:pPr/>
-              <a:t>‹#›</a:t>
+              <a:t>‹Nº›</a:t>
             </a:fld>
             <a:endParaRPr lang="es-CO"/>
           </a:p>
@@ -12605,7 +10995,7 @@
             <a:fld id="{0AEE6DC9-5AC4-4174-887C-07A615CCC701}" type="slidenum">
               <a:rPr lang="es-CO" smtClean="0"/>
               <a:pPr/>
-              <a:t>‹#›</a:t>
+              <a:t>‹Nº›</a:t>
             </a:fld>
             <a:endParaRPr lang="es-CO"/>
           </a:p>
@@ -13347,7 +11737,7 @@
             <a:fld id="{0AEE6DC9-5AC4-4174-887C-07A615CCC701}" type="slidenum">
               <a:rPr lang="es-CO" smtClean="0"/>
               <a:pPr/>
-              <a:t>‹#›</a:t>
+              <a:t>‹Nº›</a:t>
             </a:fld>
             <a:endParaRPr lang="es-CO"/>
           </a:p>
@@ -14083,7 +12473,7 @@
             <a:fld id="{0AEE6DC9-5AC4-4174-887C-07A615CCC701}" type="slidenum">
               <a:rPr lang="es-CO" smtClean="0"/>
               <a:pPr/>
-              <a:t>‹#›</a:t>
+              <a:t>‹Nº›</a:t>
             </a:fld>
             <a:endParaRPr lang="es-CO"/>
           </a:p>
@@ -14748,7 +13138,7 @@
             <a:fld id="{0AEE6DC9-5AC4-4174-887C-07A615CCC701}" type="slidenum">
               <a:rPr lang="es-CO" smtClean="0"/>
               <a:pPr/>
-              <a:t>‹#›</a:t>
+              <a:t>‹Nº›</a:t>
             </a:fld>
             <a:endParaRPr lang="es-CO"/>
           </a:p>
@@ -15223,7 +13613,7 @@
             <a:fld id="{0AEE6DC9-5AC4-4174-887C-07A615CCC701}" type="slidenum">
               <a:rPr lang="es-CO" smtClean="0"/>
               <a:pPr/>
-              <a:t>‹#›</a:t>
+              <a:t>‹Nº›</a:t>
             </a:fld>
             <a:endParaRPr lang="es-CO"/>
           </a:p>
@@ -15569,7 +13959,7 @@
             <a:fld id="{0AEE6DC9-5AC4-4174-887C-07A615CCC701}" type="slidenum">
               <a:rPr lang="es-CO" smtClean="0"/>
               <a:pPr/>
-              <a:t>‹#›</a:t>
+              <a:t>‹Nº›</a:t>
             </a:fld>
             <a:endParaRPr lang="es-CO"/>
           </a:p>
@@ -16010,7 +14400,7 @@
             <a:fld id="{0AEE6DC9-5AC4-4174-887C-07A615CCC701}" type="slidenum">
               <a:rPr lang="es-CO" smtClean="0"/>
               <a:pPr/>
-              <a:t>‹#›</a:t>
+              <a:t>‹Nº›</a:t>
             </a:fld>
             <a:endParaRPr lang="es-CO"/>
           </a:p>
@@ -26257,10 +24647,10 @@
       </p:sp>
       <p:pic>
         <p:nvPicPr>
-          <p:cNvPr id="2" name="Picture 1" descr="A diagram of a company&#10;&#10;AI-generated content may be incorrect.">
+          <p:cNvPr id="4" name="Picture 3" descr="A diagram of a company&#10;&#10;AI-generated content may be incorrect.">
             <a:extLst>
               <a:ext uri="{FF2B5EF4-FFF2-40B4-BE49-F238E27FC236}">
-                <a16:creationId xmlns:a16="http://schemas.microsoft.com/office/drawing/2014/main" id="{A31AEC50-4EEE-5B6D-C348-D47612B3A473}"/>
+                <a16:creationId xmlns:a16="http://schemas.microsoft.com/office/drawing/2014/main" id="{3B2DBB52-21A9-7B03-1EBC-8A8D23C1AD61}"/>
               </a:ext>
             </a:extLst>
           </p:cNvPr>
@@ -26277,8 +24667,8 @@
         </p:blipFill>
         <p:spPr>
           <a:xfrm>
-            <a:off x="1957874" y="1341783"/>
-            <a:ext cx="4453001" cy="4691270"/>
+            <a:off x="1550846" y="1521069"/>
+            <a:ext cx="5813710" cy="4598377"/>
           </a:xfrm>
           <a:prstGeom prst="rect">
             <a:avLst/>
@@ -26555,7 +24945,7 @@
         <p:cNvPr id="1" name="">
           <a:extLst>
             <a:ext uri="{FF2B5EF4-FFF2-40B4-BE49-F238E27FC236}">
-              <a16:creationId xmlns:a16="http://schemas.microsoft.com/office/drawing/2014/main" id="{10643349-5028-2BE5-9680-144B720D5220}"/>
+              <a16:creationId xmlns:a16="http://schemas.microsoft.com/office/drawing/2014/main" id="{E3F29CC7-BE28-4299-824F-58B49BE96DC4}"/>
             </a:ext>
           </a:extLst>
         </p:cNvPr>
@@ -26575,7 +24965,7 @@
           <p:cNvPr id="3" name="Slide Number Placeholder 2">
             <a:extLst>
               <a:ext uri="{FF2B5EF4-FFF2-40B4-BE49-F238E27FC236}">
-                <a16:creationId xmlns:a16="http://schemas.microsoft.com/office/drawing/2014/main" id="{609060AE-609F-F52A-4A9B-A5E3086B928C}"/>
+                <a16:creationId xmlns:a16="http://schemas.microsoft.com/office/drawing/2014/main" id="{D77AB289-1619-E88C-BEE4-5AAA16BAE53F}"/>
               </a:ext>
             </a:extLst>
           </p:cNvPr>
@@ -26605,7 +24995,7 @@
           <p:cNvPr id="6" name="Footer Placeholder 5">
             <a:extLst>
               <a:ext uri="{FF2B5EF4-FFF2-40B4-BE49-F238E27FC236}">
-                <a16:creationId xmlns:a16="http://schemas.microsoft.com/office/drawing/2014/main" id="{DB3EF75D-B9AA-3588-C206-CC277DA9DCE3}"/>
+                <a16:creationId xmlns:a16="http://schemas.microsoft.com/office/drawing/2014/main" id="{2749601C-439F-1380-9B38-24826151F361}"/>
               </a:ext>
             </a:extLst>
           </p:cNvPr>
@@ -26736,7 +25126,7 @@
           <p:cNvPr id="7" name="TextBox 6">
             <a:extLst>
               <a:ext uri="{FF2B5EF4-FFF2-40B4-BE49-F238E27FC236}">
-                <a16:creationId xmlns:a16="http://schemas.microsoft.com/office/drawing/2014/main" id="{2DBED479-FB19-E089-1C6E-2AE0B82F2A0C}"/>
+                <a16:creationId xmlns:a16="http://schemas.microsoft.com/office/drawing/2014/main" id="{3ADEE1EF-6D9E-6AD3-EDA1-DBE3EAF42E1D}"/>
               </a:ext>
             </a:extLst>
           </p:cNvPr>
@@ -26765,7 +25155,7 @@
           <a:p>
             <a:r>
               <a:rPr lang="es-ES_tradnl" sz="1200" b="1"/>
-              <a:t>Vista de Despliegue -  Diagrama de despliegue</a:t>
+              <a:t>Vista Funcional -  Diagrama de componentes – Zoom componente Notificaciones</a:t>
             </a:r>
             <a:endParaRPr lang="es-ES_tradnl" sz="1200"/>
           </a:p>
@@ -26773,10 +25163,10 @@
       </p:sp>
       <p:pic>
         <p:nvPicPr>
-          <p:cNvPr id="2" name="Imagen 1" descr="Diagrama&#10;&#10;El contenido generado por IA puede ser incorrecto.">
+          <p:cNvPr id="2" name="Picture 1" descr="A diagram of a company&#10;&#10;AI-generated content may be incorrect.">
             <a:extLst>
               <a:ext uri="{FF2B5EF4-FFF2-40B4-BE49-F238E27FC236}">
-                <a16:creationId xmlns:a16="http://schemas.microsoft.com/office/drawing/2014/main" id="{AE1EE4F7-F4E1-BA9A-4E59-ABF48953B124}"/>
+                <a16:creationId xmlns:a16="http://schemas.microsoft.com/office/drawing/2014/main" id="{CC8B82D4-16EA-2300-2371-D4B832A7C152}"/>
               </a:ext>
             </a:extLst>
           </p:cNvPr>
@@ -26793,54 +25183,18 @@
         </p:blipFill>
         <p:spPr>
           <a:xfrm>
-            <a:off x="2516219" y="1342239"/>
-            <a:ext cx="4101076" cy="4792212"/>
+            <a:off x="1985667" y="1556238"/>
+            <a:ext cx="5181461" cy="4317024"/>
           </a:xfrm>
           <a:prstGeom prst="rect">
             <a:avLst/>
           </a:prstGeom>
         </p:spPr>
       </p:pic>
-      <p:cxnSp>
-        <p:nvCxnSpPr>
-          <p:cNvPr id="4" name="Straight Arrow Connector 3">
-            <a:extLst>
-              <a:ext uri="{FF2B5EF4-FFF2-40B4-BE49-F238E27FC236}">
-                <a16:creationId xmlns:a16="http://schemas.microsoft.com/office/drawing/2014/main" id="{69E9DF3D-CDB2-F19D-05C9-F2F67715CC0D}"/>
-              </a:ext>
-            </a:extLst>
-          </p:cNvPr>
-          <p:cNvCxnSpPr/>
-          <p:nvPr/>
-        </p:nvCxnSpPr>
-        <p:spPr>
-          <a:xfrm flipH="1">
-            <a:off x="4203362" y="5169238"/>
-            <a:ext cx="15775" cy="146126"/>
-          </a:xfrm>
-          <a:prstGeom prst="straightConnector1">
-            <a:avLst/>
-          </a:prstGeom>
-        </p:spPr>
-        <p:style>
-          <a:lnRef idx="1">
-            <a:schemeClr val="accent1"/>
-          </a:lnRef>
-          <a:fillRef idx="0">
-            <a:schemeClr val="accent1"/>
-          </a:fillRef>
-          <a:effectRef idx="0">
-            <a:schemeClr val="accent1"/>
-          </a:effectRef>
-          <a:fontRef idx="minor">
-            <a:schemeClr val="tx1"/>
-          </a:fontRef>
-        </p:style>
-      </p:cxnSp>
     </p:spTree>
     <p:extLst>
       <p:ext uri="{BB962C8B-B14F-4D97-AF65-F5344CB8AC3E}">
-        <p14:creationId xmlns:p14="http://schemas.microsoft.com/office/powerpoint/2010/main" val="4288963705"/>
+        <p14:creationId xmlns:p14="http://schemas.microsoft.com/office/powerpoint/2010/main" val="2599996582"/>
       </p:ext>
     </p:extLst>
   </p:cSld>
@@ -27125,7 +25479,7 @@
         <p:cNvPr id="1" name="">
           <a:extLst>
             <a:ext uri="{FF2B5EF4-FFF2-40B4-BE49-F238E27FC236}">
-              <a16:creationId xmlns:a16="http://schemas.microsoft.com/office/drawing/2014/main" id="{D8BD8A02-5AB2-C6B5-7EC2-DD9D8020586E}"/>
+              <a16:creationId xmlns:a16="http://schemas.microsoft.com/office/drawing/2014/main" id="{10643349-5028-2BE5-9680-144B720D5220}"/>
             </a:ext>
           </a:extLst>
         </p:cNvPr>
@@ -27145,7 +25499,7 @@
           <p:cNvPr id="3" name="Slide Number Placeholder 2">
             <a:extLst>
               <a:ext uri="{FF2B5EF4-FFF2-40B4-BE49-F238E27FC236}">
-                <a16:creationId xmlns:a16="http://schemas.microsoft.com/office/drawing/2014/main" id="{3D9D52ED-2179-23B7-8719-CAF9887D1EB5}"/>
+                <a16:creationId xmlns:a16="http://schemas.microsoft.com/office/drawing/2014/main" id="{609060AE-609F-F52A-4A9B-A5E3086B928C}"/>
               </a:ext>
             </a:extLst>
           </p:cNvPr>
@@ -27175,7 +25529,7 @@
           <p:cNvPr id="6" name="Footer Placeholder 5">
             <a:extLst>
               <a:ext uri="{FF2B5EF4-FFF2-40B4-BE49-F238E27FC236}">
-                <a16:creationId xmlns:a16="http://schemas.microsoft.com/office/drawing/2014/main" id="{EE49B0E9-A68E-D2E4-53E7-84C3D043D316}"/>
+                <a16:creationId xmlns:a16="http://schemas.microsoft.com/office/drawing/2014/main" id="{DB3EF75D-B9AA-3588-C206-CC277DA9DCE3}"/>
               </a:ext>
             </a:extLst>
           </p:cNvPr>
@@ -27306,7 +25660,7 @@
           <p:cNvPr id="7" name="TextBox 6">
             <a:extLst>
               <a:ext uri="{FF2B5EF4-FFF2-40B4-BE49-F238E27FC236}">
-                <a16:creationId xmlns:a16="http://schemas.microsoft.com/office/drawing/2014/main" id="{89200B14-9632-309F-25C9-B4AE0B4B0883}"/>
+                <a16:creationId xmlns:a16="http://schemas.microsoft.com/office/drawing/2014/main" id="{2DBED479-FB19-E089-1C6E-2AE0B82F2A0C}"/>
               </a:ext>
             </a:extLst>
           </p:cNvPr>
@@ -27328,23 +25682,53 @@
           </a:solidFill>
         </p:spPr>
         <p:txBody>
-          <a:bodyPr wrap="square" rtlCol="0">
+          <a:bodyPr wrap="square" lIns="91440" tIns="45720" rIns="91440" bIns="45720" rtlCol="0" anchor="t">
             <a:spAutoFit/>
           </a:bodyPr>
           <a:lstStyle/>
           <a:p>
             <a:r>
               <a:rPr lang="es-ES_tradnl" sz="1200" b="1"/>
-              <a:t>Vista componentes -  Diagrama de clases</a:t>
+              <a:t>Vista de Despliegue -  Diagrama de despliegue</a:t>
             </a:r>
             <a:endParaRPr lang="es-ES_tradnl" sz="1200"/>
           </a:p>
         </p:txBody>
       </p:sp>
+      <p:pic>
+        <p:nvPicPr>
+          <p:cNvPr id="5" name="Picture 4">
+            <a:extLst>
+              <a:ext uri="{FF2B5EF4-FFF2-40B4-BE49-F238E27FC236}">
+                <a16:creationId xmlns:a16="http://schemas.microsoft.com/office/drawing/2014/main" id="{519AC394-49C6-578C-E66A-F2419965D608}"/>
+              </a:ext>
+            </a:extLst>
+          </p:cNvPr>
+          <p:cNvPicPr>
+            <a:picLocks noChangeAspect="1"/>
+          </p:cNvPicPr>
+          <p:nvPr/>
+        </p:nvPicPr>
+        <p:blipFill>
+          <a:blip r:embed="rId3"/>
+          <a:stretch>
+            <a:fillRect/>
+          </a:stretch>
+        </p:blipFill>
+        <p:spPr>
+          <a:xfrm>
+            <a:off x="2125578" y="1473868"/>
+            <a:ext cx="3894222" cy="4620128"/>
+          </a:xfrm>
+          <a:prstGeom prst="rect">
+            <a:avLst/>
+          </a:prstGeom>
+        </p:spPr>
+      </p:pic>
     </p:spTree>
     <p:extLst>
       <p:ext uri="{BB962C8B-B14F-4D97-AF65-F5344CB8AC3E}">
-        <p14:creationId xmlns:p14="http://schemas.microsoft.com/office/powerpoint/2010/main" val="704289826"/>
+        <p14:creationId xmlns:p14="http://schemas.microsoft.com/office/powerpoint/2010/main" val="4288963705"/>
       </p:ext>
     </p:extLst>
   </p:cSld>
@@ -29334,7 +27718,7 @@
           <p:nvPr>
             <p:extLst>
               <p:ext uri="{D42A27DB-BD31-4B8C-83A1-F6EECF244321}">
-                <p14:modId xmlns:p14="http://schemas.microsoft.com/office/powerpoint/2010/main" val="683286426"/>
+                <p14:modId xmlns:p14="http://schemas.microsoft.com/office/powerpoint/2010/main" val="2147170125"/>
               </p:ext>
             </p:extLst>
           </p:nvPr>
@@ -29389,6 +27773,7 @@
                         <a:rPr lang="en-US" err="1"/>
                         <a:t>Servicio</a:t>
                       </a:r>
+                      <a:endParaRPr lang="en-US" dirty="0" err="1"/>
                     </a:p>
                   </a:txBody>
                   <a:tcPr/>
@@ -29399,7 +27784,7 @@
                     <a:lstStyle/>
                     <a:p>
                       <a:r>
-                        <a:rPr lang="en-US"/>
+                        <a:rPr lang="en-US" dirty="0"/>
                         <a:t>Concepto</a:t>
                       </a:r>
                     </a:p>
@@ -29415,6 +27800,7 @@
                         <a:rPr lang="en-US" err="1"/>
                         <a:t>Cálculo</a:t>
                       </a:r>
+                      <a:endParaRPr lang="en-US" dirty="0" err="1"/>
                     </a:p>
                   </a:txBody>
                   <a:tcPr/>
@@ -29428,7 +27814,7 @@
                         <a:buNone/>
                       </a:pPr>
                       <a:r>
-                        <a:rPr lang="en-US"/>
+                        <a:rPr lang="en-US" dirty="0"/>
                         <a:t>Costo (USD)</a:t>
                       </a:r>
                     </a:p>
@@ -29448,7 +27834,7 @@
                     <a:lstStyle/>
                     <a:p>
                       <a:r>
-                        <a:rPr lang="en-US"/>
+                        <a:rPr lang="en-US" dirty="0"/>
                         <a:t>Lambda</a:t>
                       </a:r>
                     </a:p>
@@ -29464,6 +27850,7 @@
                         <a:rPr lang="en-US" err="1"/>
                         <a:t>Invocaciones</a:t>
                       </a:r>
+                      <a:endParaRPr lang="en-US" dirty="0" err="1"/>
                     </a:p>
                   </a:txBody>
                   <a:tcPr/>
@@ -29474,7 +27861,7 @@
                     <a:lstStyle/>
                     <a:p>
                       <a:r>
-                        <a:rPr lang="en-US"/>
+                        <a:rPr lang="en-US" dirty="0"/>
                         <a:t>(55.16 M /1M) * 0.20 USD</a:t>
                       </a:r>
                     </a:p>
@@ -29490,7 +27877,7 @@
                         <a:buNone/>
                       </a:pPr>
                       <a:r>
-                        <a:rPr lang="en-US"/>
+                        <a:rPr lang="en-US" dirty="0"/>
                         <a:t>$11.03</a:t>
                       </a:r>
                     </a:p>
@@ -29526,6 +27913,7 @@
                         <a:rPr lang="en-US" err="1"/>
                         <a:t>Cómputo</a:t>
                       </a:r>
+                      <a:endParaRPr lang="en-US" dirty="0" err="1"/>
                     </a:p>
                   </a:txBody>
                   <a:tcPr/>
@@ -29539,7 +27927,7 @@
                         <a:buNone/>
                       </a:pPr>
                       <a:r>
-                        <a:rPr lang="en-US"/>
+                        <a:rPr lang="en-US" dirty="0"/>
                         <a:t>56.16M * 0.00000125 USD/INV</a:t>
                       </a:r>
                     </a:p>
@@ -29555,7 +27943,7 @@
                         <a:buNone/>
                       </a:pPr>
                       <a:r>
-                        <a:rPr lang="en-US"/>
+                        <a:rPr lang="en-US" dirty="0"/>
                         <a:t>$70.20</a:t>
                       </a:r>
                     </a:p>
@@ -29578,7 +27966,7 @@
                         <a:buNone/>
                       </a:pPr>
                       <a:r>
-                        <a:rPr lang="en-US"/>
+                        <a:rPr lang="en-US" dirty="0"/>
                         <a:t>SQS</a:t>
                       </a:r>
                     </a:p>
@@ -29594,11 +27982,11 @@
                         <a:buNone/>
                       </a:pPr>
                       <a:r>
-                        <a:rPr lang="en-US" err="1"/>
+                        <a:rPr lang="en-US" dirty="0" err="1"/>
                         <a:t>Mensajes</a:t>
                       </a:r>
                       <a:r>
-                        <a:rPr lang="en-US"/>
+                        <a:rPr lang="en-US" dirty="0"/>
                         <a:t> ON</a:t>
                       </a:r>
                     </a:p>
@@ -29614,7 +28002,7 @@
                         <a:buNone/>
                       </a:pPr>
                       <a:r>
-                        <a:rPr lang="en-US"/>
+                        <a:rPr lang="en-US" dirty="0"/>
                         <a:t>(56'160.000 * 2) -1'000.000</a:t>
                       </a:r>
                     </a:p>
@@ -29630,7 +28018,7 @@
                         <a:buNone/>
                       </a:pPr>
                       <a:r>
-                        <a:rPr lang="en-US"/>
+                        <a:rPr lang="en-US" dirty="0"/>
                         <a:t>$ 44.53</a:t>
                       </a:r>
                     </a:p>
@@ -29663,15 +28051,15 @@
                         <a:buNone/>
                       </a:pPr>
                       <a:r>
-                        <a:rPr lang="en-US" err="1"/>
+                        <a:rPr lang="en-US" dirty="0" err="1"/>
                         <a:t>Mensajes</a:t>
                       </a:r>
                       <a:r>
-                        <a:rPr lang="en-US"/>
+                        <a:rPr lang="en-US" dirty="0"/>
                         <a:t> </a:t>
                       </a:r>
                       <a:r>
-                        <a:rPr lang="en-US" err="1"/>
+                        <a:rPr lang="en-US" dirty="0" err="1"/>
                         <a:t>pico</a:t>
                       </a:r>
                     </a:p>
@@ -29687,15 +28075,15 @@
                         <a:buNone/>
                       </a:pPr>
                       <a:r>
-                        <a:rPr lang="en-US"/>
+                        <a:rPr lang="en-US" dirty="0"/>
                         <a:t>(195.000 </a:t>
                       </a:r>
                       <a:r>
-                        <a:rPr lang="en-US" err="1"/>
+                        <a:rPr lang="en-US" dirty="0" err="1"/>
                         <a:t>msj</a:t>
                       </a:r>
                       <a:r>
-                        <a:rPr lang="en-US"/>
+                        <a:rPr lang="en-US" dirty="0"/>
                         <a:t> * 2) - 1'000.000</a:t>
                       </a:r>
                     </a:p>
@@ -29711,7 +28099,7 @@
                         <a:buNone/>
                       </a:pPr>
                       <a:r>
-                        <a:rPr lang="en-US"/>
+                        <a:rPr lang="en-US" dirty="0"/>
                         <a:t>$ 0.16</a:t>
                       </a:r>
                     </a:p>
@@ -29734,7 +28122,7 @@
                         <a:buNone/>
                       </a:pPr>
                       <a:r>
-                        <a:rPr lang="en-US"/>
+                        <a:rPr lang="en-US" dirty="0"/>
                         <a:t>Total</a:t>
                       </a:r>
                     </a:p>
@@ -29776,7 +28164,7 @@
                         <a:buNone/>
                       </a:pPr>
                       <a:r>
-                        <a:rPr lang="en-US"/>
+                        <a:rPr lang="en-US" dirty="0"/>
                         <a:t>$125.25</a:t>
                       </a:r>
                     </a:p>
@@ -30165,14 +28553,14 @@
             <p:ph idx="1"/>
             <p:extLst>
               <p:ext uri="{D42A27DB-BD31-4B8C-83A1-F6EECF244321}">
-                <p14:modId xmlns:p14="http://schemas.microsoft.com/office/powerpoint/2010/main" val="2844125851"/>
+                <p14:modId xmlns:p14="http://schemas.microsoft.com/office/powerpoint/2010/main" val="1800444504"/>
               </p:ext>
             </p:extLst>
           </p:nvPr>
         </p:nvGraphicFramePr>
         <p:xfrm>
           <a:off x="267882" y="2340398"/>
-          <a:ext cx="8568952" cy="2910297"/>
+          <a:ext cx="8556608" cy="2910297"/>
         </p:xfrm>
         <a:graphic>
           <a:graphicData uri="http://schemas.openxmlformats.org/drawingml/2006/table">
@@ -30181,7 +28569,7 @@
                 <a:tableStyleId>{5C22544A-7EE6-4342-B048-85BDC9FD1C3A}</a:tableStyleId>
               </a:tblPr>
               <a:tblGrid>
-                <a:gridCol w="1670179">
+                <a:gridCol w="1657835">
                   <a:extLst>
                     <a:ext uri="{9D8B030D-6E8A-4147-A177-3AD203B41FA5}">
                       <a16:colId xmlns:a16="http://schemas.microsoft.com/office/drawing/2014/main" val="20000"/>
@@ -30675,14 +29063,14 @@
             <p:ph idx="1"/>
             <p:extLst>
               <p:ext uri="{D42A27DB-BD31-4B8C-83A1-F6EECF244321}">
-                <p14:modId xmlns:p14="http://schemas.microsoft.com/office/powerpoint/2010/main" val="3472241924"/>
+                <p14:modId xmlns:p14="http://schemas.microsoft.com/office/powerpoint/2010/main" val="3028630679"/>
               </p:ext>
             </p:extLst>
           </p:nvPr>
         </p:nvGraphicFramePr>
         <p:xfrm>
           <a:off x="267882" y="2340398"/>
-          <a:ext cx="8568952" cy="2910297"/>
+          <a:ext cx="8568952" cy="3093177"/>
         </p:xfrm>
         <a:graphic>
           <a:graphicData uri="http://schemas.openxmlformats.org/drawingml/2006/table">
@@ -30713,7 +29101,7 @@
                     <a:lstStyle/>
                     <a:p>
                       <a:r>
-                        <a:rPr lang="es-CO" sz="1200"/>
+                        <a:rPr lang="es-CO" sz="1200" dirty="0"/>
                         <a:t>Título del experimento</a:t>
                       </a:r>
                     </a:p>
@@ -30726,7 +29114,7 @@
                     <a:lstStyle/>
                     <a:p>
                       <a:r>
-                        <a:rPr lang="es-CO" sz="1400"/>
+                        <a:rPr lang="es-CO" sz="1400" dirty="0"/>
                         <a:t>Escalabilidad en la creación de mensajes a una alta demanda</a:t>
                       </a:r>
                     </a:p>
@@ -30746,7 +29134,7 @@
                     <a:lstStyle/>
                     <a:p>
                       <a:r>
-                        <a:rPr lang="es-CO" sz="1200"/>
+                        <a:rPr lang="es-CO" sz="1200" dirty="0"/>
                         <a:t>Propósito</a:t>
                       </a:r>
                     </a:p>
@@ -30762,7 +29150,13 @@
                         <a:rPr lang="es-CO" sz="1200" b="0" i="0" u="none" strike="noStrike" noProof="0">
                           <a:latin typeface="Calibri"/>
                         </a:rPr>
-                        <a:t>Evaluar la capacidad del sistema para generar y enviar simultáneamente 6500 notificaciones por minuto en 30 minutos, midiendo cómo AWS Lambda escala en concurrencia bajo condiciones de carga elevada.</a:t>
+                        <a:t>Evaluar la capacidad del sistema para generar y enviar simultáneamente 6500 notificaciones por minuto durante </a:t>
+                      </a:r>
+                      <a:r>
+                        <a:rPr lang="es-CO" sz="1200" b="0" i="0" u="none" strike="noStrike" noProof="0" dirty="0">
+                          <a:latin typeface="Calibri"/>
+                        </a:rPr>
+                        <a:t>30 minutos, midiendo cómo AWS Lambda escala en concurrencia bajo condiciones de carga elevada.</a:t>
                       </a:r>
                       <a:endParaRPr lang="es-CO"/>
                     </a:p>
@@ -30782,7 +29176,7 @@
                     <a:lstStyle/>
                     <a:p>
                       <a:r>
-                        <a:rPr lang="es-CO" sz="1200"/>
+                        <a:rPr lang="es-CO" sz="1200" dirty="0"/>
                         <a:t>Resultados esperados</a:t>
                       </a:r>
                     </a:p>
@@ -30795,12 +29189,12 @@
                     <a:lstStyle/>
                     <a:p>
                       <a:r>
-                        <a:rPr lang="es-CO" sz="1200" b="0" i="0" u="none" strike="noStrike" noProof="0">
+                        <a:rPr lang="es-CO" sz="1200" b="0" i="0" u="none" strike="noStrike" noProof="0" dirty="0">
                           <a:latin typeface="Calibri"/>
                         </a:rPr>
                         <a:t>El sistema debe procesar al 1300 mensaje por minuto en una operación normal mientras que en una operación máxima, este debe tener la capacidad de generar 6500 mensajes por minuto en un tiempo de 30 minutos sin experimentar errores. Se esperan curvas de concurrencia que muestren un escalado lineal hasta el límite de configuraciones de Lambda</a:t>
                       </a:r>
-                      <a:endParaRPr lang="es-CO"/>
+                      <a:endParaRPr lang="es-CO" dirty="0"/>
                     </a:p>
                   </a:txBody>
                   <a:tcPr/>
@@ -30818,7 +29212,7 @@
                     <a:lstStyle/>
                     <a:p>
                       <a:r>
-                        <a:rPr lang="es-CO" sz="1200"/>
+                        <a:rPr lang="es-CO" sz="1200" dirty="0"/>
                         <a:t>Recursos requeridos</a:t>
                       </a:r>
                     </a:p>
@@ -30834,7 +29228,7 @@
                         <a:buNone/>
                       </a:pPr>
                       <a:r>
-                        <a:rPr lang="es-CO" sz="1200" b="0" i="0" u="none" strike="noStrike" noProof="0">
+                        <a:rPr lang="es-CO" sz="1200" b="0" i="0" u="none" strike="noStrike" noProof="0" dirty="0">
                           <a:solidFill>
                             <a:srgbClr val="174970"/>
                           </a:solidFill>
@@ -30842,7 +29236,7 @@
                         </a:rPr>
                         <a:t>Se requiere tener acceso a AWS y a la lambda creada con las colas correspondientes.</a:t>
                       </a:r>
-                      <a:endParaRPr lang="en-US"/>
+                      <a:endParaRPr lang="en-US" dirty="0"/>
                     </a:p>
                   </a:txBody>
                   <a:tcPr/>
@@ -30860,7 +29254,7 @@
                     <a:lstStyle/>
                     <a:p>
                       <a:r>
-                        <a:rPr lang="es-CO" sz="1200"/>
+                        <a:rPr lang="es-CO" sz="1200" dirty="0"/>
                         <a:t>Elementos de arquitectura involucrados</a:t>
                       </a:r>
                     </a:p>
@@ -30873,7 +29267,7 @@
                     <a:lstStyle/>
                     <a:p>
                       <a:r>
-                        <a:rPr lang="es-CO" sz="1200" b="0" i="0" u="none" strike="noStrike" noProof="0">
+                        <a:rPr lang="es-CO" sz="1200" b="0" i="0" u="none" strike="noStrike" noProof="0" dirty="0">
                           <a:solidFill>
                             <a:srgbClr val="174970"/>
                           </a:solidFill>
@@ -30898,7 +29292,7 @@
                     <a:lstStyle/>
                     <a:p>
                       <a:r>
-                        <a:rPr lang="es-CO" sz="1200"/>
+                        <a:rPr lang="es-CO" sz="1200" dirty="0"/>
                         <a:t>Esfuerzo estimado</a:t>
                       </a:r>
                     </a:p>
@@ -30911,7 +29305,7 @@
                     <a:lstStyle/>
                     <a:p>
                       <a:r>
-                        <a:rPr lang="es-CO" sz="1200"/>
+                        <a:rPr lang="es-CO" sz="1200" dirty="0"/>
                         <a:t>48 horas</a:t>
                       </a:r>
                     </a:p>
@@ -32763,383 +31157,6 @@
     <p:extLst>
       <p:ext uri="{BB962C8B-B14F-4D97-AF65-F5344CB8AC3E}">
         <p14:creationId xmlns:p14="http://schemas.microsoft.com/office/powerpoint/2010/main" val="665455168"/>
-      </p:ext>
-    </p:extLst>
-  </p:cSld>
-  <p:clrMapOvr>
-    <a:masterClrMapping/>
-  </p:clrMapOvr>
-</p:sld>
-</file>
-
-<file path=ppt/slides/slide31.xml><?xml version="1.0" encoding="utf-8"?>
-<p:sld xmlns:a="http://schemas.openxmlformats.org/drawingml/2006/main" xmlns:r="http://schemas.openxmlformats.org/officeDocument/2006/relationships" xmlns:p="http://schemas.openxmlformats.org/presentationml/2006/main">
-  <p:cSld>
-    <p:spTree>
-      <p:nvGrpSpPr>
-        <p:cNvPr id="1" name=""/>
-        <p:cNvGrpSpPr/>
-        <p:nvPr/>
-      </p:nvGrpSpPr>
-      <p:grpSpPr>
-        <a:xfrm>
-          <a:off x="0" y="0"/>
-          <a:ext cx="0" cy="0"/>
-          <a:chOff x="0" y="0"/>
-          <a:chExt cx="0" cy="0"/>
-        </a:xfrm>
-      </p:grpSpPr>
-      <p:sp>
-        <p:nvSpPr>
-          <p:cNvPr id="3" name="Slide Number Placeholder 2"/>
-          <p:cNvSpPr>
-            <a:spLocks noGrp="1"/>
-          </p:cNvSpPr>
-          <p:nvPr>
-            <p:ph type="sldNum" sz="quarter" idx="4"/>
-          </p:nvPr>
-        </p:nvSpPr>
-        <p:spPr/>
-        <p:txBody>
-          <a:bodyPr/>
-          <a:lstStyle/>
-          <a:p>
-            <a:fld id="{0AEE6DC9-5AC4-4174-887C-07A615CCC701}" type="slidenum">
-              <a:rPr lang="es-CO" smtClean="0"/>
-              <a:pPr/>
-              <a:t>31</a:t>
-            </a:fld>
-            <a:endParaRPr lang="es-CO"/>
-          </a:p>
-        </p:txBody>
-      </p:sp>
-      <p:sp>
-        <p:nvSpPr>
-          <p:cNvPr id="6" name="Footer Placeholder 5"/>
-          <p:cNvSpPr>
-            <a:spLocks noGrp="1"/>
-          </p:cNvSpPr>
-          <p:nvPr>
-            <p:ph type="ftr" sz="quarter" idx="11"/>
-          </p:nvPr>
-        </p:nvSpPr>
-        <p:spPr>
-          <a:xfrm>
-            <a:off x="2123728" y="6453336"/>
-            <a:ext cx="5256584" cy="365125"/>
-          </a:xfrm>
-          <a:prstGeom prst="rect">
-            <a:avLst/>
-          </a:prstGeom>
-        </p:spPr>
-        <p:txBody>
-          <a:bodyPr/>
-          <a:lstStyle>
-            <a:defPPr>
-              <a:defRPr lang="es-CO"/>
-            </a:defPPr>
-            <a:lvl1pPr marL="0" algn="l" defTabSz="914400" rtl="0" eaLnBrk="1" latinLnBrk="0" hangingPunct="1">
-              <a:defRPr sz="1100" kern="1200">
-                <a:solidFill>
-                  <a:srgbClr val="174970"/>
-                </a:solidFill>
-                <a:latin typeface="+mn-lt"/>
-                <a:ea typeface="+mn-ea"/>
-                <a:cs typeface="+mn-cs"/>
-              </a:defRPr>
-            </a:lvl1pPr>
-            <a:lvl2pPr marL="457200" algn="l" defTabSz="914400" rtl="0" eaLnBrk="1" latinLnBrk="0" hangingPunct="1">
-              <a:defRPr sz="1800" kern="1200">
-                <a:solidFill>
-                  <a:schemeClr val="tx1"/>
-                </a:solidFill>
-                <a:latin typeface="+mn-lt"/>
-                <a:ea typeface="+mn-ea"/>
-                <a:cs typeface="+mn-cs"/>
-              </a:defRPr>
-            </a:lvl2pPr>
-            <a:lvl3pPr marL="914400" algn="l" defTabSz="914400" rtl="0" eaLnBrk="1" latinLnBrk="0" hangingPunct="1">
-              <a:defRPr sz="1800" kern="1200">
-                <a:solidFill>
-                  <a:schemeClr val="tx1"/>
-                </a:solidFill>
-                <a:latin typeface="+mn-lt"/>
-                <a:ea typeface="+mn-ea"/>
-                <a:cs typeface="+mn-cs"/>
-              </a:defRPr>
-            </a:lvl3pPr>
-            <a:lvl4pPr marL="1371600" algn="l" defTabSz="914400" rtl="0" eaLnBrk="1" latinLnBrk="0" hangingPunct="1">
-              <a:defRPr sz="1800" kern="1200">
-                <a:solidFill>
-                  <a:schemeClr val="tx1"/>
-                </a:solidFill>
-                <a:latin typeface="+mn-lt"/>
-                <a:ea typeface="+mn-ea"/>
-                <a:cs typeface="+mn-cs"/>
-              </a:defRPr>
-            </a:lvl4pPr>
-            <a:lvl5pPr marL="1828800" algn="l" defTabSz="914400" rtl="0" eaLnBrk="1" latinLnBrk="0" hangingPunct="1">
-              <a:defRPr sz="1800" kern="1200">
-                <a:solidFill>
-                  <a:schemeClr val="tx1"/>
-                </a:solidFill>
-                <a:latin typeface="+mn-lt"/>
-                <a:ea typeface="+mn-ea"/>
-                <a:cs typeface="+mn-cs"/>
-              </a:defRPr>
-            </a:lvl5pPr>
-            <a:lvl6pPr marL="2286000" algn="l" defTabSz="914400" rtl="0" eaLnBrk="1" latinLnBrk="0" hangingPunct="1">
-              <a:defRPr sz="1800" kern="1200">
-                <a:solidFill>
-                  <a:schemeClr val="tx1"/>
-                </a:solidFill>
-                <a:latin typeface="+mn-lt"/>
-                <a:ea typeface="+mn-ea"/>
-                <a:cs typeface="+mn-cs"/>
-              </a:defRPr>
-            </a:lvl6pPr>
-            <a:lvl7pPr marL="2743200" algn="l" defTabSz="914400" rtl="0" eaLnBrk="1" latinLnBrk="0" hangingPunct="1">
-              <a:defRPr sz="1800" kern="1200">
-                <a:solidFill>
-                  <a:schemeClr val="tx1"/>
-                </a:solidFill>
-                <a:latin typeface="+mn-lt"/>
-                <a:ea typeface="+mn-ea"/>
-                <a:cs typeface="+mn-cs"/>
-              </a:defRPr>
-            </a:lvl7pPr>
-            <a:lvl8pPr marL="3200400" algn="l" defTabSz="914400" rtl="0" eaLnBrk="1" latinLnBrk="0" hangingPunct="1">
-              <a:defRPr sz="1800" kern="1200">
-                <a:solidFill>
-                  <a:schemeClr val="tx1"/>
-                </a:solidFill>
-                <a:latin typeface="+mn-lt"/>
-                <a:ea typeface="+mn-ea"/>
-                <a:cs typeface="+mn-cs"/>
-              </a:defRPr>
-            </a:lvl8pPr>
-            <a:lvl9pPr marL="3657600" algn="l" defTabSz="914400" rtl="0" eaLnBrk="1" latinLnBrk="0" hangingPunct="1">
-              <a:defRPr sz="1800" kern="1200">
-                <a:solidFill>
-                  <a:schemeClr val="tx1"/>
-                </a:solidFill>
-                <a:latin typeface="+mn-lt"/>
-                <a:ea typeface="+mn-ea"/>
-                <a:cs typeface="+mn-cs"/>
-              </a:defRPr>
-            </a:lvl9pPr>
-          </a:lstStyle>
-          <a:p>
-            <a:r>
-              <a:rPr lang="es-CO"/>
-              <a:t>© 2018 - Universidad de Los Andes – Departamento de Sistemas y Computación</a:t>
-            </a:r>
-            <a:endParaRPr lang="es-CO" noProof="0"/>
-          </a:p>
-        </p:txBody>
-      </p:sp>
-      <p:sp>
-        <p:nvSpPr>
-          <p:cNvPr id="8" name="TextBox 7">
-            <a:extLst>
-              <a:ext uri="{FF2B5EF4-FFF2-40B4-BE49-F238E27FC236}">
-                <a16:creationId xmlns:a16="http://schemas.microsoft.com/office/drawing/2014/main" id="{EB73D295-E43F-AD4E-8201-88046EF1E27D}"/>
-              </a:ext>
-            </a:extLst>
-          </p:cNvPr>
-          <p:cNvSpPr txBox="1"/>
-          <p:nvPr/>
-        </p:nvSpPr>
-        <p:spPr>
-          <a:xfrm>
-            <a:off x="341620" y="1268760"/>
-            <a:ext cx="8460760" cy="461665"/>
-          </a:xfrm>
-          <a:prstGeom prst="rect">
-            <a:avLst/>
-          </a:prstGeom>
-          <a:solidFill>
-            <a:schemeClr val="bg1">
-              <a:lumMod val="85000"/>
-            </a:schemeClr>
-          </a:solidFill>
-        </p:spPr>
-        <p:txBody>
-          <a:bodyPr wrap="square" rtlCol="0">
-            <a:spAutoFit/>
-          </a:bodyPr>
-          <a:lstStyle/>
-          <a:p>
-            <a:r>
-              <a:rPr lang="es-ES_tradnl" sz="1200" b="1"/>
-              <a:t>Paso 8- Iterar si es necesario: </a:t>
-            </a:r>
-            <a:r>
-              <a:rPr lang="es-ES_tradnl" sz="1200"/>
-              <a:t>Repita los pasos 2 a 7 de ser necesario. Use el riesgo como una medida para decidir si parar o continuar con una iteración más.</a:t>
-            </a:r>
-          </a:p>
-        </p:txBody>
-      </p:sp>
-      <p:graphicFrame>
-        <p:nvGraphicFramePr>
-          <p:cNvPr id="9" name="Table 8">
-            <a:extLst>
-              <a:ext uri="{FF2B5EF4-FFF2-40B4-BE49-F238E27FC236}">
-                <a16:creationId xmlns:a16="http://schemas.microsoft.com/office/drawing/2014/main" id="{3EE47E5E-5DD0-FD4C-A0F9-65C73C7768D6}"/>
-              </a:ext>
-            </a:extLst>
-          </p:cNvPr>
-          <p:cNvGraphicFramePr>
-            <a:graphicFrameLocks noGrp="1"/>
-          </p:cNvGraphicFramePr>
-          <p:nvPr>
-            <p:extLst>
-              <p:ext uri="{D42A27DB-BD31-4B8C-83A1-F6EECF244321}">
-                <p14:modId xmlns:p14="http://schemas.microsoft.com/office/powerpoint/2010/main" val="2896957818"/>
-              </p:ext>
-            </p:extLst>
-          </p:nvPr>
-        </p:nvGraphicFramePr>
-        <p:xfrm>
-          <a:off x="287524" y="2564904"/>
-          <a:ext cx="8568952" cy="3291840"/>
-        </p:xfrm>
-        <a:graphic>
-          <a:graphicData uri="http://schemas.openxmlformats.org/drawingml/2006/table">
-            <a:tbl>
-              <a:tblPr firstRow="1" firstCol="1" bandRow="1">
-                <a:tableStyleId>{5C22544A-7EE6-4342-B048-85BDC9FD1C3A}</a:tableStyleId>
-              </a:tblPr>
-              <a:tblGrid>
-                <a:gridCol w="1670179">
-                  <a:extLst>
-                    <a:ext uri="{9D8B030D-6E8A-4147-A177-3AD203B41FA5}">
-                      <a16:colId xmlns:a16="http://schemas.microsoft.com/office/drawing/2014/main" val="2994634929"/>
-                    </a:ext>
-                  </a:extLst>
-                </a:gridCol>
-                <a:gridCol w="6898773">
-                  <a:extLst>
-                    <a:ext uri="{9D8B030D-6E8A-4147-A177-3AD203B41FA5}">
-                      <a16:colId xmlns:a16="http://schemas.microsoft.com/office/drawing/2014/main" val="3685008882"/>
-                    </a:ext>
-                  </a:extLst>
-                </a:gridCol>
-              </a:tblGrid>
-              <a:tr h="330019">
-                <a:tc>
-                  <a:txBody>
-                    <a:bodyPr/>
-                    <a:lstStyle/>
-                    <a:p>
-                      <a:r>
-                        <a:rPr lang="es-CO" sz="1200"/>
-                        <a:t>Resultados </a:t>
-                      </a:r>
-                    </a:p>
-                  </a:txBody>
-                  <a:tcPr/>
-                </a:tc>
-                <a:tc>
-                  <a:txBody>
-                    <a:bodyPr/>
-                    <a:lstStyle/>
-                    <a:p>
-                      <a:endParaRPr lang="es-CO" sz="1200"/>
-                    </a:p>
-                    <a:p>
-                      <a:endParaRPr lang="es-CO" sz="1200"/>
-                    </a:p>
-                    <a:p>
-                      <a:endParaRPr lang="es-CO" sz="1200"/>
-                    </a:p>
-                    <a:p>
-                      <a:endParaRPr lang="es-CO" sz="1200"/>
-                    </a:p>
-                    <a:p>
-                      <a:endParaRPr lang="es-CO" sz="1200"/>
-                    </a:p>
-                  </a:txBody>
-                  <a:tcPr/>
-                </a:tc>
-                <a:extLst>
-                  <a:ext uri="{0D108BD9-81ED-4DB2-BD59-A6C34878D82A}">
-                    <a16:rowId xmlns:a16="http://schemas.microsoft.com/office/drawing/2014/main" val="2823551948"/>
-                  </a:ext>
-                </a:extLst>
-              </a:tr>
-              <a:tr h="330019">
-                <a:tc>
-                  <a:txBody>
-                    <a:bodyPr/>
-                    <a:lstStyle/>
-                    <a:p>
-                      <a:r>
-                        <a:rPr lang="es-CO" sz="1200"/>
-                        <a:t>Acciones a seguir</a:t>
-                      </a:r>
-                    </a:p>
-                  </a:txBody>
-                  <a:tcPr/>
-                </a:tc>
-                <a:tc>
-                  <a:txBody>
-                    <a:bodyPr/>
-                    <a:lstStyle/>
-                    <a:p>
-                      <a:endParaRPr lang="es-CO" sz="1200"/>
-                    </a:p>
-                    <a:p>
-                      <a:endParaRPr lang="es-CO" sz="1200"/>
-                    </a:p>
-                    <a:p>
-                      <a:endParaRPr lang="es-CO" sz="1200"/>
-                    </a:p>
-                    <a:p>
-                      <a:endParaRPr lang="es-CO" sz="1200"/>
-                    </a:p>
-                    <a:p>
-                      <a:endParaRPr lang="es-CO" sz="1200"/>
-                    </a:p>
-                    <a:p>
-                      <a:endParaRPr lang="es-CO" sz="1200"/>
-                    </a:p>
-                    <a:p>
-                      <a:endParaRPr lang="es-CO" sz="1200"/>
-                    </a:p>
-                    <a:p>
-                      <a:endParaRPr lang="es-CO" sz="1200"/>
-                    </a:p>
-                    <a:p>
-                      <a:endParaRPr lang="es-CO" sz="1200"/>
-                    </a:p>
-                    <a:p>
-                      <a:endParaRPr lang="es-CO" sz="1200"/>
-                    </a:p>
-                    <a:p>
-                      <a:endParaRPr lang="es-CO" sz="1200"/>
-                    </a:p>
-                    <a:p>
-                      <a:endParaRPr lang="es-CO" sz="1200"/>
-                    </a:p>
-                  </a:txBody>
-                  <a:tcPr/>
-                </a:tc>
-                <a:extLst>
-                  <a:ext uri="{0D108BD9-81ED-4DB2-BD59-A6C34878D82A}">
-                    <a16:rowId xmlns:a16="http://schemas.microsoft.com/office/drawing/2014/main" val="3732418422"/>
-                  </a:ext>
-                </a:extLst>
-              </a:tr>
-            </a:tbl>
-          </a:graphicData>
-        </a:graphic>
-      </p:graphicFrame>
-    </p:spTree>
-    <p:extLst>
-      <p:ext uri="{BB962C8B-B14F-4D97-AF65-F5344CB8AC3E}">
-        <p14:creationId xmlns:p14="http://schemas.microsoft.com/office/powerpoint/2010/main" val="875624249"/>
       </p:ext>
     </p:extLst>
   </p:cSld>
@@ -44981,16 +42998,16 @@
 <file path=customXml/itemProps1.xml><?xml version="1.0" encoding="utf-8"?>
 <ds:datastoreItem xmlns:ds="http://schemas.openxmlformats.org/officeDocument/2006/customXml" ds:itemID="{A6CA0C8D-3EA7-4A0C-80B3-EF1E0352A135}">
   <ds:schemaRefs>
+    <ds:schemaRef ds:uri="http://purl.org/dc/terms/"/>
+    <ds:schemaRef ds:uri="http://schemas.microsoft.com/office/2006/metadata/properties"/>
+    <ds:schemaRef ds:uri="9ba872fe-ebe7-44ee-97e3-5e5488f75d03"/>
+    <ds:schemaRef ds:uri="http://www.w3.org/XML/1998/namespace"/>
+    <ds:schemaRef ds:uri="http://schemas.openxmlformats.org/package/2006/metadata/core-properties"/>
+    <ds:schemaRef ds:uri="http://purl.org/dc/dcmitype/"/>
+    <ds:schemaRef ds:uri="http://schemas.microsoft.com/office/2006/documentManagement/types"/>
+    <ds:schemaRef ds:uri="http://purl.org/dc/elements/1.1/"/>
+    <ds:schemaRef ds:uri="http://schemas.microsoft.com/office/infopath/2007/PartnerControls"/>
     <ds:schemaRef ds:uri="7e18fa01-6860-4b34-97e3-8e9dc06f10c0"/>
-    <ds:schemaRef ds:uri="9ba872fe-ebe7-44ee-97e3-5e5488f75d03"/>
-    <ds:schemaRef ds:uri="http://purl.org/dc/dcmitype/"/>
-    <ds:schemaRef ds:uri="http://purl.org/dc/elements/1.1/"/>
-    <ds:schemaRef ds:uri="http://purl.org/dc/terms/"/>
-    <ds:schemaRef ds:uri="http://schemas.microsoft.com/office/2006/documentManagement/types"/>
-    <ds:schemaRef ds:uri="http://schemas.microsoft.com/office/2006/metadata/properties"/>
-    <ds:schemaRef ds:uri="http://schemas.microsoft.com/office/infopath/2007/PartnerControls"/>
-    <ds:schemaRef ds:uri="http://schemas.openxmlformats.org/package/2006/metadata/core-properties"/>
-    <ds:schemaRef ds:uri="http://www.w3.org/XML/1998/namespace"/>
   </ds:schemaRefs>
 </ds:datastoreItem>
 </file>

--- a/Cuaderno_trabajo/ARTI-4109-4-CuadernoTrabajo-Reto1_desarrollo.pptx
+++ b/Cuaderno_trabajo/ARTI-4109-4-CuadernoTrabajo-Reto1_desarrollo.pptx
@@ -5,10 +5,10 @@
     <p:sldMasterId id="2147483648" r:id="rId4"/>
   </p:sldMasterIdLst>
   <p:notesMasterIdLst>
-    <p:notesMasterId r:id="rId35"/>
+    <p:notesMasterId r:id="rId36"/>
   </p:notesMasterIdLst>
   <p:handoutMasterIdLst>
-    <p:handoutMasterId r:id="rId36"/>
+    <p:handoutMasterId r:id="rId37"/>
   </p:handoutMasterIdLst>
   <p:sldIdLst>
     <p:sldId id="256" r:id="rId5"/>
@@ -23,24 +23,25 @@
     <p:sldId id="468" r:id="rId14"/>
     <p:sldId id="469" r:id="rId15"/>
     <p:sldId id="473" r:id="rId16"/>
-    <p:sldId id="481" r:id="rId17"/>
-    <p:sldId id="432" r:id="rId18"/>
-    <p:sldId id="474" r:id="rId19"/>
-    <p:sldId id="475" r:id="rId20"/>
+    <p:sldId id="432" r:id="rId17"/>
+    <p:sldId id="474" r:id="rId18"/>
+    <p:sldId id="475" r:id="rId19"/>
+    <p:sldId id="489" r:id="rId20"/>
     <p:sldId id="435" r:id="rId21"/>
-    <p:sldId id="476" r:id="rId22"/>
-    <p:sldId id="477" r:id="rId23"/>
-    <p:sldId id="487" r:id="rId24"/>
-    <p:sldId id="479" r:id="rId25"/>
-    <p:sldId id="478" r:id="rId26"/>
-    <p:sldId id="482" r:id="rId27"/>
-    <p:sldId id="483" r:id="rId28"/>
-    <p:sldId id="437" r:id="rId29"/>
-    <p:sldId id="462" r:id="rId30"/>
-    <p:sldId id="438" r:id="rId31"/>
+    <p:sldId id="488" r:id="rId22"/>
+    <p:sldId id="476" r:id="rId23"/>
+    <p:sldId id="477" r:id="rId24"/>
+    <p:sldId id="487" r:id="rId25"/>
+    <p:sldId id="479" r:id="rId26"/>
+    <p:sldId id="478" r:id="rId27"/>
+    <p:sldId id="482" r:id="rId28"/>
+    <p:sldId id="483" r:id="rId29"/>
+    <p:sldId id="437" r:id="rId30"/>
+    <p:sldId id="462" r:id="rId31"/>
     <p:sldId id="484" r:id="rId32"/>
     <p:sldId id="485" r:id="rId33"/>
-    <p:sldId id="486" r:id="rId34"/>
+    <p:sldId id="490" r:id="rId34"/>
+    <p:sldId id="438" r:id="rId35"/>
   </p:sldIdLst>
   <p:sldSz cx="9144000" cy="6858000" type="screen4x3"/>
   <p:notesSz cx="6858000" cy="9144000"/>
@@ -164,13 +165,17 @@
 <file path=ppt/revisionInfo.xml><?xml version="1.0" encoding="utf-8"?>
 <p1510:revInfo xmlns:a="http://schemas.openxmlformats.org/drawingml/2006/main" xmlns:r="http://schemas.openxmlformats.org/officeDocument/2006/relationships" xmlns:p1510="http://schemas.microsoft.com/office/powerpoint/2015/10/main">
   <p1510:revLst>
-    <p1510:client id="{3AE1E0B8-C456-0400-B6DD-C98D68F91645}" v="37" dt="2025-09-02T21:55:06.738"/>
+    <p1510:client id="{24CA88A6-C303-2E32-26BF-01FB6A6CC8BB}" v="759" dt="2025-09-03T04:11:43.130"/>
+    <p1510:client id="{3AE1E0B8-C456-0400-B6DD-C98D68F91645}" v="38" dt="2025-09-02T22:00:04.930"/>
     <p1510:client id="{57CB3760-14B7-FDDF-CC07-9A568419C0D5}" v="117" dt="2025-09-02T17:31:11.421"/>
     <p1510:client id="{58103525-E681-31BA-BAF7-33EBB53FD5AB}" v="3591" dt="2025-09-02T05:02:27.544"/>
+    <p1510:client id="{661D88AC-B376-121E-8FF6-E7835A147B22}" v="21" dt="2025-09-03T01:10:29.760"/>
     <p1510:client id="{78E1A115-80C1-A3A3-521C-0335BA36D7EF}" v="487" dt="2025-09-02T05:40:48.797"/>
     <p1510:client id="{7E23D7C2-D240-9771-7DAE-F32DC9688C7A}" v="1" dt="2025-09-02T17:33:48.623"/>
     <p1510:client id="{8A17EEF3-B1A7-AF94-6167-1EDD3B45EBD6}" v="409" dt="2025-09-02T04:48:26.844"/>
-    <p1510:client id="{D8699984-A15F-4FDC-831C-048F7142C1F4}" v="36" dt="2025-09-02T04:38:14.178"/>
+    <p1510:client id="{D67A7003-824F-F16F-3071-A888C09D410F}" v="1142" dt="2025-09-03T04:03:46.243"/>
+    <p1510:client id="{D8699984-A15F-4FDC-831C-048F7142C1F4}" v="373" dt="2025-09-03T04:09:39.525"/>
+    <p1510:client id="{DEF87E70-5EC9-04BB-724E-269D4BA44014}" v="161" dt="2025-09-02T23:42:35.381"/>
     <p1510:client id="{E1197103-D5D8-11E3-89E8-757975F27206}" v="148" dt="2025-09-02T05:04:56.020"/>
   </p1510:revLst>
 </p1510:revInfo>
@@ -324,7 +329,7 @@
           <a:p>
             <a:fld id="{B4AA10B8-D2AD-4939-8FB4-21E6196E416D}" type="slidenum">
               <a:rPr lang="es-CO" smtClean="0"/>
-              <a:t>‹Nº›</a:t>
+              <a:t>‹#›</a:t>
             </a:fld>
             <a:endParaRPr lang="es-CO"/>
           </a:p>
@@ -583,7 +588,7 @@
           <a:p>
             <a:fld id="{39CE3E00-5BD7-44D7-B945-08D1EB9B6B4C}" type="slidenum">
               <a:rPr lang="es-CO" smtClean="0"/>
-              <a:t>‹Nº›</a:t>
+              <a:t>‹#›</a:t>
             </a:fld>
             <a:endParaRPr lang="es-CO"/>
           </a:p>
@@ -998,114 +1003,6 @@
   <p:cSld>
     <p:spTree>
       <p:nvGrpSpPr>
-        <p:cNvPr id="1" name="">
-          <a:extLst>
-            <a:ext uri="{FF2B5EF4-FFF2-40B4-BE49-F238E27FC236}">
-              <a16:creationId xmlns:a16="http://schemas.microsoft.com/office/drawing/2014/main" id="{8B4ED1A9-B3B2-DDD3-309D-FBCB99084EE0}"/>
-            </a:ext>
-          </a:extLst>
-        </p:cNvPr>
-        <p:cNvGrpSpPr/>
-        <p:nvPr/>
-      </p:nvGrpSpPr>
-      <p:grpSpPr>
-        <a:xfrm>
-          <a:off x="0" y="0"/>
-          <a:ext cx="0" cy="0"/>
-          <a:chOff x="0" y="0"/>
-          <a:chExt cx="0" cy="0"/>
-        </a:xfrm>
-      </p:grpSpPr>
-      <p:sp>
-        <p:nvSpPr>
-          <p:cNvPr id="2" name="Slide Image Placeholder 1">
-            <a:extLst>
-              <a:ext uri="{FF2B5EF4-FFF2-40B4-BE49-F238E27FC236}">
-                <a16:creationId xmlns:a16="http://schemas.microsoft.com/office/drawing/2014/main" id="{541B6452-A135-4679-D3FC-111178944FAF}"/>
-              </a:ext>
-            </a:extLst>
-          </p:cNvPr>
-          <p:cNvSpPr>
-            <a:spLocks noGrp="1" noRot="1" noChangeAspect="1"/>
-          </p:cNvSpPr>
-          <p:nvPr>
-            <p:ph type="sldImg"/>
-          </p:nvPr>
-        </p:nvSpPr>
-        <p:spPr/>
-      </p:sp>
-      <p:sp>
-        <p:nvSpPr>
-          <p:cNvPr id="3" name="Notes Placeholder 2">
-            <a:extLst>
-              <a:ext uri="{FF2B5EF4-FFF2-40B4-BE49-F238E27FC236}">
-                <a16:creationId xmlns:a16="http://schemas.microsoft.com/office/drawing/2014/main" id="{17787C5D-D8B5-97AE-BCEA-BAB088334DAD}"/>
-              </a:ext>
-            </a:extLst>
-          </p:cNvPr>
-          <p:cNvSpPr>
-            <a:spLocks noGrp="1"/>
-          </p:cNvSpPr>
-          <p:nvPr>
-            <p:ph type="body" idx="1"/>
-          </p:nvPr>
-        </p:nvSpPr>
-        <p:spPr/>
-        <p:txBody>
-          <a:bodyPr/>
-          <a:lstStyle/>
-          <a:p>
-            <a:endParaRPr lang="es-CO"/>
-          </a:p>
-        </p:txBody>
-      </p:sp>
-      <p:sp>
-        <p:nvSpPr>
-          <p:cNvPr id="4" name="Slide Number Placeholder 3">
-            <a:extLst>
-              <a:ext uri="{FF2B5EF4-FFF2-40B4-BE49-F238E27FC236}">
-                <a16:creationId xmlns:a16="http://schemas.microsoft.com/office/drawing/2014/main" id="{512B5E97-F26D-34DF-EB39-E9C268B7F499}"/>
-              </a:ext>
-            </a:extLst>
-          </p:cNvPr>
-          <p:cNvSpPr>
-            <a:spLocks noGrp="1"/>
-          </p:cNvSpPr>
-          <p:nvPr>
-            <p:ph type="sldNum" sz="quarter" idx="10"/>
-          </p:nvPr>
-        </p:nvSpPr>
-        <p:spPr/>
-        <p:txBody>
-          <a:bodyPr/>
-          <a:lstStyle/>
-          <a:p>
-            <a:fld id="{39CE3E00-5BD7-44D7-B945-08D1EB9B6B4C}" type="slidenum">
-              <a:rPr lang="es-CO" smtClean="0"/>
-              <a:t>13</a:t>
-            </a:fld>
-            <a:endParaRPr lang="es-CO"/>
-          </a:p>
-        </p:txBody>
-      </p:sp>
-    </p:spTree>
-    <p:extLst>
-      <p:ext uri="{BB962C8B-B14F-4D97-AF65-F5344CB8AC3E}">
-        <p14:creationId xmlns:p14="http://schemas.microsoft.com/office/powerpoint/2010/main" val="159802969"/>
-      </p:ext>
-    </p:extLst>
-  </p:cSld>
-  <p:clrMapOvr>
-    <a:masterClrMapping/>
-  </p:clrMapOvr>
-</p:notes>
-</file>
-
-<file path=ppt/notesSlides/notesSlide13.xml><?xml version="1.0" encoding="utf-8"?>
-<p:notes xmlns:a="http://schemas.openxmlformats.org/drawingml/2006/main" xmlns:r="http://schemas.openxmlformats.org/officeDocument/2006/relationships" xmlns:p="http://schemas.openxmlformats.org/presentationml/2006/main">
-  <p:cSld>
-    <p:spTree>
-      <p:nvGrpSpPr>
         <p:cNvPr id="1" name=""/>
         <p:cNvGrpSpPr/>
         <p:nvPr/>
@@ -1185,7 +1082,7 @@
 </p:notes>
 </file>
 
-<file path=ppt/notesSlides/notesSlide14.xml><?xml version="1.0" encoding="utf-8"?>
+<file path=ppt/notesSlides/notesSlide13.xml><?xml version="1.0" encoding="utf-8"?>
 <p:notes xmlns:a="http://schemas.openxmlformats.org/drawingml/2006/main" xmlns:r="http://schemas.openxmlformats.org/officeDocument/2006/relationships" xmlns:p="http://schemas.openxmlformats.org/presentationml/2006/main">
   <p:cSld>
     <p:spTree>
@@ -1269,7 +1166,7 @@
 </p:notes>
 </file>
 
-<file path=ppt/notesSlides/notesSlide15.xml><?xml version="1.0" encoding="utf-8"?>
+<file path=ppt/notesSlides/notesSlide14.xml><?xml version="1.0" encoding="utf-8"?>
 <p:notes xmlns:a="http://schemas.openxmlformats.org/drawingml/2006/main" xmlns:r="http://schemas.openxmlformats.org/officeDocument/2006/relationships" xmlns:p="http://schemas.openxmlformats.org/presentationml/2006/main">
   <p:cSld>
     <p:spTree>
@@ -1353,6 +1250,114 @@
 </p:notes>
 </file>
 
+<file path=ppt/notesSlides/notesSlide15.xml><?xml version="1.0" encoding="utf-8"?>
+<p:notes xmlns:a="http://schemas.openxmlformats.org/drawingml/2006/main" xmlns:r="http://schemas.openxmlformats.org/officeDocument/2006/relationships" xmlns:p="http://schemas.openxmlformats.org/presentationml/2006/main">
+  <p:cSld>
+    <p:spTree>
+      <p:nvGrpSpPr>
+        <p:cNvPr id="1" name="">
+          <a:extLst>
+            <a:ext uri="{FF2B5EF4-FFF2-40B4-BE49-F238E27FC236}">
+              <a16:creationId xmlns:a16="http://schemas.microsoft.com/office/drawing/2014/main" id="{61B5DBDB-FFBD-0273-306B-CB61BED4BA14}"/>
+            </a:ext>
+          </a:extLst>
+        </p:cNvPr>
+        <p:cNvGrpSpPr/>
+        <p:nvPr/>
+      </p:nvGrpSpPr>
+      <p:grpSpPr>
+        <a:xfrm>
+          <a:off x="0" y="0"/>
+          <a:ext cx="0" cy="0"/>
+          <a:chOff x="0" y="0"/>
+          <a:chExt cx="0" cy="0"/>
+        </a:xfrm>
+      </p:grpSpPr>
+      <p:sp>
+        <p:nvSpPr>
+          <p:cNvPr id="2" name="Slide Image Placeholder 1">
+            <a:extLst>
+              <a:ext uri="{FF2B5EF4-FFF2-40B4-BE49-F238E27FC236}">
+                <a16:creationId xmlns:a16="http://schemas.microsoft.com/office/drawing/2014/main" id="{CAA3D9BB-7938-0227-E5E1-8B25C8100E74}"/>
+              </a:ext>
+            </a:extLst>
+          </p:cNvPr>
+          <p:cNvSpPr>
+            <a:spLocks noGrp="1" noRot="1" noChangeAspect="1"/>
+          </p:cNvSpPr>
+          <p:nvPr>
+            <p:ph type="sldImg"/>
+          </p:nvPr>
+        </p:nvSpPr>
+        <p:spPr/>
+      </p:sp>
+      <p:sp>
+        <p:nvSpPr>
+          <p:cNvPr id="3" name="Notes Placeholder 2">
+            <a:extLst>
+              <a:ext uri="{FF2B5EF4-FFF2-40B4-BE49-F238E27FC236}">
+                <a16:creationId xmlns:a16="http://schemas.microsoft.com/office/drawing/2014/main" id="{61A8E02D-5486-9B27-546A-5F7CF2DC4DB7}"/>
+              </a:ext>
+            </a:extLst>
+          </p:cNvPr>
+          <p:cNvSpPr>
+            <a:spLocks noGrp="1"/>
+          </p:cNvSpPr>
+          <p:nvPr>
+            <p:ph type="body" idx="1"/>
+          </p:nvPr>
+        </p:nvSpPr>
+        <p:spPr/>
+        <p:txBody>
+          <a:bodyPr/>
+          <a:lstStyle/>
+          <a:p>
+            <a:endParaRPr lang="es-CO"/>
+          </a:p>
+        </p:txBody>
+      </p:sp>
+      <p:sp>
+        <p:nvSpPr>
+          <p:cNvPr id="4" name="Slide Number Placeholder 3">
+            <a:extLst>
+              <a:ext uri="{FF2B5EF4-FFF2-40B4-BE49-F238E27FC236}">
+                <a16:creationId xmlns:a16="http://schemas.microsoft.com/office/drawing/2014/main" id="{F666C755-C3BC-3C5F-FAFD-8F7412B194F5}"/>
+              </a:ext>
+            </a:extLst>
+          </p:cNvPr>
+          <p:cNvSpPr>
+            <a:spLocks noGrp="1"/>
+          </p:cNvSpPr>
+          <p:nvPr>
+            <p:ph type="sldNum" sz="quarter" idx="10"/>
+          </p:nvPr>
+        </p:nvSpPr>
+        <p:spPr/>
+        <p:txBody>
+          <a:bodyPr/>
+          <a:lstStyle/>
+          <a:p>
+            <a:fld id="{39CE3E00-5BD7-44D7-B945-08D1EB9B6B4C}" type="slidenum">
+              <a:rPr lang="es-CO" smtClean="0"/>
+              <a:t>17</a:t>
+            </a:fld>
+            <a:endParaRPr lang="es-CO"/>
+          </a:p>
+        </p:txBody>
+      </p:sp>
+    </p:spTree>
+    <p:extLst>
+      <p:ext uri="{BB962C8B-B14F-4D97-AF65-F5344CB8AC3E}">
+        <p14:creationId xmlns:p14="http://schemas.microsoft.com/office/powerpoint/2010/main" val="4142253839"/>
+      </p:ext>
+    </p:extLst>
+  </p:cSld>
+  <p:clrMapOvr>
+    <a:masterClrMapping/>
+  </p:clrMapOvr>
+</p:notes>
+</file>
+
 <file path=ppt/notesSlides/notesSlide16.xml><?xml version="1.0" encoding="utf-8"?>
 <p:notes xmlns:a="http://schemas.openxmlformats.org/drawingml/2006/main" xmlns:r="http://schemas.openxmlformats.org/officeDocument/2006/relationships" xmlns:p="http://schemas.openxmlformats.org/presentationml/2006/main">
   <p:cSld>
@@ -1418,7 +1423,7 @@
           <a:p>
             <a:fld id="{39CE3E00-5BD7-44D7-B945-08D1EB9B6B4C}" type="slidenum">
               <a:rPr lang="es-CO" smtClean="0"/>
-              <a:t>17</a:t>
+              <a:t>18</a:t>
             </a:fld>
             <a:endParaRPr lang="es-CO"/>
           </a:p>
@@ -1438,6 +1443,114 @@
 </file>
 
 <file path=ppt/notesSlides/notesSlide17.xml><?xml version="1.0" encoding="utf-8"?>
+<p:notes xmlns:a="http://schemas.openxmlformats.org/drawingml/2006/main" xmlns:r="http://schemas.openxmlformats.org/officeDocument/2006/relationships" xmlns:p="http://schemas.openxmlformats.org/presentationml/2006/main">
+  <p:cSld>
+    <p:spTree>
+      <p:nvGrpSpPr>
+        <p:cNvPr id="1" name="">
+          <a:extLst>
+            <a:ext uri="{FF2B5EF4-FFF2-40B4-BE49-F238E27FC236}">
+              <a16:creationId xmlns:a16="http://schemas.microsoft.com/office/drawing/2014/main" id="{C15D7400-6EAD-B493-0944-9E73FCFC0FFB}"/>
+            </a:ext>
+          </a:extLst>
+        </p:cNvPr>
+        <p:cNvGrpSpPr/>
+        <p:nvPr/>
+      </p:nvGrpSpPr>
+      <p:grpSpPr>
+        <a:xfrm>
+          <a:off x="0" y="0"/>
+          <a:ext cx="0" cy="0"/>
+          <a:chOff x="0" y="0"/>
+          <a:chExt cx="0" cy="0"/>
+        </a:xfrm>
+      </p:grpSpPr>
+      <p:sp>
+        <p:nvSpPr>
+          <p:cNvPr id="2" name="Slide Image Placeholder 1">
+            <a:extLst>
+              <a:ext uri="{FF2B5EF4-FFF2-40B4-BE49-F238E27FC236}">
+                <a16:creationId xmlns:a16="http://schemas.microsoft.com/office/drawing/2014/main" id="{293A3EF6-2E60-5750-BD72-B3ABC8D41FE4}"/>
+              </a:ext>
+            </a:extLst>
+          </p:cNvPr>
+          <p:cNvSpPr>
+            <a:spLocks noGrp="1" noRot="1" noChangeAspect="1"/>
+          </p:cNvSpPr>
+          <p:nvPr>
+            <p:ph type="sldImg"/>
+          </p:nvPr>
+        </p:nvSpPr>
+        <p:spPr/>
+      </p:sp>
+      <p:sp>
+        <p:nvSpPr>
+          <p:cNvPr id="3" name="Notes Placeholder 2">
+            <a:extLst>
+              <a:ext uri="{FF2B5EF4-FFF2-40B4-BE49-F238E27FC236}">
+                <a16:creationId xmlns:a16="http://schemas.microsoft.com/office/drawing/2014/main" id="{40B84FA3-DE42-19BB-C661-E91398514F09}"/>
+              </a:ext>
+            </a:extLst>
+          </p:cNvPr>
+          <p:cNvSpPr>
+            <a:spLocks noGrp="1"/>
+          </p:cNvSpPr>
+          <p:nvPr>
+            <p:ph type="body" idx="1"/>
+          </p:nvPr>
+        </p:nvSpPr>
+        <p:spPr/>
+        <p:txBody>
+          <a:bodyPr/>
+          <a:lstStyle/>
+          <a:p>
+            <a:endParaRPr lang="es-CO"/>
+          </a:p>
+        </p:txBody>
+      </p:sp>
+      <p:sp>
+        <p:nvSpPr>
+          <p:cNvPr id="4" name="Slide Number Placeholder 3">
+            <a:extLst>
+              <a:ext uri="{FF2B5EF4-FFF2-40B4-BE49-F238E27FC236}">
+                <a16:creationId xmlns:a16="http://schemas.microsoft.com/office/drawing/2014/main" id="{89C7A030-0CD1-41CB-46BA-FAE6FCD9C984}"/>
+              </a:ext>
+            </a:extLst>
+          </p:cNvPr>
+          <p:cNvSpPr>
+            <a:spLocks noGrp="1"/>
+          </p:cNvSpPr>
+          <p:nvPr>
+            <p:ph type="sldNum" sz="quarter" idx="10"/>
+          </p:nvPr>
+        </p:nvSpPr>
+        <p:spPr/>
+        <p:txBody>
+          <a:bodyPr/>
+          <a:lstStyle/>
+          <a:p>
+            <a:fld id="{39CE3E00-5BD7-44D7-B945-08D1EB9B6B4C}" type="slidenum">
+              <a:rPr lang="es-CO" smtClean="0"/>
+              <a:t>19</a:t>
+            </a:fld>
+            <a:endParaRPr lang="es-CO"/>
+          </a:p>
+        </p:txBody>
+      </p:sp>
+    </p:spTree>
+    <p:extLst>
+      <p:ext uri="{BB962C8B-B14F-4D97-AF65-F5344CB8AC3E}">
+        <p14:creationId xmlns:p14="http://schemas.microsoft.com/office/powerpoint/2010/main" val="3834682688"/>
+      </p:ext>
+    </p:extLst>
+  </p:cSld>
+  <p:clrMapOvr>
+    <a:masterClrMapping/>
+  </p:clrMapOvr>
+</p:notes>
+</file>
+
+<file path=ppt/notesSlides/notesSlide18.xml><?xml version="1.0" encoding="utf-8"?>
 <p:notes xmlns:a="http://schemas.openxmlformats.org/drawingml/2006/main" xmlns:r="http://schemas.openxmlformats.org/officeDocument/2006/relationships" xmlns:p="http://schemas.openxmlformats.org/presentationml/2006/main">
   <p:cSld>
     <p:spTree>
@@ -1526,7 +1639,7 @@
           <a:p>
             <a:fld id="{39CE3E00-5BD7-44D7-B945-08D1EB9B6B4C}" type="slidenum">
               <a:rPr lang="es-CO" smtClean="0"/>
-              <a:t>18</a:t>
+              <a:t>20</a:t>
             </a:fld>
             <a:endParaRPr lang="es-CO"/>
           </a:p>
@@ -1545,7 +1658,7 @@
 </p:notes>
 </file>
 
-<file path=ppt/notesSlides/notesSlide18.xml><?xml version="1.0" encoding="utf-8"?>
+<file path=ppt/notesSlides/notesSlide19.xml><?xml version="1.0" encoding="utf-8"?>
 <p:notes xmlns:a="http://schemas.openxmlformats.org/drawingml/2006/main" xmlns:r="http://schemas.openxmlformats.org/officeDocument/2006/relationships" xmlns:p="http://schemas.openxmlformats.org/presentationml/2006/main">
   <p:cSld>
     <p:spTree>
@@ -1634,7 +1747,7 @@
           <a:p>
             <a:fld id="{39CE3E00-5BD7-44D7-B945-08D1EB9B6B4C}" type="slidenum">
               <a:rPr lang="es-CO" smtClean="0"/>
-              <a:t>19</a:t>
+              <a:t>21</a:t>
             </a:fld>
             <a:endParaRPr lang="es-CO"/>
           </a:p>
@@ -1644,114 +1757,6 @@
     <p:extLst>
       <p:ext uri="{BB962C8B-B14F-4D97-AF65-F5344CB8AC3E}">
         <p14:creationId xmlns:p14="http://schemas.microsoft.com/office/powerpoint/2010/main" val="602674419"/>
-      </p:ext>
-    </p:extLst>
-  </p:cSld>
-  <p:clrMapOvr>
-    <a:masterClrMapping/>
-  </p:clrMapOvr>
-</p:notes>
-</file>
-
-<file path=ppt/notesSlides/notesSlide19.xml><?xml version="1.0" encoding="utf-8"?>
-<p:notes xmlns:a="http://schemas.openxmlformats.org/drawingml/2006/main" xmlns:r="http://schemas.openxmlformats.org/officeDocument/2006/relationships" xmlns:p="http://schemas.openxmlformats.org/presentationml/2006/main">
-  <p:cSld>
-    <p:spTree>
-      <p:nvGrpSpPr>
-        <p:cNvPr id="1" name="">
-          <a:extLst>
-            <a:ext uri="{FF2B5EF4-FFF2-40B4-BE49-F238E27FC236}">
-              <a16:creationId xmlns:a16="http://schemas.microsoft.com/office/drawing/2014/main" id="{004789C5-3EC1-67A4-C117-146B31686C67}"/>
-            </a:ext>
-          </a:extLst>
-        </p:cNvPr>
-        <p:cNvGrpSpPr/>
-        <p:nvPr/>
-      </p:nvGrpSpPr>
-      <p:grpSpPr>
-        <a:xfrm>
-          <a:off x="0" y="0"/>
-          <a:ext cx="0" cy="0"/>
-          <a:chOff x="0" y="0"/>
-          <a:chExt cx="0" cy="0"/>
-        </a:xfrm>
-      </p:grpSpPr>
-      <p:sp>
-        <p:nvSpPr>
-          <p:cNvPr id="2" name="Slide Image Placeholder 1">
-            <a:extLst>
-              <a:ext uri="{FF2B5EF4-FFF2-40B4-BE49-F238E27FC236}">
-                <a16:creationId xmlns:a16="http://schemas.microsoft.com/office/drawing/2014/main" id="{FEBF555A-A43A-8856-4D50-F6E5FEDC5C10}"/>
-              </a:ext>
-            </a:extLst>
-          </p:cNvPr>
-          <p:cNvSpPr>
-            <a:spLocks noGrp="1" noRot="1" noChangeAspect="1"/>
-          </p:cNvSpPr>
-          <p:nvPr>
-            <p:ph type="sldImg"/>
-          </p:nvPr>
-        </p:nvSpPr>
-        <p:spPr/>
-      </p:sp>
-      <p:sp>
-        <p:nvSpPr>
-          <p:cNvPr id="3" name="Notes Placeholder 2">
-            <a:extLst>
-              <a:ext uri="{FF2B5EF4-FFF2-40B4-BE49-F238E27FC236}">
-                <a16:creationId xmlns:a16="http://schemas.microsoft.com/office/drawing/2014/main" id="{26637D2E-832A-9F34-A357-F0DC2FCFD841}"/>
-              </a:ext>
-            </a:extLst>
-          </p:cNvPr>
-          <p:cNvSpPr>
-            <a:spLocks noGrp="1"/>
-          </p:cNvSpPr>
-          <p:nvPr>
-            <p:ph type="body" idx="1"/>
-          </p:nvPr>
-        </p:nvSpPr>
-        <p:spPr/>
-        <p:txBody>
-          <a:bodyPr/>
-          <a:lstStyle/>
-          <a:p>
-            <a:endParaRPr lang="es-CO"/>
-          </a:p>
-        </p:txBody>
-      </p:sp>
-      <p:sp>
-        <p:nvSpPr>
-          <p:cNvPr id="4" name="Slide Number Placeholder 3">
-            <a:extLst>
-              <a:ext uri="{FF2B5EF4-FFF2-40B4-BE49-F238E27FC236}">
-                <a16:creationId xmlns:a16="http://schemas.microsoft.com/office/drawing/2014/main" id="{A67B3E74-72F6-5EA9-06D4-D069AAA3AFAC}"/>
-              </a:ext>
-            </a:extLst>
-          </p:cNvPr>
-          <p:cNvSpPr>
-            <a:spLocks noGrp="1"/>
-          </p:cNvSpPr>
-          <p:nvPr>
-            <p:ph type="sldNum" sz="quarter" idx="10"/>
-          </p:nvPr>
-        </p:nvSpPr>
-        <p:spPr/>
-        <p:txBody>
-          <a:bodyPr/>
-          <a:lstStyle/>
-          <a:p>
-            <a:fld id="{39CE3E00-5BD7-44D7-B945-08D1EB9B6B4C}" type="slidenum">
-              <a:rPr lang="es-CO" smtClean="0"/>
-              <a:t>20</a:t>
-            </a:fld>
-            <a:endParaRPr lang="es-CO"/>
-          </a:p>
-        </p:txBody>
-      </p:sp>
-    </p:spTree>
-    <p:extLst>
-      <p:ext uri="{BB962C8B-B14F-4D97-AF65-F5344CB8AC3E}">
-        <p14:creationId xmlns:p14="http://schemas.microsoft.com/office/powerpoint/2010/main" val="3604112601"/>
       </p:ext>
     </p:extLst>
   </p:cSld>
@@ -1853,6 +1858,114 @@
         <p:cNvPr id="1" name="">
           <a:extLst>
             <a:ext uri="{FF2B5EF4-FFF2-40B4-BE49-F238E27FC236}">
+              <a16:creationId xmlns:a16="http://schemas.microsoft.com/office/drawing/2014/main" id="{BF7623BC-2C76-40D8-422A-1B6C45BA8C62}"/>
+            </a:ext>
+          </a:extLst>
+        </p:cNvPr>
+        <p:cNvGrpSpPr/>
+        <p:nvPr/>
+      </p:nvGrpSpPr>
+      <p:grpSpPr>
+        <a:xfrm>
+          <a:off x="0" y="0"/>
+          <a:ext cx="0" cy="0"/>
+          <a:chOff x="0" y="0"/>
+          <a:chExt cx="0" cy="0"/>
+        </a:xfrm>
+      </p:grpSpPr>
+      <p:sp>
+        <p:nvSpPr>
+          <p:cNvPr id="2" name="Slide Image Placeholder 1">
+            <a:extLst>
+              <a:ext uri="{FF2B5EF4-FFF2-40B4-BE49-F238E27FC236}">
+                <a16:creationId xmlns:a16="http://schemas.microsoft.com/office/drawing/2014/main" id="{B70234CE-68D0-ADA7-4F18-C5E288368E96}"/>
+              </a:ext>
+            </a:extLst>
+          </p:cNvPr>
+          <p:cNvSpPr>
+            <a:spLocks noGrp="1" noRot="1" noChangeAspect="1"/>
+          </p:cNvSpPr>
+          <p:nvPr>
+            <p:ph type="sldImg"/>
+          </p:nvPr>
+        </p:nvSpPr>
+        <p:spPr/>
+      </p:sp>
+      <p:sp>
+        <p:nvSpPr>
+          <p:cNvPr id="3" name="Notes Placeholder 2">
+            <a:extLst>
+              <a:ext uri="{FF2B5EF4-FFF2-40B4-BE49-F238E27FC236}">
+                <a16:creationId xmlns:a16="http://schemas.microsoft.com/office/drawing/2014/main" id="{3A753A30-9F4F-B749-DA1B-3150C453CF48}"/>
+              </a:ext>
+            </a:extLst>
+          </p:cNvPr>
+          <p:cNvSpPr>
+            <a:spLocks noGrp="1"/>
+          </p:cNvSpPr>
+          <p:nvPr>
+            <p:ph type="body" idx="1"/>
+          </p:nvPr>
+        </p:nvSpPr>
+        <p:spPr/>
+        <p:txBody>
+          <a:bodyPr/>
+          <a:lstStyle/>
+          <a:p>
+            <a:endParaRPr lang="es-CO"/>
+          </a:p>
+        </p:txBody>
+      </p:sp>
+      <p:sp>
+        <p:nvSpPr>
+          <p:cNvPr id="4" name="Slide Number Placeholder 3">
+            <a:extLst>
+              <a:ext uri="{FF2B5EF4-FFF2-40B4-BE49-F238E27FC236}">
+                <a16:creationId xmlns:a16="http://schemas.microsoft.com/office/drawing/2014/main" id="{03A66F04-E9B3-B2B7-DBB6-EDEEF9EB1A2D}"/>
+              </a:ext>
+            </a:extLst>
+          </p:cNvPr>
+          <p:cNvSpPr>
+            <a:spLocks noGrp="1"/>
+          </p:cNvSpPr>
+          <p:nvPr>
+            <p:ph type="sldNum" sz="quarter" idx="10"/>
+          </p:nvPr>
+        </p:nvSpPr>
+        <p:spPr/>
+        <p:txBody>
+          <a:bodyPr/>
+          <a:lstStyle/>
+          <a:p>
+            <a:fld id="{39CE3E00-5BD7-44D7-B945-08D1EB9B6B4C}" type="slidenum">
+              <a:rPr lang="es-CO" smtClean="0"/>
+              <a:t>22</a:t>
+            </a:fld>
+            <a:endParaRPr lang="es-CO"/>
+          </a:p>
+        </p:txBody>
+      </p:sp>
+    </p:spTree>
+    <p:extLst>
+      <p:ext uri="{BB962C8B-B14F-4D97-AF65-F5344CB8AC3E}">
+        <p14:creationId xmlns:p14="http://schemas.microsoft.com/office/powerpoint/2010/main" val="4141649626"/>
+      </p:ext>
+    </p:extLst>
+  </p:cSld>
+  <p:clrMapOvr>
+    <a:masterClrMapping/>
+  </p:clrMapOvr>
+</p:notes>
+</file>
+
+<file path=ppt/notesSlides/notesSlide21.xml><?xml version="1.0" encoding="utf-8"?>
+<p:notes xmlns:a="http://schemas.openxmlformats.org/drawingml/2006/main" xmlns:r="http://schemas.openxmlformats.org/officeDocument/2006/relationships" xmlns:p="http://schemas.openxmlformats.org/presentationml/2006/main">
+  <p:cSld>
+    <p:spTree>
+      <p:nvGrpSpPr>
+        <p:cNvPr id="1" name="">
+          <a:extLst>
+            <a:ext uri="{FF2B5EF4-FFF2-40B4-BE49-F238E27FC236}">
               <a16:creationId xmlns:a16="http://schemas.microsoft.com/office/drawing/2014/main" id="{4116C3C5-B753-4526-E635-534B49B9984E}"/>
             </a:ext>
           </a:extLst>
@@ -1934,7 +2047,7 @@
           <a:p>
             <a:fld id="{39CE3E00-5BD7-44D7-B945-08D1EB9B6B4C}" type="slidenum">
               <a:rPr lang="es-CO" smtClean="0"/>
-              <a:t>21</a:t>
+              <a:t>23</a:t>
             </a:fld>
             <a:endParaRPr lang="es-CO"/>
           </a:p>
@@ -1953,7 +2066,7 @@
 </p:notes>
 </file>
 
-<file path=ppt/notesSlides/notesSlide21.xml><?xml version="1.0" encoding="utf-8"?>
+<file path=ppt/notesSlides/notesSlide22.xml><?xml version="1.0" encoding="utf-8"?>
 <p:notes xmlns:a="http://schemas.openxmlformats.org/drawingml/2006/main" xmlns:r="http://schemas.openxmlformats.org/officeDocument/2006/relationships" xmlns:p="http://schemas.openxmlformats.org/presentationml/2006/main">
   <p:cSld>
     <p:spTree>
@@ -2042,7 +2155,7 @@
           <a:p>
             <a:fld id="{39CE3E00-5BD7-44D7-B945-08D1EB9B6B4C}" type="slidenum">
               <a:rPr lang="es-CO" smtClean="0"/>
-              <a:t>22</a:t>
+              <a:t>24</a:t>
             </a:fld>
             <a:endParaRPr lang="es-CO"/>
           </a:p>
@@ -2061,7 +2174,7 @@
 </p:notes>
 </file>
 
-<file path=ppt/notesSlides/notesSlide22.xml><?xml version="1.0" encoding="utf-8"?>
+<file path=ppt/notesSlides/notesSlide23.xml><?xml version="1.0" encoding="utf-8"?>
 <p:notes xmlns:a="http://schemas.openxmlformats.org/drawingml/2006/main" xmlns:r="http://schemas.openxmlformats.org/officeDocument/2006/relationships" xmlns:p="http://schemas.openxmlformats.org/presentationml/2006/main">
   <p:cSld>
     <p:spTree>
@@ -2150,7 +2263,7 @@
           <a:p>
             <a:fld id="{39CE3E00-5BD7-44D7-B945-08D1EB9B6B4C}" type="slidenum">
               <a:rPr lang="es-CO" smtClean="0"/>
-              <a:t>23</a:t>
+              <a:t>25</a:t>
             </a:fld>
             <a:endParaRPr lang="es-CO"/>
           </a:p>
@@ -2169,7 +2282,7 @@
 </p:notes>
 </file>
 
-<file path=ppt/notesSlides/notesSlide23.xml><?xml version="1.0" encoding="utf-8"?>
+<file path=ppt/notesSlides/notesSlide24.xml><?xml version="1.0" encoding="utf-8"?>
 <p:notes xmlns:a="http://schemas.openxmlformats.org/drawingml/2006/main" xmlns:r="http://schemas.openxmlformats.org/officeDocument/2006/relationships" xmlns:p="http://schemas.openxmlformats.org/presentationml/2006/main">
   <p:cSld>
     <p:spTree>
@@ -2258,7 +2371,7 @@
           <a:p>
             <a:fld id="{39CE3E00-5BD7-44D7-B945-08D1EB9B6B4C}" type="slidenum">
               <a:rPr lang="es-CO" smtClean="0"/>
-              <a:t>24</a:t>
+              <a:t>26</a:t>
             </a:fld>
             <a:endParaRPr lang="es-CO"/>
           </a:p>
@@ -2268,90 +2381,6 @@
     <p:extLst>
       <p:ext uri="{BB962C8B-B14F-4D97-AF65-F5344CB8AC3E}">
         <p14:creationId xmlns:p14="http://schemas.microsoft.com/office/powerpoint/2010/main" val="4056084968"/>
-      </p:ext>
-    </p:extLst>
-  </p:cSld>
-  <p:clrMapOvr>
-    <a:masterClrMapping/>
-  </p:clrMapOvr>
-</p:notes>
-</file>
-
-<file path=ppt/notesSlides/notesSlide24.xml><?xml version="1.0" encoding="utf-8"?>
-<p:notes xmlns:a="http://schemas.openxmlformats.org/drawingml/2006/main" xmlns:r="http://schemas.openxmlformats.org/officeDocument/2006/relationships" xmlns:p="http://schemas.openxmlformats.org/presentationml/2006/main">
-  <p:cSld>
-    <p:spTree>
-      <p:nvGrpSpPr>
-        <p:cNvPr id="1" name=""/>
-        <p:cNvGrpSpPr/>
-        <p:nvPr/>
-      </p:nvGrpSpPr>
-      <p:grpSpPr>
-        <a:xfrm>
-          <a:off x="0" y="0"/>
-          <a:ext cx="0" cy="0"/>
-          <a:chOff x="0" y="0"/>
-          <a:chExt cx="0" cy="0"/>
-        </a:xfrm>
-      </p:grpSpPr>
-      <p:sp>
-        <p:nvSpPr>
-          <p:cNvPr id="2" name="Slide Image Placeholder 1"/>
-          <p:cNvSpPr>
-            <a:spLocks noGrp="1" noRot="1" noChangeAspect="1"/>
-          </p:cNvSpPr>
-          <p:nvPr>
-            <p:ph type="sldImg"/>
-          </p:nvPr>
-        </p:nvSpPr>
-        <p:spPr/>
-      </p:sp>
-      <p:sp>
-        <p:nvSpPr>
-          <p:cNvPr id="3" name="Notes Placeholder 2"/>
-          <p:cNvSpPr>
-            <a:spLocks noGrp="1"/>
-          </p:cNvSpPr>
-          <p:nvPr>
-            <p:ph type="body" idx="1"/>
-          </p:nvPr>
-        </p:nvSpPr>
-        <p:spPr/>
-        <p:txBody>
-          <a:bodyPr/>
-          <a:lstStyle/>
-          <a:p>
-            <a:endParaRPr lang="es-CO"/>
-          </a:p>
-        </p:txBody>
-      </p:sp>
-      <p:sp>
-        <p:nvSpPr>
-          <p:cNvPr id="4" name="Slide Number Placeholder 3"/>
-          <p:cNvSpPr>
-            <a:spLocks noGrp="1"/>
-          </p:cNvSpPr>
-          <p:nvPr>
-            <p:ph type="sldNum" sz="quarter" idx="10"/>
-          </p:nvPr>
-        </p:nvSpPr>
-        <p:spPr/>
-        <p:txBody>
-          <a:bodyPr/>
-          <a:lstStyle/>
-          <a:p>
-            <a:fld id="{39CE3E00-5BD7-44D7-B945-08D1EB9B6B4C}" type="slidenum">
-              <a:rPr lang="es-CO" smtClean="0"/>
-              <a:t>25</a:t>
-            </a:fld>
-            <a:endParaRPr lang="es-CO"/>
-          </a:p>
-        </p:txBody>
-      </p:sp>
-    </p:spTree>
-    <p:extLst>
-      <p:ext uri="{BB962C8B-B14F-4D97-AF65-F5344CB8AC3E}">
-        <p14:creationId xmlns:p14="http://schemas.microsoft.com/office/powerpoint/2010/main" val="3607388951"/>
       </p:ext>
     </p:extLst>
   </p:cSld>
@@ -2426,7 +2455,7 @@
           <a:p>
             <a:fld id="{39CE3E00-5BD7-44D7-B945-08D1EB9B6B4C}" type="slidenum">
               <a:rPr lang="es-CO" smtClean="0"/>
-              <a:t>26</a:t>
+              <a:t>27</a:t>
             </a:fld>
             <a:endParaRPr lang="es-CO"/>
           </a:p>
@@ -2435,7 +2464,7 @@
     </p:spTree>
     <p:extLst>
       <p:ext uri="{BB962C8B-B14F-4D97-AF65-F5344CB8AC3E}">
-        <p14:creationId xmlns:p14="http://schemas.microsoft.com/office/powerpoint/2010/main" val="1271215065"/>
+        <p14:creationId xmlns:p14="http://schemas.microsoft.com/office/powerpoint/2010/main" val="3607388951"/>
       </p:ext>
     </p:extLst>
   </p:cSld>
@@ -2510,7 +2539,7 @@
           <a:p>
             <a:fld id="{39CE3E00-5BD7-44D7-B945-08D1EB9B6B4C}" type="slidenum">
               <a:rPr lang="es-CO" smtClean="0"/>
-              <a:t>27</a:t>
+              <a:t>28</a:t>
             </a:fld>
             <a:endParaRPr lang="es-CO"/>
           </a:p>
@@ -2519,7 +2548,7 @@
     </p:spTree>
     <p:extLst>
       <p:ext uri="{BB962C8B-B14F-4D97-AF65-F5344CB8AC3E}">
-        <p14:creationId xmlns:p14="http://schemas.microsoft.com/office/powerpoint/2010/main" val="1481776928"/>
+        <p14:creationId xmlns:p14="http://schemas.microsoft.com/office/powerpoint/2010/main" val="1271215065"/>
       </p:ext>
     </p:extLst>
   </p:cSld>
@@ -2618,7 +2647,7 @@
           <a:p>
             <a:fld id="{39CE3E00-5BD7-44D7-B945-08D1EB9B6B4C}" type="slidenum">
               <a:rPr lang="es-CO" smtClean="0"/>
-              <a:t>28</a:t>
+              <a:t>29</a:t>
             </a:fld>
             <a:endParaRPr lang="es-CO"/>
           </a:p>
@@ -2726,7 +2755,7 @@
           <a:p>
             <a:fld id="{39CE3E00-5BD7-44D7-B945-08D1EB9B6B4C}" type="slidenum">
               <a:rPr lang="es-CO" smtClean="0"/>
-              <a:t>29</a:t>
+              <a:t>30</a:t>
             </a:fld>
             <a:endParaRPr lang="es-CO"/>
           </a:p>
@@ -2753,7 +2782,7 @@
         <p:cNvPr id="1" name="">
           <a:extLst>
             <a:ext uri="{FF2B5EF4-FFF2-40B4-BE49-F238E27FC236}">
-              <a16:creationId xmlns:a16="http://schemas.microsoft.com/office/drawing/2014/main" id="{C7C7F946-E3C4-D3C3-2B80-3F08872EA3FE}"/>
+              <a16:creationId xmlns:a16="http://schemas.microsoft.com/office/drawing/2014/main" id="{3A109AE6-60F7-0DBE-A4C0-0D8DD4D636C1}"/>
             </a:ext>
           </a:extLst>
         </p:cNvPr>
@@ -2773,7 +2802,7 @@
           <p:cNvPr id="2" name="Slide Image Placeholder 1">
             <a:extLst>
               <a:ext uri="{FF2B5EF4-FFF2-40B4-BE49-F238E27FC236}">
-                <a16:creationId xmlns:a16="http://schemas.microsoft.com/office/drawing/2014/main" id="{379CE214-60F7-86B4-6985-88814BA3D77D}"/>
+                <a16:creationId xmlns:a16="http://schemas.microsoft.com/office/drawing/2014/main" id="{0A79CE42-4848-53AD-0DED-88051F7D915E}"/>
               </a:ext>
             </a:extLst>
           </p:cNvPr>
@@ -2791,7 +2820,7 @@
           <p:cNvPr id="3" name="Notes Placeholder 2">
             <a:extLst>
               <a:ext uri="{FF2B5EF4-FFF2-40B4-BE49-F238E27FC236}">
-                <a16:creationId xmlns:a16="http://schemas.microsoft.com/office/drawing/2014/main" id="{C6B46303-A5A4-3017-40C4-A1CF7541598E}"/>
+                <a16:creationId xmlns:a16="http://schemas.microsoft.com/office/drawing/2014/main" id="{A8C30871-4772-733E-5D02-7B6C00E19A1F}"/>
               </a:ext>
             </a:extLst>
           </p:cNvPr>
@@ -2816,7 +2845,7 @@
           <p:cNvPr id="4" name="Slide Number Placeholder 3">
             <a:extLst>
               <a:ext uri="{FF2B5EF4-FFF2-40B4-BE49-F238E27FC236}">
-                <a16:creationId xmlns:a16="http://schemas.microsoft.com/office/drawing/2014/main" id="{94C2077A-4BDE-96EA-9FEF-49B25747DDCA}"/>
+                <a16:creationId xmlns:a16="http://schemas.microsoft.com/office/drawing/2014/main" id="{D0599C45-7F66-8AEC-095E-3BB0919ED515}"/>
               </a:ext>
             </a:extLst>
           </p:cNvPr>
@@ -2834,7 +2863,7 @@
           <a:p>
             <a:fld id="{39CE3E00-5BD7-44D7-B945-08D1EB9B6B4C}" type="slidenum">
               <a:rPr lang="es-CO" smtClean="0"/>
-              <a:t>30</a:t>
+              <a:t>32</a:t>
             </a:fld>
             <a:endParaRPr lang="es-CO"/>
           </a:p>
@@ -2843,7 +2872,7 @@
     </p:spTree>
     <p:extLst>
       <p:ext uri="{BB962C8B-B14F-4D97-AF65-F5344CB8AC3E}">
-        <p14:creationId xmlns:p14="http://schemas.microsoft.com/office/powerpoint/2010/main" val="2922799838"/>
+        <p14:creationId xmlns:p14="http://schemas.microsoft.com/office/powerpoint/2010/main" val="1793458664"/>
       </p:ext>
     </p:extLst>
   </p:cSld>
@@ -2952,6 +2981,90 @@
     <p:extLst>
       <p:ext uri="{BB962C8B-B14F-4D97-AF65-F5344CB8AC3E}">
         <p14:creationId xmlns:p14="http://schemas.microsoft.com/office/powerpoint/2010/main" val="3178710660"/>
+      </p:ext>
+    </p:extLst>
+  </p:cSld>
+  <p:clrMapOvr>
+    <a:masterClrMapping/>
+  </p:clrMapOvr>
+</p:notes>
+</file>
+
+<file path=ppt/notesSlides/notesSlide30.xml><?xml version="1.0" encoding="utf-8"?>
+<p:notes xmlns:a="http://schemas.openxmlformats.org/drawingml/2006/main" xmlns:r="http://schemas.openxmlformats.org/officeDocument/2006/relationships" xmlns:p="http://schemas.openxmlformats.org/presentationml/2006/main">
+  <p:cSld>
+    <p:spTree>
+      <p:nvGrpSpPr>
+        <p:cNvPr id="1" name=""/>
+        <p:cNvGrpSpPr/>
+        <p:nvPr/>
+      </p:nvGrpSpPr>
+      <p:grpSpPr>
+        <a:xfrm>
+          <a:off x="0" y="0"/>
+          <a:ext cx="0" cy="0"/>
+          <a:chOff x="0" y="0"/>
+          <a:chExt cx="0" cy="0"/>
+        </a:xfrm>
+      </p:grpSpPr>
+      <p:sp>
+        <p:nvSpPr>
+          <p:cNvPr id="2" name="Slide Image Placeholder 1"/>
+          <p:cNvSpPr>
+            <a:spLocks noGrp="1" noRot="1" noChangeAspect="1"/>
+          </p:cNvSpPr>
+          <p:nvPr>
+            <p:ph type="sldImg"/>
+          </p:nvPr>
+        </p:nvSpPr>
+        <p:spPr/>
+      </p:sp>
+      <p:sp>
+        <p:nvSpPr>
+          <p:cNvPr id="3" name="Notes Placeholder 2"/>
+          <p:cNvSpPr>
+            <a:spLocks noGrp="1"/>
+          </p:cNvSpPr>
+          <p:nvPr>
+            <p:ph type="body" idx="1"/>
+          </p:nvPr>
+        </p:nvSpPr>
+        <p:spPr/>
+        <p:txBody>
+          <a:bodyPr/>
+          <a:lstStyle/>
+          <a:p>
+            <a:endParaRPr lang="es-CO"/>
+          </a:p>
+        </p:txBody>
+      </p:sp>
+      <p:sp>
+        <p:nvSpPr>
+          <p:cNvPr id="4" name="Slide Number Placeholder 3"/>
+          <p:cNvSpPr>
+            <a:spLocks noGrp="1"/>
+          </p:cNvSpPr>
+          <p:nvPr>
+            <p:ph type="sldNum" sz="quarter" idx="10"/>
+          </p:nvPr>
+        </p:nvSpPr>
+        <p:spPr/>
+        <p:txBody>
+          <a:bodyPr/>
+          <a:lstStyle/>
+          <a:p>
+            <a:fld id="{39CE3E00-5BD7-44D7-B945-08D1EB9B6B4C}" type="slidenum">
+              <a:rPr lang="es-CO" smtClean="0"/>
+              <a:t>32</a:t>
+            </a:fld>
+            <a:endParaRPr lang="es-CO"/>
+          </a:p>
+        </p:txBody>
+      </p:sp>
+    </p:spTree>
+    <p:extLst>
+      <p:ext uri="{BB962C8B-B14F-4D97-AF65-F5344CB8AC3E}">
+        <p14:creationId xmlns:p14="http://schemas.microsoft.com/office/powerpoint/2010/main" val="1481776928"/>
       </p:ext>
     </p:extLst>
   </p:cSld>
@@ -3711,7 +3824,7 @@
             <a:fld id="{0AEE6DC9-5AC4-4174-887C-07A615CCC701}" type="slidenum">
               <a:rPr lang="es-CO" smtClean="0"/>
               <a:pPr/>
-              <a:t>‹Nº›</a:t>
+              <a:t>‹#›</a:t>
             </a:fld>
             <a:endParaRPr lang="es-CO"/>
           </a:p>
@@ -4235,7 +4348,7 @@
             <a:fld id="{0AEE6DC9-5AC4-4174-887C-07A615CCC701}" type="slidenum">
               <a:rPr lang="es-CO" smtClean="0"/>
               <a:pPr/>
-              <a:t>‹Nº›</a:t>
+              <a:t>‹#›</a:t>
             </a:fld>
             <a:endParaRPr lang="es-CO"/>
           </a:p>
@@ -4750,7 +4863,7 @@
             <a:fld id="{0AEE6DC9-5AC4-4174-887C-07A615CCC701}" type="slidenum">
               <a:rPr lang="es-CO" smtClean="0"/>
               <a:pPr/>
-              <a:t>‹Nº›</a:t>
+              <a:t>‹#›</a:t>
             </a:fld>
             <a:endParaRPr lang="es-CO"/>
           </a:p>
@@ -5262,7 +5375,7 @@
             <a:fld id="{0AEE6DC9-5AC4-4174-887C-07A615CCC701}" type="slidenum">
               <a:rPr lang="es-CO" smtClean="0"/>
               <a:pPr/>
-              <a:t>‹Nº›</a:t>
+              <a:t>‹#›</a:t>
             </a:fld>
             <a:endParaRPr lang="es-CO"/>
           </a:p>
@@ -5676,7 +5789,7 @@
             <a:fld id="{0AEE6DC9-5AC4-4174-887C-07A615CCC701}" type="slidenum">
               <a:rPr lang="es-CO" smtClean="0"/>
               <a:pPr/>
-              <a:t>‹Nº›</a:t>
+              <a:t>‹#›</a:t>
             </a:fld>
             <a:endParaRPr lang="es-CO"/>
           </a:p>
@@ -6309,7 +6422,7 @@
             <a:fld id="{0AEE6DC9-5AC4-4174-887C-07A615CCC701}" type="slidenum">
               <a:rPr lang="es-CO" smtClean="0"/>
               <a:pPr/>
-              <a:t>‹Nº›</a:t>
+              <a:t>‹#›</a:t>
             </a:fld>
             <a:endParaRPr lang="es-CO"/>
           </a:p>
@@ -6942,7 +7055,7 @@
             <a:fld id="{0AEE6DC9-5AC4-4174-887C-07A615CCC701}" type="slidenum">
               <a:rPr lang="es-CO" smtClean="0"/>
               <a:pPr/>
-              <a:t>‹Nº›</a:t>
+              <a:t>‹#›</a:t>
             </a:fld>
             <a:endParaRPr lang="es-CO"/>
           </a:p>
@@ -7436,7 +7549,7 @@
             <a:fld id="{0AEE6DC9-5AC4-4174-887C-07A615CCC701}" type="slidenum">
               <a:rPr lang="es-CO" smtClean="0"/>
               <a:pPr/>
-              <a:t>‹Nº›</a:t>
+              <a:t>‹#›</a:t>
             </a:fld>
             <a:endParaRPr lang="es-CO"/>
           </a:p>
@@ -8126,7 +8239,7 @@
             <a:fld id="{0AEE6DC9-5AC4-4174-887C-07A615CCC701}" type="slidenum">
               <a:rPr lang="es-CO" smtClean="0"/>
               <a:pPr/>
-              <a:t>‹Nº›</a:t>
+              <a:t>‹#›</a:t>
             </a:fld>
             <a:endParaRPr lang="es-CO"/>
           </a:p>
@@ -8795,7 +8908,7 @@
             <a:fld id="{0AEE6DC9-5AC4-4174-887C-07A615CCC701}" type="slidenum">
               <a:rPr lang="es-CO" smtClean="0"/>
               <a:pPr/>
-              <a:t>‹Nº›</a:t>
+              <a:t>‹#›</a:t>
             </a:fld>
             <a:endParaRPr lang="es-CO"/>
           </a:p>
@@ -9270,7 +9383,7 @@
             <a:fld id="{0AEE6DC9-5AC4-4174-887C-07A615CCC701}" type="slidenum">
               <a:rPr lang="es-CO" smtClean="0"/>
               <a:pPr/>
-              <a:t>‹Nº›</a:t>
+              <a:t>‹#›</a:t>
             </a:fld>
             <a:endParaRPr lang="es-CO"/>
           </a:p>
@@ -9745,7 +9858,7 @@
             <a:fld id="{0AEE6DC9-5AC4-4174-887C-07A615CCC701}" type="slidenum">
               <a:rPr lang="es-CO" smtClean="0"/>
               <a:pPr/>
-              <a:t>‹Nº›</a:t>
+              <a:t>‹#›</a:t>
             </a:fld>
             <a:endParaRPr lang="es-CO"/>
           </a:p>
@@ -10325,7 +10438,7 @@
             <a:fld id="{0AEE6DC9-5AC4-4174-887C-07A615CCC701}" type="slidenum">
               <a:rPr lang="es-CO" smtClean="0"/>
               <a:pPr/>
-              <a:t>‹Nº›</a:t>
+              <a:t>‹#›</a:t>
             </a:fld>
             <a:endParaRPr lang="es-CO"/>
           </a:p>
@@ -10995,7 +11108,7 @@
             <a:fld id="{0AEE6DC9-5AC4-4174-887C-07A615CCC701}" type="slidenum">
               <a:rPr lang="es-CO" smtClean="0"/>
               <a:pPr/>
-              <a:t>‹Nº›</a:t>
+              <a:t>‹#›</a:t>
             </a:fld>
             <a:endParaRPr lang="es-CO"/>
           </a:p>
@@ -11737,7 +11850,7 @@
             <a:fld id="{0AEE6DC9-5AC4-4174-887C-07A615CCC701}" type="slidenum">
               <a:rPr lang="es-CO" smtClean="0"/>
               <a:pPr/>
-              <a:t>‹Nº›</a:t>
+              <a:t>‹#›</a:t>
             </a:fld>
             <a:endParaRPr lang="es-CO"/>
           </a:p>
@@ -12473,7 +12586,7 @@
             <a:fld id="{0AEE6DC9-5AC4-4174-887C-07A615CCC701}" type="slidenum">
               <a:rPr lang="es-CO" smtClean="0"/>
               <a:pPr/>
-              <a:t>‹Nº›</a:t>
+              <a:t>‹#›</a:t>
             </a:fld>
             <a:endParaRPr lang="es-CO"/>
           </a:p>
@@ -13138,7 +13251,7 @@
             <a:fld id="{0AEE6DC9-5AC4-4174-887C-07A615CCC701}" type="slidenum">
               <a:rPr lang="es-CO" smtClean="0"/>
               <a:pPr/>
-              <a:t>‹Nº›</a:t>
+              <a:t>‹#›</a:t>
             </a:fld>
             <a:endParaRPr lang="es-CO"/>
           </a:p>
@@ -13613,7 +13726,7 @@
             <a:fld id="{0AEE6DC9-5AC4-4174-887C-07A615CCC701}" type="slidenum">
               <a:rPr lang="es-CO" smtClean="0"/>
               <a:pPr/>
-              <a:t>‹Nº›</a:t>
+              <a:t>‹#›</a:t>
             </a:fld>
             <a:endParaRPr lang="es-CO"/>
           </a:p>
@@ -13959,7 +14072,7 @@
             <a:fld id="{0AEE6DC9-5AC4-4174-887C-07A615CCC701}" type="slidenum">
               <a:rPr lang="es-CO" smtClean="0"/>
               <a:pPr/>
-              <a:t>‹Nº›</a:t>
+              <a:t>‹#›</a:t>
             </a:fld>
             <a:endParaRPr lang="es-CO"/>
           </a:p>
@@ -14400,7 +14513,7 @@
             <a:fld id="{0AEE6DC9-5AC4-4174-887C-07A615CCC701}" type="slidenum">
               <a:rPr lang="es-CO" smtClean="0"/>
               <a:pPr/>
-              <a:t>‹Nº›</a:t>
+              <a:t>‹#›</a:t>
             </a:fld>
             <a:endParaRPr lang="es-CO"/>
           </a:p>
@@ -16835,41 +16948,6 @@
           </a:graphicData>
         </a:graphic>
       </p:graphicFrame>
-      <p:sp>
-        <p:nvSpPr>
-          <p:cNvPr id="2" name="CuadroTexto 1">
-            <a:extLst>
-              <a:ext uri="{FF2B5EF4-FFF2-40B4-BE49-F238E27FC236}">
-                <a16:creationId xmlns:a16="http://schemas.microsoft.com/office/drawing/2014/main" id="{8C9560A4-A8F3-3181-F967-CF1E24F79AA6}"/>
-              </a:ext>
-            </a:extLst>
-          </p:cNvPr>
-          <p:cNvSpPr txBox="1"/>
-          <p:nvPr/>
-        </p:nvSpPr>
-        <p:spPr>
-          <a:xfrm>
-            <a:off x="82463" y="1156988"/>
-            <a:ext cx="437064" cy="646331"/>
-          </a:xfrm>
-          <a:prstGeom prst="rect">
-            <a:avLst/>
-          </a:prstGeom>
-          <a:noFill/>
-        </p:spPr>
-        <p:txBody>
-          <a:bodyPr wrap="square" rtlCol="0">
-            <a:spAutoFit/>
-          </a:bodyPr>
-          <a:lstStyle/>
-          <a:p>
-            <a:r>
-              <a:rPr lang="es-CO"/>
-              <a:t>🚧P1</a:t>
-            </a:r>
-          </a:p>
-        </p:txBody>
-      </p:sp>
     </p:spTree>
     <p:extLst>
       <p:ext uri="{BB962C8B-B14F-4D97-AF65-F5344CB8AC3E}">
@@ -18636,41 +18714,6 @@
           </a:graphicData>
         </a:graphic>
       </p:graphicFrame>
-      <p:sp>
-        <p:nvSpPr>
-          <p:cNvPr id="2" name="CuadroTexto 1">
-            <a:extLst>
-              <a:ext uri="{FF2B5EF4-FFF2-40B4-BE49-F238E27FC236}">
-                <a16:creationId xmlns:a16="http://schemas.microsoft.com/office/drawing/2014/main" id="{09D6CF86-BB50-7846-56FC-6B9A9CF1C2AD}"/>
-              </a:ext>
-            </a:extLst>
-          </p:cNvPr>
-          <p:cNvSpPr txBox="1"/>
-          <p:nvPr/>
-        </p:nvSpPr>
-        <p:spPr>
-          <a:xfrm>
-            <a:off x="82463" y="1156988"/>
-            <a:ext cx="437064" cy="646331"/>
-          </a:xfrm>
-          <a:prstGeom prst="rect">
-            <a:avLst/>
-          </a:prstGeom>
-          <a:noFill/>
-        </p:spPr>
-        <p:txBody>
-          <a:bodyPr wrap="square" lIns="91440" tIns="45720" rIns="91440" bIns="45720" rtlCol="0" anchor="t">
-            <a:spAutoFit/>
-          </a:bodyPr>
-          <a:lstStyle/>
-          <a:p>
-            <a:r>
-              <a:rPr lang="es-CO"/>
-              <a:t>🚧P3</a:t>
-            </a:r>
-          </a:p>
-        </p:txBody>
-      </p:sp>
     </p:spTree>
     <p:extLst>
       <p:ext uri="{BB962C8B-B14F-4D97-AF65-F5344CB8AC3E}">
@@ -20445,41 +20488,6 @@
           </a:graphicData>
         </a:graphic>
       </p:graphicFrame>
-      <p:sp>
-        <p:nvSpPr>
-          <p:cNvPr id="2" name="CuadroTexto 1">
-            <a:extLst>
-              <a:ext uri="{FF2B5EF4-FFF2-40B4-BE49-F238E27FC236}">
-                <a16:creationId xmlns:a16="http://schemas.microsoft.com/office/drawing/2014/main" id="{621296AB-8E73-FEC5-8628-A15EB1948265}"/>
-              </a:ext>
-            </a:extLst>
-          </p:cNvPr>
-          <p:cNvSpPr txBox="1"/>
-          <p:nvPr/>
-        </p:nvSpPr>
-        <p:spPr>
-          <a:xfrm>
-            <a:off x="82463" y="1156988"/>
-            <a:ext cx="437064" cy="646331"/>
-          </a:xfrm>
-          <a:prstGeom prst="rect">
-            <a:avLst/>
-          </a:prstGeom>
-          <a:noFill/>
-        </p:spPr>
-        <p:txBody>
-          <a:bodyPr wrap="square" lIns="91440" tIns="45720" rIns="91440" bIns="45720" rtlCol="0" anchor="t">
-            <a:spAutoFit/>
-          </a:bodyPr>
-          <a:lstStyle/>
-          <a:p>
-            <a:r>
-              <a:rPr lang="es-CO"/>
-              <a:t>🚧P4</a:t>
-            </a:r>
-          </a:p>
-        </p:txBody>
-      </p:sp>
     </p:spTree>
     <p:extLst>
       <p:ext uri="{BB962C8B-B14F-4D97-AF65-F5344CB8AC3E}">
@@ -20494,1835 +20502,6 @@
 </file>
 
 <file path=ppt/slides/slide13.xml><?xml version="1.0" encoding="utf-8"?>
-<p:sld xmlns:a="http://schemas.openxmlformats.org/drawingml/2006/main" xmlns:r="http://schemas.openxmlformats.org/officeDocument/2006/relationships" xmlns:p="http://schemas.openxmlformats.org/presentationml/2006/main">
-  <p:cSld>
-    <p:spTree>
-      <p:nvGrpSpPr>
-        <p:cNvPr id="1" name="">
-          <a:extLst>
-            <a:ext uri="{FF2B5EF4-FFF2-40B4-BE49-F238E27FC236}">
-              <a16:creationId xmlns:a16="http://schemas.microsoft.com/office/drawing/2014/main" id="{68554D0F-8D19-4583-1885-BD82BFDB7307}"/>
-            </a:ext>
-          </a:extLst>
-        </p:cNvPr>
-        <p:cNvGrpSpPr/>
-        <p:nvPr/>
-      </p:nvGrpSpPr>
-      <p:grpSpPr>
-        <a:xfrm>
-          <a:off x="0" y="0"/>
-          <a:ext cx="0" cy="0"/>
-          <a:chOff x="0" y="0"/>
-          <a:chExt cx="0" cy="0"/>
-        </a:xfrm>
-      </p:grpSpPr>
-      <p:sp>
-        <p:nvSpPr>
-          <p:cNvPr id="5" name="Título 4">
-            <a:extLst>
-              <a:ext uri="{FF2B5EF4-FFF2-40B4-BE49-F238E27FC236}">
-                <a16:creationId xmlns:a16="http://schemas.microsoft.com/office/drawing/2014/main" id="{6CA5A0E6-EA89-B535-6114-B3E3BBD671A7}"/>
-              </a:ext>
-            </a:extLst>
-          </p:cNvPr>
-          <p:cNvSpPr>
-            <a:spLocks noGrp="1"/>
-          </p:cNvSpPr>
-          <p:nvPr>
-            <p:ph type="title"/>
-          </p:nvPr>
-        </p:nvSpPr>
-        <p:spPr>
-          <a:xfrm>
-            <a:off x="4499992" y="188640"/>
-            <a:ext cx="3312368" cy="504056"/>
-          </a:xfrm>
-        </p:spPr>
-        <p:txBody>
-          <a:bodyPr/>
-          <a:lstStyle/>
-          <a:p>
-            <a:pPr algn="ctr"/>
-            <a:r>
-              <a:rPr lang="es-ES_tradnl" err="1">
-                <a:solidFill>
-                  <a:schemeClr val="bg1"/>
-                </a:solidFill>
-              </a:rPr>
-              <a:t>ASRs</a:t>
-            </a:r>
-            <a:endParaRPr lang="es-ES_tradnl">
-              <a:solidFill>
-                <a:schemeClr val="bg1"/>
-              </a:solidFill>
-            </a:endParaRPr>
-          </a:p>
-        </p:txBody>
-      </p:sp>
-      <p:sp>
-        <p:nvSpPr>
-          <p:cNvPr id="3" name="Slide Number Placeholder 2">
-            <a:extLst>
-              <a:ext uri="{FF2B5EF4-FFF2-40B4-BE49-F238E27FC236}">
-                <a16:creationId xmlns:a16="http://schemas.microsoft.com/office/drawing/2014/main" id="{3CF99B87-2144-216F-A1AF-EE1DFBE3CCB3}"/>
-              </a:ext>
-            </a:extLst>
-          </p:cNvPr>
-          <p:cNvSpPr>
-            <a:spLocks noGrp="1"/>
-          </p:cNvSpPr>
-          <p:nvPr>
-            <p:ph type="sldNum" sz="quarter" idx="4"/>
-          </p:nvPr>
-        </p:nvSpPr>
-        <p:spPr/>
-        <p:txBody>
-          <a:bodyPr/>
-          <a:lstStyle/>
-          <a:p>
-            <a:fld id="{0AEE6DC9-5AC4-4174-887C-07A615CCC701}" type="slidenum">
-              <a:rPr lang="es-ES_tradnl" smtClean="0"/>
-              <a:pPr/>
-              <a:t>13</a:t>
-            </a:fld>
-            <a:endParaRPr lang="es-ES_tradnl"/>
-          </a:p>
-        </p:txBody>
-      </p:sp>
-      <p:sp>
-        <p:nvSpPr>
-          <p:cNvPr id="6" name="Footer Placeholder 5">
-            <a:extLst>
-              <a:ext uri="{FF2B5EF4-FFF2-40B4-BE49-F238E27FC236}">
-                <a16:creationId xmlns:a16="http://schemas.microsoft.com/office/drawing/2014/main" id="{C693A4B8-679E-BB12-D3BB-8D107E4503FF}"/>
-              </a:ext>
-            </a:extLst>
-          </p:cNvPr>
-          <p:cNvSpPr>
-            <a:spLocks noGrp="1"/>
-          </p:cNvSpPr>
-          <p:nvPr>
-            <p:ph type="ftr" sz="quarter" idx="3"/>
-          </p:nvPr>
-        </p:nvSpPr>
-        <p:spPr>
-          <a:xfrm>
-            <a:off x="467544" y="6453336"/>
-            <a:ext cx="6912768" cy="365125"/>
-          </a:xfrm>
-        </p:spPr>
-        <p:txBody>
-          <a:bodyPr/>
-          <a:lstStyle/>
-          <a:p>
-            <a:r>
-              <a:rPr lang="es-ES_tradnl"/>
-              <a:t>© 2019 - Universidad de Los Andes – Departamento de Sistemas y Computación  - Darío Correal</a:t>
-            </a:r>
-          </a:p>
-        </p:txBody>
-      </p:sp>
-      <p:graphicFrame>
-        <p:nvGraphicFramePr>
-          <p:cNvPr id="8" name="Table 7">
-            <a:extLst>
-              <a:ext uri="{FF2B5EF4-FFF2-40B4-BE49-F238E27FC236}">
-                <a16:creationId xmlns:a16="http://schemas.microsoft.com/office/drawing/2014/main" id="{F5FEE616-3199-2999-CB0A-0FC0E3ED6D00}"/>
-              </a:ext>
-            </a:extLst>
-          </p:cNvPr>
-          <p:cNvGraphicFramePr>
-            <a:graphicFrameLocks noGrp="1"/>
-          </p:cNvGraphicFramePr>
-          <p:nvPr>
-            <p:extLst>
-              <p:ext uri="{D42A27DB-BD31-4B8C-83A1-F6EECF244321}">
-                <p14:modId xmlns:p14="http://schemas.microsoft.com/office/powerpoint/2010/main" val="4206467574"/>
-              </p:ext>
-            </p:extLst>
-          </p:nvPr>
-        </p:nvGraphicFramePr>
-        <p:xfrm>
-          <a:off x="642367" y="2887616"/>
-          <a:ext cx="8075152" cy="1391920"/>
-        </p:xfrm>
-        <a:graphic>
-          <a:graphicData uri="http://schemas.openxmlformats.org/drawingml/2006/table">
-            <a:tbl>
-              <a:tblPr firstRow="1" bandRow="1">
-                <a:tableStyleId>{5C22544A-7EE6-4342-B048-85BDC9FD1C3A}</a:tableStyleId>
-              </a:tblPr>
-              <a:tblGrid>
-                <a:gridCol w="1271369">
-                  <a:extLst>
-                    <a:ext uri="{9D8B030D-6E8A-4147-A177-3AD203B41FA5}">
-                      <a16:colId xmlns:a16="http://schemas.microsoft.com/office/drawing/2014/main" val="364204572"/>
-                    </a:ext>
-                  </a:extLst>
-                </a:gridCol>
-                <a:gridCol w="2766207">
-                  <a:extLst>
-                    <a:ext uri="{9D8B030D-6E8A-4147-A177-3AD203B41FA5}">
-                      <a16:colId xmlns:a16="http://schemas.microsoft.com/office/drawing/2014/main" val="4055417734"/>
-                    </a:ext>
-                  </a:extLst>
-                </a:gridCol>
-                <a:gridCol w="1271369">
-                  <a:extLst>
-                    <a:ext uri="{9D8B030D-6E8A-4147-A177-3AD203B41FA5}">
-                      <a16:colId xmlns:a16="http://schemas.microsoft.com/office/drawing/2014/main" val="2134725910"/>
-                    </a:ext>
-                  </a:extLst>
-                </a:gridCol>
-                <a:gridCol w="2766207">
-                  <a:extLst>
-                    <a:ext uri="{9D8B030D-6E8A-4147-A177-3AD203B41FA5}">
-                      <a16:colId xmlns:a16="http://schemas.microsoft.com/office/drawing/2014/main" val="36188974"/>
-                    </a:ext>
-                  </a:extLst>
-                </a:gridCol>
-              </a:tblGrid>
-              <a:tr h="370840">
-                <a:tc>
-                  <a:txBody>
-                    <a:bodyPr/>
-                    <a:lstStyle/>
-                    <a:p>
-                      <a:r>
-                        <a:rPr lang="es-ES_tradnl" sz="1100" b="1" noProof="0">
-                          <a:solidFill>
-                            <a:srgbClr val="000000"/>
-                          </a:solidFill>
-                        </a:rPr>
-                        <a:t>Actor:</a:t>
-                      </a:r>
-                    </a:p>
-                  </a:txBody>
-                  <a:tcPr>
-                    <a:solidFill>
-                      <a:schemeClr val="bg1">
-                        <a:lumMod val="75000"/>
-                      </a:schemeClr>
-                    </a:solidFill>
-                  </a:tcPr>
-                </a:tc>
-                <a:tc>
-                  <a:txBody>
-                    <a:bodyPr/>
-                    <a:lstStyle/>
-                    <a:p>
-                      <a:r>
-                        <a:rPr lang="es-ES_tradnl" sz="1100" b="1" noProof="0">
-                          <a:solidFill>
-                            <a:srgbClr val="000000"/>
-                          </a:solidFill>
-                        </a:rPr>
-                        <a:t>Usuario con suscripción premium</a:t>
-                      </a:r>
-                    </a:p>
-                  </a:txBody>
-                  <a:tcPr>
-                    <a:solidFill>
-                      <a:schemeClr val="bg1">
-                        <a:lumMod val="75000"/>
-                      </a:schemeClr>
-                    </a:solidFill>
-                  </a:tcPr>
-                </a:tc>
-                <a:tc>
-                  <a:txBody>
-                    <a:bodyPr/>
-                    <a:lstStyle/>
-                    <a:p>
-                      <a:r>
-                        <a:rPr lang="es-ES_tradnl" sz="1100" b="1" noProof="0">
-                          <a:solidFill>
-                            <a:srgbClr val="000000"/>
-                          </a:solidFill>
-                        </a:rPr>
-                        <a:t>Estímulo:</a:t>
-                      </a:r>
-                    </a:p>
-                  </a:txBody>
-                  <a:tcPr>
-                    <a:solidFill>
-                      <a:schemeClr val="bg1">
-                        <a:lumMod val="75000"/>
-                      </a:schemeClr>
-                    </a:solidFill>
-                  </a:tcPr>
-                </a:tc>
-                <a:tc>
-                  <a:txBody>
-                    <a:bodyPr/>
-                    <a:lstStyle/>
-                    <a:p>
-                      <a:r>
-                        <a:rPr lang="es-ES" sz="1100" b="1" noProof="0">
-                          <a:solidFill>
-                            <a:srgbClr val="000000"/>
-                          </a:solidFill>
-                        </a:rPr>
-                        <a:t>Evento (ofertas de órdenes de compra y venta) ocurrido en un libro de órdenes de interés al usuario.</a:t>
-                      </a:r>
-                    </a:p>
-                  </a:txBody>
-                  <a:tcPr>
-                    <a:solidFill>
-                      <a:schemeClr val="bg1">
-                        <a:lumMod val="75000"/>
-                      </a:schemeClr>
-                    </a:solidFill>
-                  </a:tcPr>
-                </a:tc>
-                <a:extLst>
-                  <a:ext uri="{0D108BD9-81ED-4DB2-BD59-A6C34878D82A}">
-                    <a16:rowId xmlns:a16="http://schemas.microsoft.com/office/drawing/2014/main" val="4024722904"/>
-                  </a:ext>
-                </a:extLst>
-              </a:tr>
-              <a:tr h="370840">
-                <a:tc>
-                  <a:txBody>
-                    <a:bodyPr/>
-                    <a:lstStyle/>
-                    <a:p>
-                      <a:r>
-                        <a:rPr lang="es-ES_tradnl" sz="1100" b="1" noProof="0">
-                          <a:solidFill>
-                            <a:srgbClr val="000000"/>
-                          </a:solidFill>
-                        </a:rPr>
-                        <a:t>Ambiente:</a:t>
-                      </a:r>
-                    </a:p>
-                  </a:txBody>
-                  <a:tcPr>
-                    <a:solidFill>
-                      <a:schemeClr val="bg1">
-                        <a:lumMod val="75000"/>
-                      </a:schemeClr>
-                    </a:solidFill>
-                  </a:tcPr>
-                </a:tc>
-                <a:tc>
-                  <a:txBody>
-                    <a:bodyPr/>
-                    <a:lstStyle/>
-                    <a:p>
-                      <a:r>
-                        <a:rPr lang="es-ES_tradnl" sz="1100" b="1" noProof="0">
-                          <a:solidFill>
-                            <a:srgbClr val="000000"/>
-                          </a:solidFill>
-                        </a:rPr>
-                        <a:t>Operación normal (1300 eventos/min)</a:t>
-                      </a:r>
-                      <a:endParaRPr lang="es-ES_tradnl" sz="1100" b="1" noProof="0">
-                        <a:solidFill>
-                          <a:srgbClr val="FF0000"/>
-                        </a:solidFill>
-                      </a:endParaRPr>
-                    </a:p>
-                  </a:txBody>
-                  <a:tcPr>
-                    <a:solidFill>
-                      <a:schemeClr val="bg1">
-                        <a:lumMod val="75000"/>
-                      </a:schemeClr>
-                    </a:solidFill>
-                  </a:tcPr>
-                </a:tc>
-                <a:tc>
-                  <a:txBody>
-                    <a:bodyPr/>
-                    <a:lstStyle/>
-                    <a:p>
-                      <a:r>
-                        <a:rPr lang="es-ES_tradnl" sz="1100" b="1" noProof="0">
-                          <a:solidFill>
-                            <a:srgbClr val="000000"/>
-                          </a:solidFill>
-                        </a:rPr>
-                        <a:t>Artefacto:</a:t>
-                      </a:r>
-                    </a:p>
-                  </a:txBody>
-                  <a:tcPr>
-                    <a:solidFill>
-                      <a:schemeClr val="bg1">
-                        <a:lumMod val="75000"/>
-                      </a:schemeClr>
-                    </a:solidFill>
-                  </a:tcPr>
-                </a:tc>
-                <a:tc>
-                  <a:txBody>
-                    <a:bodyPr/>
-                    <a:lstStyle/>
-                    <a:p>
-                      <a:r>
-                        <a:rPr lang="es-ES_tradnl" sz="1100" b="1" noProof="0">
-                          <a:solidFill>
-                            <a:srgbClr val="000000"/>
-                          </a:solidFill>
-                        </a:rPr>
-                        <a:t>Sistema</a:t>
-                      </a:r>
-                    </a:p>
-                  </a:txBody>
-                  <a:tcPr>
-                    <a:solidFill>
-                      <a:schemeClr val="bg1">
-                        <a:lumMod val="75000"/>
-                      </a:schemeClr>
-                    </a:solidFill>
-                  </a:tcPr>
-                </a:tc>
-                <a:extLst>
-                  <a:ext uri="{0D108BD9-81ED-4DB2-BD59-A6C34878D82A}">
-                    <a16:rowId xmlns:a16="http://schemas.microsoft.com/office/drawing/2014/main" val="3947952321"/>
-                  </a:ext>
-                </a:extLst>
-              </a:tr>
-              <a:tr h="370840">
-                <a:tc>
-                  <a:txBody>
-                    <a:bodyPr/>
-                    <a:lstStyle/>
-                    <a:p>
-                      <a:r>
-                        <a:rPr lang="es-ES_tradnl" sz="1100" b="1" noProof="0">
-                          <a:solidFill>
-                            <a:srgbClr val="000000"/>
-                          </a:solidFill>
-                        </a:rPr>
-                        <a:t>Respuesta esperada:</a:t>
-                      </a:r>
-                    </a:p>
-                  </a:txBody>
-                  <a:tcPr>
-                    <a:solidFill>
-                      <a:schemeClr val="bg1">
-                        <a:lumMod val="75000"/>
-                      </a:schemeClr>
-                    </a:solidFill>
-                  </a:tcPr>
-                </a:tc>
-                <a:tc gridSpan="3">
-                  <a:txBody>
-                    <a:bodyPr/>
-                    <a:lstStyle/>
-                    <a:p>
-                      <a:pPr lvl="0">
-                        <a:buNone/>
-                      </a:pPr>
-                      <a:r>
-                        <a:rPr lang="es-ES_tradnl" sz="1100" b="1" kern="1200" noProof="0">
-                          <a:solidFill>
-                            <a:srgbClr val="000000"/>
-                          </a:solidFill>
-                          <a:latin typeface="+mn-lt"/>
-                          <a:ea typeface="+mn-ea"/>
-                          <a:cs typeface="+mn-cs"/>
-                        </a:rPr>
-                        <a:t>El sistema envía la notificación en 0,15 segundos a los usuarios con suscripción premium, informando el evento prácticamente en tiempo real</a:t>
-                      </a:r>
-                      <a:endParaRPr lang="en-US" sz="1100" b="1" kern="1200">
-                        <a:solidFill>
-                          <a:srgbClr val="000000"/>
-                        </a:solidFill>
-                        <a:latin typeface="+mn-lt"/>
-                        <a:ea typeface="+mn-ea"/>
-                        <a:cs typeface="+mn-cs"/>
-                      </a:endParaRPr>
-                    </a:p>
-                  </a:txBody>
-                  <a:tcPr>
-                    <a:solidFill>
-                      <a:schemeClr val="bg1">
-                        <a:lumMod val="75000"/>
-                      </a:schemeClr>
-                    </a:solidFill>
-                  </a:tcPr>
-                </a:tc>
-                <a:tc hMerge="1">
-                  <a:txBody>
-                    <a:bodyPr/>
-                    <a:lstStyle/>
-                    <a:p>
-                      <a:endParaRPr lang="en-US" sz="1100" b="1">
-                        <a:solidFill>
-                          <a:srgbClr val="000000"/>
-                        </a:solidFill>
-                      </a:endParaRPr>
-                    </a:p>
-                  </a:txBody>
-                  <a:tcPr>
-                    <a:solidFill>
-                      <a:schemeClr val="bg1">
-                        <a:lumMod val="75000"/>
-                      </a:schemeClr>
-                    </a:solidFill>
-                  </a:tcPr>
-                </a:tc>
-                <a:tc hMerge="1">
-                  <a:txBody>
-                    <a:bodyPr/>
-                    <a:lstStyle/>
-                    <a:p>
-                      <a:endParaRPr lang="en-US" sz="1100" b="1">
-                        <a:solidFill>
-                          <a:srgbClr val="000000"/>
-                        </a:solidFill>
-                      </a:endParaRPr>
-                    </a:p>
-                  </a:txBody>
-                  <a:tcPr>
-                    <a:solidFill>
-                      <a:schemeClr val="bg1">
-                        <a:lumMod val="75000"/>
-                      </a:schemeClr>
-                    </a:solidFill>
-                  </a:tcPr>
-                </a:tc>
-                <a:extLst>
-                  <a:ext uri="{0D108BD9-81ED-4DB2-BD59-A6C34878D82A}">
-                    <a16:rowId xmlns:a16="http://schemas.microsoft.com/office/drawing/2014/main" val="2565655683"/>
-                  </a:ext>
-                </a:extLst>
-              </a:tr>
-            </a:tbl>
-          </a:graphicData>
-        </a:graphic>
-      </p:graphicFrame>
-      <p:graphicFrame>
-        <p:nvGraphicFramePr>
-          <p:cNvPr id="14" name="Table 13">
-            <a:extLst>
-              <a:ext uri="{FF2B5EF4-FFF2-40B4-BE49-F238E27FC236}">
-                <a16:creationId xmlns:a16="http://schemas.microsoft.com/office/drawing/2014/main" id="{EEACB00D-987F-B763-9103-586312E6FF4B}"/>
-              </a:ext>
-            </a:extLst>
-          </p:cNvPr>
-          <p:cNvGraphicFramePr>
-            <a:graphicFrameLocks noGrp="1"/>
-          </p:cNvGraphicFramePr>
-          <p:nvPr/>
-        </p:nvGraphicFramePr>
-        <p:xfrm>
-          <a:off x="642367" y="1389328"/>
-          <a:ext cx="2592288" cy="1109312"/>
-        </p:xfrm>
-        <a:graphic>
-          <a:graphicData uri="http://schemas.openxmlformats.org/drawingml/2006/table">
-            <a:tbl>
-              <a:tblPr firstRow="1" bandRow="1">
-                <a:tableStyleId>{5C22544A-7EE6-4342-B048-85BDC9FD1C3A}</a:tableStyleId>
-              </a:tblPr>
-              <a:tblGrid>
-                <a:gridCol w="856876">
-                  <a:extLst>
-                    <a:ext uri="{9D8B030D-6E8A-4147-A177-3AD203B41FA5}">
-                      <a16:colId xmlns:a16="http://schemas.microsoft.com/office/drawing/2014/main" val="3074122083"/>
-                    </a:ext>
-                  </a:extLst>
-                </a:gridCol>
-                <a:gridCol w="1735412">
-                  <a:extLst>
-                    <a:ext uri="{9D8B030D-6E8A-4147-A177-3AD203B41FA5}">
-                      <a16:colId xmlns:a16="http://schemas.microsoft.com/office/drawing/2014/main" val="1104832515"/>
-                    </a:ext>
-                  </a:extLst>
-                </a:gridCol>
-              </a:tblGrid>
-              <a:tr h="341296">
-                <a:tc gridSpan="2">
-                  <a:txBody>
-                    <a:bodyPr/>
-                    <a:lstStyle/>
-                    <a:p>
-                      <a:pPr algn="ctr"/>
-                      <a:r>
-                        <a:rPr lang="es-ES_tradnl" sz="1100" b="0" noProof="0">
-                          <a:solidFill>
-                            <a:srgbClr val="000000"/>
-                          </a:solidFill>
-                        </a:rPr>
-                        <a:t>Latencia</a:t>
-                      </a:r>
-                    </a:p>
-                  </a:txBody>
-                  <a:tcPr>
-                    <a:solidFill>
-                      <a:srgbClr val="92D050"/>
-                    </a:solidFill>
-                  </a:tcPr>
-                </a:tc>
-                <a:tc hMerge="1">
-                  <a:txBody>
-                    <a:bodyPr/>
-                    <a:lstStyle/>
-                    <a:p>
-                      <a:endParaRPr lang="en-US"/>
-                    </a:p>
-                  </a:txBody>
-                  <a:tcPr>
-                    <a:solidFill>
-                      <a:schemeClr val="tx1">
-                        <a:lumMod val="40000"/>
-                        <a:lumOff val="60000"/>
-                      </a:schemeClr>
-                    </a:solidFill>
-                  </a:tcPr>
-                </a:tc>
-                <a:extLst>
-                  <a:ext uri="{0D108BD9-81ED-4DB2-BD59-A6C34878D82A}">
-                    <a16:rowId xmlns:a16="http://schemas.microsoft.com/office/drawing/2014/main" val="2684417783"/>
-                  </a:ext>
-                </a:extLst>
-              </a:tr>
-              <a:tr h="341296">
-                <a:tc>
-                  <a:txBody>
-                    <a:bodyPr/>
-                    <a:lstStyle/>
-                    <a:p>
-                      <a:r>
-                        <a:rPr lang="es-ES_tradnl" sz="1100" noProof="0">
-                          <a:solidFill>
-                            <a:srgbClr val="000000"/>
-                          </a:solidFill>
-                        </a:rPr>
-                        <a:t>Unidad:</a:t>
-                      </a:r>
-                    </a:p>
-                  </a:txBody>
-                  <a:tcPr>
-                    <a:solidFill>
-                      <a:schemeClr val="tx1">
-                        <a:lumMod val="40000"/>
-                        <a:lumOff val="60000"/>
-                      </a:schemeClr>
-                    </a:solidFill>
-                  </a:tcPr>
-                </a:tc>
-                <a:tc>
-                  <a:txBody>
-                    <a:bodyPr/>
-                    <a:lstStyle/>
-                    <a:p>
-                      <a:r>
-                        <a:rPr lang="es-ES_tradnl" sz="1100" noProof="0">
-                          <a:solidFill>
-                            <a:srgbClr val="000000"/>
-                          </a:solidFill>
-                        </a:rPr>
-                        <a:t>Segundos</a:t>
-                      </a:r>
-                    </a:p>
-                  </a:txBody>
-                  <a:tcPr>
-                    <a:solidFill>
-                      <a:schemeClr val="tx1">
-                        <a:lumMod val="40000"/>
-                        <a:lumOff val="60000"/>
-                      </a:schemeClr>
-                    </a:solidFill>
-                  </a:tcPr>
-                </a:tc>
-                <a:extLst>
-                  <a:ext uri="{0D108BD9-81ED-4DB2-BD59-A6C34878D82A}">
-                    <a16:rowId xmlns:a16="http://schemas.microsoft.com/office/drawing/2014/main" val="509062101"/>
-                  </a:ext>
-                </a:extLst>
-              </a:tr>
-              <a:tr h="341296">
-                <a:tc>
-                  <a:txBody>
-                    <a:bodyPr/>
-                    <a:lstStyle/>
-                    <a:p>
-                      <a:r>
-                        <a:rPr lang="es-ES_tradnl" sz="1100" noProof="0">
-                          <a:solidFill>
-                            <a:srgbClr val="000000"/>
-                          </a:solidFill>
-                        </a:rPr>
-                        <a:t>Respuesta esperada:</a:t>
-                      </a:r>
-                    </a:p>
-                  </a:txBody>
-                  <a:tcPr>
-                    <a:solidFill>
-                      <a:schemeClr val="tx1">
-                        <a:lumMod val="40000"/>
-                        <a:lumOff val="60000"/>
-                      </a:schemeClr>
-                    </a:solidFill>
-                  </a:tcPr>
-                </a:tc>
-                <a:tc>
-                  <a:txBody>
-                    <a:bodyPr/>
-                    <a:lstStyle/>
-                    <a:p>
-                      <a:r>
-                        <a:rPr lang="es-ES_tradnl" sz="1100" noProof="0">
-                          <a:solidFill>
-                            <a:srgbClr val="000000"/>
-                          </a:solidFill>
-                        </a:rPr>
-                        <a:t>0.15 </a:t>
-                      </a:r>
-                      <a:r>
-                        <a:rPr lang="es-ES" sz="1100" b="0" i="0" u="none" strike="noStrike" noProof="0">
-                          <a:solidFill>
-                            <a:srgbClr val="000000"/>
-                          </a:solidFill>
-                          <a:latin typeface="Calibri"/>
-                        </a:rPr>
-                        <a:t>Segundos</a:t>
-                      </a:r>
-                      <a:endParaRPr lang="es-ES_tradnl" sz="1100" noProof="0">
-                        <a:solidFill>
-                          <a:srgbClr val="000000"/>
-                        </a:solidFill>
-                      </a:endParaRPr>
-                    </a:p>
-                  </a:txBody>
-                  <a:tcPr>
-                    <a:solidFill>
-                      <a:schemeClr val="tx1">
-                        <a:lumMod val="40000"/>
-                        <a:lumOff val="60000"/>
-                      </a:schemeClr>
-                    </a:solidFill>
-                  </a:tcPr>
-                </a:tc>
-                <a:extLst>
-                  <a:ext uri="{0D108BD9-81ED-4DB2-BD59-A6C34878D82A}">
-                    <a16:rowId xmlns:a16="http://schemas.microsoft.com/office/drawing/2014/main" val="2522535118"/>
-                  </a:ext>
-                </a:extLst>
-              </a:tr>
-            </a:tbl>
-          </a:graphicData>
-        </a:graphic>
-      </p:graphicFrame>
-      <p:graphicFrame>
-        <p:nvGraphicFramePr>
-          <p:cNvPr id="15" name="Table 14">
-            <a:extLst>
-              <a:ext uri="{FF2B5EF4-FFF2-40B4-BE49-F238E27FC236}">
-                <a16:creationId xmlns:a16="http://schemas.microsoft.com/office/drawing/2014/main" id="{AB99C84F-8934-C10D-10E9-6DE777E0CA8E}"/>
-              </a:ext>
-            </a:extLst>
-          </p:cNvPr>
-          <p:cNvGraphicFramePr>
-            <a:graphicFrameLocks noGrp="1"/>
-          </p:cNvGraphicFramePr>
-          <p:nvPr/>
-        </p:nvGraphicFramePr>
-        <p:xfrm>
-          <a:off x="3357495" y="1383584"/>
-          <a:ext cx="2592288" cy="1194736"/>
-        </p:xfrm>
-        <a:graphic>
-          <a:graphicData uri="http://schemas.openxmlformats.org/drawingml/2006/table">
-            <a:tbl>
-              <a:tblPr firstRow="1" bandRow="1">
-                <a:tableStyleId>{5C22544A-7EE6-4342-B048-85BDC9FD1C3A}</a:tableStyleId>
-              </a:tblPr>
-              <a:tblGrid>
-                <a:gridCol w="856876">
-                  <a:extLst>
-                    <a:ext uri="{9D8B030D-6E8A-4147-A177-3AD203B41FA5}">
-                      <a16:colId xmlns:a16="http://schemas.microsoft.com/office/drawing/2014/main" val="3074122083"/>
-                    </a:ext>
-                  </a:extLst>
-                </a:gridCol>
-                <a:gridCol w="1735412">
-                  <a:extLst>
-                    <a:ext uri="{9D8B030D-6E8A-4147-A177-3AD203B41FA5}">
-                      <a16:colId xmlns:a16="http://schemas.microsoft.com/office/drawing/2014/main" val="1104832515"/>
-                    </a:ext>
-                  </a:extLst>
-                </a:gridCol>
-              </a:tblGrid>
-              <a:tr h="341296">
-                <a:tc gridSpan="2">
-                  <a:txBody>
-                    <a:bodyPr/>
-                    <a:lstStyle/>
-                    <a:p>
-                      <a:pPr algn="ctr"/>
-                      <a:r>
-                        <a:rPr lang="es-ES_tradnl" sz="1100" b="0" noProof="0">
-                          <a:solidFill>
-                            <a:srgbClr val="000000"/>
-                          </a:solidFill>
-                        </a:rPr>
-                        <a:t>Escalabilidad</a:t>
-                      </a:r>
-                    </a:p>
-                  </a:txBody>
-                  <a:tcPr>
-                    <a:solidFill>
-                      <a:srgbClr val="92D050"/>
-                    </a:solidFill>
-                  </a:tcPr>
-                </a:tc>
-                <a:tc hMerge="1">
-                  <a:txBody>
-                    <a:bodyPr/>
-                    <a:lstStyle/>
-                    <a:p>
-                      <a:endParaRPr lang="en-US"/>
-                    </a:p>
-                  </a:txBody>
-                  <a:tcPr>
-                    <a:solidFill>
-                      <a:schemeClr val="tx1">
-                        <a:lumMod val="40000"/>
-                        <a:lumOff val="60000"/>
-                      </a:schemeClr>
-                    </a:solidFill>
-                  </a:tcPr>
-                </a:tc>
-                <a:extLst>
-                  <a:ext uri="{0D108BD9-81ED-4DB2-BD59-A6C34878D82A}">
-                    <a16:rowId xmlns:a16="http://schemas.microsoft.com/office/drawing/2014/main" val="2684417783"/>
-                  </a:ext>
-                </a:extLst>
-              </a:tr>
-              <a:tr h="341296">
-                <a:tc>
-                  <a:txBody>
-                    <a:bodyPr/>
-                    <a:lstStyle/>
-                    <a:p>
-                      <a:r>
-                        <a:rPr lang="es-ES_tradnl" sz="1100" noProof="0">
-                          <a:solidFill>
-                            <a:srgbClr val="000000"/>
-                          </a:solidFill>
-                        </a:rPr>
-                        <a:t>Unidad:</a:t>
-                      </a:r>
-                    </a:p>
-                  </a:txBody>
-                  <a:tcPr>
-                    <a:solidFill>
-                      <a:schemeClr val="tx1">
-                        <a:lumMod val="40000"/>
-                        <a:lumOff val="60000"/>
-                      </a:schemeClr>
-                    </a:solidFill>
-                  </a:tcPr>
-                </a:tc>
-                <a:tc>
-                  <a:txBody>
-                    <a:bodyPr/>
-                    <a:lstStyle/>
-                    <a:p>
-                      <a:r>
-                        <a:rPr lang="es-ES_tradnl" sz="1100" noProof="0">
-                          <a:solidFill>
-                            <a:srgbClr val="000000"/>
-                          </a:solidFill>
-                        </a:rPr>
-                        <a:t>(# de eventos / minuto) * minutos</a:t>
-                      </a:r>
-                    </a:p>
-                  </a:txBody>
-                  <a:tcPr>
-                    <a:solidFill>
-                      <a:schemeClr val="tx1">
-                        <a:lumMod val="40000"/>
-                        <a:lumOff val="60000"/>
-                      </a:schemeClr>
-                    </a:solidFill>
-                  </a:tcPr>
-                </a:tc>
-                <a:extLst>
-                  <a:ext uri="{0D108BD9-81ED-4DB2-BD59-A6C34878D82A}">
-                    <a16:rowId xmlns:a16="http://schemas.microsoft.com/office/drawing/2014/main" val="509062101"/>
-                  </a:ext>
-                </a:extLst>
-              </a:tr>
-              <a:tr h="341296">
-                <a:tc>
-                  <a:txBody>
-                    <a:bodyPr/>
-                    <a:lstStyle/>
-                    <a:p>
-                      <a:r>
-                        <a:rPr lang="es-ES_tradnl" sz="1100" noProof="0">
-                          <a:solidFill>
-                            <a:srgbClr val="000000"/>
-                          </a:solidFill>
-                        </a:rPr>
-                        <a:t>Respuesta esperada:</a:t>
-                      </a:r>
-                    </a:p>
-                  </a:txBody>
-                  <a:tcPr>
-                    <a:solidFill>
-                      <a:schemeClr val="tx1">
-                        <a:lumMod val="40000"/>
-                        <a:lumOff val="60000"/>
-                      </a:schemeClr>
-                    </a:solidFill>
-                  </a:tcPr>
-                </a:tc>
-                <a:tc>
-                  <a:txBody>
-                    <a:bodyPr/>
-                    <a:lstStyle/>
-                    <a:p>
-                      <a:r>
-                        <a:rPr lang="es-ES_tradnl" sz="1100" noProof="0">
-                          <a:solidFill>
-                            <a:srgbClr val="000000"/>
-                          </a:solidFill>
-                        </a:rPr>
-                        <a:t>6500/minuto * 30 minutos</a:t>
-                      </a:r>
-                    </a:p>
-                  </a:txBody>
-                  <a:tcPr>
-                    <a:solidFill>
-                      <a:schemeClr val="tx1">
-                        <a:lumMod val="40000"/>
-                        <a:lumOff val="60000"/>
-                      </a:schemeClr>
-                    </a:solidFill>
-                  </a:tcPr>
-                </a:tc>
-                <a:extLst>
-                  <a:ext uri="{0D108BD9-81ED-4DB2-BD59-A6C34878D82A}">
-                    <a16:rowId xmlns:a16="http://schemas.microsoft.com/office/drawing/2014/main" val="2522535118"/>
-                  </a:ext>
-                </a:extLst>
-              </a:tr>
-            </a:tbl>
-          </a:graphicData>
-        </a:graphic>
-      </p:graphicFrame>
-      <p:graphicFrame>
-        <p:nvGraphicFramePr>
-          <p:cNvPr id="16" name="Table 15">
-            <a:extLst>
-              <a:ext uri="{FF2B5EF4-FFF2-40B4-BE49-F238E27FC236}">
-                <a16:creationId xmlns:a16="http://schemas.microsoft.com/office/drawing/2014/main" id="{6DC4D496-6FCB-503D-E510-954ED13AB0B7}"/>
-              </a:ext>
-            </a:extLst>
-          </p:cNvPr>
-          <p:cNvGraphicFramePr>
-            <a:graphicFrameLocks noGrp="1"/>
-          </p:cNvGraphicFramePr>
-          <p:nvPr/>
-        </p:nvGraphicFramePr>
-        <p:xfrm>
-          <a:off x="6125231" y="1383584"/>
-          <a:ext cx="2592288" cy="1109312"/>
-        </p:xfrm>
-        <a:graphic>
-          <a:graphicData uri="http://schemas.openxmlformats.org/drawingml/2006/table">
-            <a:tbl>
-              <a:tblPr firstRow="1" bandRow="1">
-                <a:tableStyleId>{5C22544A-7EE6-4342-B048-85BDC9FD1C3A}</a:tableStyleId>
-              </a:tblPr>
-              <a:tblGrid>
-                <a:gridCol w="856876">
-                  <a:extLst>
-                    <a:ext uri="{9D8B030D-6E8A-4147-A177-3AD203B41FA5}">
-                      <a16:colId xmlns:a16="http://schemas.microsoft.com/office/drawing/2014/main" val="3074122083"/>
-                    </a:ext>
-                  </a:extLst>
-                </a:gridCol>
-                <a:gridCol w="1735412">
-                  <a:extLst>
-                    <a:ext uri="{9D8B030D-6E8A-4147-A177-3AD203B41FA5}">
-                      <a16:colId xmlns:a16="http://schemas.microsoft.com/office/drawing/2014/main" val="1104832515"/>
-                    </a:ext>
-                  </a:extLst>
-                </a:gridCol>
-              </a:tblGrid>
-              <a:tr h="341296">
-                <a:tc gridSpan="2">
-                  <a:txBody>
-                    <a:bodyPr/>
-                    <a:lstStyle/>
-                    <a:p>
-                      <a:pPr algn="ctr"/>
-                      <a:endParaRPr lang="es-ES_tradnl" sz="1100" b="0" noProof="0">
-                        <a:solidFill>
-                          <a:srgbClr val="000000"/>
-                        </a:solidFill>
-                      </a:endParaRPr>
-                    </a:p>
-                  </a:txBody>
-                  <a:tcPr>
-                    <a:solidFill>
-                      <a:srgbClr val="92D050"/>
-                    </a:solidFill>
-                  </a:tcPr>
-                </a:tc>
-                <a:tc hMerge="1">
-                  <a:txBody>
-                    <a:bodyPr/>
-                    <a:lstStyle/>
-                    <a:p>
-                      <a:endParaRPr lang="en-US"/>
-                    </a:p>
-                  </a:txBody>
-                  <a:tcPr>
-                    <a:solidFill>
-                      <a:schemeClr val="tx1">
-                        <a:lumMod val="40000"/>
-                        <a:lumOff val="60000"/>
-                      </a:schemeClr>
-                    </a:solidFill>
-                  </a:tcPr>
-                </a:tc>
-                <a:extLst>
-                  <a:ext uri="{0D108BD9-81ED-4DB2-BD59-A6C34878D82A}">
-                    <a16:rowId xmlns:a16="http://schemas.microsoft.com/office/drawing/2014/main" val="2684417783"/>
-                  </a:ext>
-                </a:extLst>
-              </a:tr>
-              <a:tr h="341296">
-                <a:tc>
-                  <a:txBody>
-                    <a:bodyPr/>
-                    <a:lstStyle/>
-                    <a:p>
-                      <a:r>
-                        <a:rPr lang="es-ES_tradnl" sz="1100" noProof="0">
-                          <a:solidFill>
-                            <a:srgbClr val="000000"/>
-                          </a:solidFill>
-                        </a:rPr>
-                        <a:t>Unidad:</a:t>
-                      </a:r>
-                    </a:p>
-                  </a:txBody>
-                  <a:tcPr>
-                    <a:solidFill>
-                      <a:schemeClr val="tx1">
-                        <a:lumMod val="40000"/>
-                        <a:lumOff val="60000"/>
-                      </a:schemeClr>
-                    </a:solidFill>
-                  </a:tcPr>
-                </a:tc>
-                <a:tc>
-                  <a:txBody>
-                    <a:bodyPr/>
-                    <a:lstStyle/>
-                    <a:p>
-                      <a:endParaRPr lang="es-ES_tradnl" sz="1100" noProof="0">
-                        <a:solidFill>
-                          <a:srgbClr val="000000"/>
-                        </a:solidFill>
-                      </a:endParaRPr>
-                    </a:p>
-                  </a:txBody>
-                  <a:tcPr>
-                    <a:solidFill>
-                      <a:schemeClr val="tx1">
-                        <a:lumMod val="40000"/>
-                        <a:lumOff val="60000"/>
-                      </a:schemeClr>
-                    </a:solidFill>
-                  </a:tcPr>
-                </a:tc>
-                <a:extLst>
-                  <a:ext uri="{0D108BD9-81ED-4DB2-BD59-A6C34878D82A}">
-                    <a16:rowId xmlns:a16="http://schemas.microsoft.com/office/drawing/2014/main" val="509062101"/>
-                  </a:ext>
-                </a:extLst>
-              </a:tr>
-              <a:tr h="341296">
-                <a:tc>
-                  <a:txBody>
-                    <a:bodyPr/>
-                    <a:lstStyle/>
-                    <a:p>
-                      <a:r>
-                        <a:rPr lang="es-ES_tradnl" sz="1100" noProof="0">
-                          <a:solidFill>
-                            <a:srgbClr val="000000"/>
-                          </a:solidFill>
-                        </a:rPr>
-                        <a:t>Respuesta esperada:</a:t>
-                      </a:r>
-                    </a:p>
-                  </a:txBody>
-                  <a:tcPr>
-                    <a:solidFill>
-                      <a:schemeClr val="tx1">
-                        <a:lumMod val="40000"/>
-                        <a:lumOff val="60000"/>
-                      </a:schemeClr>
-                    </a:solidFill>
-                  </a:tcPr>
-                </a:tc>
-                <a:tc>
-                  <a:txBody>
-                    <a:bodyPr/>
-                    <a:lstStyle/>
-                    <a:p>
-                      <a:endParaRPr lang="es-ES_tradnl" sz="1100" noProof="0">
-                        <a:solidFill>
-                          <a:srgbClr val="000000"/>
-                        </a:solidFill>
-                      </a:endParaRPr>
-                    </a:p>
-                  </a:txBody>
-                  <a:tcPr>
-                    <a:solidFill>
-                      <a:schemeClr val="tx1">
-                        <a:lumMod val="40000"/>
-                        <a:lumOff val="60000"/>
-                      </a:schemeClr>
-                    </a:solidFill>
-                  </a:tcPr>
-                </a:tc>
-                <a:extLst>
-                  <a:ext uri="{0D108BD9-81ED-4DB2-BD59-A6C34878D82A}">
-                    <a16:rowId xmlns:a16="http://schemas.microsoft.com/office/drawing/2014/main" val="2522535118"/>
-                  </a:ext>
-                </a:extLst>
-              </a:tr>
-            </a:tbl>
-          </a:graphicData>
-        </a:graphic>
-      </p:graphicFrame>
-      <p:sp>
-        <p:nvSpPr>
-          <p:cNvPr id="20" name="TextBox 19">
-            <a:extLst>
-              <a:ext uri="{FF2B5EF4-FFF2-40B4-BE49-F238E27FC236}">
-                <a16:creationId xmlns:a16="http://schemas.microsoft.com/office/drawing/2014/main" id="{72C43BBF-1B34-EEC7-77E5-EC3E82614920}"/>
-              </a:ext>
-            </a:extLst>
-          </p:cNvPr>
-          <p:cNvSpPr txBox="1"/>
-          <p:nvPr/>
-        </p:nvSpPr>
-        <p:spPr>
-          <a:xfrm>
-            <a:off x="82463" y="1661899"/>
-            <a:ext cx="490840" cy="830997"/>
-          </a:xfrm>
-          <a:prstGeom prst="rect">
-            <a:avLst/>
-          </a:prstGeom>
-          <a:noFill/>
-        </p:spPr>
-        <p:txBody>
-          <a:bodyPr wrap="none" rtlCol="0">
-            <a:spAutoFit/>
-          </a:bodyPr>
-          <a:lstStyle/>
-          <a:p>
-            <a:r>
-              <a:rPr lang="es-ES_tradnl" sz="4800">
-                <a:solidFill>
-                  <a:srgbClr val="00B050"/>
-                </a:solidFill>
-              </a:rPr>
-              <a:t>+</a:t>
-            </a:r>
-          </a:p>
-        </p:txBody>
-      </p:sp>
-      <p:sp>
-        <p:nvSpPr>
-          <p:cNvPr id="21" name="TextBox 20">
-            <a:extLst>
-              <a:ext uri="{FF2B5EF4-FFF2-40B4-BE49-F238E27FC236}">
-                <a16:creationId xmlns:a16="http://schemas.microsoft.com/office/drawing/2014/main" id="{68495CA0-6CE3-23A6-0BA3-F91AC26A0D41}"/>
-              </a:ext>
-            </a:extLst>
-          </p:cNvPr>
-          <p:cNvSpPr txBox="1"/>
-          <p:nvPr/>
-        </p:nvSpPr>
-        <p:spPr>
-          <a:xfrm>
-            <a:off x="90519" y="4685349"/>
-            <a:ext cx="373820" cy="830997"/>
-          </a:xfrm>
-          <a:prstGeom prst="rect">
-            <a:avLst/>
-          </a:prstGeom>
-          <a:noFill/>
-        </p:spPr>
-        <p:txBody>
-          <a:bodyPr wrap="none" rtlCol="0">
-            <a:spAutoFit/>
-          </a:bodyPr>
-          <a:lstStyle/>
-          <a:p>
-            <a:r>
-              <a:rPr lang="es-ES_tradnl" sz="4800">
-                <a:solidFill>
-                  <a:srgbClr val="C00000"/>
-                </a:solidFill>
-              </a:rPr>
-              <a:t>-</a:t>
-            </a:r>
-          </a:p>
-        </p:txBody>
-      </p:sp>
-      <p:graphicFrame>
-        <p:nvGraphicFramePr>
-          <p:cNvPr id="22" name="Table 21">
-            <a:extLst>
-              <a:ext uri="{FF2B5EF4-FFF2-40B4-BE49-F238E27FC236}">
-                <a16:creationId xmlns:a16="http://schemas.microsoft.com/office/drawing/2014/main" id="{29AF95EB-9354-CEE8-F5E8-6ED3F75E2C24}"/>
-              </a:ext>
-            </a:extLst>
-          </p:cNvPr>
-          <p:cNvGraphicFramePr>
-            <a:graphicFrameLocks noGrp="1"/>
-          </p:cNvGraphicFramePr>
-          <p:nvPr/>
-        </p:nvGraphicFramePr>
-        <p:xfrm>
-          <a:off x="611560" y="4551936"/>
-          <a:ext cx="2592288" cy="1023888"/>
-        </p:xfrm>
-        <a:graphic>
-          <a:graphicData uri="http://schemas.openxmlformats.org/drawingml/2006/table">
-            <a:tbl>
-              <a:tblPr firstRow="1" bandRow="1">
-                <a:tableStyleId>{5C22544A-7EE6-4342-B048-85BDC9FD1C3A}</a:tableStyleId>
-              </a:tblPr>
-              <a:tblGrid>
-                <a:gridCol w="856876">
-                  <a:extLst>
-                    <a:ext uri="{9D8B030D-6E8A-4147-A177-3AD203B41FA5}">
-                      <a16:colId xmlns:a16="http://schemas.microsoft.com/office/drawing/2014/main" val="3074122083"/>
-                    </a:ext>
-                  </a:extLst>
-                </a:gridCol>
-                <a:gridCol w="1735412">
-                  <a:extLst>
-                    <a:ext uri="{9D8B030D-6E8A-4147-A177-3AD203B41FA5}">
-                      <a16:colId xmlns:a16="http://schemas.microsoft.com/office/drawing/2014/main" val="1104832515"/>
-                    </a:ext>
-                  </a:extLst>
-                </a:gridCol>
-              </a:tblGrid>
-              <a:tr h="341296">
-                <a:tc gridSpan="2">
-                  <a:txBody>
-                    <a:bodyPr/>
-                    <a:lstStyle/>
-                    <a:p>
-                      <a:pPr algn="ctr"/>
-                      <a:r>
-                        <a:rPr lang="es-ES_tradnl" sz="1100" b="0" noProof="0">
-                          <a:solidFill>
-                            <a:srgbClr val="000000"/>
-                          </a:solidFill>
-                        </a:rPr>
-                        <a:t>Atributo de calidad</a:t>
-                      </a:r>
-                    </a:p>
-                  </a:txBody>
-                  <a:tcPr>
-                    <a:solidFill>
-                      <a:schemeClr val="accent6">
-                        <a:lumMod val="60000"/>
-                        <a:lumOff val="40000"/>
-                      </a:schemeClr>
-                    </a:solidFill>
-                  </a:tcPr>
-                </a:tc>
-                <a:tc hMerge="1">
-                  <a:txBody>
-                    <a:bodyPr/>
-                    <a:lstStyle/>
-                    <a:p>
-                      <a:endParaRPr lang="en-US"/>
-                    </a:p>
-                  </a:txBody>
-                  <a:tcPr>
-                    <a:solidFill>
-                      <a:schemeClr val="tx1">
-                        <a:lumMod val="40000"/>
-                        <a:lumOff val="60000"/>
-                      </a:schemeClr>
-                    </a:solidFill>
-                  </a:tcPr>
-                </a:tc>
-                <a:extLst>
-                  <a:ext uri="{0D108BD9-81ED-4DB2-BD59-A6C34878D82A}">
-                    <a16:rowId xmlns:a16="http://schemas.microsoft.com/office/drawing/2014/main" val="2684417783"/>
-                  </a:ext>
-                </a:extLst>
-              </a:tr>
-              <a:tr h="341296">
-                <a:tc>
-                  <a:txBody>
-                    <a:bodyPr/>
-                    <a:lstStyle/>
-                    <a:p>
-                      <a:r>
-                        <a:rPr lang="es-ES_tradnl" sz="1100" noProof="0">
-                          <a:solidFill>
-                            <a:srgbClr val="000000"/>
-                          </a:solidFill>
-                        </a:rPr>
-                        <a:t>Prioridad</a:t>
-                      </a:r>
-                    </a:p>
-                  </a:txBody>
-                  <a:tcPr>
-                    <a:solidFill>
-                      <a:schemeClr val="tx1">
-                        <a:lumMod val="40000"/>
-                        <a:lumOff val="60000"/>
-                      </a:schemeClr>
-                    </a:solidFill>
-                  </a:tcPr>
-                </a:tc>
-                <a:tc>
-                  <a:txBody>
-                    <a:bodyPr/>
-                    <a:lstStyle/>
-                    <a:p>
-                      <a:endParaRPr lang="es-ES_tradnl" sz="1100" noProof="0">
-                        <a:solidFill>
-                          <a:srgbClr val="000000"/>
-                        </a:solidFill>
-                      </a:endParaRPr>
-                    </a:p>
-                  </a:txBody>
-                  <a:tcPr>
-                    <a:solidFill>
-                      <a:schemeClr val="tx1">
-                        <a:lumMod val="40000"/>
-                        <a:lumOff val="60000"/>
-                      </a:schemeClr>
-                    </a:solidFill>
-                  </a:tcPr>
-                </a:tc>
-                <a:extLst>
-                  <a:ext uri="{0D108BD9-81ED-4DB2-BD59-A6C34878D82A}">
-                    <a16:rowId xmlns:a16="http://schemas.microsoft.com/office/drawing/2014/main" val="509062101"/>
-                  </a:ext>
-                </a:extLst>
-              </a:tr>
-              <a:tr h="341296">
-                <a:tc>
-                  <a:txBody>
-                    <a:bodyPr/>
-                    <a:lstStyle/>
-                    <a:p>
-                      <a:r>
-                        <a:rPr lang="es-ES_tradnl" sz="1100" noProof="0">
-                          <a:solidFill>
-                            <a:srgbClr val="000000"/>
-                          </a:solidFill>
-                        </a:rPr>
-                        <a:t>Impacto</a:t>
-                      </a:r>
-                    </a:p>
-                  </a:txBody>
-                  <a:tcPr>
-                    <a:solidFill>
-                      <a:schemeClr val="tx1">
-                        <a:lumMod val="40000"/>
-                        <a:lumOff val="60000"/>
-                      </a:schemeClr>
-                    </a:solidFill>
-                  </a:tcPr>
-                </a:tc>
-                <a:tc>
-                  <a:txBody>
-                    <a:bodyPr/>
-                    <a:lstStyle/>
-                    <a:p>
-                      <a:endParaRPr lang="es-ES_tradnl" sz="1100" noProof="0">
-                        <a:solidFill>
-                          <a:srgbClr val="000000"/>
-                        </a:solidFill>
-                      </a:endParaRPr>
-                    </a:p>
-                  </a:txBody>
-                  <a:tcPr>
-                    <a:solidFill>
-                      <a:schemeClr val="tx1">
-                        <a:lumMod val="40000"/>
-                        <a:lumOff val="60000"/>
-                      </a:schemeClr>
-                    </a:solidFill>
-                  </a:tcPr>
-                </a:tc>
-                <a:extLst>
-                  <a:ext uri="{0D108BD9-81ED-4DB2-BD59-A6C34878D82A}">
-                    <a16:rowId xmlns:a16="http://schemas.microsoft.com/office/drawing/2014/main" val="2522535118"/>
-                  </a:ext>
-                </a:extLst>
-              </a:tr>
-            </a:tbl>
-          </a:graphicData>
-        </a:graphic>
-      </p:graphicFrame>
-      <p:graphicFrame>
-        <p:nvGraphicFramePr>
-          <p:cNvPr id="23" name="Table 22">
-            <a:extLst>
-              <a:ext uri="{FF2B5EF4-FFF2-40B4-BE49-F238E27FC236}">
-                <a16:creationId xmlns:a16="http://schemas.microsoft.com/office/drawing/2014/main" id="{27CC7890-B77B-AB06-A5F9-2BD364598D56}"/>
-              </a:ext>
-            </a:extLst>
-          </p:cNvPr>
-          <p:cNvGraphicFramePr>
-            <a:graphicFrameLocks noGrp="1"/>
-          </p:cNvGraphicFramePr>
-          <p:nvPr/>
-        </p:nvGraphicFramePr>
-        <p:xfrm>
-          <a:off x="3437047" y="4551447"/>
-          <a:ext cx="2429228" cy="1023888"/>
-        </p:xfrm>
-        <a:graphic>
-          <a:graphicData uri="http://schemas.openxmlformats.org/drawingml/2006/table">
-            <a:tbl>
-              <a:tblPr firstRow="1" bandRow="1">
-                <a:tableStyleId>{5C22544A-7EE6-4342-B048-85BDC9FD1C3A}</a:tableStyleId>
-              </a:tblPr>
-              <a:tblGrid>
-                <a:gridCol w="836990">
-                  <a:extLst>
-                    <a:ext uri="{9D8B030D-6E8A-4147-A177-3AD203B41FA5}">
-                      <a16:colId xmlns:a16="http://schemas.microsoft.com/office/drawing/2014/main" val="3074122083"/>
-                    </a:ext>
-                  </a:extLst>
-                </a:gridCol>
-                <a:gridCol w="1592238">
-                  <a:extLst>
-                    <a:ext uri="{9D8B030D-6E8A-4147-A177-3AD203B41FA5}">
-                      <a16:colId xmlns:a16="http://schemas.microsoft.com/office/drawing/2014/main" val="1104832515"/>
-                    </a:ext>
-                  </a:extLst>
-                </a:gridCol>
-              </a:tblGrid>
-              <a:tr h="341296">
-                <a:tc gridSpan="2">
-                  <a:txBody>
-                    <a:bodyPr/>
-                    <a:lstStyle/>
-                    <a:p>
-                      <a:pPr algn="ctr"/>
-                      <a:r>
-                        <a:rPr lang="es-ES_tradnl" sz="1100" b="0" noProof="0">
-                          <a:solidFill>
-                            <a:srgbClr val="000000"/>
-                          </a:solidFill>
-                        </a:rPr>
-                        <a:t>Atributo de calidad</a:t>
-                      </a:r>
-                    </a:p>
-                  </a:txBody>
-                  <a:tcPr>
-                    <a:solidFill>
-                      <a:schemeClr val="accent6">
-                        <a:lumMod val="60000"/>
-                        <a:lumOff val="40000"/>
-                      </a:schemeClr>
-                    </a:solidFill>
-                  </a:tcPr>
-                </a:tc>
-                <a:tc hMerge="1">
-                  <a:txBody>
-                    <a:bodyPr/>
-                    <a:lstStyle/>
-                    <a:p>
-                      <a:endParaRPr lang="en-US"/>
-                    </a:p>
-                  </a:txBody>
-                  <a:tcPr>
-                    <a:solidFill>
-                      <a:schemeClr val="tx1">
-                        <a:lumMod val="40000"/>
-                        <a:lumOff val="60000"/>
-                      </a:schemeClr>
-                    </a:solidFill>
-                  </a:tcPr>
-                </a:tc>
-                <a:extLst>
-                  <a:ext uri="{0D108BD9-81ED-4DB2-BD59-A6C34878D82A}">
-                    <a16:rowId xmlns:a16="http://schemas.microsoft.com/office/drawing/2014/main" val="2684417783"/>
-                  </a:ext>
-                </a:extLst>
-              </a:tr>
-              <a:tr h="341296">
-                <a:tc>
-                  <a:txBody>
-                    <a:bodyPr/>
-                    <a:lstStyle/>
-                    <a:p>
-                      <a:r>
-                        <a:rPr lang="es-ES_tradnl" sz="1100" noProof="0">
-                          <a:solidFill>
-                            <a:srgbClr val="000000"/>
-                          </a:solidFill>
-                        </a:rPr>
-                        <a:t>Prioridad</a:t>
-                      </a:r>
-                    </a:p>
-                  </a:txBody>
-                  <a:tcPr>
-                    <a:solidFill>
-                      <a:schemeClr val="tx1">
-                        <a:lumMod val="40000"/>
-                        <a:lumOff val="60000"/>
-                      </a:schemeClr>
-                    </a:solidFill>
-                  </a:tcPr>
-                </a:tc>
-                <a:tc>
-                  <a:txBody>
-                    <a:bodyPr/>
-                    <a:lstStyle/>
-                    <a:p>
-                      <a:endParaRPr lang="es-ES_tradnl" sz="1100" noProof="0">
-                        <a:solidFill>
-                          <a:srgbClr val="000000"/>
-                        </a:solidFill>
-                      </a:endParaRPr>
-                    </a:p>
-                  </a:txBody>
-                  <a:tcPr>
-                    <a:solidFill>
-                      <a:schemeClr val="tx1">
-                        <a:lumMod val="40000"/>
-                        <a:lumOff val="60000"/>
-                      </a:schemeClr>
-                    </a:solidFill>
-                  </a:tcPr>
-                </a:tc>
-                <a:extLst>
-                  <a:ext uri="{0D108BD9-81ED-4DB2-BD59-A6C34878D82A}">
-                    <a16:rowId xmlns:a16="http://schemas.microsoft.com/office/drawing/2014/main" val="509062101"/>
-                  </a:ext>
-                </a:extLst>
-              </a:tr>
-              <a:tr h="341296">
-                <a:tc>
-                  <a:txBody>
-                    <a:bodyPr/>
-                    <a:lstStyle/>
-                    <a:p>
-                      <a:r>
-                        <a:rPr lang="es-ES_tradnl" sz="1100" noProof="0">
-                          <a:solidFill>
-                            <a:srgbClr val="000000"/>
-                          </a:solidFill>
-                        </a:rPr>
-                        <a:t>Impacto</a:t>
-                      </a:r>
-                    </a:p>
-                  </a:txBody>
-                  <a:tcPr>
-                    <a:solidFill>
-                      <a:schemeClr val="tx1">
-                        <a:lumMod val="40000"/>
-                        <a:lumOff val="60000"/>
-                      </a:schemeClr>
-                    </a:solidFill>
-                  </a:tcPr>
-                </a:tc>
-                <a:tc>
-                  <a:txBody>
-                    <a:bodyPr/>
-                    <a:lstStyle/>
-                    <a:p>
-                      <a:endParaRPr lang="es-ES_tradnl" sz="1100" noProof="0">
-                        <a:solidFill>
-                          <a:srgbClr val="000000"/>
-                        </a:solidFill>
-                      </a:endParaRPr>
-                    </a:p>
-                  </a:txBody>
-                  <a:tcPr>
-                    <a:solidFill>
-                      <a:schemeClr val="tx1">
-                        <a:lumMod val="40000"/>
-                        <a:lumOff val="60000"/>
-                      </a:schemeClr>
-                    </a:solidFill>
-                  </a:tcPr>
-                </a:tc>
-                <a:extLst>
-                  <a:ext uri="{0D108BD9-81ED-4DB2-BD59-A6C34878D82A}">
-                    <a16:rowId xmlns:a16="http://schemas.microsoft.com/office/drawing/2014/main" val="2522535118"/>
-                  </a:ext>
-                </a:extLst>
-              </a:tr>
-            </a:tbl>
-          </a:graphicData>
-        </a:graphic>
-      </p:graphicFrame>
-      <p:graphicFrame>
-        <p:nvGraphicFramePr>
-          <p:cNvPr id="24" name="Table 23">
-            <a:extLst>
-              <a:ext uri="{FF2B5EF4-FFF2-40B4-BE49-F238E27FC236}">
-                <a16:creationId xmlns:a16="http://schemas.microsoft.com/office/drawing/2014/main" id="{43380B00-CC77-42E6-9120-9602935F2423}"/>
-              </a:ext>
-            </a:extLst>
-          </p:cNvPr>
-          <p:cNvGraphicFramePr>
-            <a:graphicFrameLocks noGrp="1"/>
-          </p:cNvGraphicFramePr>
-          <p:nvPr/>
-        </p:nvGraphicFramePr>
-        <p:xfrm>
-          <a:off x="6094424" y="4546192"/>
-          <a:ext cx="2592288" cy="1056748"/>
-        </p:xfrm>
-        <a:graphic>
-          <a:graphicData uri="http://schemas.openxmlformats.org/drawingml/2006/table">
-            <a:tbl>
-              <a:tblPr firstRow="1" bandRow="1">
-                <a:tableStyleId>{5C22544A-7EE6-4342-B048-85BDC9FD1C3A}</a:tableStyleId>
-              </a:tblPr>
-              <a:tblGrid>
-                <a:gridCol w="856876">
-                  <a:extLst>
-                    <a:ext uri="{9D8B030D-6E8A-4147-A177-3AD203B41FA5}">
-                      <a16:colId xmlns:a16="http://schemas.microsoft.com/office/drawing/2014/main" val="3074122083"/>
-                    </a:ext>
-                  </a:extLst>
-                </a:gridCol>
-                <a:gridCol w="1735412">
-                  <a:extLst>
-                    <a:ext uri="{9D8B030D-6E8A-4147-A177-3AD203B41FA5}">
-                      <a16:colId xmlns:a16="http://schemas.microsoft.com/office/drawing/2014/main" val="1104832515"/>
-                    </a:ext>
-                  </a:extLst>
-                </a:gridCol>
-              </a:tblGrid>
-              <a:tr h="315014">
-                <a:tc gridSpan="2">
-                  <a:txBody>
-                    <a:bodyPr/>
-                    <a:lstStyle/>
-                    <a:p>
-                      <a:pPr algn="ctr"/>
-                      <a:r>
-                        <a:rPr lang="es-ES_tradnl" sz="1100" b="0" noProof="0">
-                          <a:solidFill>
-                            <a:srgbClr val="000000"/>
-                          </a:solidFill>
-                        </a:rPr>
-                        <a:t>Atributo de calidad</a:t>
-                      </a:r>
-                    </a:p>
-                  </a:txBody>
-                  <a:tcPr>
-                    <a:solidFill>
-                      <a:schemeClr val="accent6">
-                        <a:lumMod val="60000"/>
-                        <a:lumOff val="40000"/>
-                      </a:schemeClr>
-                    </a:solidFill>
-                  </a:tcPr>
-                </a:tc>
-                <a:tc hMerge="1">
-                  <a:txBody>
-                    <a:bodyPr/>
-                    <a:lstStyle/>
-                    <a:p>
-                      <a:endParaRPr lang="en-US"/>
-                    </a:p>
-                  </a:txBody>
-                  <a:tcPr>
-                    <a:solidFill>
-                      <a:schemeClr val="tx1">
-                        <a:lumMod val="40000"/>
-                        <a:lumOff val="60000"/>
-                      </a:schemeClr>
-                    </a:solidFill>
-                  </a:tcPr>
-                </a:tc>
-                <a:extLst>
-                  <a:ext uri="{0D108BD9-81ED-4DB2-BD59-A6C34878D82A}">
-                    <a16:rowId xmlns:a16="http://schemas.microsoft.com/office/drawing/2014/main" val="2684417783"/>
-                  </a:ext>
-                </a:extLst>
-              </a:tr>
-              <a:tr h="315014">
-                <a:tc>
-                  <a:txBody>
-                    <a:bodyPr/>
-                    <a:lstStyle/>
-                    <a:p>
-                      <a:r>
-                        <a:rPr lang="es-ES_tradnl" sz="1100" noProof="0">
-                          <a:solidFill>
-                            <a:srgbClr val="000000"/>
-                          </a:solidFill>
-                        </a:rPr>
-                        <a:t>Prioridad</a:t>
-                      </a:r>
-                    </a:p>
-                  </a:txBody>
-                  <a:tcPr>
-                    <a:solidFill>
-                      <a:schemeClr val="tx1">
-                        <a:lumMod val="40000"/>
-                        <a:lumOff val="60000"/>
-                      </a:schemeClr>
-                    </a:solidFill>
-                  </a:tcPr>
-                </a:tc>
-                <a:tc>
-                  <a:txBody>
-                    <a:bodyPr/>
-                    <a:lstStyle/>
-                    <a:p>
-                      <a:endParaRPr lang="es-ES_tradnl" sz="1100" noProof="0">
-                        <a:solidFill>
-                          <a:srgbClr val="000000"/>
-                        </a:solidFill>
-                      </a:endParaRPr>
-                    </a:p>
-                  </a:txBody>
-                  <a:tcPr>
-                    <a:solidFill>
-                      <a:schemeClr val="tx1">
-                        <a:lumMod val="40000"/>
-                        <a:lumOff val="60000"/>
-                      </a:schemeClr>
-                    </a:solidFill>
-                  </a:tcPr>
-                </a:tc>
-                <a:extLst>
-                  <a:ext uri="{0D108BD9-81ED-4DB2-BD59-A6C34878D82A}">
-                    <a16:rowId xmlns:a16="http://schemas.microsoft.com/office/drawing/2014/main" val="509062101"/>
-                  </a:ext>
-                </a:extLst>
-              </a:tr>
-              <a:tr h="393860">
-                <a:tc>
-                  <a:txBody>
-                    <a:bodyPr/>
-                    <a:lstStyle/>
-                    <a:p>
-                      <a:r>
-                        <a:rPr lang="es-ES_tradnl" sz="1100" noProof="0">
-                          <a:solidFill>
-                            <a:srgbClr val="000000"/>
-                          </a:solidFill>
-                        </a:rPr>
-                        <a:t>Respuesta esperada:</a:t>
-                      </a:r>
-                    </a:p>
-                  </a:txBody>
-                  <a:tcPr>
-                    <a:solidFill>
-                      <a:schemeClr val="tx1">
-                        <a:lumMod val="40000"/>
-                        <a:lumOff val="60000"/>
-                      </a:schemeClr>
-                    </a:solidFill>
-                  </a:tcPr>
-                </a:tc>
-                <a:tc>
-                  <a:txBody>
-                    <a:bodyPr/>
-                    <a:lstStyle/>
-                    <a:p>
-                      <a:endParaRPr lang="es-ES_tradnl" sz="1100" noProof="0">
-                        <a:solidFill>
-                          <a:srgbClr val="000000"/>
-                        </a:solidFill>
-                      </a:endParaRPr>
-                    </a:p>
-                  </a:txBody>
-                  <a:tcPr>
-                    <a:solidFill>
-                      <a:schemeClr val="tx1">
-                        <a:lumMod val="40000"/>
-                        <a:lumOff val="60000"/>
-                      </a:schemeClr>
-                    </a:solidFill>
-                  </a:tcPr>
-                </a:tc>
-                <a:extLst>
-                  <a:ext uri="{0D108BD9-81ED-4DB2-BD59-A6C34878D82A}">
-                    <a16:rowId xmlns:a16="http://schemas.microsoft.com/office/drawing/2014/main" val="2522535118"/>
-                  </a:ext>
-                </a:extLst>
-              </a:tr>
-            </a:tbl>
-          </a:graphicData>
-        </a:graphic>
-      </p:graphicFrame>
-      <p:sp>
-        <p:nvSpPr>
-          <p:cNvPr id="2" name="CuadroTexto 1">
-            <a:extLst>
-              <a:ext uri="{FF2B5EF4-FFF2-40B4-BE49-F238E27FC236}">
-                <a16:creationId xmlns:a16="http://schemas.microsoft.com/office/drawing/2014/main" id="{A79487E4-7E73-B49F-6DE3-55EC560D1C77}"/>
-              </a:ext>
-            </a:extLst>
-          </p:cNvPr>
-          <p:cNvSpPr txBox="1"/>
-          <p:nvPr/>
-        </p:nvSpPr>
-        <p:spPr>
-          <a:xfrm>
-            <a:off x="611560" y="1038233"/>
-            <a:ext cx="8075152" cy="369332"/>
-          </a:xfrm>
-          <a:prstGeom prst="rect">
-            <a:avLst/>
-          </a:prstGeom>
-          <a:noFill/>
-        </p:spPr>
-        <p:txBody>
-          <a:bodyPr wrap="square" lIns="91440" tIns="45720" rIns="91440" bIns="45720" rtlCol="0" anchor="t">
-            <a:spAutoFit/>
-          </a:bodyPr>
-          <a:lstStyle/>
-          <a:p>
-            <a:r>
-              <a:rPr lang="es-CO" b="1" err="1"/>
-              <a:t>ASRs</a:t>
-            </a:r>
-            <a:r>
-              <a:rPr lang="es-CO" b="1"/>
-              <a:t> seleccionados de latencia y escalabilidad para la realización del experimentó</a:t>
-            </a:r>
-          </a:p>
-        </p:txBody>
-      </p:sp>
-    </p:spTree>
-    <p:extLst>
-      <p:ext uri="{BB962C8B-B14F-4D97-AF65-F5344CB8AC3E}">
-        <p14:creationId xmlns:p14="http://schemas.microsoft.com/office/powerpoint/2010/main" val="3650402415"/>
-      </p:ext>
-    </p:extLst>
-  </p:cSld>
-  <p:clrMapOvr>
-    <a:masterClrMapping/>
-  </p:clrMapOvr>
-</p:sld>
-</file>
-
-<file path=ppt/slides/slide14.xml><?xml version="1.0" encoding="utf-8"?>
 <p:sld xmlns:a="http://schemas.openxmlformats.org/drawingml/2006/main" xmlns:r="http://schemas.openxmlformats.org/officeDocument/2006/relationships" xmlns:p="http://schemas.openxmlformats.org/presentationml/2006/main">
   <p:cSld>
     <p:spTree>
@@ -22357,7 +20536,7 @@
             <a:fld id="{0AEE6DC9-5AC4-4174-887C-07A615CCC701}" type="slidenum">
               <a:rPr lang="es-CO" smtClean="0"/>
               <a:pPr/>
-              <a:t>14</a:t>
+              <a:t>13</a:t>
             </a:fld>
             <a:endParaRPr lang="es-CO"/>
           </a:p>
@@ -22782,7 +20961,7 @@
 </p:sld>
 </file>
 
-<file path=ppt/slides/slide15.xml><?xml version="1.0" encoding="utf-8"?>
+<file path=ppt/slides/slide14.xml><?xml version="1.0" encoding="utf-8"?>
 <p:sld xmlns:a="http://schemas.openxmlformats.org/drawingml/2006/main" xmlns:r="http://schemas.openxmlformats.org/officeDocument/2006/relationships" xmlns:p="http://schemas.openxmlformats.org/presentationml/2006/main">
   <p:cSld>
     <p:spTree>
@@ -22817,7 +20996,7 @@
             <a:fld id="{0AEE6DC9-5AC4-4174-887C-07A615CCC701}" type="slidenum">
               <a:rPr lang="es-CO" smtClean="0"/>
               <a:pPr/>
-              <a:t>15</a:t>
+              <a:t>14</a:t>
             </a:fld>
             <a:endParaRPr lang="es-CO"/>
           </a:p>
@@ -23014,14 +21193,14 @@
           <p:nvPr>
             <p:extLst>
               <p:ext uri="{D42A27DB-BD31-4B8C-83A1-F6EECF244321}">
-                <p14:modId xmlns:p14="http://schemas.microsoft.com/office/powerpoint/2010/main" val="3139129925"/>
+                <p14:modId xmlns:p14="http://schemas.microsoft.com/office/powerpoint/2010/main" val="360832431"/>
               </p:ext>
             </p:extLst>
           </p:nvPr>
         </p:nvGraphicFramePr>
         <p:xfrm>
           <a:off x="323528" y="2204864"/>
-          <a:ext cx="8280920" cy="2021840"/>
+          <a:ext cx="8280920" cy="1656080"/>
         </p:xfrm>
         <a:graphic>
           <a:graphicData uri="http://schemas.openxmlformats.org/drawingml/2006/table">
@@ -23186,8 +21365,9 @@
                           </a:solidFill>
                           <a:latin typeface="Calibri"/>
                         </a:rPr>
-                        <a:t>Sistema/servicio de notificaciones </a:t>
+                        <a:t>Broker</a:t>
                       </a:r>
+                      <a:endParaRPr lang="en-US" err="1"/>
                     </a:p>
                   </a:txBody>
                   <a:tcPr/>
@@ -23199,7 +21379,7 @@
                     <a:p>
                       <a:r>
                         <a:rPr lang="es-ES_tradnl" sz="1200" noProof="0"/>
-                        <a:t>Se añadirán colas de prioridad en este servicio, para usuario estándar y premium,  para que disminuya la latencia en la generación de notificaciones. Ya que, al tener un único canal de envío, puede generar retraso en la creación de la notificación.  </a:t>
+                        <a:t>Se añadirán colas en este servicio, para usuario premium,  para que disminuya la latencia en la generación de notificaciones.</a:t>
                       </a:r>
                     </a:p>
                   </a:txBody>
@@ -23228,7 +21408,7 @@
 </p:sld>
 </file>
 
-<file path=ppt/slides/slide16.xml><?xml version="1.0" encoding="utf-8"?>
+<file path=ppt/slides/slide15.xml><?xml version="1.0" encoding="utf-8"?>
 <p:sld xmlns:a="http://schemas.openxmlformats.org/drawingml/2006/main" xmlns:r="http://schemas.openxmlformats.org/officeDocument/2006/relationships" xmlns:p="http://schemas.openxmlformats.org/presentationml/2006/main">
   <p:cSld>
     <p:spTree>
@@ -23263,7 +21443,7 @@
             <a:fld id="{0AEE6DC9-5AC4-4174-887C-07A615CCC701}" type="slidenum">
               <a:rPr lang="es-CO" smtClean="0"/>
               <a:pPr/>
-              <a:t>16</a:t>
+              <a:t>15</a:t>
             </a:fld>
             <a:endParaRPr lang="es-CO"/>
           </a:p>
@@ -23452,13 +21632,13 @@
           <p:nvPr>
             <p:extLst>
               <p:ext uri="{D42A27DB-BD31-4B8C-83A1-F6EECF244321}">
-                <p14:modId xmlns:p14="http://schemas.microsoft.com/office/powerpoint/2010/main" val="3007234359"/>
+                <p14:modId xmlns:p14="http://schemas.microsoft.com/office/powerpoint/2010/main" val="508422096"/>
               </p:ext>
             </p:extLst>
           </p:nvPr>
         </p:nvGraphicFramePr>
         <p:xfrm>
-          <a:off x="350137" y="1685207"/>
+          <a:off x="360647" y="2694200"/>
           <a:ext cx="8280920" cy="1474469"/>
         </p:xfrm>
         <a:graphic>
@@ -23578,12 +21758,252 @@
           </a:graphicData>
         </a:graphic>
       </p:graphicFrame>
+    </p:spTree>
+    <p:extLst>
+      <p:ext uri="{BB962C8B-B14F-4D97-AF65-F5344CB8AC3E}">
+        <p14:creationId xmlns:p14="http://schemas.microsoft.com/office/powerpoint/2010/main" val="2639478463"/>
+      </p:ext>
+    </p:extLst>
+  </p:cSld>
+  <p:clrMapOvr>
+    <a:masterClrMapping/>
+  </p:clrMapOvr>
+</p:sld>
+</file>
+
+<file path=ppt/slides/slide16.xml><?xml version="1.0" encoding="utf-8"?>
+<p:sld xmlns:a="http://schemas.openxmlformats.org/drawingml/2006/main" xmlns:r="http://schemas.openxmlformats.org/officeDocument/2006/relationships" xmlns:p="http://schemas.openxmlformats.org/presentationml/2006/main">
+  <p:cSld>
+    <p:spTree>
+      <p:nvGrpSpPr>
+        <p:cNvPr id="1" name="">
+          <a:extLst>
+            <a:ext uri="{FF2B5EF4-FFF2-40B4-BE49-F238E27FC236}">
+              <a16:creationId xmlns:a16="http://schemas.microsoft.com/office/drawing/2014/main" id="{4F75E352-5276-61DE-30A1-082630926528}"/>
+            </a:ext>
+          </a:extLst>
+        </p:cNvPr>
+        <p:cNvGrpSpPr/>
+        <p:nvPr/>
+      </p:nvGrpSpPr>
+      <p:grpSpPr>
+        <a:xfrm>
+          <a:off x="0" y="0"/>
+          <a:ext cx="0" cy="0"/>
+          <a:chOff x="0" y="0"/>
+          <a:chExt cx="0" cy="0"/>
+        </a:xfrm>
+      </p:grpSpPr>
+      <p:sp>
+        <p:nvSpPr>
+          <p:cNvPr id="3" name="Slide Number Placeholder 2">
+            <a:extLst>
+              <a:ext uri="{FF2B5EF4-FFF2-40B4-BE49-F238E27FC236}">
+                <a16:creationId xmlns:a16="http://schemas.microsoft.com/office/drawing/2014/main" id="{AB8BE3E8-9DE4-0B3F-9B66-9427C57A43A7}"/>
+              </a:ext>
+            </a:extLst>
+          </p:cNvPr>
+          <p:cNvSpPr>
+            <a:spLocks noGrp="1"/>
+          </p:cNvSpPr>
+          <p:nvPr>
+            <p:ph type="sldNum" sz="quarter" idx="4"/>
+          </p:nvPr>
+        </p:nvSpPr>
+        <p:spPr/>
+        <p:txBody>
+          <a:bodyPr/>
+          <a:lstStyle/>
+          <a:p>
+            <a:fld id="{0AEE6DC9-5AC4-4174-887C-07A615CCC701}" type="slidenum">
+              <a:rPr lang="es-CO" smtClean="0"/>
+              <a:pPr/>
+              <a:t>16</a:t>
+            </a:fld>
+            <a:endParaRPr lang="es-CO"/>
+          </a:p>
+        </p:txBody>
+      </p:sp>
+      <p:sp>
+        <p:nvSpPr>
+          <p:cNvPr id="6" name="Footer Placeholder 5">
+            <a:extLst>
+              <a:ext uri="{FF2B5EF4-FFF2-40B4-BE49-F238E27FC236}">
+                <a16:creationId xmlns:a16="http://schemas.microsoft.com/office/drawing/2014/main" id="{5B242774-D1A1-3E00-4E0A-677B321A4D7E}"/>
+              </a:ext>
+            </a:extLst>
+          </p:cNvPr>
+          <p:cNvSpPr>
+            <a:spLocks noGrp="1"/>
+          </p:cNvSpPr>
+          <p:nvPr>
+            <p:ph type="ftr" sz="quarter" idx="11"/>
+          </p:nvPr>
+        </p:nvSpPr>
+        <p:spPr>
+          <a:xfrm>
+            <a:off x="2123728" y="6453336"/>
+            <a:ext cx="5256584" cy="365125"/>
+          </a:xfrm>
+          <a:prstGeom prst="rect">
+            <a:avLst/>
+          </a:prstGeom>
+        </p:spPr>
+        <p:txBody>
+          <a:bodyPr/>
+          <a:lstStyle>
+            <a:defPPr>
+              <a:defRPr lang="es-CO"/>
+            </a:defPPr>
+            <a:lvl1pPr marL="0" algn="l" defTabSz="914400" rtl="0" eaLnBrk="1" latinLnBrk="0" hangingPunct="1">
+              <a:defRPr sz="1100" kern="1200">
+                <a:solidFill>
+                  <a:srgbClr val="174970"/>
+                </a:solidFill>
+                <a:latin typeface="+mn-lt"/>
+                <a:ea typeface="+mn-ea"/>
+                <a:cs typeface="+mn-cs"/>
+              </a:defRPr>
+            </a:lvl1pPr>
+            <a:lvl2pPr marL="457200" algn="l" defTabSz="914400" rtl="0" eaLnBrk="1" latinLnBrk="0" hangingPunct="1">
+              <a:defRPr sz="1800" kern="1200">
+                <a:solidFill>
+                  <a:schemeClr val="tx1"/>
+                </a:solidFill>
+                <a:latin typeface="+mn-lt"/>
+                <a:ea typeface="+mn-ea"/>
+                <a:cs typeface="+mn-cs"/>
+              </a:defRPr>
+            </a:lvl2pPr>
+            <a:lvl3pPr marL="914400" algn="l" defTabSz="914400" rtl="0" eaLnBrk="1" latinLnBrk="0" hangingPunct="1">
+              <a:defRPr sz="1800" kern="1200">
+                <a:solidFill>
+                  <a:schemeClr val="tx1"/>
+                </a:solidFill>
+                <a:latin typeface="+mn-lt"/>
+                <a:ea typeface="+mn-ea"/>
+                <a:cs typeface="+mn-cs"/>
+              </a:defRPr>
+            </a:lvl3pPr>
+            <a:lvl4pPr marL="1371600" algn="l" defTabSz="914400" rtl="0" eaLnBrk="1" latinLnBrk="0" hangingPunct="1">
+              <a:defRPr sz="1800" kern="1200">
+                <a:solidFill>
+                  <a:schemeClr val="tx1"/>
+                </a:solidFill>
+                <a:latin typeface="+mn-lt"/>
+                <a:ea typeface="+mn-ea"/>
+                <a:cs typeface="+mn-cs"/>
+              </a:defRPr>
+            </a:lvl4pPr>
+            <a:lvl5pPr marL="1828800" algn="l" defTabSz="914400" rtl="0" eaLnBrk="1" latinLnBrk="0" hangingPunct="1">
+              <a:defRPr sz="1800" kern="1200">
+                <a:solidFill>
+                  <a:schemeClr val="tx1"/>
+                </a:solidFill>
+                <a:latin typeface="+mn-lt"/>
+                <a:ea typeface="+mn-ea"/>
+                <a:cs typeface="+mn-cs"/>
+              </a:defRPr>
+            </a:lvl5pPr>
+            <a:lvl6pPr marL="2286000" algn="l" defTabSz="914400" rtl="0" eaLnBrk="1" latinLnBrk="0" hangingPunct="1">
+              <a:defRPr sz="1800" kern="1200">
+                <a:solidFill>
+                  <a:schemeClr val="tx1"/>
+                </a:solidFill>
+                <a:latin typeface="+mn-lt"/>
+                <a:ea typeface="+mn-ea"/>
+                <a:cs typeface="+mn-cs"/>
+              </a:defRPr>
+            </a:lvl6pPr>
+            <a:lvl7pPr marL="2743200" algn="l" defTabSz="914400" rtl="0" eaLnBrk="1" latinLnBrk="0" hangingPunct="1">
+              <a:defRPr sz="1800" kern="1200">
+                <a:solidFill>
+                  <a:schemeClr val="tx1"/>
+                </a:solidFill>
+                <a:latin typeface="+mn-lt"/>
+                <a:ea typeface="+mn-ea"/>
+                <a:cs typeface="+mn-cs"/>
+              </a:defRPr>
+            </a:lvl7pPr>
+            <a:lvl8pPr marL="3200400" algn="l" defTabSz="914400" rtl="0" eaLnBrk="1" latinLnBrk="0" hangingPunct="1">
+              <a:defRPr sz="1800" kern="1200">
+                <a:solidFill>
+                  <a:schemeClr val="tx1"/>
+                </a:solidFill>
+                <a:latin typeface="+mn-lt"/>
+                <a:ea typeface="+mn-ea"/>
+                <a:cs typeface="+mn-cs"/>
+              </a:defRPr>
+            </a:lvl8pPr>
+            <a:lvl9pPr marL="3657600" algn="l" defTabSz="914400" rtl="0" eaLnBrk="1" latinLnBrk="0" hangingPunct="1">
+              <a:defRPr sz="1800" kern="1200">
+                <a:solidFill>
+                  <a:schemeClr val="tx1"/>
+                </a:solidFill>
+                <a:latin typeface="+mn-lt"/>
+                <a:ea typeface="+mn-ea"/>
+                <a:cs typeface="+mn-cs"/>
+              </a:defRPr>
+            </a:lvl9pPr>
+          </a:lstStyle>
+          <a:p>
+            <a:r>
+              <a:rPr lang="es-CO"/>
+              <a:t>© 2018 - Universidad de Los Andes – Departamento de Sistemas y Computación</a:t>
+            </a:r>
+            <a:endParaRPr lang="es-CO" noProof="0"/>
+          </a:p>
+        </p:txBody>
+      </p:sp>
+      <p:sp>
+        <p:nvSpPr>
+          <p:cNvPr id="8" name="TextBox 7">
+            <a:extLst>
+              <a:ext uri="{FF2B5EF4-FFF2-40B4-BE49-F238E27FC236}">
+                <a16:creationId xmlns:a16="http://schemas.microsoft.com/office/drawing/2014/main" id="{A6C0EF8E-7505-030A-4A30-D18A8EDEAEE5}"/>
+              </a:ext>
+            </a:extLst>
+          </p:cNvPr>
+          <p:cNvSpPr txBox="1"/>
+          <p:nvPr/>
+        </p:nvSpPr>
+        <p:spPr>
+          <a:xfrm>
+            <a:off x="395536" y="1052736"/>
+            <a:ext cx="8208912" cy="461665"/>
+          </a:xfrm>
+          <a:prstGeom prst="rect">
+            <a:avLst/>
+          </a:prstGeom>
+          <a:solidFill>
+            <a:schemeClr val="bg1">
+              <a:lumMod val="85000"/>
+            </a:schemeClr>
+          </a:solidFill>
+        </p:spPr>
+        <p:txBody>
+          <a:bodyPr wrap="square" rtlCol="0">
+            <a:spAutoFit/>
+          </a:bodyPr>
+          <a:lstStyle/>
+          <a:p>
+            <a:r>
+              <a:rPr lang="es-ES_tradnl" sz="1200" b="1"/>
+              <a:t>Paso 4- Seleccione conceptos que satisfagan los motivadores:  </a:t>
+            </a:r>
+            <a:r>
+              <a:rPr lang="es-ES_tradnl" sz="1200"/>
+              <a:t>Establecer alternativas de diseño. Seleccionar estilos, patrones y tácticas a ser utilizados</a:t>
+            </a:r>
+          </a:p>
+        </p:txBody>
+      </p:sp>
       <p:graphicFrame>
         <p:nvGraphicFramePr>
           <p:cNvPr id="10" name="Table 9">
             <a:extLst>
               <a:ext uri="{FF2B5EF4-FFF2-40B4-BE49-F238E27FC236}">
-                <a16:creationId xmlns:a16="http://schemas.microsoft.com/office/drawing/2014/main" id="{65513008-6D5E-444F-89F9-F7978FEFE492}"/>
+                <a16:creationId xmlns:a16="http://schemas.microsoft.com/office/drawing/2014/main" id="{2085E113-1210-4373-C25B-4076BE22FF45}"/>
               </a:ext>
             </a:extLst>
           </p:cNvPr>
@@ -23593,14 +22013,14 @@
           <p:nvPr>
             <p:extLst>
               <p:ext uri="{D42A27DB-BD31-4B8C-83A1-F6EECF244321}">
-                <p14:modId xmlns:p14="http://schemas.microsoft.com/office/powerpoint/2010/main" val="253292717"/>
+                <p14:modId xmlns:p14="http://schemas.microsoft.com/office/powerpoint/2010/main" val="350695815"/>
               </p:ext>
             </p:extLst>
           </p:nvPr>
         </p:nvGraphicFramePr>
         <p:xfrm>
-          <a:off x="359532" y="3256064"/>
-          <a:ext cx="8280920" cy="2900680"/>
+          <a:off x="359532" y="1994822"/>
+          <a:ext cx="8280920" cy="2992120"/>
         </p:xfrm>
         <a:graphic>
           <a:graphicData uri="http://schemas.openxmlformats.org/drawingml/2006/table">
@@ -23707,61 +22127,9 @@
                           </a:solidFill>
                           <a:latin typeface="Calibri"/>
                         </a:rPr>
-                        <a:t>Esta táctica arquitectónica permite escalar automáticamente el sistema mediante la ejecución simultánea de múltiples copias del proceso de cómputo, sin necesidad de gestionar servidores ni infraestructura adicional.</a:t>
+                        <a:t>Esta táctica arquitectónica permite escalar automáticamente el sistema mediante la ejecución simultánea de múltiples copias del proceso de cómputo, sin necesidad de gestionar servidores ni infraestructura adicional, esto se logra por la capacidad de auto-escalado que nos provee el servicio Lambda de AWS.</a:t>
                       </a:r>
-                    </a:p>
-                    <a:p>
-                      <a:pPr marL="0" lvl="0" indent="0" algn="l">
-                        <a:lnSpc>
-                          <a:spcPct val="100000"/>
-                        </a:lnSpc>
-                        <a:spcBef>
-                          <a:spcPts val="0"/>
-                        </a:spcBef>
-                        <a:spcAft>
-                          <a:spcPts val="0"/>
-                        </a:spcAft>
-                        <a:buNone/>
-                      </a:pPr>
-                      <a:endParaRPr lang="es-CO" sz="1100" b="0" i="0" u="none" strike="noStrike" noProof="0">
-                        <a:solidFill>
-                          <a:srgbClr val="174970"/>
-                        </a:solidFill>
-                        <a:latin typeface="Calibri"/>
-                      </a:endParaRPr>
-                    </a:p>
-                    <a:p>
-                      <a:pPr marL="0" lvl="0" indent="0" algn="l">
-                        <a:lnSpc>
-                          <a:spcPct val="100000"/>
-                        </a:lnSpc>
-                        <a:spcBef>
-                          <a:spcPts val="0"/>
-                        </a:spcBef>
-                        <a:spcAft>
-                          <a:spcPts val="0"/>
-                        </a:spcAft>
-                        <a:buNone/>
-                      </a:pPr>
-                      <a:r>
-                        <a:rPr lang="es-CO" sz="1100" b="0" i="0" u="none" strike="noStrike" noProof="0">
-                          <a:solidFill>
-                            <a:srgbClr val="174970"/>
-                          </a:solidFill>
-                          <a:latin typeface="Calibri"/>
-                        </a:rPr>
-                        <a:t>Al distribuir la carga entre instancias independientes, se evita la formación de cuellos de botella, lo que se traduce en una reducción significativa de la latencia en la generación y envío de mensajes. Esto mejora la eficiencia general del sistema, especialmente bajo condiciones de alto volumen o tráfico estocástico</a:t>
-                      </a:r>
-                      <a:r>
-                        <a:rPr lang="en-US" sz="1100" b="0" i="0" u="none" strike="noStrike" noProof="0">
-                          <a:solidFill>
-                            <a:srgbClr val="174970"/>
-                          </a:solidFill>
-                          <a:latin typeface="Calibri"/>
-                        </a:rPr>
-                        <a:t>.</a:t>
-                      </a:r>
-                      <a:endParaRPr lang="es-ES_tradnl"/>
+                      <a:endParaRPr lang="en-US"/>
                     </a:p>
                   </a:txBody>
                   <a:tcPr/>
@@ -23829,6 +22197,67 @@
                   </a:ext>
                 </a:extLst>
               </a:tr>
+              <a:tr h="370839">
+                <a:tc>
+                  <a:txBody>
+                    <a:bodyPr/>
+                    <a:lstStyle/>
+                    <a:p>
+                      <a:pPr lvl="0">
+                        <a:buNone/>
+                      </a:pPr>
+                      <a:r>
+                        <a:rPr lang="es-CO" sz="1200" noProof="0"/>
+                        <a:t>Reducción de muestreo</a:t>
+                      </a:r>
+                      <a:endParaRPr lang="en-US"/>
+                    </a:p>
+                  </a:txBody>
+                  <a:tcPr/>
+                </a:tc>
+                <a:tc>
+                  <a:txBody>
+                    <a:bodyPr/>
+                    <a:lstStyle/>
+                    <a:p>
+                      <a:pPr lvl="0">
+                        <a:buNone/>
+                      </a:pPr>
+                      <a:r>
+                        <a:rPr lang="es-ES" sz="1100" b="0" i="0" u="none" strike="noStrike" noProof="0">
+                          <a:solidFill>
+                            <a:srgbClr val="174970"/>
+                          </a:solidFill>
+                        </a:rPr>
+                        <a:t>Esta táctica nos permite acceder a los datos de una manera más rápida, reduciendo la demanda de procesamiento y el almacenamiento. Esto lo logramos implementando un cache donde se consultarán los </a:t>
+                      </a:r>
+                      <a:r>
+                        <a:rPr lang="es-ES" sz="1100" b="0" i="0" u="none" strike="noStrike" noProof="0" err="1">
+                          <a:solidFill>
+                            <a:srgbClr val="174970"/>
+                          </a:solidFill>
+                        </a:rPr>
+                        <a:t>ID's</a:t>
+                      </a:r>
+                      <a:r>
+                        <a:rPr lang="es-ES" sz="1100" b="0" i="0" u="none" strike="noStrike" noProof="0">
+                          <a:solidFill>
+                            <a:srgbClr val="174970"/>
+                          </a:solidFill>
+                        </a:rPr>
+                        <a:t> de los clientes premium  a los que se les generara la notificación.</a:t>
+                      </a:r>
+                      <a:endParaRPr lang="en-US"/>
+                    </a:p>
+                  </a:txBody>
+                  <a:tcPr/>
+                </a:tc>
+                <a:extLst>
+                  <a:ext uri="{0D108BD9-81ED-4DB2-BD59-A6C34878D82A}">
+                    <a16:rowId xmlns:a16="http://schemas.microsoft.com/office/drawing/2014/main" val="124917175"/>
+                  </a:ext>
+                </a:extLst>
+              </a:tr>
             </a:tbl>
           </a:graphicData>
         </a:graphic>
@@ -23836,7 +22265,7 @@
     </p:spTree>
     <p:extLst>
       <p:ext uri="{BB962C8B-B14F-4D97-AF65-F5344CB8AC3E}">
-        <p14:creationId xmlns:p14="http://schemas.microsoft.com/office/powerpoint/2010/main" val="2639478463"/>
+        <p14:creationId xmlns:p14="http://schemas.microsoft.com/office/powerpoint/2010/main" val="1529557664"/>
       </p:ext>
     </p:extLst>
   </p:cSld>
@@ -24162,6 +22591,273 @@
         <p:cNvPr id="1" name="">
           <a:extLst>
             <a:ext uri="{FF2B5EF4-FFF2-40B4-BE49-F238E27FC236}">
+              <a16:creationId xmlns:a16="http://schemas.microsoft.com/office/drawing/2014/main" id="{1CE7DFE1-7DC0-7457-72EE-4C270C879D07}"/>
+            </a:ext>
+          </a:extLst>
+        </p:cNvPr>
+        <p:cNvGrpSpPr/>
+        <p:nvPr/>
+      </p:nvGrpSpPr>
+      <p:grpSpPr>
+        <a:xfrm>
+          <a:off x="0" y="0"/>
+          <a:ext cx="0" cy="0"/>
+          <a:chOff x="0" y="0"/>
+          <a:chExt cx="0" cy="0"/>
+        </a:xfrm>
+      </p:grpSpPr>
+      <p:sp>
+        <p:nvSpPr>
+          <p:cNvPr id="3" name="Slide Number Placeholder 2">
+            <a:extLst>
+              <a:ext uri="{FF2B5EF4-FFF2-40B4-BE49-F238E27FC236}">
+                <a16:creationId xmlns:a16="http://schemas.microsoft.com/office/drawing/2014/main" id="{81EE26B2-4AE6-79BD-C527-B7010BE395E2}"/>
+              </a:ext>
+            </a:extLst>
+          </p:cNvPr>
+          <p:cNvSpPr>
+            <a:spLocks noGrp="1"/>
+          </p:cNvSpPr>
+          <p:nvPr>
+            <p:ph type="sldNum" sz="quarter" idx="4"/>
+          </p:nvPr>
+        </p:nvSpPr>
+        <p:spPr/>
+        <p:txBody>
+          <a:bodyPr/>
+          <a:lstStyle/>
+          <a:p>
+            <a:fld id="{0AEE6DC9-5AC4-4174-887C-07A615CCC701}" type="slidenum">
+              <a:rPr lang="es-CO" smtClean="0"/>
+              <a:pPr/>
+              <a:t>18</a:t>
+            </a:fld>
+            <a:endParaRPr lang="es-CO"/>
+          </a:p>
+        </p:txBody>
+      </p:sp>
+      <p:sp>
+        <p:nvSpPr>
+          <p:cNvPr id="6" name="Footer Placeholder 5">
+            <a:extLst>
+              <a:ext uri="{FF2B5EF4-FFF2-40B4-BE49-F238E27FC236}">
+                <a16:creationId xmlns:a16="http://schemas.microsoft.com/office/drawing/2014/main" id="{01D5541D-A8C9-EA32-1B1A-FD491360A22A}"/>
+              </a:ext>
+            </a:extLst>
+          </p:cNvPr>
+          <p:cNvSpPr>
+            <a:spLocks noGrp="1"/>
+          </p:cNvSpPr>
+          <p:nvPr>
+            <p:ph type="ftr" sz="quarter" idx="11"/>
+          </p:nvPr>
+        </p:nvSpPr>
+        <p:spPr>
+          <a:xfrm>
+            <a:off x="2123728" y="6453336"/>
+            <a:ext cx="5256584" cy="365125"/>
+          </a:xfrm>
+          <a:prstGeom prst="rect">
+            <a:avLst/>
+          </a:prstGeom>
+        </p:spPr>
+        <p:txBody>
+          <a:bodyPr/>
+          <a:lstStyle>
+            <a:defPPr>
+              <a:defRPr lang="es-CO"/>
+            </a:defPPr>
+            <a:lvl1pPr marL="0" algn="l" defTabSz="914400" rtl="0" eaLnBrk="1" latinLnBrk="0" hangingPunct="1">
+              <a:defRPr sz="1100" kern="1200">
+                <a:solidFill>
+                  <a:srgbClr val="174970"/>
+                </a:solidFill>
+                <a:latin typeface="+mn-lt"/>
+                <a:ea typeface="+mn-ea"/>
+                <a:cs typeface="+mn-cs"/>
+              </a:defRPr>
+            </a:lvl1pPr>
+            <a:lvl2pPr marL="457200" algn="l" defTabSz="914400" rtl="0" eaLnBrk="1" latinLnBrk="0" hangingPunct="1">
+              <a:defRPr sz="1800" kern="1200">
+                <a:solidFill>
+                  <a:schemeClr val="tx1"/>
+                </a:solidFill>
+                <a:latin typeface="+mn-lt"/>
+                <a:ea typeface="+mn-ea"/>
+                <a:cs typeface="+mn-cs"/>
+              </a:defRPr>
+            </a:lvl2pPr>
+            <a:lvl3pPr marL="914400" algn="l" defTabSz="914400" rtl="0" eaLnBrk="1" latinLnBrk="0" hangingPunct="1">
+              <a:defRPr sz="1800" kern="1200">
+                <a:solidFill>
+                  <a:schemeClr val="tx1"/>
+                </a:solidFill>
+                <a:latin typeface="+mn-lt"/>
+                <a:ea typeface="+mn-ea"/>
+                <a:cs typeface="+mn-cs"/>
+              </a:defRPr>
+            </a:lvl3pPr>
+            <a:lvl4pPr marL="1371600" algn="l" defTabSz="914400" rtl="0" eaLnBrk="1" latinLnBrk="0" hangingPunct="1">
+              <a:defRPr sz="1800" kern="1200">
+                <a:solidFill>
+                  <a:schemeClr val="tx1"/>
+                </a:solidFill>
+                <a:latin typeface="+mn-lt"/>
+                <a:ea typeface="+mn-ea"/>
+                <a:cs typeface="+mn-cs"/>
+              </a:defRPr>
+            </a:lvl4pPr>
+            <a:lvl5pPr marL="1828800" algn="l" defTabSz="914400" rtl="0" eaLnBrk="1" latinLnBrk="0" hangingPunct="1">
+              <a:defRPr sz="1800" kern="1200">
+                <a:solidFill>
+                  <a:schemeClr val="tx1"/>
+                </a:solidFill>
+                <a:latin typeface="+mn-lt"/>
+                <a:ea typeface="+mn-ea"/>
+                <a:cs typeface="+mn-cs"/>
+              </a:defRPr>
+            </a:lvl5pPr>
+            <a:lvl6pPr marL="2286000" algn="l" defTabSz="914400" rtl="0" eaLnBrk="1" latinLnBrk="0" hangingPunct="1">
+              <a:defRPr sz="1800" kern="1200">
+                <a:solidFill>
+                  <a:schemeClr val="tx1"/>
+                </a:solidFill>
+                <a:latin typeface="+mn-lt"/>
+                <a:ea typeface="+mn-ea"/>
+                <a:cs typeface="+mn-cs"/>
+              </a:defRPr>
+            </a:lvl6pPr>
+            <a:lvl7pPr marL="2743200" algn="l" defTabSz="914400" rtl="0" eaLnBrk="1" latinLnBrk="0" hangingPunct="1">
+              <a:defRPr sz="1800" kern="1200">
+                <a:solidFill>
+                  <a:schemeClr val="tx1"/>
+                </a:solidFill>
+                <a:latin typeface="+mn-lt"/>
+                <a:ea typeface="+mn-ea"/>
+                <a:cs typeface="+mn-cs"/>
+              </a:defRPr>
+            </a:lvl7pPr>
+            <a:lvl8pPr marL="3200400" algn="l" defTabSz="914400" rtl="0" eaLnBrk="1" latinLnBrk="0" hangingPunct="1">
+              <a:defRPr sz="1800" kern="1200">
+                <a:solidFill>
+                  <a:schemeClr val="tx1"/>
+                </a:solidFill>
+                <a:latin typeface="+mn-lt"/>
+                <a:ea typeface="+mn-ea"/>
+                <a:cs typeface="+mn-cs"/>
+              </a:defRPr>
+            </a:lvl8pPr>
+            <a:lvl9pPr marL="3657600" algn="l" defTabSz="914400" rtl="0" eaLnBrk="1" latinLnBrk="0" hangingPunct="1">
+              <a:defRPr sz="1800" kern="1200">
+                <a:solidFill>
+                  <a:schemeClr val="tx1"/>
+                </a:solidFill>
+                <a:latin typeface="+mn-lt"/>
+                <a:ea typeface="+mn-ea"/>
+                <a:cs typeface="+mn-cs"/>
+              </a:defRPr>
+            </a:lvl9pPr>
+          </a:lstStyle>
+          <a:p>
+            <a:r>
+              <a:rPr lang="es-CO"/>
+              <a:t>© 2018 - Universidad de Los Andes – Departamento de Sistemas y Computación</a:t>
+            </a:r>
+            <a:endParaRPr lang="es-CO" noProof="0"/>
+          </a:p>
+        </p:txBody>
+      </p:sp>
+      <p:sp>
+        <p:nvSpPr>
+          <p:cNvPr id="7" name="TextBox 6">
+            <a:extLst>
+              <a:ext uri="{FF2B5EF4-FFF2-40B4-BE49-F238E27FC236}">
+                <a16:creationId xmlns:a16="http://schemas.microsoft.com/office/drawing/2014/main" id="{A48D04CD-0C51-1E0C-5CF6-5EFF745B7754}"/>
+              </a:ext>
+            </a:extLst>
+          </p:cNvPr>
+          <p:cNvSpPr txBox="1"/>
+          <p:nvPr/>
+        </p:nvSpPr>
+        <p:spPr>
+          <a:xfrm>
+            <a:off x="244844" y="1063769"/>
+            <a:ext cx="8638314" cy="276999"/>
+          </a:xfrm>
+          <a:prstGeom prst="rect">
+            <a:avLst/>
+          </a:prstGeom>
+          <a:solidFill>
+            <a:schemeClr val="bg1">
+              <a:lumMod val="85000"/>
+            </a:schemeClr>
+          </a:solidFill>
+        </p:spPr>
+        <p:txBody>
+          <a:bodyPr wrap="square" lIns="91440" tIns="45720" rIns="91440" bIns="45720" rtlCol="0" anchor="t">
+            <a:spAutoFit/>
+          </a:bodyPr>
+          <a:lstStyle/>
+          <a:p>
+            <a:r>
+              <a:rPr lang="es-ES_tradnl" sz="1200" b="1"/>
+              <a:t>Vista de Contexto – Modelo de Contexto</a:t>
+            </a:r>
+            <a:endParaRPr lang="es-ES_tradnl" sz="1200"/>
+          </a:p>
+        </p:txBody>
+      </p:sp>
+      <p:pic>
+        <p:nvPicPr>
+          <p:cNvPr id="4" name="Picture 3" descr="A diagram of a company&#10;&#10;AI-generated content may be incorrect.">
+            <a:extLst>
+              <a:ext uri="{FF2B5EF4-FFF2-40B4-BE49-F238E27FC236}">
+                <a16:creationId xmlns:a16="http://schemas.microsoft.com/office/drawing/2014/main" id="{BE86A1AE-A961-01E0-E00E-35B644B550C4}"/>
+              </a:ext>
+            </a:extLst>
+          </p:cNvPr>
+          <p:cNvPicPr>
+            <a:picLocks noChangeAspect="1"/>
+          </p:cNvPicPr>
+          <p:nvPr/>
+        </p:nvPicPr>
+        <p:blipFill>
+          <a:blip r:embed="rId3"/>
+          <a:stretch>
+            <a:fillRect/>
+          </a:stretch>
+        </p:blipFill>
+        <p:spPr>
+          <a:xfrm>
+            <a:off x="993913" y="1475250"/>
+            <a:ext cx="6748669" cy="4802022"/>
+          </a:xfrm>
+          <a:prstGeom prst="rect">
+            <a:avLst/>
+          </a:prstGeom>
+        </p:spPr>
+      </p:pic>
+    </p:spTree>
+    <p:extLst>
+      <p:ext uri="{BB962C8B-B14F-4D97-AF65-F5344CB8AC3E}">
+        <p14:creationId xmlns:p14="http://schemas.microsoft.com/office/powerpoint/2010/main" val="4257641717"/>
+      </p:ext>
+    </p:extLst>
+  </p:cSld>
+  <p:clrMapOvr>
+    <a:masterClrMapping/>
+  </p:clrMapOvr>
+</p:sld>
+</file>
+
+<file path=ppt/slides/slide19.xml><?xml version="1.0" encoding="utf-8"?>
+<p:sld xmlns:a="http://schemas.openxmlformats.org/drawingml/2006/main" xmlns:r="http://schemas.openxmlformats.org/officeDocument/2006/relationships" xmlns:p="http://schemas.openxmlformats.org/presentationml/2006/main">
+  <p:cSld>
+    <p:spTree>
+      <p:nvGrpSpPr>
+        <p:cNvPr id="1" name="">
+          <a:extLst>
+            <a:ext uri="{FF2B5EF4-FFF2-40B4-BE49-F238E27FC236}">
               <a16:creationId xmlns:a16="http://schemas.microsoft.com/office/drawing/2014/main" id="{A531BDD8-1C0A-0296-93E5-85A2474250AF}"/>
             </a:ext>
           </a:extLst>
@@ -24201,7 +22897,7 @@
             <a:fld id="{0AEE6DC9-5AC4-4174-887C-07A615CCC701}" type="slidenum">
               <a:rPr lang="es-CO" smtClean="0"/>
               <a:pPr/>
-              <a:t>18</a:t>
+              <a:t>19</a:t>
             </a:fld>
             <a:endParaRPr lang="es-CO"/>
           </a:p>
@@ -24371,246 +23067,23 @@
           <a:lstStyle/>
           <a:p>
             <a:r>
+              <a:rPr lang="es-ES_tradnl" sz="1200" b="1" err="1"/>
+              <a:t>Hipotesis</a:t>
+            </a:r>
+            <a:r>
               <a:rPr lang="es-ES_tradnl" sz="1200" b="1"/>
-              <a:t>Vista de Contexto – Modelo de Contexto</a:t>
+              <a:t> de experimento</a:t>
             </a:r>
-            <a:endParaRPr lang="es-ES_tradnl" sz="1200"/>
-          </a:p>
-        </p:txBody>
-      </p:sp>
-      <p:pic>
-        <p:nvPicPr>
-          <p:cNvPr id="4" name="Picture 3" descr="A diagram of a company&#10;&#10;AI-generated content may be incorrect.">
-            <a:extLst>
-              <a:ext uri="{FF2B5EF4-FFF2-40B4-BE49-F238E27FC236}">
-                <a16:creationId xmlns:a16="http://schemas.microsoft.com/office/drawing/2014/main" id="{F81751C7-7F56-7C46-4111-A0BFF7D80F26}"/>
-              </a:ext>
-            </a:extLst>
-          </p:cNvPr>
-          <p:cNvPicPr>
-            <a:picLocks noChangeAspect="1"/>
-          </p:cNvPicPr>
-          <p:nvPr/>
-        </p:nvPicPr>
-        <p:blipFill>
-          <a:blip r:embed="rId3"/>
-          <a:stretch>
-            <a:fillRect/>
-          </a:stretch>
-        </p:blipFill>
-        <p:spPr>
-          <a:xfrm>
-            <a:off x="993913" y="1475250"/>
-            <a:ext cx="6748669" cy="4802022"/>
-          </a:xfrm>
-          <a:prstGeom prst="rect">
-            <a:avLst/>
-          </a:prstGeom>
-        </p:spPr>
-      </p:pic>
-    </p:spTree>
-    <p:extLst>
-      <p:ext uri="{BB962C8B-B14F-4D97-AF65-F5344CB8AC3E}">
-        <p14:creationId xmlns:p14="http://schemas.microsoft.com/office/powerpoint/2010/main" val="2983963519"/>
-      </p:ext>
-    </p:extLst>
-  </p:cSld>
-  <p:clrMapOvr>
-    <a:masterClrMapping/>
-  </p:clrMapOvr>
-</p:sld>
-</file>
-
-<file path=ppt/slides/slide19.xml><?xml version="1.0" encoding="utf-8"?>
-<p:sld xmlns:a="http://schemas.openxmlformats.org/drawingml/2006/main" xmlns:r="http://schemas.openxmlformats.org/officeDocument/2006/relationships" xmlns:p="http://schemas.openxmlformats.org/presentationml/2006/main">
-  <p:cSld>
-    <p:spTree>
-      <p:nvGrpSpPr>
-        <p:cNvPr id="1" name="">
-          <a:extLst>
-            <a:ext uri="{FF2B5EF4-FFF2-40B4-BE49-F238E27FC236}">
-              <a16:creationId xmlns:a16="http://schemas.microsoft.com/office/drawing/2014/main" id="{62F61FB0-7959-D802-FDA1-629C10903A5C}"/>
-            </a:ext>
-          </a:extLst>
-        </p:cNvPr>
-        <p:cNvGrpSpPr/>
-        <p:nvPr/>
-      </p:nvGrpSpPr>
-      <p:grpSpPr>
-        <a:xfrm>
-          <a:off x="0" y="0"/>
-          <a:ext cx="0" cy="0"/>
-          <a:chOff x="0" y="0"/>
-          <a:chExt cx="0" cy="0"/>
-        </a:xfrm>
-      </p:grpSpPr>
-      <p:sp>
-        <p:nvSpPr>
-          <p:cNvPr id="3" name="Slide Number Placeholder 2">
-            <a:extLst>
-              <a:ext uri="{FF2B5EF4-FFF2-40B4-BE49-F238E27FC236}">
-                <a16:creationId xmlns:a16="http://schemas.microsoft.com/office/drawing/2014/main" id="{6C25BF37-A636-2208-1BEC-55A3AE4129FD}"/>
-              </a:ext>
-            </a:extLst>
-          </p:cNvPr>
-          <p:cNvSpPr>
-            <a:spLocks noGrp="1"/>
-          </p:cNvSpPr>
-          <p:nvPr>
-            <p:ph type="sldNum" sz="quarter" idx="4"/>
-          </p:nvPr>
-        </p:nvSpPr>
-        <p:spPr/>
-        <p:txBody>
-          <a:bodyPr/>
-          <a:lstStyle/>
-          <a:p>
-            <a:fld id="{0AEE6DC9-5AC4-4174-887C-07A615CCC701}" type="slidenum">
-              <a:rPr lang="es-CO" smtClean="0"/>
-              <a:pPr/>
-              <a:t>19</a:t>
-            </a:fld>
-            <a:endParaRPr lang="es-CO"/>
+            <a:endParaRPr lang="en-US"/>
           </a:p>
         </p:txBody>
       </p:sp>
       <p:sp>
         <p:nvSpPr>
-          <p:cNvPr id="6" name="Footer Placeholder 5">
+          <p:cNvPr id="5" name="TextBox 4">
             <a:extLst>
               <a:ext uri="{FF2B5EF4-FFF2-40B4-BE49-F238E27FC236}">
-                <a16:creationId xmlns:a16="http://schemas.microsoft.com/office/drawing/2014/main" id="{52491E41-78F3-552E-1F6A-7575459CEAF0}"/>
-              </a:ext>
-            </a:extLst>
-          </p:cNvPr>
-          <p:cNvSpPr>
-            <a:spLocks noGrp="1"/>
-          </p:cNvSpPr>
-          <p:nvPr>
-            <p:ph type="ftr" sz="quarter" idx="11"/>
-          </p:nvPr>
-        </p:nvSpPr>
-        <p:spPr>
-          <a:xfrm>
-            <a:off x="2123728" y="6453336"/>
-            <a:ext cx="5256584" cy="365125"/>
-          </a:xfrm>
-          <a:prstGeom prst="rect">
-            <a:avLst/>
-          </a:prstGeom>
-        </p:spPr>
-        <p:txBody>
-          <a:bodyPr/>
-          <a:lstStyle>
-            <a:defPPr>
-              <a:defRPr lang="es-CO"/>
-            </a:defPPr>
-            <a:lvl1pPr marL="0" algn="l" defTabSz="914400" rtl="0" eaLnBrk="1" latinLnBrk="0" hangingPunct="1">
-              <a:defRPr sz="1100" kern="1200">
-                <a:solidFill>
-                  <a:srgbClr val="174970"/>
-                </a:solidFill>
-                <a:latin typeface="+mn-lt"/>
-                <a:ea typeface="+mn-ea"/>
-                <a:cs typeface="+mn-cs"/>
-              </a:defRPr>
-            </a:lvl1pPr>
-            <a:lvl2pPr marL="457200" algn="l" defTabSz="914400" rtl="0" eaLnBrk="1" latinLnBrk="0" hangingPunct="1">
-              <a:defRPr sz="1800" kern="1200">
-                <a:solidFill>
-                  <a:schemeClr val="tx1"/>
-                </a:solidFill>
-                <a:latin typeface="+mn-lt"/>
-                <a:ea typeface="+mn-ea"/>
-                <a:cs typeface="+mn-cs"/>
-              </a:defRPr>
-            </a:lvl2pPr>
-            <a:lvl3pPr marL="914400" algn="l" defTabSz="914400" rtl="0" eaLnBrk="1" latinLnBrk="0" hangingPunct="1">
-              <a:defRPr sz="1800" kern="1200">
-                <a:solidFill>
-                  <a:schemeClr val="tx1"/>
-                </a:solidFill>
-                <a:latin typeface="+mn-lt"/>
-                <a:ea typeface="+mn-ea"/>
-                <a:cs typeface="+mn-cs"/>
-              </a:defRPr>
-            </a:lvl3pPr>
-            <a:lvl4pPr marL="1371600" algn="l" defTabSz="914400" rtl="0" eaLnBrk="1" latinLnBrk="0" hangingPunct="1">
-              <a:defRPr sz="1800" kern="1200">
-                <a:solidFill>
-                  <a:schemeClr val="tx1"/>
-                </a:solidFill>
-                <a:latin typeface="+mn-lt"/>
-                <a:ea typeface="+mn-ea"/>
-                <a:cs typeface="+mn-cs"/>
-              </a:defRPr>
-            </a:lvl4pPr>
-            <a:lvl5pPr marL="1828800" algn="l" defTabSz="914400" rtl="0" eaLnBrk="1" latinLnBrk="0" hangingPunct="1">
-              <a:defRPr sz="1800" kern="1200">
-                <a:solidFill>
-                  <a:schemeClr val="tx1"/>
-                </a:solidFill>
-                <a:latin typeface="+mn-lt"/>
-                <a:ea typeface="+mn-ea"/>
-                <a:cs typeface="+mn-cs"/>
-              </a:defRPr>
-            </a:lvl5pPr>
-            <a:lvl6pPr marL="2286000" algn="l" defTabSz="914400" rtl="0" eaLnBrk="1" latinLnBrk="0" hangingPunct="1">
-              <a:defRPr sz="1800" kern="1200">
-                <a:solidFill>
-                  <a:schemeClr val="tx1"/>
-                </a:solidFill>
-                <a:latin typeface="+mn-lt"/>
-                <a:ea typeface="+mn-ea"/>
-                <a:cs typeface="+mn-cs"/>
-              </a:defRPr>
-            </a:lvl6pPr>
-            <a:lvl7pPr marL="2743200" algn="l" defTabSz="914400" rtl="0" eaLnBrk="1" latinLnBrk="0" hangingPunct="1">
-              <a:defRPr sz="1800" kern="1200">
-                <a:solidFill>
-                  <a:schemeClr val="tx1"/>
-                </a:solidFill>
-                <a:latin typeface="+mn-lt"/>
-                <a:ea typeface="+mn-ea"/>
-                <a:cs typeface="+mn-cs"/>
-              </a:defRPr>
-            </a:lvl7pPr>
-            <a:lvl8pPr marL="3200400" algn="l" defTabSz="914400" rtl="0" eaLnBrk="1" latinLnBrk="0" hangingPunct="1">
-              <a:defRPr sz="1800" kern="1200">
-                <a:solidFill>
-                  <a:schemeClr val="tx1"/>
-                </a:solidFill>
-                <a:latin typeface="+mn-lt"/>
-                <a:ea typeface="+mn-ea"/>
-                <a:cs typeface="+mn-cs"/>
-              </a:defRPr>
-            </a:lvl8pPr>
-            <a:lvl9pPr marL="3657600" algn="l" defTabSz="914400" rtl="0" eaLnBrk="1" latinLnBrk="0" hangingPunct="1">
-              <a:defRPr sz="1800" kern="1200">
-                <a:solidFill>
-                  <a:schemeClr val="tx1"/>
-                </a:solidFill>
-                <a:latin typeface="+mn-lt"/>
-                <a:ea typeface="+mn-ea"/>
-                <a:cs typeface="+mn-cs"/>
-              </a:defRPr>
-            </a:lvl9pPr>
-          </a:lstStyle>
-          <a:p>
-            <a:r>
-              <a:rPr lang="es-CO"/>
-              <a:t>© 2018 - Universidad de Los Andes – Departamento de Sistemas y Computación</a:t>
-            </a:r>
-            <a:endParaRPr lang="es-CO" noProof="0"/>
-          </a:p>
-        </p:txBody>
-      </p:sp>
-      <p:sp>
-        <p:nvSpPr>
-          <p:cNvPr id="7" name="TextBox 6">
-            <a:extLst>
-              <a:ext uri="{FF2B5EF4-FFF2-40B4-BE49-F238E27FC236}">
-                <a16:creationId xmlns:a16="http://schemas.microsoft.com/office/drawing/2014/main" id="{521CF45E-FFFC-502F-347D-EA542C593FE7}"/>
+                <a16:creationId xmlns:a16="http://schemas.microsoft.com/office/drawing/2014/main" id="{EE6175E9-961D-2162-0E1C-025BD8DF3580}"/>
               </a:ext>
             </a:extLst>
           </p:cNvPr>
@@ -24619,66 +23092,384 @@
         </p:nvSpPr>
         <p:spPr>
           <a:xfrm>
-            <a:off x="244844" y="1063769"/>
-            <a:ext cx="8638314" cy="276999"/>
+            <a:off x="246902" y="1598650"/>
+            <a:ext cx="8650693" cy="2031325"/>
           </a:xfrm>
           <a:prstGeom prst="rect">
             <a:avLst/>
           </a:prstGeom>
-          <a:solidFill>
-            <a:schemeClr val="bg1">
-              <a:lumMod val="85000"/>
-            </a:schemeClr>
-          </a:solidFill>
+          <a:noFill/>
         </p:spPr>
         <p:txBody>
-          <a:bodyPr wrap="square" lIns="91440" tIns="45720" rIns="91440" bIns="45720" rtlCol="0" anchor="t">
+          <a:bodyPr rot="0" spcFirstLastPara="0" vertOverflow="overflow" horzOverflow="overflow" vert="horz" wrap="square" lIns="91440" tIns="45720" rIns="91440" bIns="45720" numCol="1" spcCol="0" rtlCol="0" fromWordArt="0" anchor="t" anchorCtr="0" forceAA="0" compatLnSpc="1">
+            <a:prstTxWarp prst="textNoShape">
+              <a:avLst/>
+            </a:prstTxWarp>
             <a:spAutoFit/>
           </a:bodyPr>
           <a:lstStyle/>
           <a:p>
+            <a:pPr>
+              <a:spcBef>
+                <a:spcPct val="0"/>
+              </a:spcBef>
+            </a:pPr>
             <a:r>
-              <a:rPr lang="es-ES_tradnl" sz="1200" b="1"/>
-              <a:t>Vista Funcional -  Diagrama de componentes</a:t>
+              <a:rPr lang="en-US" err="1">
+                <a:ea typeface="Calibri"/>
+                <a:cs typeface="Calibri"/>
+              </a:rPr>
+              <a:t>Comprobar</a:t>
             </a:r>
-            <a:endParaRPr lang="es-ES_tradnl" sz="1200"/>
+            <a:r>
+              <a:rPr lang="en-US">
+                <a:ea typeface="Calibri"/>
+                <a:cs typeface="Calibri"/>
+              </a:rPr>
+              <a:t> que </a:t>
+            </a:r>
+            <a:r>
+              <a:rPr lang="en-US" err="1">
+                <a:ea typeface="Calibri"/>
+                <a:cs typeface="Calibri"/>
+              </a:rPr>
+              <a:t>una</a:t>
+            </a:r>
+            <a:r>
+              <a:rPr lang="en-US">
+                <a:ea typeface="Calibri"/>
+                <a:cs typeface="Calibri"/>
+              </a:rPr>
+              <a:t> </a:t>
+            </a:r>
+            <a:r>
+              <a:rPr lang="en-US" err="1">
+                <a:ea typeface="Calibri"/>
+                <a:cs typeface="Calibri"/>
+              </a:rPr>
+              <a:t>arquitectura</a:t>
+            </a:r>
+            <a:r>
+              <a:rPr lang="en-US">
+                <a:ea typeface="Calibri"/>
+                <a:cs typeface="Calibri"/>
+              </a:rPr>
+              <a:t> </a:t>
+            </a:r>
+            <a:r>
+              <a:rPr lang="en-US" err="1">
+                <a:ea typeface="Calibri"/>
+                <a:cs typeface="Calibri"/>
+              </a:rPr>
+              <a:t>basada</a:t>
+            </a:r>
+            <a:r>
+              <a:rPr lang="en-US">
+                <a:ea typeface="Calibri"/>
+                <a:cs typeface="Calibri"/>
+              </a:rPr>
+              <a:t> </a:t>
+            </a:r>
+            <a:r>
+              <a:rPr lang="en-US" err="1">
+                <a:ea typeface="Calibri"/>
+                <a:cs typeface="Calibri"/>
+              </a:rPr>
+              <a:t>en</a:t>
+            </a:r>
+            <a:r>
+              <a:rPr lang="en-US">
+                <a:ea typeface="Calibri"/>
+                <a:cs typeface="Calibri"/>
+              </a:rPr>
+              <a:t> </a:t>
+            </a:r>
+            <a:r>
+              <a:rPr lang="en-US" err="1">
+                <a:ea typeface="Calibri"/>
+                <a:cs typeface="Calibri"/>
+              </a:rPr>
+              <a:t>eventos</a:t>
+            </a:r>
+            <a:r>
+              <a:rPr lang="en-US">
+                <a:ea typeface="Calibri"/>
+                <a:cs typeface="Calibri"/>
+              </a:rPr>
+              <a:t> con las </a:t>
+            </a:r>
+            <a:r>
+              <a:rPr lang="en-US" err="1">
+                <a:ea typeface="Calibri"/>
+                <a:cs typeface="Calibri"/>
+              </a:rPr>
+              <a:t>siguientes</a:t>
+            </a:r>
+            <a:r>
+              <a:rPr lang="en-US">
+                <a:ea typeface="Calibri"/>
+                <a:cs typeface="Calibri"/>
+              </a:rPr>
+              <a:t> </a:t>
+            </a:r>
+            <a:r>
+              <a:rPr lang="en-US" err="1">
+                <a:ea typeface="Calibri"/>
+                <a:cs typeface="Calibri"/>
+              </a:rPr>
+              <a:t>tacticas</a:t>
+            </a:r>
+            <a:r>
+              <a:rPr lang="en-US">
+                <a:ea typeface="Calibri"/>
+                <a:cs typeface="Calibri"/>
+              </a:rPr>
+              <a:t>:</a:t>
+            </a:r>
+          </a:p>
+          <a:p>
+            <a:pPr>
+              <a:spcBef>
+                <a:spcPct val="0"/>
+              </a:spcBef>
+            </a:pPr>
+            <a:endParaRPr lang="en-US">
+              <a:ea typeface="Calibri"/>
+              <a:cs typeface="Calibri"/>
+            </a:endParaRPr>
+          </a:p>
+          <a:p>
+            <a:pPr marL="342900" indent="-342900">
+              <a:buAutoNum type="arabicPeriod"/>
+            </a:pPr>
+            <a:r>
+              <a:rPr lang="en-US">
+                <a:ea typeface="Calibri"/>
+                <a:cs typeface="Calibri"/>
+              </a:rPr>
+              <a:t>Multiples </a:t>
+            </a:r>
+            <a:r>
+              <a:rPr lang="en-US" err="1">
+                <a:ea typeface="Calibri"/>
+                <a:cs typeface="Calibri"/>
+              </a:rPr>
+              <a:t>copias</a:t>
+            </a:r>
+            <a:r>
+              <a:rPr lang="en-US">
+                <a:ea typeface="Calibri"/>
+                <a:cs typeface="Calibri"/>
+              </a:rPr>
+              <a:t> de </a:t>
+            </a:r>
+            <a:r>
+              <a:rPr lang="en-US" err="1">
+                <a:ea typeface="Calibri"/>
+                <a:cs typeface="Calibri"/>
+              </a:rPr>
+              <a:t>computación</a:t>
+            </a:r>
+            <a:endParaRPr lang="en-US">
+              <a:ea typeface="Calibri"/>
+              <a:cs typeface="Calibri"/>
+            </a:endParaRPr>
+          </a:p>
+          <a:p>
+            <a:pPr marL="342900" indent="-342900">
+              <a:buAutoNum type="arabicPeriod"/>
+            </a:pPr>
+            <a:r>
+              <a:rPr lang="en-US" err="1">
+                <a:ea typeface="Calibri"/>
+                <a:cs typeface="Calibri"/>
+              </a:rPr>
+              <a:t>Priorización</a:t>
+            </a:r>
+            <a:r>
+              <a:rPr lang="en-US">
+                <a:ea typeface="Calibri"/>
+                <a:cs typeface="Calibri"/>
+              </a:rPr>
+              <a:t> de </a:t>
+            </a:r>
+            <a:r>
+              <a:rPr lang="en-US" err="1">
+                <a:ea typeface="Calibri"/>
+                <a:cs typeface="Calibri"/>
+              </a:rPr>
+              <a:t>eventos</a:t>
+            </a:r>
+          </a:p>
+          <a:p>
+            <a:pPr marL="342900" indent="-342900">
+              <a:buAutoNum type="arabicPeriod"/>
+            </a:pPr>
+            <a:r>
+              <a:rPr lang="en-US" err="1">
+                <a:ea typeface="Calibri"/>
+                <a:cs typeface="Calibri"/>
+              </a:rPr>
+              <a:t>Reducción</a:t>
+            </a:r>
+            <a:r>
+              <a:rPr lang="en-US">
+                <a:ea typeface="Calibri"/>
+                <a:cs typeface="Calibri"/>
+              </a:rPr>
+              <a:t> </a:t>
+            </a:r>
+            <a:r>
+              <a:rPr lang="en-US" err="1">
+                <a:ea typeface="Calibri"/>
+                <a:cs typeface="Calibri"/>
+              </a:rPr>
+              <a:t>en</a:t>
+            </a:r>
+            <a:r>
+              <a:rPr lang="en-US">
+                <a:ea typeface="Calibri"/>
+                <a:cs typeface="Calibri"/>
+              </a:rPr>
+              <a:t> la </a:t>
+            </a:r>
+            <a:r>
+              <a:rPr lang="en-US" err="1">
+                <a:ea typeface="Calibri"/>
+                <a:cs typeface="Calibri"/>
+              </a:rPr>
+              <a:t>tasa</a:t>
+            </a:r>
+            <a:r>
+              <a:rPr lang="en-US">
+                <a:ea typeface="Calibri"/>
+                <a:cs typeface="Calibri"/>
+              </a:rPr>
+              <a:t> de </a:t>
+            </a:r>
+            <a:r>
+              <a:rPr lang="en-US" err="1">
+                <a:ea typeface="Calibri"/>
+                <a:cs typeface="Calibri"/>
+              </a:rPr>
+              <a:t>muestreo</a:t>
+            </a:r>
+          </a:p>
+          <a:p>
+            <a:pPr marL="342900" indent="-342900">
+              <a:buAutoNum type="arabicPeriod"/>
+            </a:pPr>
+            <a:endParaRPr lang="en-US">
+              <a:ea typeface="Calibri"/>
+              <a:cs typeface="Calibri"/>
+            </a:endParaRPr>
+          </a:p>
+          <a:p>
+            <a:r>
+              <a:rPr lang="en-US" err="1">
+                <a:ea typeface="Calibri"/>
+                <a:cs typeface="Calibri"/>
+              </a:rPr>
+              <a:t>Logran</a:t>
+            </a:r>
+            <a:r>
+              <a:rPr lang="en-US">
+                <a:ea typeface="Calibri"/>
+                <a:cs typeface="Calibri"/>
+              </a:rPr>
+              <a:t> que </a:t>
+            </a:r>
+            <a:r>
+              <a:rPr lang="en-US" err="1">
+                <a:ea typeface="Calibri"/>
+                <a:cs typeface="Calibri"/>
+              </a:rPr>
+              <a:t>nuestros</a:t>
+            </a:r>
+            <a:r>
+              <a:rPr lang="en-US">
+                <a:ea typeface="Calibri"/>
+                <a:cs typeface="Calibri"/>
+              </a:rPr>
+              <a:t> ASRs </a:t>
+            </a:r>
+            <a:r>
+              <a:rPr lang="en-US" err="1">
+                <a:ea typeface="Calibri"/>
+                <a:cs typeface="Calibri"/>
+              </a:rPr>
+              <a:t>en</a:t>
+            </a:r>
+            <a:r>
+              <a:rPr lang="en-US">
+                <a:ea typeface="Calibri"/>
+                <a:cs typeface="Calibri"/>
+              </a:rPr>
+              <a:t> </a:t>
+            </a:r>
+            <a:r>
+              <a:rPr lang="en-US" err="1">
+                <a:ea typeface="Calibri"/>
+                <a:cs typeface="Calibri"/>
+              </a:rPr>
+              <a:t>el</a:t>
+            </a:r>
+            <a:r>
+              <a:rPr lang="en-US">
+                <a:ea typeface="Calibri"/>
+                <a:cs typeface="Calibri"/>
+              </a:rPr>
+              <a:t> punto de </a:t>
+            </a:r>
+            <a:r>
+              <a:rPr lang="en-US" err="1">
+                <a:ea typeface="Calibri"/>
+                <a:cs typeface="Calibri"/>
+              </a:rPr>
+              <a:t>sensibilidad</a:t>
+            </a:r>
+            <a:r>
+              <a:rPr lang="en-US">
+                <a:ea typeface="Calibri"/>
+                <a:cs typeface="Calibri"/>
+              </a:rPr>
+              <a:t> </a:t>
+            </a:r>
+            <a:r>
+              <a:rPr lang="en-US" err="1">
+                <a:ea typeface="Calibri"/>
+                <a:cs typeface="Calibri"/>
+              </a:rPr>
+              <a:t>cumplan</a:t>
+            </a:r>
+            <a:r>
+              <a:rPr lang="en-US">
+                <a:ea typeface="Calibri"/>
+                <a:cs typeface="Calibri"/>
+              </a:rPr>
+              <a:t> con lo </a:t>
+            </a:r>
+            <a:r>
+              <a:rPr lang="en-US" err="1">
+                <a:ea typeface="Calibri"/>
+                <a:cs typeface="Calibri"/>
+              </a:rPr>
+              <a:t>pactado</a:t>
+            </a:r>
+            <a:r>
+              <a:rPr lang="en-US">
+                <a:ea typeface="Calibri"/>
+                <a:cs typeface="Calibri"/>
+              </a:rPr>
+              <a:t>.</a:t>
+            </a:r>
           </a:p>
         </p:txBody>
       </p:sp>
-      <p:pic>
-        <p:nvPicPr>
-          <p:cNvPr id="4" name="Picture 3" descr="A diagram of a company&#10;&#10;AI-generated content may be incorrect.">
-            <a:extLst>
-              <a:ext uri="{FF2B5EF4-FFF2-40B4-BE49-F238E27FC236}">
-                <a16:creationId xmlns:a16="http://schemas.microsoft.com/office/drawing/2014/main" id="{3B2DBB52-21A9-7B03-1EBC-8A8D23C1AD61}"/>
-              </a:ext>
-            </a:extLst>
-          </p:cNvPr>
-          <p:cNvPicPr>
-            <a:picLocks noChangeAspect="1"/>
-          </p:cNvPicPr>
-          <p:nvPr/>
-        </p:nvPicPr>
-        <p:blipFill>
-          <a:blip r:embed="rId3"/>
-          <a:stretch>
-            <a:fillRect/>
-          </a:stretch>
-        </p:blipFill>
-        <p:spPr>
-          <a:xfrm>
-            <a:off x="1550846" y="1521069"/>
-            <a:ext cx="5813710" cy="4598377"/>
-          </a:xfrm>
-          <a:prstGeom prst="rect">
-            <a:avLst/>
-          </a:prstGeom>
-        </p:spPr>
-      </p:pic>
     </p:spTree>
     <p:extLst>
       <p:ext uri="{BB962C8B-B14F-4D97-AF65-F5344CB8AC3E}">
-        <p14:creationId xmlns:p14="http://schemas.microsoft.com/office/powerpoint/2010/main" val="4038774577"/>
+        <p14:creationId xmlns:p14="http://schemas.microsoft.com/office/powerpoint/2010/main" val="2983963519"/>
       </p:ext>
     </p:extLst>
   </p:cSld>
@@ -24945,7 +23736,7 @@
         <p:cNvPr id="1" name="">
           <a:extLst>
             <a:ext uri="{FF2B5EF4-FFF2-40B4-BE49-F238E27FC236}">
-              <a16:creationId xmlns:a16="http://schemas.microsoft.com/office/drawing/2014/main" id="{E3F29CC7-BE28-4299-824F-58B49BE96DC4}"/>
+              <a16:creationId xmlns:a16="http://schemas.microsoft.com/office/drawing/2014/main" id="{62F61FB0-7959-D802-FDA1-629C10903A5C}"/>
             </a:ext>
           </a:extLst>
         </p:cNvPr>
@@ -24965,7 +23756,7 @@
           <p:cNvPr id="3" name="Slide Number Placeholder 2">
             <a:extLst>
               <a:ext uri="{FF2B5EF4-FFF2-40B4-BE49-F238E27FC236}">
-                <a16:creationId xmlns:a16="http://schemas.microsoft.com/office/drawing/2014/main" id="{D77AB289-1619-E88C-BEE4-5AAA16BAE53F}"/>
+                <a16:creationId xmlns:a16="http://schemas.microsoft.com/office/drawing/2014/main" id="{6C25BF37-A636-2208-1BEC-55A3AE4129FD}"/>
               </a:ext>
             </a:extLst>
           </p:cNvPr>
@@ -24995,7 +23786,7 @@
           <p:cNvPr id="6" name="Footer Placeholder 5">
             <a:extLst>
               <a:ext uri="{FF2B5EF4-FFF2-40B4-BE49-F238E27FC236}">
-                <a16:creationId xmlns:a16="http://schemas.microsoft.com/office/drawing/2014/main" id="{2749601C-439F-1380-9B38-24826151F361}"/>
+                <a16:creationId xmlns:a16="http://schemas.microsoft.com/office/drawing/2014/main" id="{52491E41-78F3-552E-1F6A-7575459CEAF0}"/>
               </a:ext>
             </a:extLst>
           </p:cNvPr>
@@ -25126,7 +23917,7 @@
           <p:cNvPr id="7" name="TextBox 6">
             <a:extLst>
               <a:ext uri="{FF2B5EF4-FFF2-40B4-BE49-F238E27FC236}">
-                <a16:creationId xmlns:a16="http://schemas.microsoft.com/office/drawing/2014/main" id="{3ADEE1EF-6D9E-6AD3-EDA1-DBE3EAF42E1D}"/>
+                <a16:creationId xmlns:a16="http://schemas.microsoft.com/office/drawing/2014/main" id="{521CF45E-FFFC-502F-347D-EA542C593FE7}"/>
               </a:ext>
             </a:extLst>
           </p:cNvPr>
@@ -25155,7 +23946,7 @@
           <a:p>
             <a:r>
               <a:rPr lang="es-ES_tradnl" sz="1200" b="1"/>
-              <a:t>Vista Funcional -  Diagrama de componentes – Zoom componente Notificaciones</a:t>
+              <a:t>Vista Funcional -  Diagrama de componentes</a:t>
             </a:r>
             <a:endParaRPr lang="es-ES_tradnl" sz="1200"/>
           </a:p>
@@ -25163,10 +23954,10 @@
       </p:sp>
       <p:pic>
         <p:nvPicPr>
-          <p:cNvPr id="2" name="Picture 1" descr="A diagram of a company&#10;&#10;AI-generated content may be incorrect.">
+          <p:cNvPr id="2" name="Picture 1" descr="A screenshot of a computer&#10;&#10;AI-generated content may be incorrect.">
             <a:extLst>
               <a:ext uri="{FF2B5EF4-FFF2-40B4-BE49-F238E27FC236}">
-                <a16:creationId xmlns:a16="http://schemas.microsoft.com/office/drawing/2014/main" id="{CC8B82D4-16EA-2300-2371-D4B832A7C152}"/>
+                <a16:creationId xmlns:a16="http://schemas.microsoft.com/office/drawing/2014/main" id="{B66222CF-5CF5-1F4B-9F1D-2CB652D06581}"/>
               </a:ext>
             </a:extLst>
           </p:cNvPr>
@@ -25183,8 +23974,8 @@
         </p:blipFill>
         <p:spPr>
           <a:xfrm>
-            <a:off x="1985667" y="1556238"/>
-            <a:ext cx="5181461" cy="4317024"/>
+            <a:off x="1329705" y="1452278"/>
+            <a:ext cx="6648527" cy="4891525"/>
           </a:xfrm>
           <a:prstGeom prst="rect">
             <a:avLst/>
@@ -25194,7 +23985,7 @@
     </p:spTree>
     <p:extLst>
       <p:ext uri="{BB962C8B-B14F-4D97-AF65-F5344CB8AC3E}">
-        <p14:creationId xmlns:p14="http://schemas.microsoft.com/office/powerpoint/2010/main" val="2599996582"/>
+        <p14:creationId xmlns:p14="http://schemas.microsoft.com/office/powerpoint/2010/main" val="4038774577"/>
       </p:ext>
     </p:extLst>
   </p:cSld>
@@ -25205,6 +23996,273 @@
 </file>
 
 <file path=ppt/slides/slide21.xml><?xml version="1.0" encoding="utf-8"?>
+<p:sld xmlns:a="http://schemas.openxmlformats.org/drawingml/2006/main" xmlns:r="http://schemas.openxmlformats.org/officeDocument/2006/relationships" xmlns:p="http://schemas.openxmlformats.org/presentationml/2006/main">
+  <p:cSld>
+    <p:spTree>
+      <p:nvGrpSpPr>
+        <p:cNvPr id="1" name="">
+          <a:extLst>
+            <a:ext uri="{FF2B5EF4-FFF2-40B4-BE49-F238E27FC236}">
+              <a16:creationId xmlns:a16="http://schemas.microsoft.com/office/drawing/2014/main" id="{F3FCB96F-D263-2B1A-0319-41EA7D5FE6BD}"/>
+            </a:ext>
+          </a:extLst>
+        </p:cNvPr>
+        <p:cNvGrpSpPr/>
+        <p:nvPr/>
+      </p:nvGrpSpPr>
+      <p:grpSpPr>
+        <a:xfrm>
+          <a:off x="0" y="0"/>
+          <a:ext cx="0" cy="0"/>
+          <a:chOff x="0" y="0"/>
+          <a:chExt cx="0" cy="0"/>
+        </a:xfrm>
+      </p:grpSpPr>
+      <p:sp>
+        <p:nvSpPr>
+          <p:cNvPr id="3" name="Slide Number Placeholder 2">
+            <a:extLst>
+              <a:ext uri="{FF2B5EF4-FFF2-40B4-BE49-F238E27FC236}">
+                <a16:creationId xmlns:a16="http://schemas.microsoft.com/office/drawing/2014/main" id="{9174E474-DF78-E19D-620A-4E572C6D1979}"/>
+              </a:ext>
+            </a:extLst>
+          </p:cNvPr>
+          <p:cNvSpPr>
+            <a:spLocks noGrp="1"/>
+          </p:cNvSpPr>
+          <p:nvPr>
+            <p:ph type="sldNum" sz="quarter" idx="4"/>
+          </p:nvPr>
+        </p:nvSpPr>
+        <p:spPr/>
+        <p:txBody>
+          <a:bodyPr/>
+          <a:lstStyle/>
+          <a:p>
+            <a:fld id="{0AEE6DC9-5AC4-4174-887C-07A615CCC701}" type="slidenum">
+              <a:rPr lang="es-CO" smtClean="0"/>
+              <a:pPr/>
+              <a:t>21</a:t>
+            </a:fld>
+            <a:endParaRPr lang="es-CO"/>
+          </a:p>
+        </p:txBody>
+      </p:sp>
+      <p:sp>
+        <p:nvSpPr>
+          <p:cNvPr id="6" name="Footer Placeholder 5">
+            <a:extLst>
+              <a:ext uri="{FF2B5EF4-FFF2-40B4-BE49-F238E27FC236}">
+                <a16:creationId xmlns:a16="http://schemas.microsoft.com/office/drawing/2014/main" id="{838A1317-4957-013E-6C7F-736CE5320A22}"/>
+              </a:ext>
+            </a:extLst>
+          </p:cNvPr>
+          <p:cNvSpPr>
+            <a:spLocks noGrp="1"/>
+          </p:cNvSpPr>
+          <p:nvPr>
+            <p:ph type="ftr" sz="quarter" idx="11"/>
+          </p:nvPr>
+        </p:nvSpPr>
+        <p:spPr>
+          <a:xfrm>
+            <a:off x="2123728" y="6453336"/>
+            <a:ext cx="5256584" cy="365125"/>
+          </a:xfrm>
+          <a:prstGeom prst="rect">
+            <a:avLst/>
+          </a:prstGeom>
+        </p:spPr>
+        <p:txBody>
+          <a:bodyPr/>
+          <a:lstStyle>
+            <a:defPPr>
+              <a:defRPr lang="es-CO"/>
+            </a:defPPr>
+            <a:lvl1pPr marL="0" algn="l" defTabSz="914400" rtl="0" eaLnBrk="1" latinLnBrk="0" hangingPunct="1">
+              <a:defRPr sz="1100" kern="1200">
+                <a:solidFill>
+                  <a:srgbClr val="174970"/>
+                </a:solidFill>
+                <a:latin typeface="+mn-lt"/>
+                <a:ea typeface="+mn-ea"/>
+                <a:cs typeface="+mn-cs"/>
+              </a:defRPr>
+            </a:lvl1pPr>
+            <a:lvl2pPr marL="457200" algn="l" defTabSz="914400" rtl="0" eaLnBrk="1" latinLnBrk="0" hangingPunct="1">
+              <a:defRPr sz="1800" kern="1200">
+                <a:solidFill>
+                  <a:schemeClr val="tx1"/>
+                </a:solidFill>
+                <a:latin typeface="+mn-lt"/>
+                <a:ea typeface="+mn-ea"/>
+                <a:cs typeface="+mn-cs"/>
+              </a:defRPr>
+            </a:lvl2pPr>
+            <a:lvl3pPr marL="914400" algn="l" defTabSz="914400" rtl="0" eaLnBrk="1" latinLnBrk="0" hangingPunct="1">
+              <a:defRPr sz="1800" kern="1200">
+                <a:solidFill>
+                  <a:schemeClr val="tx1"/>
+                </a:solidFill>
+                <a:latin typeface="+mn-lt"/>
+                <a:ea typeface="+mn-ea"/>
+                <a:cs typeface="+mn-cs"/>
+              </a:defRPr>
+            </a:lvl3pPr>
+            <a:lvl4pPr marL="1371600" algn="l" defTabSz="914400" rtl="0" eaLnBrk="1" latinLnBrk="0" hangingPunct="1">
+              <a:defRPr sz="1800" kern="1200">
+                <a:solidFill>
+                  <a:schemeClr val="tx1"/>
+                </a:solidFill>
+                <a:latin typeface="+mn-lt"/>
+                <a:ea typeface="+mn-ea"/>
+                <a:cs typeface="+mn-cs"/>
+              </a:defRPr>
+            </a:lvl4pPr>
+            <a:lvl5pPr marL="1828800" algn="l" defTabSz="914400" rtl="0" eaLnBrk="1" latinLnBrk="0" hangingPunct="1">
+              <a:defRPr sz="1800" kern="1200">
+                <a:solidFill>
+                  <a:schemeClr val="tx1"/>
+                </a:solidFill>
+                <a:latin typeface="+mn-lt"/>
+                <a:ea typeface="+mn-ea"/>
+                <a:cs typeface="+mn-cs"/>
+              </a:defRPr>
+            </a:lvl5pPr>
+            <a:lvl6pPr marL="2286000" algn="l" defTabSz="914400" rtl="0" eaLnBrk="1" latinLnBrk="0" hangingPunct="1">
+              <a:defRPr sz="1800" kern="1200">
+                <a:solidFill>
+                  <a:schemeClr val="tx1"/>
+                </a:solidFill>
+                <a:latin typeface="+mn-lt"/>
+                <a:ea typeface="+mn-ea"/>
+                <a:cs typeface="+mn-cs"/>
+              </a:defRPr>
+            </a:lvl6pPr>
+            <a:lvl7pPr marL="2743200" algn="l" defTabSz="914400" rtl="0" eaLnBrk="1" latinLnBrk="0" hangingPunct="1">
+              <a:defRPr sz="1800" kern="1200">
+                <a:solidFill>
+                  <a:schemeClr val="tx1"/>
+                </a:solidFill>
+                <a:latin typeface="+mn-lt"/>
+                <a:ea typeface="+mn-ea"/>
+                <a:cs typeface="+mn-cs"/>
+              </a:defRPr>
+            </a:lvl7pPr>
+            <a:lvl8pPr marL="3200400" algn="l" defTabSz="914400" rtl="0" eaLnBrk="1" latinLnBrk="0" hangingPunct="1">
+              <a:defRPr sz="1800" kern="1200">
+                <a:solidFill>
+                  <a:schemeClr val="tx1"/>
+                </a:solidFill>
+                <a:latin typeface="+mn-lt"/>
+                <a:ea typeface="+mn-ea"/>
+                <a:cs typeface="+mn-cs"/>
+              </a:defRPr>
+            </a:lvl8pPr>
+            <a:lvl9pPr marL="3657600" algn="l" defTabSz="914400" rtl="0" eaLnBrk="1" latinLnBrk="0" hangingPunct="1">
+              <a:defRPr sz="1800" kern="1200">
+                <a:solidFill>
+                  <a:schemeClr val="tx1"/>
+                </a:solidFill>
+                <a:latin typeface="+mn-lt"/>
+                <a:ea typeface="+mn-ea"/>
+                <a:cs typeface="+mn-cs"/>
+              </a:defRPr>
+            </a:lvl9pPr>
+          </a:lstStyle>
+          <a:p>
+            <a:r>
+              <a:rPr lang="es-CO"/>
+              <a:t>© 2018 - Universidad de Los Andes – Departamento de Sistemas y Computación</a:t>
+            </a:r>
+            <a:endParaRPr lang="es-CO" noProof="0"/>
+          </a:p>
+        </p:txBody>
+      </p:sp>
+      <p:sp>
+        <p:nvSpPr>
+          <p:cNvPr id="7" name="TextBox 6">
+            <a:extLst>
+              <a:ext uri="{FF2B5EF4-FFF2-40B4-BE49-F238E27FC236}">
+                <a16:creationId xmlns:a16="http://schemas.microsoft.com/office/drawing/2014/main" id="{41C6BBC5-5165-DD93-7C47-E4782F971239}"/>
+              </a:ext>
+            </a:extLst>
+          </p:cNvPr>
+          <p:cNvSpPr txBox="1"/>
+          <p:nvPr/>
+        </p:nvSpPr>
+        <p:spPr>
+          <a:xfrm>
+            <a:off x="244844" y="1063769"/>
+            <a:ext cx="8638314" cy="276999"/>
+          </a:xfrm>
+          <a:prstGeom prst="rect">
+            <a:avLst/>
+          </a:prstGeom>
+          <a:solidFill>
+            <a:schemeClr val="bg1">
+              <a:lumMod val="85000"/>
+            </a:schemeClr>
+          </a:solidFill>
+        </p:spPr>
+        <p:txBody>
+          <a:bodyPr wrap="square" lIns="91440" tIns="45720" rIns="91440" bIns="45720" rtlCol="0" anchor="t">
+            <a:spAutoFit/>
+          </a:bodyPr>
+          <a:lstStyle/>
+          <a:p>
+            <a:r>
+              <a:rPr lang="es-ES_tradnl" sz="1200" b="1"/>
+              <a:t>Vista Funcional -  Diagrama de componentes – Zoom de componente de Notificaciones</a:t>
+            </a:r>
+            <a:endParaRPr lang="es-ES_tradnl" sz="1200"/>
+          </a:p>
+        </p:txBody>
+      </p:sp>
+      <p:pic>
+        <p:nvPicPr>
+          <p:cNvPr id="5" name="Picture 4" descr="A diagram of a company&#10;&#10;AI-generated content may be incorrect.">
+            <a:extLst>
+              <a:ext uri="{FF2B5EF4-FFF2-40B4-BE49-F238E27FC236}">
+                <a16:creationId xmlns:a16="http://schemas.microsoft.com/office/drawing/2014/main" id="{F0CF9183-C7B9-06C1-B57B-BE10C0D44AB0}"/>
+              </a:ext>
+            </a:extLst>
+          </p:cNvPr>
+          <p:cNvPicPr>
+            <a:picLocks noChangeAspect="1"/>
+          </p:cNvPicPr>
+          <p:nvPr/>
+        </p:nvPicPr>
+        <p:blipFill>
+          <a:blip r:embed="rId3"/>
+          <a:stretch>
+            <a:fillRect/>
+          </a:stretch>
+        </p:blipFill>
+        <p:spPr>
+          <a:xfrm>
+            <a:off x="1125415" y="1337702"/>
+            <a:ext cx="6699739" cy="4587043"/>
+          </a:xfrm>
+          <a:prstGeom prst="rect">
+            <a:avLst/>
+          </a:prstGeom>
+        </p:spPr>
+      </p:pic>
+    </p:spTree>
+    <p:extLst>
+      <p:ext uri="{BB962C8B-B14F-4D97-AF65-F5344CB8AC3E}">
+        <p14:creationId xmlns:p14="http://schemas.microsoft.com/office/powerpoint/2010/main" val="43042691"/>
+      </p:ext>
+    </p:extLst>
+  </p:cSld>
+  <p:clrMapOvr>
+    <a:masterClrMapping/>
+  </p:clrMapOvr>
+</p:sld>
+</file>
+
+<file path=ppt/slides/slide22.xml><?xml version="1.0" encoding="utf-8"?>
 <p:sld xmlns:a="http://schemas.openxmlformats.org/drawingml/2006/main" xmlns:r="http://schemas.openxmlformats.org/officeDocument/2006/relationships" xmlns:p="http://schemas.openxmlformats.org/presentationml/2006/main">
   <p:cSld>
     <p:spTree>
@@ -25251,7 +24309,7 @@
             <a:fld id="{0AEE6DC9-5AC4-4174-887C-07A615CCC701}" type="slidenum">
               <a:rPr lang="es-CO" smtClean="0"/>
               <a:pPr/>
-              <a:t>21</a:t>
+              <a:t>22</a:t>
             </a:fld>
             <a:endParaRPr lang="es-CO"/>
           </a:p>
@@ -25471,7 +24529,7 @@
 </p:sld>
 </file>
 
-<file path=ppt/slides/slide22.xml><?xml version="1.0" encoding="utf-8"?>
+<file path=ppt/slides/slide23.xml><?xml version="1.0" encoding="utf-8"?>
 <p:sld xmlns:a="http://schemas.openxmlformats.org/drawingml/2006/main" xmlns:r="http://schemas.openxmlformats.org/officeDocument/2006/relationships" xmlns:p="http://schemas.openxmlformats.org/presentationml/2006/main">
   <p:cSld>
     <p:spTree>
@@ -25518,7 +24576,7 @@
             <a:fld id="{0AEE6DC9-5AC4-4174-887C-07A615CCC701}" type="slidenum">
               <a:rPr lang="es-CO" smtClean="0"/>
               <a:pPr/>
-              <a:t>22</a:t>
+              <a:t>23</a:t>
             </a:fld>
             <a:endParaRPr lang="es-CO"/>
           </a:p>
@@ -25697,10 +24755,10 @@
       </p:sp>
       <p:pic>
         <p:nvPicPr>
-          <p:cNvPr id="5" name="Picture 4">
+          <p:cNvPr id="2" name="Picture 1" descr="A diagram of a company&#10;&#10;AI-generated content may be incorrect.">
             <a:extLst>
               <a:ext uri="{FF2B5EF4-FFF2-40B4-BE49-F238E27FC236}">
-                <a16:creationId xmlns:a16="http://schemas.microsoft.com/office/drawing/2014/main" id="{519AC394-49C6-578C-E66A-F2419965D608}"/>
+                <a16:creationId xmlns:a16="http://schemas.microsoft.com/office/drawing/2014/main" id="{AD3AA7F8-2435-2C58-A64C-3B56FC936E93}"/>
               </a:ext>
             </a:extLst>
           </p:cNvPr>
@@ -25717,8 +24775,8 @@
         </p:blipFill>
         <p:spPr>
           <a:xfrm>
-            <a:off x="2125578" y="1473868"/>
-            <a:ext cx="3894222" cy="4620128"/>
+            <a:off x="2481409" y="1429407"/>
+            <a:ext cx="4160161" cy="4887311"/>
           </a:xfrm>
           <a:prstGeom prst="rect">
             <a:avLst/>
@@ -25738,7 +24796,7 @@
 </p:sld>
 </file>
 
-<file path=ppt/slides/slide23.xml><?xml version="1.0" encoding="utf-8"?>
+<file path=ppt/slides/slide24.xml><?xml version="1.0" encoding="utf-8"?>
 <p:sld xmlns:a="http://schemas.openxmlformats.org/drawingml/2006/main" xmlns:r="http://schemas.openxmlformats.org/officeDocument/2006/relationships" xmlns:p="http://schemas.openxmlformats.org/presentationml/2006/main">
   <p:cSld>
     <p:spTree>
@@ -25785,7 +24843,7 @@
             <a:fld id="{0AEE6DC9-5AC4-4174-887C-07A615CCC701}" type="slidenum">
               <a:rPr lang="es-CO" smtClean="0"/>
               <a:pPr/>
-              <a:t>23</a:t>
+              <a:t>24</a:t>
             </a:fld>
             <a:endParaRPr lang="es-CO"/>
           </a:p>
@@ -26050,8 +25108,8 @@
         </p:nvSpPr>
         <p:spPr>
           <a:xfrm>
-            <a:off x="3617648" y="1484051"/>
-            <a:ext cx="4631232" cy="1938992"/>
+            <a:off x="3944745" y="1490008"/>
+            <a:ext cx="4938413" cy="1938992"/>
           </a:xfrm>
           <a:prstGeom prst="rect">
             <a:avLst/>
@@ -26067,58 +25125,35 @@
           </a:bodyPr>
           <a:lstStyle/>
           <a:p>
-            <a:pPr marL="285750" indent="-285750">
-              <a:buFont typeface="Arial"/>
-              <a:buChar char="•"/>
-            </a:pPr>
             <a:r>
-              <a:rPr lang="en-US" sz="1200" b="1">
+              <a:rPr lang="es-CO" sz="1200" b="1" noProof="0">
                 <a:ea typeface="Calibri"/>
                 <a:cs typeface="Calibri"/>
               </a:rPr>
-              <a:t>Nivel </a:t>
+              <a:t>Nivel gratuito</a:t>
             </a:r>
             <a:r>
-              <a:rPr lang="en-US" sz="1200" b="1" err="1">
+              <a:rPr lang="es-CO" sz="1200" noProof="0">
                 <a:ea typeface="Calibri"/>
                 <a:cs typeface="Calibri"/>
               </a:rPr>
-              <a:t>gratuito</a:t>
+              <a:t>: 1 millón de solicitudes al mes.</a:t>
             </a:r>
+          </a:p>
+          <a:p>
             <a:r>
-              <a:rPr lang="en-US" sz="1200">
+              <a:rPr lang="es-CO" sz="1200" b="1" noProof="0">
                 <a:ea typeface="Calibri"/>
                 <a:cs typeface="Calibri"/>
               </a:rPr>
-              <a:t>: 1 </a:t>
+              <a:t>Precio estándar</a:t>
             </a:r>
             <a:r>
-              <a:rPr lang="en-US" sz="1200" err="1">
+              <a:rPr lang="es-CO" sz="1200" noProof="0">
                 <a:ea typeface="Calibri"/>
                 <a:cs typeface="Calibri"/>
               </a:rPr>
-              <a:t>millón</a:t>
-            </a:r>
-            <a:r>
-              <a:rPr lang="en-US" sz="1200">
-                <a:ea typeface="Calibri"/>
-                <a:cs typeface="Calibri"/>
-              </a:rPr>
-              <a:t> de solicitudes al </a:t>
-            </a:r>
-            <a:r>
-              <a:rPr lang="en-US" sz="1200" err="1">
-                <a:ea typeface="Calibri"/>
-                <a:cs typeface="Calibri"/>
-              </a:rPr>
-              <a:t>mes</a:t>
-            </a:r>
-            <a:r>
-              <a:rPr lang="en-US" sz="1200">
-                <a:ea typeface="Calibri"/>
-                <a:cs typeface="Calibri"/>
-              </a:rPr>
-              <a:t>.</a:t>
+              <a:t>:</a:t>
             </a:r>
           </a:p>
           <a:p>
@@ -26127,337 +25162,11 @@
               <a:buChar char="•"/>
             </a:pPr>
             <a:r>
-              <a:rPr lang="en-US" sz="1200" b="1" err="1">
+              <a:rPr lang="es-CO" sz="1200" noProof="0">
                 <a:ea typeface="Calibri"/>
                 <a:cs typeface="Calibri"/>
               </a:rPr>
-              <a:t>Precio</a:t>
-            </a:r>
-            <a:r>
-              <a:rPr lang="en-US" sz="1200" b="1">
-                <a:ea typeface="Calibri"/>
-                <a:cs typeface="Calibri"/>
-              </a:rPr>
-              <a:t> </a:t>
-            </a:r>
-            <a:r>
-              <a:rPr lang="en-US" sz="1200" b="1" err="1">
-                <a:ea typeface="Calibri"/>
-                <a:cs typeface="Calibri"/>
-              </a:rPr>
-              <a:t>estándar</a:t>
-            </a:r>
-            <a:r>
-              <a:rPr lang="en-US" sz="1200">
-                <a:ea typeface="Calibri"/>
-                <a:cs typeface="Calibri"/>
-              </a:rPr>
-              <a:t>:</a:t>
-            </a:r>
-          </a:p>
-          <a:p>
-            <a:pPr marL="742950" lvl="1" indent="-285750">
-              <a:buFont typeface="Arial"/>
-              <a:buChar char="•"/>
-            </a:pPr>
-            <a:r>
-              <a:rPr lang="en-US" sz="1200">
-                <a:ea typeface="Calibri"/>
-                <a:cs typeface="Calibri"/>
-              </a:rPr>
-              <a:t>USD 0.40 </a:t>
-            </a:r>
-            <a:r>
-              <a:rPr lang="en-US" sz="1200" err="1">
-                <a:ea typeface="Calibri"/>
-                <a:cs typeface="Calibri"/>
-              </a:rPr>
-              <a:t>por</a:t>
-            </a:r>
-            <a:r>
-              <a:rPr lang="en-US" sz="1200">
-                <a:ea typeface="Calibri"/>
-                <a:cs typeface="Calibri"/>
-              </a:rPr>
-              <a:t> </a:t>
-            </a:r>
-            <a:r>
-              <a:rPr lang="en-US" sz="1200" err="1">
-                <a:ea typeface="Calibri"/>
-                <a:cs typeface="Calibri"/>
-              </a:rPr>
-              <a:t>cada</a:t>
-            </a:r>
-            <a:r>
-              <a:rPr lang="en-US" sz="1200">
-                <a:ea typeface="Calibri"/>
-                <a:cs typeface="Calibri"/>
-              </a:rPr>
-              <a:t> 1 </a:t>
-            </a:r>
-            <a:r>
-              <a:rPr lang="en-US" sz="1200" err="1">
-                <a:ea typeface="Calibri"/>
-                <a:cs typeface="Calibri"/>
-              </a:rPr>
-              <a:t>millón</a:t>
-            </a:r>
-            <a:r>
-              <a:rPr lang="en-US" sz="1200">
-                <a:ea typeface="Calibri"/>
-                <a:cs typeface="Calibri"/>
-              </a:rPr>
-              <a:t> de solicitudes </a:t>
-            </a:r>
-            <a:r>
-              <a:rPr lang="en-US" sz="1200" err="1">
-                <a:ea typeface="Calibri"/>
-                <a:cs typeface="Calibri"/>
-              </a:rPr>
-              <a:t>adicionales</a:t>
-            </a:r>
-            <a:r>
-              <a:rPr lang="en-US" sz="1200">
-                <a:ea typeface="Calibri"/>
-                <a:cs typeface="Calibri"/>
-              </a:rPr>
-              <a:t>.</a:t>
-            </a:r>
-          </a:p>
-          <a:p>
-            <a:pPr marL="742950" lvl="1" indent="-285750">
-              <a:buFont typeface="Arial"/>
-              <a:buChar char="•"/>
-            </a:pPr>
-            <a:r>
-              <a:rPr lang="en-US" sz="1200">
-                <a:ea typeface="Calibri"/>
-                <a:cs typeface="Calibri"/>
-              </a:rPr>
-              <a:t>Cada </a:t>
-            </a:r>
-            <a:r>
-              <a:rPr lang="en-US" sz="1200" err="1">
-                <a:ea typeface="Calibri"/>
-                <a:cs typeface="Calibri"/>
-              </a:rPr>
-              <a:t>llamada</a:t>
-            </a:r>
-            <a:r>
-              <a:rPr lang="en-US" sz="1200">
-                <a:ea typeface="Calibri"/>
-                <a:cs typeface="Calibri"/>
-              </a:rPr>
-              <a:t> API que </a:t>
-            </a:r>
-            <a:r>
-              <a:rPr lang="en-US" sz="1200" err="1">
-                <a:ea typeface="Calibri"/>
-                <a:cs typeface="Calibri"/>
-              </a:rPr>
-              <a:t>envía</a:t>
-            </a:r>
-            <a:r>
-              <a:rPr lang="en-US" sz="1200">
-                <a:ea typeface="Calibri"/>
-                <a:cs typeface="Calibri"/>
-              </a:rPr>
-              <a:t>, </a:t>
-            </a:r>
-            <a:r>
-              <a:rPr lang="en-US" sz="1200" err="1">
-                <a:ea typeface="Calibri"/>
-                <a:cs typeface="Calibri"/>
-              </a:rPr>
-              <a:t>recibe</a:t>
-            </a:r>
-            <a:r>
-              <a:rPr lang="en-US" sz="1200">
-                <a:ea typeface="Calibri"/>
-                <a:cs typeface="Calibri"/>
-              </a:rPr>
-              <a:t> o </a:t>
-            </a:r>
-            <a:r>
-              <a:rPr lang="en-US" sz="1200" err="1">
-                <a:ea typeface="Calibri"/>
-                <a:cs typeface="Calibri"/>
-              </a:rPr>
-              <a:t>elimina</a:t>
-            </a:r>
-            <a:r>
-              <a:rPr lang="en-US" sz="1200">
-                <a:ea typeface="Calibri"/>
-                <a:cs typeface="Calibri"/>
-              </a:rPr>
-              <a:t> </a:t>
-            </a:r>
-            <a:r>
-              <a:rPr lang="en-US" sz="1200" err="1">
-                <a:ea typeface="Calibri"/>
-                <a:cs typeface="Calibri"/>
-              </a:rPr>
-              <a:t>mensajes</a:t>
-            </a:r>
-            <a:r>
-              <a:rPr lang="en-US" sz="1200">
-                <a:ea typeface="Calibri"/>
-                <a:cs typeface="Calibri"/>
-              </a:rPr>
-              <a:t> </a:t>
-            </a:r>
-            <a:r>
-              <a:rPr lang="en-US" sz="1200" err="1">
-                <a:ea typeface="Calibri"/>
-                <a:cs typeface="Calibri"/>
-              </a:rPr>
-              <a:t>cuenta</a:t>
-            </a:r>
-            <a:r>
-              <a:rPr lang="en-US" sz="1200">
-                <a:ea typeface="Calibri"/>
-                <a:cs typeface="Calibri"/>
-              </a:rPr>
-              <a:t> </a:t>
-            </a:r>
-            <a:r>
-              <a:rPr lang="en-US" sz="1200" err="1">
-                <a:ea typeface="Calibri"/>
-                <a:cs typeface="Calibri"/>
-              </a:rPr>
-              <a:t>como</a:t>
-            </a:r>
-            <a:r>
-              <a:rPr lang="en-US" sz="1200">
-                <a:ea typeface="Calibri"/>
-                <a:cs typeface="Calibri"/>
-              </a:rPr>
-              <a:t> 1 </a:t>
-            </a:r>
-            <a:r>
-              <a:rPr lang="en-US" sz="1200" err="1">
-                <a:ea typeface="Calibri"/>
-                <a:cs typeface="Calibri"/>
-              </a:rPr>
-              <a:t>solicitud,con</a:t>
-            </a:r>
-            <a:r>
-              <a:rPr lang="en-US" sz="1200">
-                <a:ea typeface="Calibri"/>
-                <a:cs typeface="Calibri"/>
-              </a:rPr>
-              <a:t> hasta 10 </a:t>
-            </a:r>
-            <a:r>
-              <a:rPr lang="en-US" sz="1200" err="1">
-                <a:ea typeface="Calibri"/>
-                <a:cs typeface="Calibri"/>
-              </a:rPr>
-              <a:t>mensajes</a:t>
-            </a:r>
-            <a:r>
-              <a:rPr lang="en-US" sz="1200">
-                <a:ea typeface="Calibri"/>
-                <a:cs typeface="Calibri"/>
-              </a:rPr>
-              <a:t> y 256 KB </a:t>
-            </a:r>
-            <a:r>
-              <a:rPr lang="en-US" sz="1200" err="1">
-                <a:ea typeface="Calibri"/>
-                <a:cs typeface="Calibri"/>
-              </a:rPr>
-              <a:t>totales</a:t>
-            </a:r>
-            <a:r>
-              <a:rPr lang="en-US" sz="1200">
-                <a:ea typeface="Calibri"/>
-                <a:cs typeface="Calibri"/>
-              </a:rPr>
-              <a:t>.</a:t>
-            </a:r>
-          </a:p>
-          <a:p>
-            <a:pPr marL="742950" lvl="1" indent="-285750">
-              <a:buFont typeface="Arial"/>
-              <a:buChar char="•"/>
-            </a:pPr>
-            <a:r>
-              <a:rPr lang="en-US" sz="1200">
-                <a:ea typeface="Calibri"/>
-                <a:cs typeface="Calibri"/>
-              </a:rPr>
-              <a:t>Cada </a:t>
-            </a:r>
-            <a:r>
-              <a:rPr lang="en-US" sz="1200" err="1">
-                <a:ea typeface="Calibri"/>
-                <a:cs typeface="Calibri"/>
-              </a:rPr>
-              <a:t>fragmento</a:t>
-            </a:r>
-            <a:r>
-              <a:rPr lang="en-US" sz="1200">
-                <a:ea typeface="Calibri"/>
-                <a:cs typeface="Calibri"/>
-              </a:rPr>
-              <a:t> de 64 KB se cobra </a:t>
-            </a:r>
-            <a:r>
-              <a:rPr lang="en-US" sz="1200" err="1">
-                <a:ea typeface="Calibri"/>
-                <a:cs typeface="Calibri"/>
-              </a:rPr>
-              <a:t>como</a:t>
-            </a:r>
-            <a:r>
-              <a:rPr lang="en-US" sz="1200">
-                <a:ea typeface="Calibri"/>
-                <a:cs typeface="Calibri"/>
-              </a:rPr>
-              <a:t> 1 </a:t>
-            </a:r>
-            <a:r>
-              <a:rPr lang="en-US" sz="1200" err="1">
-                <a:ea typeface="Calibri"/>
-                <a:cs typeface="Calibri"/>
-              </a:rPr>
-              <a:t>solicitud</a:t>
-            </a:r>
-            <a:r>
-              <a:rPr lang="en-US" sz="1200">
-                <a:ea typeface="Calibri"/>
-                <a:cs typeface="Calibri"/>
-              </a:rPr>
-              <a:t> (</a:t>
-            </a:r>
-            <a:r>
-              <a:rPr lang="en-US" sz="1200" err="1">
-                <a:ea typeface="Calibri"/>
-                <a:cs typeface="Calibri"/>
-              </a:rPr>
-              <a:t>por</a:t>
-            </a:r>
-            <a:r>
-              <a:rPr lang="en-US" sz="1200">
-                <a:ea typeface="Calibri"/>
-                <a:cs typeface="Calibri"/>
-              </a:rPr>
-              <a:t> </a:t>
-            </a:r>
-            <a:r>
-              <a:rPr lang="en-US" sz="1200" err="1">
-                <a:ea typeface="Calibri"/>
-                <a:cs typeface="Calibri"/>
-              </a:rPr>
-              <a:t>ejemplo</a:t>
-            </a:r>
-            <a:r>
-              <a:rPr lang="en-US" sz="1200">
-                <a:ea typeface="Calibri"/>
-                <a:cs typeface="Calibri"/>
-              </a:rPr>
-              <a:t>, 256 KB = 4solicitudes).</a:t>
+              <a:t>USD 0.40 por cada 1 millón de solicitudes adicionales.</a:t>
             </a:r>
           </a:p>
           <a:p>
@@ -26466,125 +25175,42 @@
               <a:buChar char="•"/>
             </a:pPr>
             <a:r>
-              <a:rPr lang="en-US" sz="1200" b="1">
+              <a:rPr lang="es-CO" sz="1200" noProof="0">
                 <a:ea typeface="Calibri"/>
                 <a:cs typeface="Calibri"/>
               </a:rPr>
-              <a:t>Transferencia de </a:t>
+              <a:t>Cada llamada a la API que envía, recibe o elimina mensajes cuenta como 1 solicitud, con hasta 10 mensajes y 256 KB totales.</a:t>
             </a:r>
+          </a:p>
+          <a:p>
+            <a:pPr marL="285750" indent="-285750">
+              <a:buFont typeface="Arial"/>
+              <a:buChar char="•"/>
+            </a:pPr>
             <a:r>
-              <a:rPr lang="en-US" sz="1200" b="1" err="1">
+              <a:rPr lang="es-CO" sz="1200" noProof="0">
                 <a:ea typeface="Calibri"/>
                 <a:cs typeface="Calibri"/>
               </a:rPr>
-              <a:t>datos</a:t>
+              <a:t>Cada fragmento de 64 KB se cobra como 1 solicitud (por ejemplo, 256 KB = 4solicitudes).</a:t>
             </a:r>
+          </a:p>
+          <a:p>
             <a:r>
-              <a:rPr lang="en-US" sz="1200">
+              <a:rPr lang="es-CO" sz="1200" b="1" noProof="0">
                 <a:ea typeface="Calibri"/>
                 <a:cs typeface="Calibri"/>
               </a:rPr>
-              <a:t>: sin cargos </a:t>
+              <a:t>Transferencia de datos</a:t>
             </a:r>
             <a:r>
-              <a:rPr lang="en-US" sz="1200" err="1">
+              <a:rPr lang="es-CO" sz="1200" noProof="0">
                 <a:ea typeface="Calibri"/>
                 <a:cs typeface="Calibri"/>
               </a:rPr>
-              <a:t>cuando</a:t>
+              <a:t>: sin cargos cuando los recursos están en la misma región.</a:t>
             </a:r>
-            <a:r>
-              <a:rPr lang="en-US" sz="1200">
-                <a:ea typeface="Calibri"/>
-                <a:cs typeface="Calibri"/>
-              </a:rPr>
-              <a:t> </a:t>
-            </a:r>
-            <a:r>
-              <a:rPr lang="en-US" sz="1200" err="1">
-                <a:ea typeface="Calibri"/>
-                <a:cs typeface="Calibri"/>
-              </a:rPr>
-              <a:t>los</a:t>
-            </a:r>
-            <a:r>
-              <a:rPr lang="en-US" sz="1200">
-                <a:ea typeface="Calibri"/>
-                <a:cs typeface="Calibri"/>
-              </a:rPr>
-              <a:t> </a:t>
-            </a:r>
-            <a:r>
-              <a:rPr lang="en-US" sz="1200" err="1">
-                <a:ea typeface="Calibri"/>
-                <a:cs typeface="Calibri"/>
-              </a:rPr>
-              <a:t>recursos</a:t>
-            </a:r>
-            <a:r>
-              <a:rPr lang="en-US" sz="1200">
-                <a:ea typeface="Calibri"/>
-                <a:cs typeface="Calibri"/>
-              </a:rPr>
-              <a:t> </a:t>
-            </a:r>
-            <a:r>
-              <a:rPr lang="en-US" sz="1200" err="1">
-                <a:ea typeface="Calibri"/>
-                <a:cs typeface="Calibri"/>
-              </a:rPr>
-              <a:t>están</a:t>
-            </a:r>
-            <a:r>
-              <a:rPr lang="en-US" sz="1200">
-                <a:ea typeface="Calibri"/>
-                <a:cs typeface="Calibri"/>
-              </a:rPr>
-              <a:t> </a:t>
-            </a:r>
-            <a:r>
-              <a:rPr lang="en-US" sz="1200" err="1">
-                <a:ea typeface="Calibri"/>
-                <a:cs typeface="Calibri"/>
-              </a:rPr>
-              <a:t>en</a:t>
-            </a:r>
-            <a:r>
-              <a:rPr lang="en-US" sz="1200">
-                <a:ea typeface="Calibri"/>
-                <a:cs typeface="Calibri"/>
-              </a:rPr>
-              <a:t> la </a:t>
-            </a:r>
-            <a:r>
-              <a:rPr lang="en-US" sz="1200" err="1">
-                <a:ea typeface="Calibri"/>
-                <a:cs typeface="Calibri"/>
-              </a:rPr>
-              <a:t>misma</a:t>
-            </a:r>
-            <a:r>
-              <a:rPr lang="en-US" sz="1200">
-                <a:ea typeface="Calibri"/>
-                <a:cs typeface="Calibri"/>
-              </a:rPr>
-              <a:t> </a:t>
-            </a:r>
-            <a:r>
-              <a:rPr lang="en-US" sz="1200" err="1">
-                <a:ea typeface="Calibri"/>
-                <a:cs typeface="Calibri"/>
-              </a:rPr>
-              <a:t>región</a:t>
-            </a:r>
-            <a:r>
-              <a:rPr lang="en-US" sz="1200">
-                <a:ea typeface="Calibri"/>
-                <a:cs typeface="Calibri"/>
-              </a:rPr>
-              <a:t>.</a:t>
-            </a:r>
-            <a:endParaRPr lang="en-GB" sz="1200"/>
+            <a:endParaRPr lang="es-CO" sz="1200" noProof="0"/>
           </a:p>
         </p:txBody>
       </p:sp>
@@ -26674,8 +25300,8 @@
         </p:nvSpPr>
         <p:spPr>
           <a:xfrm>
-            <a:off x="3722823" y="3965361"/>
-            <a:ext cx="4131459" cy="1938992"/>
+            <a:off x="3954067" y="3965361"/>
+            <a:ext cx="4938413" cy="1754326"/>
           </a:xfrm>
           <a:prstGeom prst="rect">
             <a:avLst/>
@@ -26691,154 +25317,19 @@
           </a:bodyPr>
           <a:lstStyle/>
           <a:p>
-            <a:pPr marL="285750" indent="-285750">
-              <a:buFont typeface="Arial"/>
-              <a:buChar char="•"/>
-            </a:pPr>
             <a:r>
-              <a:rPr lang="en-US" sz="1200" b="1">
+              <a:rPr lang="es-CO" sz="1200" b="1" noProof="0">
                 <a:ea typeface="Calibri"/>
                 <a:cs typeface="Calibri"/>
               </a:rPr>
-              <a:t>Nivel </a:t>
+              <a:t>Nivel gratuito</a:t>
             </a:r>
             <a:r>
-              <a:rPr lang="en-US" sz="1200" b="1" err="1">
-                <a:ea typeface="Calibri"/>
-                <a:cs typeface="Calibri"/>
-              </a:rPr>
-              <a:t>gratuito</a:t>
-            </a:r>
-            <a:r>
-              <a:rPr lang="en-US" sz="1200">
+              <a:rPr lang="es-CO" sz="1200" noProof="0">
                 <a:ea typeface="Calibri"/>
                 <a:cs typeface="Calibri"/>
               </a:rPr>
               <a:t>:</a:t>
-            </a:r>
-          </a:p>
-          <a:p>
-            <a:pPr marL="742950" lvl="1" indent="-285750">
-              <a:buFont typeface="Arial"/>
-              <a:buChar char="•"/>
-            </a:pPr>
-            <a:r>
-              <a:rPr lang="en-US" sz="1200">
-                <a:ea typeface="Calibri"/>
-                <a:cs typeface="Calibri"/>
-              </a:rPr>
-              <a:t>1 </a:t>
-            </a:r>
-            <a:r>
-              <a:rPr lang="en-US" sz="1200" err="1">
-                <a:ea typeface="Calibri"/>
-                <a:cs typeface="Calibri"/>
-              </a:rPr>
-              <a:t>millón</a:t>
-            </a:r>
-            <a:r>
-              <a:rPr lang="en-US" sz="1200">
-                <a:ea typeface="Calibri"/>
-                <a:cs typeface="Calibri"/>
-              </a:rPr>
-              <a:t> de </a:t>
-            </a:r>
-            <a:r>
-              <a:rPr lang="en-US" sz="1200" err="1">
-                <a:ea typeface="Calibri"/>
-                <a:cs typeface="Calibri"/>
-              </a:rPr>
-              <a:t>invocaciones</a:t>
-            </a:r>
-            <a:r>
-              <a:rPr lang="en-US" sz="1200">
-                <a:ea typeface="Calibri"/>
-                <a:cs typeface="Calibri"/>
-              </a:rPr>
-              <a:t> al </a:t>
-            </a:r>
-            <a:r>
-              <a:rPr lang="en-US" sz="1200" err="1">
-                <a:ea typeface="Calibri"/>
-                <a:cs typeface="Calibri"/>
-              </a:rPr>
-              <a:t>mes</a:t>
-            </a:r>
-            <a:r>
-              <a:rPr lang="en-US" sz="1200">
-                <a:ea typeface="Calibri"/>
-                <a:cs typeface="Calibri"/>
-              </a:rPr>
-              <a:t>.</a:t>
-            </a:r>
-          </a:p>
-          <a:p>
-            <a:pPr marL="742950" lvl="1" indent="-285750">
-              <a:buFont typeface="Arial"/>
-              <a:buChar char="•"/>
-            </a:pPr>
-            <a:r>
-              <a:rPr lang="en-US" sz="1200">
-                <a:ea typeface="Calibri"/>
-                <a:cs typeface="Calibri"/>
-              </a:rPr>
-              <a:t>400 000 GB-</a:t>
-            </a:r>
-            <a:r>
-              <a:rPr lang="en-US" sz="1200" err="1">
-                <a:ea typeface="Calibri"/>
-                <a:cs typeface="Calibri"/>
-              </a:rPr>
-              <a:t>segundos</a:t>
-            </a:r>
-            <a:r>
-              <a:rPr lang="en-US" sz="1200">
-                <a:ea typeface="Calibri"/>
-                <a:cs typeface="Calibri"/>
-              </a:rPr>
-              <a:t> de </a:t>
-            </a:r>
-            <a:r>
-              <a:rPr lang="en-US" sz="1200" err="1">
-                <a:ea typeface="Calibri"/>
-                <a:cs typeface="Calibri"/>
-              </a:rPr>
-              <a:t>tiempo</a:t>
-            </a:r>
-            <a:r>
-              <a:rPr lang="en-US" sz="1200">
-                <a:ea typeface="Calibri"/>
-                <a:cs typeface="Calibri"/>
-              </a:rPr>
-              <a:t> de </a:t>
-            </a:r>
-            <a:r>
-              <a:rPr lang="en-US" sz="1200" err="1">
-                <a:ea typeface="Calibri"/>
-                <a:cs typeface="Calibri"/>
-              </a:rPr>
-              <a:t>cómputo</a:t>
-            </a:r>
-            <a:r>
-              <a:rPr lang="en-US" sz="1200">
-                <a:ea typeface="Calibri"/>
-                <a:cs typeface="Calibri"/>
-              </a:rPr>
-              <a:t> al </a:t>
-            </a:r>
-            <a:r>
-              <a:rPr lang="en-US" sz="1200" err="1">
-                <a:ea typeface="Calibri"/>
-                <a:cs typeface="Calibri"/>
-              </a:rPr>
-              <a:t>mes</a:t>
-            </a:r>
-            <a:r>
-              <a:rPr lang="en-US" sz="1200">
-                <a:ea typeface="Calibri"/>
-                <a:cs typeface="Calibri"/>
-              </a:rPr>
-              <a:t>.</a:t>
             </a:r>
           </a:p>
           <a:p>
@@ -26847,116 +25338,11 @@
               <a:buChar char="•"/>
             </a:pPr>
             <a:r>
-              <a:rPr lang="en-US" sz="1200" b="1" err="1">
+              <a:rPr lang="es-CO" sz="1200" noProof="0">
                 <a:ea typeface="Calibri"/>
                 <a:cs typeface="Calibri"/>
               </a:rPr>
-              <a:t>Precio</a:t>
-            </a:r>
-            <a:r>
-              <a:rPr lang="en-US" sz="1200" b="1">
-                <a:ea typeface="Calibri"/>
-                <a:cs typeface="Calibri"/>
-              </a:rPr>
-              <a:t> </a:t>
-            </a:r>
-            <a:r>
-              <a:rPr lang="en-US" sz="1200" b="1" err="1">
-                <a:ea typeface="Calibri"/>
-                <a:cs typeface="Calibri"/>
-              </a:rPr>
-              <a:t>por</a:t>
-            </a:r>
-            <a:r>
-              <a:rPr lang="en-US" sz="1200" b="1">
-                <a:ea typeface="Calibri"/>
-                <a:cs typeface="Calibri"/>
-              </a:rPr>
-              <a:t> </a:t>
-            </a:r>
-            <a:r>
-              <a:rPr lang="en-US" sz="1200" b="1" err="1">
-                <a:ea typeface="Calibri"/>
-                <a:cs typeface="Calibri"/>
-              </a:rPr>
-              <a:t>invocaciones</a:t>
-            </a:r>
-            <a:r>
-              <a:rPr lang="en-US" sz="1200">
-                <a:ea typeface="Calibri"/>
-                <a:cs typeface="Calibri"/>
-              </a:rPr>
-              <a:t>: USD 0.20 </a:t>
-            </a:r>
-            <a:r>
-              <a:rPr lang="en-US" sz="1200" err="1">
-                <a:ea typeface="Calibri"/>
-                <a:cs typeface="Calibri"/>
-              </a:rPr>
-              <a:t>por</a:t>
-            </a:r>
-            <a:r>
-              <a:rPr lang="en-US" sz="1200">
-                <a:ea typeface="Calibri"/>
-                <a:cs typeface="Calibri"/>
-              </a:rPr>
-              <a:t> </a:t>
-            </a:r>
-            <a:r>
-              <a:rPr lang="en-US" sz="1200" err="1">
-                <a:ea typeface="Calibri"/>
-                <a:cs typeface="Calibri"/>
-              </a:rPr>
-              <a:t>cada</a:t>
-            </a:r>
-            <a:r>
-              <a:rPr lang="en-US" sz="1200">
-                <a:ea typeface="Calibri"/>
-                <a:cs typeface="Calibri"/>
-              </a:rPr>
-              <a:t> 1 </a:t>
-            </a:r>
-            <a:r>
-              <a:rPr lang="en-US" sz="1200" err="1">
-                <a:ea typeface="Calibri"/>
-                <a:cs typeface="Calibri"/>
-              </a:rPr>
-              <a:t>millón</a:t>
-            </a:r>
-            <a:r>
-              <a:rPr lang="en-US" sz="1200">
-                <a:ea typeface="Calibri"/>
-                <a:cs typeface="Calibri"/>
-              </a:rPr>
-              <a:t> de </a:t>
-            </a:r>
-            <a:r>
-              <a:rPr lang="en-US" sz="1200" err="1">
-                <a:ea typeface="Calibri"/>
-                <a:cs typeface="Calibri"/>
-              </a:rPr>
-              <a:t>invocaciones</a:t>
-            </a:r>
-            <a:r>
-              <a:rPr lang="en-US" sz="1200">
-                <a:ea typeface="Calibri"/>
-                <a:cs typeface="Calibri"/>
-              </a:rPr>
-              <a:t> </a:t>
-            </a:r>
-            <a:r>
-              <a:rPr lang="en-US" sz="1200" err="1">
-                <a:ea typeface="Calibri"/>
-                <a:cs typeface="Calibri"/>
-              </a:rPr>
-              <a:t>adicionales</a:t>
-            </a:r>
-            <a:r>
-              <a:rPr lang="en-US" sz="1200">
-                <a:ea typeface="Calibri"/>
-                <a:cs typeface="Calibri"/>
-              </a:rPr>
-              <a:t>.</a:t>
+              <a:t>1 millón de invocaciones al mes.</a:t>
             </a:r>
           </a:p>
           <a:p>
@@ -26965,102 +25351,43 @@
               <a:buChar char="•"/>
             </a:pPr>
             <a:r>
-              <a:rPr lang="en-US" sz="1200" b="1" err="1">
+              <a:rPr lang="es-CO" sz="1200" noProof="0">
                 <a:ea typeface="Calibri"/>
                 <a:cs typeface="Calibri"/>
               </a:rPr>
-              <a:t>Precio</a:t>
+              <a:t>400 000 GB-segundos de tiempo de cómputo al mes.</a:t>
             </a:r>
+          </a:p>
+          <a:p>
             <a:r>
-              <a:rPr lang="en-US" sz="1200" b="1">
+              <a:rPr lang="es-CO" sz="1200" b="1" noProof="0">
                 <a:ea typeface="Calibri"/>
                 <a:cs typeface="Calibri"/>
               </a:rPr>
-              <a:t> </a:t>
+              <a:t>Precio por invocaciones</a:t>
             </a:r>
             <a:r>
-              <a:rPr lang="en-US" sz="1200" b="1" err="1">
+              <a:rPr lang="es-CO" sz="1200" noProof="0">
                 <a:ea typeface="Calibri"/>
                 <a:cs typeface="Calibri"/>
               </a:rPr>
-              <a:t>por</a:t>
+              <a:t>: USD 0.20 por cada 1 millón de invocaciones adicionales.</a:t>
             </a:r>
+          </a:p>
+          <a:p>
             <a:r>
-              <a:rPr lang="en-US" sz="1200" b="1">
+              <a:rPr lang="es-CO" sz="1200" b="1" noProof="0">
                 <a:ea typeface="Calibri"/>
                 <a:cs typeface="Calibri"/>
               </a:rPr>
-              <a:t> </a:t>
+              <a:t>Precio por tiempo de ejecución</a:t>
             </a:r>
             <a:r>
-              <a:rPr lang="en-US" sz="1200" b="1" err="1">
+              <a:rPr lang="es-CO" sz="1200" noProof="0">
                 <a:ea typeface="Calibri"/>
                 <a:cs typeface="Calibri"/>
               </a:rPr>
-              <a:t>tiempo</a:t>
-            </a:r>
-            <a:r>
-              <a:rPr lang="en-US" sz="1200" b="1">
-                <a:ea typeface="Calibri"/>
-                <a:cs typeface="Calibri"/>
-              </a:rPr>
-              <a:t> de </a:t>
-            </a:r>
-            <a:r>
-              <a:rPr lang="en-US" sz="1200" b="1" err="1">
-                <a:ea typeface="Calibri"/>
-                <a:cs typeface="Calibri"/>
-              </a:rPr>
-              <a:t>ejecución</a:t>
-            </a:r>
-            <a:r>
-              <a:rPr lang="en-US" sz="1200">
-                <a:ea typeface="Calibri"/>
-                <a:cs typeface="Calibri"/>
-              </a:rPr>
-              <a:t>: USD 0.0000166667 </a:t>
-            </a:r>
-            <a:r>
-              <a:rPr lang="en-US" sz="1200" err="1">
-                <a:ea typeface="Calibri"/>
-                <a:cs typeface="Calibri"/>
-              </a:rPr>
-              <a:t>por</a:t>
-            </a:r>
-            <a:r>
-              <a:rPr lang="en-US" sz="1200">
-                <a:ea typeface="Calibri"/>
-                <a:cs typeface="Calibri"/>
-              </a:rPr>
-              <a:t> GB-</a:t>
-            </a:r>
-            <a:r>
-              <a:rPr lang="en-US" sz="1200" err="1">
-                <a:ea typeface="Calibri"/>
-                <a:cs typeface="Calibri"/>
-              </a:rPr>
-              <a:t>segundo</a:t>
-            </a:r>
-            <a:r>
-              <a:rPr lang="en-US" sz="1200">
-                <a:ea typeface="Calibri"/>
-                <a:cs typeface="Calibri"/>
-              </a:rPr>
-              <a:t> </a:t>
-            </a:r>
-            <a:r>
-              <a:rPr lang="en-US" sz="1200" err="1">
-                <a:ea typeface="Calibri"/>
-                <a:cs typeface="Calibri"/>
-              </a:rPr>
-              <a:t>consumido</a:t>
-            </a:r>
-            <a:r>
-              <a:rPr lang="en-US" sz="1200">
-                <a:ea typeface="Calibri"/>
-                <a:cs typeface="Calibri"/>
-              </a:rPr>
-              <a:t>.</a:t>
+              <a:t>: USD 0.0000166667 por GB-segundo consumido.</a:t>
             </a:r>
           </a:p>
           <a:p>
@@ -27069,139 +25396,13 @@
               <a:buChar char="•"/>
             </a:pPr>
             <a:r>
-              <a:rPr lang="en-US" sz="1200">
+              <a:rPr lang="es-CO" sz="1200" noProof="0">
                 <a:ea typeface="Calibri"/>
                 <a:cs typeface="Calibri"/>
               </a:rPr>
-              <a:t>Se </a:t>
+              <a:t>Se calcula como (memoria asignada en GB) × (duración en segundos) × (tarifa GB-s).</a:t>
             </a:r>
-            <a:r>
-              <a:rPr lang="en-US" sz="1200" err="1">
-                <a:ea typeface="Calibri"/>
-                <a:cs typeface="Calibri"/>
-              </a:rPr>
-              <a:t>calcula</a:t>
-            </a:r>
-            <a:r>
-              <a:rPr lang="en-US" sz="1200">
-                <a:ea typeface="Calibri"/>
-                <a:cs typeface="Calibri"/>
-              </a:rPr>
-              <a:t> </a:t>
-            </a:r>
-            <a:r>
-              <a:rPr lang="en-US" sz="1200" err="1">
-                <a:ea typeface="Calibri"/>
-                <a:cs typeface="Calibri"/>
-              </a:rPr>
-              <a:t>como</a:t>
-            </a:r>
-            <a:r>
-              <a:rPr lang="en-US" sz="1200">
-                <a:ea typeface="Calibri"/>
-                <a:cs typeface="Calibri"/>
-              </a:rPr>
-              <a:t> (</a:t>
-            </a:r>
-            <a:r>
-              <a:rPr lang="en-US" sz="1200" err="1">
-                <a:ea typeface="Calibri"/>
-                <a:cs typeface="Calibri"/>
-              </a:rPr>
-              <a:t>memoria</a:t>
-            </a:r>
-            <a:r>
-              <a:rPr lang="en-US" sz="1200">
-                <a:ea typeface="Calibri"/>
-                <a:cs typeface="Calibri"/>
-              </a:rPr>
-              <a:t> </a:t>
-            </a:r>
-            <a:r>
-              <a:rPr lang="en-US" sz="1200" err="1">
-                <a:ea typeface="Calibri"/>
-                <a:cs typeface="Calibri"/>
-              </a:rPr>
-              <a:t>asignada</a:t>
-            </a:r>
-            <a:r>
-              <a:rPr lang="en-US" sz="1200">
-                <a:ea typeface="Calibri"/>
-                <a:cs typeface="Calibri"/>
-              </a:rPr>
-              <a:t> </a:t>
-            </a:r>
-            <a:r>
-              <a:rPr lang="en-US" sz="1200" err="1">
-                <a:ea typeface="Calibri"/>
-                <a:cs typeface="Calibri"/>
-              </a:rPr>
-              <a:t>en</a:t>
-            </a:r>
-            <a:r>
-              <a:rPr lang="en-US" sz="1200">
-                <a:ea typeface="Calibri"/>
-                <a:cs typeface="Calibri"/>
-              </a:rPr>
-              <a:t> GB) × (</a:t>
-            </a:r>
-            <a:r>
-              <a:rPr lang="en-US" sz="1200" err="1">
-                <a:ea typeface="Calibri"/>
-                <a:cs typeface="Calibri"/>
-              </a:rPr>
-              <a:t>duración</a:t>
-            </a:r>
-            <a:r>
-              <a:rPr lang="en-US" sz="1200">
-                <a:ea typeface="Calibri"/>
-                <a:cs typeface="Calibri"/>
-              </a:rPr>
-              <a:t> </a:t>
-            </a:r>
-            <a:r>
-              <a:rPr lang="en-US" sz="1200" err="1">
-                <a:ea typeface="Calibri"/>
-                <a:cs typeface="Calibri"/>
-              </a:rPr>
-              <a:t>en</a:t>
-            </a:r>
-            <a:r>
-              <a:rPr lang="en-US" sz="1200">
-                <a:ea typeface="Calibri"/>
-                <a:cs typeface="Calibri"/>
-              </a:rPr>
-              <a:t> </a:t>
-            </a:r>
-            <a:r>
-              <a:rPr lang="en-US" sz="1200" err="1">
-                <a:ea typeface="Calibri"/>
-                <a:cs typeface="Calibri"/>
-              </a:rPr>
-              <a:t>segundos</a:t>
-            </a:r>
-            <a:r>
-              <a:rPr lang="en-US" sz="1200">
-                <a:ea typeface="Calibri"/>
-                <a:cs typeface="Calibri"/>
-              </a:rPr>
-              <a:t>) × (</a:t>
-            </a:r>
-            <a:r>
-              <a:rPr lang="en-US" sz="1200" err="1">
-                <a:ea typeface="Calibri"/>
-                <a:cs typeface="Calibri"/>
-              </a:rPr>
-              <a:t>tarifa</a:t>
-            </a:r>
-            <a:r>
-              <a:rPr lang="en-US" sz="1200">
-                <a:ea typeface="Calibri"/>
-                <a:cs typeface="Calibri"/>
-              </a:rPr>
-              <a:t> GB-s).</a:t>
-            </a:r>
-            <a:endParaRPr lang="en-GB" sz="1000">
+            <a:endParaRPr lang="es-CO" sz="1000" noProof="0">
               <a:ea typeface="Calibri"/>
               <a:cs typeface="Calibri"/>
             </a:endParaRPr>
@@ -27221,7 +25422,7 @@
 </p:sld>
 </file>
 
-<file path=ppt/slides/slide24.xml><?xml version="1.0" encoding="utf-8"?>
+<file path=ppt/slides/slide25.xml><?xml version="1.0" encoding="utf-8"?>
 <p:sld xmlns:a="http://schemas.openxmlformats.org/drawingml/2006/main" xmlns:r="http://schemas.openxmlformats.org/officeDocument/2006/relationships" xmlns:p="http://schemas.openxmlformats.org/presentationml/2006/main">
   <p:cSld>
     <p:spTree>
@@ -27268,7 +25469,7 @@
             <a:fld id="{0AEE6DC9-5AC4-4174-887C-07A615CCC701}" type="slidenum">
               <a:rPr lang="es-CO" smtClean="0"/>
               <a:pPr/>
-              <a:t>24</a:t>
+              <a:t>25</a:t>
             </a:fld>
             <a:endParaRPr lang="es-CO"/>
           </a:p>
@@ -27462,7 +25663,7 @@
           <p:nvPr>
             <p:extLst>
               <p:ext uri="{D42A27DB-BD31-4B8C-83A1-F6EECF244321}">
-                <p14:modId xmlns:p14="http://schemas.microsoft.com/office/powerpoint/2010/main" val="2704189573"/>
+                <p14:modId xmlns:p14="http://schemas.microsoft.com/office/powerpoint/2010/main" val="3208141571"/>
               </p:ext>
             </p:extLst>
           </p:nvPr>
@@ -27517,7 +25718,7 @@
                         <a:buNone/>
                       </a:pPr>
                       <a:r>
-                        <a:rPr lang="en-US"/>
+                        <a:rPr lang="es-CO" noProof="0"/>
                         <a:t>Escenario</a:t>
                       </a:r>
                     </a:p>
@@ -27530,24 +25731,20 @@
                     <a:lstStyle/>
                     <a:p>
                       <a:r>
-                        <a:rPr lang="en-US" err="1"/>
-                        <a:t>Mensajes</a:t>
+                        <a:rPr lang="es-CO" noProof="0"/>
+                        <a:t>Mensajes/min</a:t>
                       </a:r>
+                    </a:p>
+                  </a:txBody>
+                  <a:tcPr/>
+                </a:tc>
+                <a:tc>
+                  <a:txBody>
+                    <a:bodyPr/>
+                    <a:lstStyle/>
+                    <a:p>
                       <a:r>
-                        <a:rPr lang="en-US"/>
-                        <a:t>/min</a:t>
-                      </a:r>
-                    </a:p>
-                  </a:txBody>
-                  <a:tcPr/>
-                </a:tc>
-                <a:tc>
-                  <a:txBody>
-                    <a:bodyPr/>
-                    <a:lstStyle/>
-                    <a:p>
-                      <a:r>
-                        <a:rPr lang="en-US" err="1"/>
+                        <a:rPr lang="es-CO" noProof="0"/>
                         <a:t>Duración</a:t>
                       </a:r>
                     </a:p>
@@ -27560,12 +25757,8 @@
                     <a:lstStyle/>
                     <a:p>
                       <a:r>
-                        <a:rPr lang="en-US"/>
-                        <a:t>Total </a:t>
-                      </a:r>
-                      <a:r>
-                        <a:rPr lang="en-US" err="1"/>
-                        <a:t>mensajes</a:t>
+                        <a:rPr lang="es-CO" noProof="0"/>
+                        <a:t>Total mensajes</a:t>
                       </a:r>
                     </a:p>
                   </a:txBody>
@@ -27584,12 +25777,8 @@
                     <a:lstStyle/>
                     <a:p>
                       <a:r>
-                        <a:rPr lang="en-US" err="1"/>
-                        <a:t>Operación</a:t>
-                      </a:r>
-                      <a:r>
-                        <a:rPr lang="en-US"/>
-                        <a:t> normal</a:t>
+                        <a:rPr lang="es-CO" noProof="0"/>
+                        <a:t>Operación normal</a:t>
                       </a:r>
                     </a:p>
                   </a:txBody>
@@ -27614,7 +25803,7 @@
                     <a:lstStyle/>
                     <a:p>
                       <a:r>
-                        <a:rPr lang="en-US"/>
+                        <a:rPr lang="es-CO" noProof="0"/>
                         <a:t>30 días</a:t>
                       </a:r>
                     </a:p>
@@ -27626,8 +25815,9 @@
                     <a:bodyPr/>
                     <a:lstStyle/>
                     <a:p>
+                      <a:pPr algn="r"/>
                       <a:r>
-                        <a:rPr lang="en-US"/>
+                        <a:rPr lang="es-CO" noProof="0"/>
                         <a:t>56'160.000</a:t>
                       </a:r>
                     </a:p>
@@ -27647,7 +25837,7 @@
                     <a:lstStyle/>
                     <a:p>
                       <a:r>
-                        <a:rPr lang="en-US"/>
+                        <a:rPr lang="es-CO" noProof="0"/>
                         <a:t>Pico de gestión</a:t>
                       </a:r>
                     </a:p>
@@ -27660,7 +25850,7 @@
                     <a:lstStyle/>
                     <a:p>
                       <a:r>
-                        <a:rPr lang="en-US"/>
+                        <a:rPr lang="es-CO" noProof="0"/>
                         <a:t>6500</a:t>
                       </a:r>
                     </a:p>
@@ -27673,7 +25863,7 @@
                     <a:lstStyle/>
                     <a:p>
                       <a:r>
-                        <a:rPr lang="en-US"/>
+                        <a:rPr lang="es-CO" noProof="0"/>
                         <a:t>30 min</a:t>
                       </a:r>
                     </a:p>
@@ -27685,8 +25875,9 @@
                     <a:bodyPr/>
                     <a:lstStyle/>
                     <a:p>
+                      <a:pPr algn="r"/>
                       <a:r>
-                        <a:rPr lang="en-US"/>
+                        <a:rPr lang="es-CO" noProof="0"/>
                         <a:t>195.000</a:t>
                       </a:r>
                     </a:p>
@@ -27718,7 +25909,7 @@
           <p:nvPr>
             <p:extLst>
               <p:ext uri="{D42A27DB-BD31-4B8C-83A1-F6EECF244321}">
-                <p14:modId xmlns:p14="http://schemas.microsoft.com/office/powerpoint/2010/main" val="2147170125"/>
+                <p14:modId xmlns:p14="http://schemas.microsoft.com/office/powerpoint/2010/main" val="3640269783"/>
               </p:ext>
             </p:extLst>
           </p:nvPr>
@@ -27770,10 +25961,9 @@
                     <a:lstStyle/>
                     <a:p>
                       <a:r>
-                        <a:rPr lang="en-US" err="1"/>
+                        <a:rPr lang="es-CO" noProof="0"/>
                         <a:t>Servicio</a:t>
                       </a:r>
-                      <a:endParaRPr lang="en-US" dirty="0" err="1"/>
                     </a:p>
                   </a:txBody>
                   <a:tcPr/>
@@ -27784,7 +25974,7 @@
                     <a:lstStyle/>
                     <a:p>
                       <a:r>
-                        <a:rPr lang="en-US" dirty="0"/>
+                        <a:rPr lang="es-CO" noProof="0"/>
                         <a:t>Concepto</a:t>
                       </a:r>
                     </a:p>
@@ -27797,10 +25987,9 @@
                     <a:lstStyle/>
                     <a:p>
                       <a:r>
-                        <a:rPr lang="en-US" err="1"/>
+                        <a:rPr lang="es-CO" noProof="0"/>
                         <a:t>Cálculo</a:t>
                       </a:r>
-                      <a:endParaRPr lang="en-US" dirty="0" err="1"/>
                     </a:p>
                   </a:txBody>
                   <a:tcPr/>
@@ -27814,7 +26003,7 @@
                         <a:buNone/>
                       </a:pPr>
                       <a:r>
-                        <a:rPr lang="en-US" dirty="0"/>
+                        <a:rPr lang="es-CO" noProof="0"/>
                         <a:t>Costo (USD)</a:t>
                       </a:r>
                     </a:p>
@@ -27834,7 +26023,7 @@
                     <a:lstStyle/>
                     <a:p>
                       <a:r>
-                        <a:rPr lang="en-US" dirty="0"/>
+                        <a:rPr lang="es-CO" noProof="0"/>
                         <a:t>Lambda</a:t>
                       </a:r>
                     </a:p>
@@ -27847,10 +26036,9 @@
                     <a:lstStyle/>
                     <a:p>
                       <a:r>
-                        <a:rPr lang="en-US" err="1"/>
+                        <a:rPr lang="es-CO" noProof="0"/>
                         <a:t>Invocaciones</a:t>
                       </a:r>
-                      <a:endParaRPr lang="en-US" dirty="0" err="1"/>
                     </a:p>
                   </a:txBody>
                   <a:tcPr/>
@@ -27861,7 +26049,7 @@
                     <a:lstStyle/>
                     <a:p>
                       <a:r>
-                        <a:rPr lang="en-US" dirty="0"/>
+                        <a:rPr lang="es-CO" noProof="0"/>
                         <a:t>(55.16 M /1M) * 0.20 USD</a:t>
                       </a:r>
                     </a:p>
@@ -27873,11 +26061,11 @@
                     <a:bodyPr/>
                     <a:lstStyle/>
                     <a:p>
-                      <a:pPr lvl="0">
+                      <a:pPr lvl="0" algn="r">
                         <a:buNone/>
                       </a:pPr>
                       <a:r>
-                        <a:rPr lang="en-US" dirty="0"/>
+                        <a:rPr lang="es-CO" noProof="0"/>
                         <a:t>$11.03</a:t>
                       </a:r>
                     </a:p>
@@ -27910,10 +26098,9 @@
                         <a:buNone/>
                       </a:pPr>
                       <a:r>
-                        <a:rPr lang="en-US" err="1"/>
+                        <a:rPr lang="es-CO" noProof="0"/>
                         <a:t>Cómputo</a:t>
                       </a:r>
-                      <a:endParaRPr lang="en-US" dirty="0" err="1"/>
                     </a:p>
                   </a:txBody>
                   <a:tcPr/>
@@ -27927,7 +26114,7 @@
                         <a:buNone/>
                       </a:pPr>
                       <a:r>
-                        <a:rPr lang="en-US" dirty="0"/>
+                        <a:rPr lang="es-CO" noProof="0"/>
                         <a:t>56.16M * 0.00000125 USD/INV</a:t>
                       </a:r>
                     </a:p>
@@ -27939,11 +26126,11 @@
                     <a:bodyPr/>
                     <a:lstStyle/>
                     <a:p>
-                      <a:pPr lvl="0">
+                      <a:pPr lvl="0" algn="r">
                         <a:buNone/>
                       </a:pPr>
                       <a:r>
-                        <a:rPr lang="en-US" dirty="0"/>
+                        <a:rPr lang="es-CO" noProof="0"/>
                         <a:t>$70.20</a:t>
                       </a:r>
                     </a:p>
@@ -27966,7 +26153,7 @@
                         <a:buNone/>
                       </a:pPr>
                       <a:r>
-                        <a:rPr lang="en-US" dirty="0"/>
+                        <a:rPr lang="es-CO" noProof="0"/>
                         <a:t>SQS</a:t>
                       </a:r>
                     </a:p>
@@ -27982,12 +26169,8 @@
                         <a:buNone/>
                       </a:pPr>
                       <a:r>
-                        <a:rPr lang="en-US" dirty="0" err="1"/>
-                        <a:t>Mensajes</a:t>
-                      </a:r>
-                      <a:r>
-                        <a:rPr lang="en-US" dirty="0"/>
-                        <a:t> ON</a:t>
+                        <a:rPr lang="es-CO" noProof="0"/>
+                        <a:t>Mensajes ON</a:t>
                       </a:r>
                     </a:p>
                   </a:txBody>
@@ -28002,7 +26185,7 @@
                         <a:buNone/>
                       </a:pPr>
                       <a:r>
-                        <a:rPr lang="en-US" dirty="0"/>
+                        <a:rPr lang="es-CO" noProof="0"/>
                         <a:t>(56'160.000 * 2) -1'000.000</a:t>
                       </a:r>
                     </a:p>
@@ -28014,11 +26197,11 @@
                     <a:bodyPr/>
                     <a:lstStyle/>
                     <a:p>
-                      <a:pPr lvl="0">
+                      <a:pPr lvl="0" algn="r">
                         <a:buNone/>
                       </a:pPr>
                       <a:r>
-                        <a:rPr lang="en-US" dirty="0"/>
+                        <a:rPr lang="es-CO" noProof="0"/>
                         <a:t>$ 44.53</a:t>
                       </a:r>
                     </a:p>
@@ -28051,16 +26234,8 @@
                         <a:buNone/>
                       </a:pPr>
                       <a:r>
-                        <a:rPr lang="en-US" dirty="0" err="1"/>
-                        <a:t>Mensajes</a:t>
-                      </a:r>
-                      <a:r>
-                        <a:rPr lang="en-US" dirty="0"/>
-                        <a:t> </a:t>
-                      </a:r>
-                      <a:r>
-                        <a:rPr lang="en-US" dirty="0" err="1"/>
-                        <a:t>pico</a:t>
+                        <a:rPr lang="es-CO" noProof="0"/>
+                        <a:t>Mensajes pico</a:t>
                       </a:r>
                     </a:p>
                   </a:txBody>
@@ -28075,15 +26250,15 @@
                         <a:buNone/>
                       </a:pPr>
                       <a:r>
-                        <a:rPr lang="en-US" dirty="0"/>
+                        <a:rPr lang="es-CO" noProof="0"/>
                         <a:t>(195.000 </a:t>
                       </a:r>
                       <a:r>
-                        <a:rPr lang="en-US" dirty="0" err="1"/>
+                        <a:rPr lang="es-CO" noProof="0" err="1"/>
                         <a:t>msj</a:t>
                       </a:r>
                       <a:r>
-                        <a:rPr lang="en-US" dirty="0"/>
+                        <a:rPr lang="es-CO" noProof="0"/>
                         <a:t> * 2) - 1'000.000</a:t>
                       </a:r>
                     </a:p>
@@ -28095,11 +26270,11 @@
                     <a:bodyPr/>
                     <a:lstStyle/>
                     <a:p>
-                      <a:pPr lvl="0">
+                      <a:pPr lvl="0" algn="r">
                         <a:buNone/>
                       </a:pPr>
                       <a:r>
-                        <a:rPr lang="en-US" dirty="0"/>
+                        <a:rPr lang="es-CO" noProof="0"/>
                         <a:t>$ 0.16</a:t>
                       </a:r>
                     </a:p>
@@ -28122,7 +26297,7 @@
                         <a:buNone/>
                       </a:pPr>
                       <a:r>
-                        <a:rPr lang="en-US" dirty="0"/>
+                        <a:rPr lang="es-CO" noProof="0"/>
                         <a:t>Total</a:t>
                       </a:r>
                     </a:p>
@@ -28137,7 +26312,7 @@
                       <a:pPr lvl="0">
                         <a:buNone/>
                       </a:pPr>
-                      <a:endParaRPr lang="en-US"/>
+                      <a:endParaRPr lang="es-CO" noProof="0"/>
                     </a:p>
                   </a:txBody>
                   <a:tcPr/>
@@ -28150,7 +26325,7 @@
                       <a:pPr lvl="0">
                         <a:buNone/>
                       </a:pPr>
-                      <a:endParaRPr lang="en-US"/>
+                      <a:endParaRPr lang="es-CO" noProof="0"/>
                     </a:p>
                   </a:txBody>
                   <a:tcPr/>
@@ -28160,11 +26335,11 @@
                     <a:bodyPr/>
                     <a:lstStyle/>
                     <a:p>
-                      <a:pPr lvl="0">
+                      <a:pPr lvl="0" algn="r">
                         <a:buNone/>
                       </a:pPr>
                       <a:r>
-                        <a:rPr lang="en-US" dirty="0"/>
+                        <a:rPr lang="es-CO" noProof="0"/>
                         <a:t>$125.25</a:t>
                       </a:r>
                     </a:p>
@@ -28213,25 +26388,25 @@
           <a:lstStyle/>
           <a:p>
             <a:r>
-              <a:rPr lang="en-US" sz="1100">
+              <a:rPr lang="es-CO" sz="1100" noProof="0">
                 <a:ea typeface="Calibri"/>
                 <a:cs typeface="Calibri"/>
               </a:rPr>
-              <a:t>*1300 event/min </a:t>
+              <a:t>*1300 </a:t>
             </a:r>
             <a:r>
-              <a:rPr lang="en-US" sz="1100" err="1">
+              <a:rPr lang="es-CO" sz="1100" noProof="0" err="1">
                 <a:ea typeface="Calibri"/>
                 <a:cs typeface="Calibri"/>
               </a:rPr>
-              <a:t>continuas</a:t>
+              <a:t>event</a:t>
             </a:r>
             <a:r>
-              <a:rPr lang="en-US" sz="1100">
+              <a:rPr lang="es-CO" sz="1100" noProof="0">
                 <a:ea typeface="Calibri"/>
                 <a:cs typeface="Calibri"/>
               </a:rPr>
-              <a:t> </a:t>
+              <a:t>/min continuas </a:t>
             </a:r>
           </a:p>
           <a:p>
@@ -28241,69 +26416,55 @@
               </a:spcBef>
             </a:pPr>
             <a:r>
-              <a:rPr lang="en-US" sz="1100">
+              <a:rPr lang="es-CO" sz="1100" noProof="0">
                 <a:ea typeface="Calibri"/>
                 <a:cs typeface="Calibri"/>
               </a:rPr>
-              <a:t>*6500 event/min x 30 min</a:t>
+              <a:t>*6500 </a:t>
+            </a:r>
+            <a:r>
+              <a:rPr lang="es-CO" sz="1100" noProof="0" err="1">
+                <a:ea typeface="Calibri"/>
+                <a:cs typeface="Calibri"/>
+              </a:rPr>
+              <a:t>event</a:t>
+            </a:r>
+            <a:r>
+              <a:rPr lang="es-CO" sz="1100" noProof="0">
+                <a:ea typeface="Calibri"/>
+                <a:cs typeface="Calibri"/>
+              </a:rPr>
+              <a:t>/min x 30 min</a:t>
             </a:r>
             <a:br>
-              <a:rPr lang="en-US" sz="1100">
+              <a:rPr lang="es-CO" sz="1100" noProof="0">
                 <a:ea typeface="Calibri"/>
                 <a:cs typeface="Calibri"/>
               </a:rPr>
             </a:br>
             <a:br>
-              <a:rPr lang="en-US" sz="1100">
+              <a:rPr lang="es-CO" sz="1100" noProof="0">
                 <a:ea typeface="Calibri"/>
                 <a:cs typeface="Calibri"/>
               </a:rPr>
             </a:br>
             <a:r>
-              <a:rPr lang="en-US" sz="1100">
+              <a:rPr lang="es-CO" sz="1100" noProof="0">
                 <a:ea typeface="Calibri"/>
                 <a:cs typeface="Calibri"/>
               </a:rPr>
-              <a:t>*Memoria </a:t>
-            </a:r>
-            <a:r>
-              <a:rPr lang="en-US" sz="1100" err="1">
-                <a:ea typeface="Calibri"/>
-                <a:cs typeface="Calibri"/>
-              </a:rPr>
-              <a:t>asignada</a:t>
-            </a:r>
-            <a:r>
-              <a:rPr lang="en-US" sz="1100">
-                <a:ea typeface="Calibri"/>
-                <a:cs typeface="Calibri"/>
-              </a:rPr>
-              <a:t>: 512 MB</a:t>
+              <a:t>*Memoria asignada: 512 MB</a:t>
             </a:r>
           </a:p>
           <a:p>
             <a:r>
-              <a:rPr lang="en-US" sz="1100">
+              <a:rPr lang="es-CO" sz="1100" noProof="0">
                 <a:ea typeface="Calibri"/>
                 <a:cs typeface="Calibri"/>
               </a:rPr>
-              <a:t>*</a:t>
+              <a:t>*Duración 0.15seg</a:t>
             </a:r>
-            <a:r>
-              <a:rPr lang="en-US" sz="1100" err="1">
-                <a:ea typeface="Calibri"/>
-                <a:cs typeface="Calibri"/>
-              </a:rPr>
-              <a:t>Duración</a:t>
-            </a:r>
-            <a:r>
-              <a:rPr lang="en-US" sz="1100">
-                <a:ea typeface="Calibri"/>
-                <a:cs typeface="Calibri"/>
-              </a:rPr>
-              <a:t> 0.15seg</a:t>
-            </a:r>
-            <a:endParaRPr lang="en-US"/>
+            <a:endParaRPr lang="es-CO" noProof="0"/>
           </a:p>
         </p:txBody>
       </p:sp>
@@ -28311,516 +26472,6 @@
     <p:extLst>
       <p:ext uri="{BB962C8B-B14F-4D97-AF65-F5344CB8AC3E}">
         <p14:creationId xmlns:p14="http://schemas.microsoft.com/office/powerpoint/2010/main" val="866889576"/>
-      </p:ext>
-    </p:extLst>
-  </p:cSld>
-  <p:clrMapOvr>
-    <a:masterClrMapping/>
-  </p:clrMapOvr>
-</p:sld>
-</file>
-
-<file path=ppt/slides/slide25.xml><?xml version="1.0" encoding="utf-8"?>
-<p:sld xmlns:a="http://schemas.openxmlformats.org/drawingml/2006/main" xmlns:r="http://schemas.openxmlformats.org/officeDocument/2006/relationships" xmlns:p="http://schemas.openxmlformats.org/presentationml/2006/main">
-  <p:cSld>
-    <p:spTree>
-      <p:nvGrpSpPr>
-        <p:cNvPr id="1" name=""/>
-        <p:cNvGrpSpPr/>
-        <p:nvPr/>
-      </p:nvGrpSpPr>
-      <p:grpSpPr>
-        <a:xfrm>
-          <a:off x="0" y="0"/>
-          <a:ext cx="0" cy="0"/>
-          <a:chOff x="0" y="0"/>
-          <a:chExt cx="0" cy="0"/>
-        </a:xfrm>
-      </p:grpSpPr>
-      <p:sp>
-        <p:nvSpPr>
-          <p:cNvPr id="3" name="Slide Number Placeholder 2"/>
-          <p:cNvSpPr>
-            <a:spLocks noGrp="1"/>
-          </p:cNvSpPr>
-          <p:nvPr>
-            <p:ph type="sldNum" sz="quarter" idx="4"/>
-          </p:nvPr>
-        </p:nvSpPr>
-        <p:spPr/>
-        <p:txBody>
-          <a:bodyPr/>
-          <a:lstStyle/>
-          <a:p>
-            <a:fld id="{0AEE6DC9-5AC4-4174-887C-07A615CCC701}" type="slidenum">
-              <a:rPr lang="es-CO" smtClean="0"/>
-              <a:pPr/>
-              <a:t>25</a:t>
-            </a:fld>
-            <a:endParaRPr lang="es-CO"/>
-          </a:p>
-        </p:txBody>
-      </p:sp>
-      <p:sp>
-        <p:nvSpPr>
-          <p:cNvPr id="6" name="Footer Placeholder 5"/>
-          <p:cNvSpPr>
-            <a:spLocks noGrp="1"/>
-          </p:cNvSpPr>
-          <p:nvPr>
-            <p:ph type="ftr" sz="quarter" idx="11"/>
-          </p:nvPr>
-        </p:nvSpPr>
-        <p:spPr>
-          <a:xfrm>
-            <a:off x="2123728" y="6453336"/>
-            <a:ext cx="5256584" cy="365125"/>
-          </a:xfrm>
-          <a:prstGeom prst="rect">
-            <a:avLst/>
-          </a:prstGeom>
-        </p:spPr>
-        <p:txBody>
-          <a:bodyPr/>
-          <a:lstStyle>
-            <a:defPPr>
-              <a:defRPr lang="es-CO"/>
-            </a:defPPr>
-            <a:lvl1pPr marL="0" algn="l" defTabSz="914400" rtl="0" eaLnBrk="1" latinLnBrk="0" hangingPunct="1">
-              <a:defRPr sz="1100" kern="1200">
-                <a:solidFill>
-                  <a:srgbClr val="174970"/>
-                </a:solidFill>
-                <a:latin typeface="+mn-lt"/>
-                <a:ea typeface="+mn-ea"/>
-                <a:cs typeface="+mn-cs"/>
-              </a:defRPr>
-            </a:lvl1pPr>
-            <a:lvl2pPr marL="457200" algn="l" defTabSz="914400" rtl="0" eaLnBrk="1" latinLnBrk="0" hangingPunct="1">
-              <a:defRPr sz="1800" kern="1200">
-                <a:solidFill>
-                  <a:schemeClr val="tx1"/>
-                </a:solidFill>
-                <a:latin typeface="+mn-lt"/>
-                <a:ea typeface="+mn-ea"/>
-                <a:cs typeface="+mn-cs"/>
-              </a:defRPr>
-            </a:lvl2pPr>
-            <a:lvl3pPr marL="914400" algn="l" defTabSz="914400" rtl="0" eaLnBrk="1" latinLnBrk="0" hangingPunct="1">
-              <a:defRPr sz="1800" kern="1200">
-                <a:solidFill>
-                  <a:schemeClr val="tx1"/>
-                </a:solidFill>
-                <a:latin typeface="+mn-lt"/>
-                <a:ea typeface="+mn-ea"/>
-                <a:cs typeface="+mn-cs"/>
-              </a:defRPr>
-            </a:lvl3pPr>
-            <a:lvl4pPr marL="1371600" algn="l" defTabSz="914400" rtl="0" eaLnBrk="1" latinLnBrk="0" hangingPunct="1">
-              <a:defRPr sz="1800" kern="1200">
-                <a:solidFill>
-                  <a:schemeClr val="tx1"/>
-                </a:solidFill>
-                <a:latin typeface="+mn-lt"/>
-                <a:ea typeface="+mn-ea"/>
-                <a:cs typeface="+mn-cs"/>
-              </a:defRPr>
-            </a:lvl4pPr>
-            <a:lvl5pPr marL="1828800" algn="l" defTabSz="914400" rtl="0" eaLnBrk="1" latinLnBrk="0" hangingPunct="1">
-              <a:defRPr sz="1800" kern="1200">
-                <a:solidFill>
-                  <a:schemeClr val="tx1"/>
-                </a:solidFill>
-                <a:latin typeface="+mn-lt"/>
-                <a:ea typeface="+mn-ea"/>
-                <a:cs typeface="+mn-cs"/>
-              </a:defRPr>
-            </a:lvl5pPr>
-            <a:lvl6pPr marL="2286000" algn="l" defTabSz="914400" rtl="0" eaLnBrk="1" latinLnBrk="0" hangingPunct="1">
-              <a:defRPr sz="1800" kern="1200">
-                <a:solidFill>
-                  <a:schemeClr val="tx1"/>
-                </a:solidFill>
-                <a:latin typeface="+mn-lt"/>
-                <a:ea typeface="+mn-ea"/>
-                <a:cs typeface="+mn-cs"/>
-              </a:defRPr>
-            </a:lvl6pPr>
-            <a:lvl7pPr marL="2743200" algn="l" defTabSz="914400" rtl="0" eaLnBrk="1" latinLnBrk="0" hangingPunct="1">
-              <a:defRPr sz="1800" kern="1200">
-                <a:solidFill>
-                  <a:schemeClr val="tx1"/>
-                </a:solidFill>
-                <a:latin typeface="+mn-lt"/>
-                <a:ea typeface="+mn-ea"/>
-                <a:cs typeface="+mn-cs"/>
-              </a:defRPr>
-            </a:lvl7pPr>
-            <a:lvl8pPr marL="3200400" algn="l" defTabSz="914400" rtl="0" eaLnBrk="1" latinLnBrk="0" hangingPunct="1">
-              <a:defRPr sz="1800" kern="1200">
-                <a:solidFill>
-                  <a:schemeClr val="tx1"/>
-                </a:solidFill>
-                <a:latin typeface="+mn-lt"/>
-                <a:ea typeface="+mn-ea"/>
-                <a:cs typeface="+mn-cs"/>
-              </a:defRPr>
-            </a:lvl8pPr>
-            <a:lvl9pPr marL="3657600" algn="l" defTabSz="914400" rtl="0" eaLnBrk="1" latinLnBrk="0" hangingPunct="1">
-              <a:defRPr sz="1800" kern="1200">
-                <a:solidFill>
-                  <a:schemeClr val="tx1"/>
-                </a:solidFill>
-                <a:latin typeface="+mn-lt"/>
-                <a:ea typeface="+mn-ea"/>
-                <a:cs typeface="+mn-cs"/>
-              </a:defRPr>
-            </a:lvl9pPr>
-          </a:lstStyle>
-          <a:p>
-            <a:r>
-              <a:rPr lang="es-CO"/>
-              <a:t>© 2018 - Universidad de Los Andes – Departamento de Sistemas y Computación</a:t>
-            </a:r>
-            <a:endParaRPr lang="es-CO" noProof="0"/>
-          </a:p>
-        </p:txBody>
-      </p:sp>
-      <p:sp>
-        <p:nvSpPr>
-          <p:cNvPr id="2" name="Rectangle 1">
-            <a:extLst>
-              <a:ext uri="{FF2B5EF4-FFF2-40B4-BE49-F238E27FC236}">
-                <a16:creationId xmlns:a16="http://schemas.microsoft.com/office/drawing/2014/main" id="{EB03BDBB-7E41-844C-9D92-41F809FBBBE4}"/>
-              </a:ext>
-            </a:extLst>
-          </p:cNvPr>
-          <p:cNvSpPr/>
-          <p:nvPr/>
-        </p:nvSpPr>
-        <p:spPr>
-          <a:xfrm>
-            <a:off x="287524" y="1268760"/>
-            <a:ext cx="8568952" cy="600164"/>
-          </a:xfrm>
-          <a:prstGeom prst="rect">
-            <a:avLst/>
-          </a:prstGeom>
-          <a:solidFill>
-            <a:schemeClr val="bg1">
-              <a:lumMod val="85000"/>
-            </a:schemeClr>
-          </a:solidFill>
-        </p:spPr>
-        <p:txBody>
-          <a:bodyPr wrap="square">
-            <a:spAutoFit/>
-          </a:bodyPr>
-          <a:lstStyle/>
-          <a:p>
-            <a:r>
-              <a:rPr lang="es-ES_tradnl" sz="1100" b="1"/>
-              <a:t>Paso 7- Validar el cumplimiento de los motivadores y analizar el diseño producido: </a:t>
-            </a:r>
-            <a:r>
-              <a:rPr lang="es-ES_tradnl" sz="1100"/>
-              <a:t>Validar con los </a:t>
-            </a:r>
-            <a:r>
-              <a:rPr lang="es-ES_tradnl" sz="1100" err="1"/>
-              <a:t>stakeholders</a:t>
-            </a:r>
-            <a:r>
-              <a:rPr lang="es-ES_tradnl" sz="1100"/>
-              <a:t> los objetivos cumplidos al final de una iteración o ronda de diseño. Revisión de pares. Decidir si el número de iteraciones y revisiones de diseño son suficientes o se debe refinar algún elemento</a:t>
-            </a:r>
-          </a:p>
-        </p:txBody>
-      </p:sp>
-      <p:graphicFrame>
-        <p:nvGraphicFramePr>
-          <p:cNvPr id="10" name="Content Placeholder 5">
-            <a:extLst>
-              <a:ext uri="{FF2B5EF4-FFF2-40B4-BE49-F238E27FC236}">
-                <a16:creationId xmlns:a16="http://schemas.microsoft.com/office/drawing/2014/main" id="{936F00B5-C18A-254E-9723-C4AE215E98DD}"/>
-              </a:ext>
-            </a:extLst>
-          </p:cNvPr>
-          <p:cNvGraphicFramePr>
-            <a:graphicFrameLocks noGrp="1"/>
-          </p:cNvGraphicFramePr>
-          <p:nvPr>
-            <p:ph idx="1"/>
-            <p:extLst>
-              <p:ext uri="{D42A27DB-BD31-4B8C-83A1-F6EECF244321}">
-                <p14:modId xmlns:p14="http://schemas.microsoft.com/office/powerpoint/2010/main" val="1800444504"/>
-              </p:ext>
-            </p:extLst>
-          </p:nvPr>
-        </p:nvGraphicFramePr>
-        <p:xfrm>
-          <a:off x="267882" y="2340398"/>
-          <a:ext cx="8556608" cy="2910297"/>
-        </p:xfrm>
-        <a:graphic>
-          <a:graphicData uri="http://schemas.openxmlformats.org/drawingml/2006/table">
-            <a:tbl>
-              <a:tblPr firstRow="1" firstCol="1" bandRow="1">
-                <a:tableStyleId>{5C22544A-7EE6-4342-B048-85BDC9FD1C3A}</a:tableStyleId>
-              </a:tblPr>
-              <a:tblGrid>
-                <a:gridCol w="1657835">
-                  <a:extLst>
-                    <a:ext uri="{9D8B030D-6E8A-4147-A177-3AD203B41FA5}">
-                      <a16:colId xmlns:a16="http://schemas.microsoft.com/office/drawing/2014/main" val="20000"/>
-                    </a:ext>
-                  </a:extLst>
-                </a:gridCol>
-                <a:gridCol w="6898773">
-                  <a:extLst>
-                    <a:ext uri="{9D8B030D-6E8A-4147-A177-3AD203B41FA5}">
-                      <a16:colId xmlns:a16="http://schemas.microsoft.com/office/drawing/2014/main" val="20001"/>
-                    </a:ext>
-                  </a:extLst>
-                </a:gridCol>
-              </a:tblGrid>
-              <a:tr h="330019">
-                <a:tc>
-                  <a:txBody>
-                    <a:bodyPr/>
-                    <a:lstStyle/>
-                    <a:p>
-                      <a:r>
-                        <a:rPr lang="es-CO" sz="1200"/>
-                        <a:t>Título del experimento</a:t>
-                      </a:r>
-                    </a:p>
-                  </a:txBody>
-                  <a:tcPr/>
-                </a:tc>
-                <a:tc>
-                  <a:txBody>
-                    <a:bodyPr/>
-                    <a:lstStyle/>
-                    <a:p>
-                      <a:pPr lvl="0">
-                        <a:buNone/>
-                      </a:pPr>
-                      <a:r>
-                        <a:rPr lang="es-CO" sz="1400" b="1" i="0" u="none" strike="noStrike" baseline="0" noProof="0">
-                          <a:solidFill>
-                            <a:srgbClr val="FFFFFF"/>
-                          </a:solidFill>
-                          <a:latin typeface="Calibri"/>
-                        </a:rPr>
-                        <a:t>Latencia en la creación y envío de notificación a la cola</a:t>
-                      </a:r>
-                      <a:endParaRPr lang="en-US"/>
-                    </a:p>
-                  </a:txBody>
-                  <a:tcPr/>
-                </a:tc>
-                <a:extLst>
-                  <a:ext uri="{0D108BD9-81ED-4DB2-BD59-A6C34878D82A}">
-                    <a16:rowId xmlns:a16="http://schemas.microsoft.com/office/drawing/2014/main" val="10000"/>
-                  </a:ext>
-                </a:extLst>
-              </a:tr>
-              <a:tr h="330019">
-                <a:tc>
-                  <a:txBody>
-                    <a:bodyPr/>
-                    <a:lstStyle/>
-                    <a:p>
-                      <a:r>
-                        <a:rPr lang="es-CO" sz="1200"/>
-                        <a:t>Propósito</a:t>
-                      </a:r>
-                    </a:p>
-                  </a:txBody>
-                  <a:tcPr/>
-                </a:tc>
-                <a:tc>
-                  <a:txBody>
-                    <a:bodyPr/>
-                    <a:lstStyle/>
-                    <a:p>
-                      <a:pPr marL="0" lvl="0" indent="0" algn="l">
-                        <a:lnSpc>
-                          <a:spcPct val="100000"/>
-                        </a:lnSpc>
-                        <a:buNone/>
-                      </a:pPr>
-                      <a:r>
-                        <a:rPr lang="es-CO" sz="1200" b="0" i="0" u="none" strike="noStrike" baseline="0" noProof="0">
-                          <a:solidFill>
-                            <a:srgbClr val="174970"/>
-                          </a:solidFill>
-                          <a:latin typeface="Calibri"/>
-                        </a:rPr>
-                        <a:t>Medir el tiempo transcurrido desde que la función Lambda recibe un mensaje una orden hasta que publica en una cola de notificaciones.</a:t>
-                      </a:r>
-                    </a:p>
-                    <a:p>
-                      <a:pPr lvl="0">
-                        <a:buNone/>
-                      </a:pPr>
-                      <a:endParaRPr lang="es-CO" sz="1200" b="0" i="0" u="none" strike="noStrike" baseline="0" noProof="0">
-                        <a:latin typeface="Calibri"/>
-                      </a:endParaRPr>
-                    </a:p>
-                  </a:txBody>
-                  <a:tcPr/>
-                </a:tc>
-                <a:extLst>
-                  <a:ext uri="{0D108BD9-81ED-4DB2-BD59-A6C34878D82A}">
-                    <a16:rowId xmlns:a16="http://schemas.microsoft.com/office/drawing/2014/main" val="10001"/>
-                  </a:ext>
-                </a:extLst>
-              </a:tr>
-              <a:tr h="330019">
-                <a:tc>
-                  <a:txBody>
-                    <a:bodyPr/>
-                    <a:lstStyle/>
-                    <a:p>
-                      <a:r>
-                        <a:rPr lang="es-CO" sz="1200"/>
-                        <a:t>Resultados esperados</a:t>
-                      </a:r>
-                    </a:p>
-                  </a:txBody>
-                  <a:tcPr/>
-                </a:tc>
-                <a:tc>
-                  <a:txBody>
-                    <a:bodyPr/>
-                    <a:lstStyle/>
-                    <a:p>
-                      <a:r>
-                        <a:rPr lang="es-CO" sz="1200"/>
-                        <a:t>Se espera que al tomar la información generarla y enviarla a la cola de notificaciones tenga un tiempo de duración de 0.15 segundos .</a:t>
-                      </a:r>
-                    </a:p>
-                  </a:txBody>
-                  <a:tcPr/>
-                </a:tc>
-                <a:extLst>
-                  <a:ext uri="{0D108BD9-81ED-4DB2-BD59-A6C34878D82A}">
-                    <a16:rowId xmlns:a16="http://schemas.microsoft.com/office/drawing/2014/main" val="10002"/>
-                  </a:ext>
-                </a:extLst>
-              </a:tr>
-              <a:tr h="330019">
-                <a:tc>
-                  <a:txBody>
-                    <a:bodyPr/>
-                    <a:lstStyle/>
-                    <a:p>
-                      <a:r>
-                        <a:rPr lang="es-CO" sz="1200"/>
-                        <a:t>Recursos requeridos</a:t>
-                      </a:r>
-                    </a:p>
-                  </a:txBody>
-                  <a:tcPr/>
-                </a:tc>
-                <a:tc>
-                  <a:txBody>
-                    <a:bodyPr/>
-                    <a:lstStyle/>
-                    <a:p>
-                      <a:r>
-                        <a:rPr lang="es-CO" sz="1200"/>
-                        <a:t>Se requiere tener acceso a AWS y a la lambda creada con las colas correspondientes.</a:t>
-                      </a:r>
-                    </a:p>
-                  </a:txBody>
-                  <a:tcPr/>
-                </a:tc>
-                <a:extLst>
-                  <a:ext uri="{0D108BD9-81ED-4DB2-BD59-A6C34878D82A}">
-                    <a16:rowId xmlns:a16="http://schemas.microsoft.com/office/drawing/2014/main" val="10003"/>
-                  </a:ext>
-                </a:extLst>
-              </a:tr>
-              <a:tr h="330019">
-                <a:tc>
-                  <a:txBody>
-                    <a:bodyPr/>
-                    <a:lstStyle/>
-                    <a:p>
-                      <a:r>
-                        <a:rPr lang="es-CO" sz="1200"/>
-                        <a:t>Elementos de arquitectura involucrados</a:t>
-                      </a:r>
-                    </a:p>
-                  </a:txBody>
-                  <a:tcPr/>
-                </a:tc>
-                <a:tc>
-                  <a:txBody>
-                    <a:bodyPr/>
-                    <a:lstStyle/>
-                    <a:p>
-                      <a:pPr lvl="0">
-                        <a:buNone/>
-                      </a:pPr>
-                      <a:r>
-                        <a:rPr lang="es-CO" sz="1200"/>
-                        <a:t>El ASR asociado requiere que una notificación sea generada y enviada a la cola de notificaciones en un tiempo de 0.15 segundos, por lo que se buscara hacer uso de tácticas como múltiples copias de cómputo y priorización de eventos, ya que tenemos como punto de sensibilidad la lógica de creación de la notificación y llamada a la cola de destino.</a:t>
-                      </a:r>
-                    </a:p>
-                  </a:txBody>
-                  <a:tcPr/>
-                </a:tc>
-                <a:extLst>
-                  <a:ext uri="{0D108BD9-81ED-4DB2-BD59-A6C34878D82A}">
-                    <a16:rowId xmlns:a16="http://schemas.microsoft.com/office/drawing/2014/main" val="10004"/>
-                  </a:ext>
-                </a:extLst>
-              </a:tr>
-              <a:tr h="330019">
-                <a:tc>
-                  <a:txBody>
-                    <a:bodyPr/>
-                    <a:lstStyle/>
-                    <a:p>
-                      <a:r>
-                        <a:rPr lang="es-CO" sz="1200"/>
-                        <a:t>Esfuerzo estimado</a:t>
-                      </a:r>
-                    </a:p>
-                  </a:txBody>
-                  <a:tcPr/>
-                </a:tc>
-                <a:tc>
-                  <a:txBody>
-                    <a:bodyPr/>
-                    <a:lstStyle/>
-                    <a:p>
-                      <a:r>
-                        <a:rPr lang="es-CO" sz="1200"/>
-                        <a:t>48 horas</a:t>
-                      </a:r>
-                    </a:p>
-                  </a:txBody>
-                  <a:tcPr/>
-                </a:tc>
-                <a:extLst>
-                  <a:ext uri="{0D108BD9-81ED-4DB2-BD59-A6C34878D82A}">
-                    <a16:rowId xmlns:a16="http://schemas.microsoft.com/office/drawing/2014/main" val="10005"/>
-                  </a:ext>
-                </a:extLst>
-              </a:tr>
-            </a:tbl>
-          </a:graphicData>
-        </a:graphic>
-      </p:graphicFrame>
-    </p:spTree>
-    <p:extLst>
-      <p:ext uri="{BB962C8B-B14F-4D97-AF65-F5344CB8AC3E}">
-        <p14:creationId xmlns:p14="http://schemas.microsoft.com/office/powerpoint/2010/main" val="1119887568"/>
       </p:ext>
     </p:extLst>
   </p:cSld>
@@ -29063,14 +26714,14 @@
             <p:ph idx="1"/>
             <p:extLst>
               <p:ext uri="{D42A27DB-BD31-4B8C-83A1-F6EECF244321}">
-                <p14:modId xmlns:p14="http://schemas.microsoft.com/office/powerpoint/2010/main" val="3028630679"/>
+                <p14:modId xmlns:p14="http://schemas.microsoft.com/office/powerpoint/2010/main" val="1800444504"/>
               </p:ext>
             </p:extLst>
           </p:nvPr>
         </p:nvGraphicFramePr>
         <p:xfrm>
           <a:off x="267882" y="2340398"/>
-          <a:ext cx="8568952" cy="3093177"/>
+          <a:ext cx="8556608" cy="2910297"/>
         </p:xfrm>
         <a:graphic>
           <a:graphicData uri="http://schemas.openxmlformats.org/drawingml/2006/table">
@@ -29079,7 +26730,7 @@
                 <a:tableStyleId>{5C22544A-7EE6-4342-B048-85BDC9FD1C3A}</a:tableStyleId>
               </a:tblPr>
               <a:tblGrid>
-                <a:gridCol w="1670179">
+                <a:gridCol w="1657835">
                   <a:extLst>
                     <a:ext uri="{9D8B030D-6E8A-4147-A177-3AD203B41FA5}">
                       <a16:colId xmlns:a16="http://schemas.microsoft.com/office/drawing/2014/main" val="20000"/>
@@ -29101,7 +26752,7 @@
                     <a:lstStyle/>
                     <a:p>
                       <a:r>
-                        <a:rPr lang="es-CO" sz="1200" dirty="0"/>
+                        <a:rPr lang="es-CO" sz="1200"/>
                         <a:t>Título del experimento</a:t>
                       </a:r>
                     </a:p>
@@ -29113,10 +26764,19 @@
                     <a:bodyPr/>
                     <a:lstStyle/>
                     <a:p>
+                      <a:pPr lvl="0">
+                        <a:buNone/>
+                      </a:pPr>
                       <a:r>
-                        <a:rPr lang="es-CO" sz="1400" dirty="0"/>
-                        <a:t>Escalabilidad en la creación de mensajes a una alta demanda</a:t>
+                        <a:rPr lang="es-CO" sz="1400" b="1" i="0" u="none" strike="noStrike" baseline="0" noProof="0">
+                          <a:solidFill>
+                            <a:srgbClr val="FFFFFF"/>
+                          </a:solidFill>
+                          <a:latin typeface="Calibri"/>
+                        </a:rPr>
+                        <a:t>Latencia en la creación y envío de notificación a la cola</a:t>
                       </a:r>
+                      <a:endParaRPr lang="en-US"/>
                     </a:p>
                   </a:txBody>
                   <a:tcPr/>
@@ -29134,7 +26794,7 @@
                     <a:lstStyle/>
                     <a:p>
                       <a:r>
-                        <a:rPr lang="es-CO" sz="1200" dirty="0"/>
+                        <a:rPr lang="es-CO" sz="1200"/>
                         <a:t>Propósito</a:t>
                       </a:r>
                     </a:p>
@@ -29146,19 +26806,29 @@
                     <a:bodyPr/>
                     <a:lstStyle/>
                     <a:p>
+                      <a:pPr marL="0" lvl="0" indent="0" algn="l">
+                        <a:lnSpc>
+                          <a:spcPct val="100000"/>
+                        </a:lnSpc>
+                        <a:buNone/>
+                      </a:pPr>
                       <a:r>
-                        <a:rPr lang="es-CO" sz="1200" b="0" i="0" u="none" strike="noStrike" noProof="0">
+                        <a:rPr lang="es-CO" sz="1200" b="0" i="0" u="none" strike="noStrike" baseline="0" noProof="0">
+                          <a:solidFill>
+                            <a:srgbClr val="174970"/>
+                          </a:solidFill>
                           <a:latin typeface="Calibri"/>
                         </a:rPr>
-                        <a:t>Evaluar la capacidad del sistema para generar y enviar simultáneamente 6500 notificaciones por minuto durante </a:t>
+                        <a:t>Medir el tiempo transcurrido desde que la función Lambda recibe un mensaje una orden hasta que publica en una cola de notificaciones.</a:t>
                       </a:r>
-                      <a:r>
-                        <a:rPr lang="es-CO" sz="1200" b="0" i="0" u="none" strike="noStrike" noProof="0" dirty="0">
-                          <a:latin typeface="Calibri"/>
-                        </a:rPr>
-                        <a:t>30 minutos, midiendo cómo AWS Lambda escala en concurrencia bajo condiciones de carga elevada.</a:t>
-                      </a:r>
-                      <a:endParaRPr lang="es-CO"/>
+                    </a:p>
+                    <a:p>
+                      <a:pPr lvl="0">
+                        <a:buNone/>
+                      </a:pPr>
+                      <a:endParaRPr lang="es-CO" sz="1200" b="0" i="0" u="none" strike="noStrike" baseline="0" noProof="0">
+                        <a:latin typeface="Calibri"/>
+                      </a:endParaRPr>
                     </a:p>
                   </a:txBody>
                   <a:tcPr/>
@@ -29176,7 +26846,7 @@
                     <a:lstStyle/>
                     <a:p>
                       <a:r>
-                        <a:rPr lang="es-CO" sz="1200" dirty="0"/>
+                        <a:rPr lang="es-CO" sz="1200"/>
                         <a:t>Resultados esperados</a:t>
                       </a:r>
                     </a:p>
@@ -29189,12 +26859,9 @@
                     <a:lstStyle/>
                     <a:p>
                       <a:r>
-                        <a:rPr lang="es-CO" sz="1200" b="0" i="0" u="none" strike="noStrike" noProof="0" dirty="0">
-                          <a:latin typeface="Calibri"/>
-                        </a:rPr>
-                        <a:t>El sistema debe procesar al 1300 mensaje por minuto en una operación normal mientras que en una operación máxima, este debe tener la capacidad de generar 6500 mensajes por minuto en un tiempo de 30 minutos sin experimentar errores. Se esperan curvas de concurrencia que muestren un escalado lineal hasta el límite de configuraciones de Lambda</a:t>
+                        <a:rPr lang="es-CO" sz="1200"/>
+                        <a:t>Se espera que al tomar la información generarla y enviarla a la cola de notificaciones tenga un tiempo de duración de 0.15 segundos .</a:t>
                       </a:r>
-                      <a:endParaRPr lang="es-CO" dirty="0"/>
                     </a:p>
                   </a:txBody>
                   <a:tcPr/>
@@ -29212,7 +26879,7 @@
                     <a:lstStyle/>
                     <a:p>
                       <a:r>
-                        <a:rPr lang="es-CO" sz="1200" dirty="0"/>
+                        <a:rPr lang="es-CO" sz="1200"/>
                         <a:t>Recursos requeridos</a:t>
                       </a:r>
                     </a:p>
@@ -29224,19 +26891,10 @@
                     <a:bodyPr/>
                     <a:lstStyle/>
                     <a:p>
-                      <a:pPr lvl="0">
-                        <a:buNone/>
-                      </a:pPr>
                       <a:r>
-                        <a:rPr lang="es-CO" sz="1200" b="0" i="0" u="none" strike="noStrike" noProof="0" dirty="0">
-                          <a:solidFill>
-                            <a:srgbClr val="174970"/>
-                          </a:solidFill>
-                          <a:latin typeface="Calibri"/>
-                        </a:rPr>
+                        <a:rPr lang="es-CO" sz="1200"/>
                         <a:t>Se requiere tener acceso a AWS y a la lambda creada con las colas correspondientes.</a:t>
                       </a:r>
-                      <a:endParaRPr lang="en-US" dirty="0"/>
                     </a:p>
                   </a:txBody>
                   <a:tcPr/>
@@ -29254,7 +26912,7 @@
                     <a:lstStyle/>
                     <a:p>
                       <a:r>
-                        <a:rPr lang="es-CO" sz="1200" dirty="0"/>
+                        <a:rPr lang="es-CO" sz="1200"/>
                         <a:t>Elementos de arquitectura involucrados</a:t>
                       </a:r>
                     </a:p>
@@ -29266,14 +26924,12 @@
                     <a:bodyPr/>
                     <a:lstStyle/>
                     <a:p>
+                      <a:pPr lvl="0">
+                        <a:buNone/>
+                      </a:pPr>
                       <a:r>
-                        <a:rPr lang="es-CO" sz="1200" b="0" i="0" u="none" strike="noStrike" noProof="0" dirty="0">
-                          <a:solidFill>
-                            <a:srgbClr val="174970"/>
-                          </a:solidFill>
-                          <a:latin typeface="Calibri"/>
-                        </a:rPr>
-                        <a:t>El ASR asociado requiere generar 6500 notificaciones de maneras estocástica por minuto en 30 minutos , por lo que se buscara hacer uso de tácticas como múltiples copias de cómputo, haciendo uso de los beneficios que dan las lambdas al copiarse para poder procesar grandes cantidades de notificaciones.</a:t>
+                        <a:rPr lang="es-CO" sz="1200"/>
+                        <a:t>El ASR asociado requiere que una notificación sea generada y enviada a la cola de notificaciones en un tiempo de 0.15 segundos, por lo que se buscara hacer uso de tácticas como múltiples copias de cómputo y priorización de eventos, ya que tenemos como punto de sensibilidad la lógica de creación de la notificación y llamada a la cola de destino.</a:t>
                       </a:r>
                     </a:p>
                   </a:txBody>
@@ -29292,7 +26948,7 @@
                     <a:lstStyle/>
                     <a:p>
                       <a:r>
-                        <a:rPr lang="es-CO" sz="1200" dirty="0"/>
+                        <a:rPr lang="es-CO" sz="1200"/>
                         <a:t>Esfuerzo estimado</a:t>
                       </a:r>
                     </a:p>
@@ -29305,7 +26961,7 @@
                     <a:lstStyle/>
                     <a:p>
                       <a:r>
-                        <a:rPr lang="es-CO" sz="1200" dirty="0"/>
+                        <a:rPr lang="es-CO" sz="1200"/>
                         <a:t>48 horas</a:t>
                       </a:r>
                     </a:p>
@@ -29325,7 +26981,7 @@
     </p:spTree>
     <p:extLst>
       <p:ext uri="{BB962C8B-B14F-4D97-AF65-F5344CB8AC3E}">
-        <p14:creationId xmlns:p14="http://schemas.microsoft.com/office/powerpoint/2010/main" val="2556734983"/>
+        <p14:creationId xmlns:p14="http://schemas.microsoft.com/office/powerpoint/2010/main" val="1119887568"/>
       </p:ext>
     </p:extLst>
   </p:cSld>
@@ -29503,20 +27159,20 @@
       </p:sp>
       <p:sp>
         <p:nvSpPr>
-          <p:cNvPr id="8" name="TextBox 7">
+          <p:cNvPr id="2" name="Rectangle 1">
             <a:extLst>
               <a:ext uri="{FF2B5EF4-FFF2-40B4-BE49-F238E27FC236}">
-                <a16:creationId xmlns:a16="http://schemas.microsoft.com/office/drawing/2014/main" id="{EB73D295-E43F-AD4E-8201-88046EF1E27D}"/>
+                <a16:creationId xmlns:a16="http://schemas.microsoft.com/office/drawing/2014/main" id="{EB03BDBB-7E41-844C-9D92-41F809FBBBE4}"/>
               </a:ext>
             </a:extLst>
           </p:cNvPr>
-          <p:cNvSpPr txBox="1"/>
+          <p:cNvSpPr/>
           <p:nvPr/>
         </p:nvSpPr>
         <p:spPr>
           <a:xfrm>
-            <a:off x="341620" y="1268760"/>
-            <a:ext cx="8460760" cy="461665"/>
+            <a:off x="287524" y="1268760"/>
+            <a:ext cx="8568952" cy="600164"/>
           </a:xfrm>
           <a:prstGeom prst="rect">
             <a:avLst/>
@@ -29528,28 +27184,36 @@
           </a:solidFill>
         </p:spPr>
         <p:txBody>
-          <a:bodyPr wrap="square" rtlCol="0">
+          <a:bodyPr wrap="square">
             <a:spAutoFit/>
           </a:bodyPr>
           <a:lstStyle/>
           <a:p>
             <a:r>
-              <a:rPr lang="es-ES_tradnl" sz="1200" b="1"/>
-              <a:t>Paso 8- Iterar si es necesario: </a:t>
+              <a:rPr lang="es-ES_tradnl" sz="1100" b="1"/>
+              <a:t>Paso 7- Validar el cumplimiento de los motivadores y analizar el diseño producido: </a:t>
             </a:r>
             <a:r>
-              <a:rPr lang="es-ES_tradnl" sz="1200"/>
-              <a:t>Repita los pasos 2 a 7 de ser necesario. Use el riesgo como una medida para decidir si parar o continuar con una iteración más.</a:t>
+              <a:rPr lang="es-ES_tradnl" sz="1100"/>
+              <a:t>Validar con los </a:t>
+            </a:r>
+            <a:r>
+              <a:rPr lang="es-ES_tradnl" sz="1100" err="1"/>
+              <a:t>stakeholders</a:t>
+            </a:r>
+            <a:r>
+              <a:rPr lang="es-ES_tradnl" sz="1100"/>
+              <a:t> los objetivos cumplidos al final de una iteración o ronda de diseño. Revisión de pares. Decidir si el número de iteraciones y revisiones de diseño son suficientes o se debe refinar algún elemento</a:t>
             </a:r>
           </a:p>
         </p:txBody>
       </p:sp>
       <p:graphicFrame>
         <p:nvGraphicFramePr>
-          <p:cNvPr id="9" name="Table 8">
+          <p:cNvPr id="10" name="Content Placeholder 5">
             <a:extLst>
               <a:ext uri="{FF2B5EF4-FFF2-40B4-BE49-F238E27FC236}">
-                <a16:creationId xmlns:a16="http://schemas.microsoft.com/office/drawing/2014/main" id="{3EE47E5E-5DD0-FD4C-A0F9-65C73C7768D6}"/>
+                <a16:creationId xmlns:a16="http://schemas.microsoft.com/office/drawing/2014/main" id="{936F00B5-C18A-254E-9723-C4AE215E98DD}"/>
               </a:ext>
             </a:extLst>
           </p:cNvPr>
@@ -29557,16 +27221,17 @@
             <a:graphicFrameLocks noGrp="1"/>
           </p:cNvGraphicFramePr>
           <p:nvPr>
+            <p:ph idx="1"/>
             <p:extLst>
               <p:ext uri="{D42A27DB-BD31-4B8C-83A1-F6EECF244321}">
-                <p14:modId xmlns:p14="http://schemas.microsoft.com/office/powerpoint/2010/main" val="4101959514"/>
+                <p14:modId xmlns:p14="http://schemas.microsoft.com/office/powerpoint/2010/main" val="3028630679"/>
               </p:ext>
             </p:extLst>
           </p:nvPr>
         </p:nvGraphicFramePr>
         <p:xfrm>
-          <a:off x="287524" y="2564904"/>
-          <a:ext cx="8568952" cy="787219"/>
+          <a:off x="267882" y="2340398"/>
+          <a:ext cx="8568952" cy="3093177"/>
         </p:xfrm>
         <a:graphic>
           <a:graphicData uri="http://schemas.openxmlformats.org/drawingml/2006/table">
@@ -29578,14 +27243,14 @@
                 <a:gridCol w="1670179">
                   <a:extLst>
                     <a:ext uri="{9D8B030D-6E8A-4147-A177-3AD203B41FA5}">
-                      <a16:colId xmlns:a16="http://schemas.microsoft.com/office/drawing/2014/main" val="2994634929"/>
+                      <a16:colId xmlns:a16="http://schemas.microsoft.com/office/drawing/2014/main" val="20000"/>
                     </a:ext>
                   </a:extLst>
                 </a:gridCol>
                 <a:gridCol w="6898773">
                   <a:extLst>
                     <a:ext uri="{9D8B030D-6E8A-4147-A177-3AD203B41FA5}">
-                      <a16:colId xmlns:a16="http://schemas.microsoft.com/office/drawing/2014/main" val="3685008882"/>
+                      <a16:colId xmlns:a16="http://schemas.microsoft.com/office/drawing/2014/main" val="20001"/>
                     </a:ext>
                   </a:extLst>
                 </a:gridCol>
@@ -29598,7 +27263,7 @@
                     <a:p>
                       <a:r>
                         <a:rPr lang="es-CO" sz="1200"/>
-                        <a:t>Resultados </a:t>
+                        <a:t>Título del experimento</a:t>
                       </a:r>
                     </a:p>
                   </a:txBody>
@@ -29610,8 +27275,8 @@
                     <a:lstStyle/>
                     <a:p>
                       <a:r>
-                        <a:rPr lang="es-CO" sz="1200"/>
-                        <a:t>Análisis de los resultados obtenidos</a:t>
+                        <a:rPr lang="es-CO" sz="1400"/>
+                        <a:t>Escalabilidad en la creación de mensajes a una alta demanda</a:t>
                       </a:r>
                     </a:p>
                   </a:txBody>
@@ -29619,7 +27284,7 @@
                 </a:tc>
                 <a:extLst>
                   <a:ext uri="{0D108BD9-81ED-4DB2-BD59-A6C34878D82A}">
-                    <a16:rowId xmlns:a16="http://schemas.microsoft.com/office/drawing/2014/main" val="2823551948"/>
+                    <a16:rowId xmlns:a16="http://schemas.microsoft.com/office/drawing/2014/main" val="10000"/>
                   </a:ext>
                 </a:extLst>
               </a:tr>
@@ -29631,12 +27296,35 @@
                     <a:p>
                       <a:r>
                         <a:rPr lang="es-CO" sz="1200"/>
-                        <a:t>Acciones a seguir</a:t>
+                        <a:t>Propósito</a:t>
                       </a:r>
                     </a:p>
                   </a:txBody>
                   <a:tcPr/>
                 </a:tc>
+                <a:tc>
+                  <a:txBody>
+                    <a:bodyPr/>
+                    <a:lstStyle/>
+                    <a:p>
+                      <a:r>
+                        <a:rPr lang="es-CO" sz="1200" b="0" i="0" u="none" strike="noStrike" noProof="0">
+                          <a:latin typeface="Calibri"/>
+                        </a:rPr>
+                        <a:t>Evaluar la capacidad del sistema para generar y enviar simultáneamente 6500 notificaciones por minuto durante 30 minutos, midiendo cómo AWS Lambda escala en concurrencia bajo condiciones de carga elevada.</a:t>
+                      </a:r>
+                      <a:endParaRPr lang="es-CO"/>
+                    </a:p>
+                  </a:txBody>
+                  <a:tcPr/>
+                </a:tc>
+                <a:extLst>
+                  <a:ext uri="{0D108BD9-81ED-4DB2-BD59-A6C34878D82A}">
+                    <a16:rowId xmlns:a16="http://schemas.microsoft.com/office/drawing/2014/main" val="10001"/>
+                  </a:ext>
+                </a:extLst>
+              </a:tr>
+              <a:tr h="330019">
                 <a:tc>
                   <a:txBody>
                     <a:bodyPr/>
@@ -29644,29 +27332,144 @@
                     <a:p>
                       <a:r>
                         <a:rPr lang="es-CO" sz="1200"/>
-                        <a:t>Acciones</a:t>
+                        <a:t>Resultados esperados</a:t>
                       </a:r>
+                    </a:p>
+                  </a:txBody>
+                  <a:tcPr/>
+                </a:tc>
+                <a:tc>
+                  <a:txBody>
+                    <a:bodyPr/>
+                    <a:lstStyle/>
+                    <a:p>
                       <a:r>
-                        <a:rPr lang="es-CO" sz="1200" baseline="0"/>
-                        <a:t> a tomar una vez finalizado el experimento. Estas acciones pueden ser :</a:t>
+                        <a:rPr lang="es-CO" sz="1200" b="0" i="0" u="none" strike="noStrike" noProof="0">
+                          <a:latin typeface="Calibri"/>
+                        </a:rPr>
+                        <a:t>El sistema debe procesar al 1300 mensaje por minuto en una operación normal mientras que en una operación máxima, este debe tener la capacidad de generar 6500 mensajes por minuto en un tiempo de 30 minutos sin experimentar errores. Se esperan curvas de concurrencia que muestren un escalado lineal hasta el límite de configuraciones de Lambda</a:t>
                       </a:r>
-                    </a:p>
-                    <a:p>
-                      <a:pPr marL="171450" indent="-171450">
-                        <a:buFontTx/>
-                        <a:buChar char="-"/>
+                      <a:endParaRPr lang="es-CO"/>
+                    </a:p>
+                  </a:txBody>
+                  <a:tcPr/>
+                </a:tc>
+                <a:extLst>
+                  <a:ext uri="{0D108BD9-81ED-4DB2-BD59-A6C34878D82A}">
+                    <a16:rowId xmlns:a16="http://schemas.microsoft.com/office/drawing/2014/main" val="10002"/>
+                  </a:ext>
+                </a:extLst>
+              </a:tr>
+              <a:tr h="330019">
+                <a:tc>
+                  <a:txBody>
+                    <a:bodyPr/>
+                    <a:lstStyle/>
+                    <a:p>
+                      <a:r>
+                        <a:rPr lang="es-CO" sz="1200"/>
+                        <a:t>Recursos requeridos</a:t>
+                      </a:r>
+                    </a:p>
+                  </a:txBody>
+                  <a:tcPr/>
+                </a:tc>
+                <a:tc>
+                  <a:txBody>
+                    <a:bodyPr/>
+                    <a:lstStyle/>
+                    <a:p>
+                      <a:pPr lvl="0">
+                        <a:buNone/>
                       </a:pPr>
                       <a:r>
-                        <a:rPr lang="es-CO" sz="1200" baseline="0"/>
-                        <a:t>Dejar la arquitectura como esta, dado que los resultados fueron satisfactorios</a:t>
+                        <a:rPr lang="es-CO" sz="1200" b="0" i="0" u="none" strike="noStrike" noProof="0">
+                          <a:solidFill>
+                            <a:srgbClr val="174970"/>
+                          </a:solidFill>
+                          <a:latin typeface="Calibri"/>
+                        </a:rPr>
+                        <a:t>Se requiere tener acceso a AWS y a la lambda creada con las colas correspondientes.</a:t>
                       </a:r>
+                      <a:endParaRPr lang="en-US"/>
                     </a:p>
                   </a:txBody>
                   <a:tcPr/>
                 </a:tc>
                 <a:extLst>
                   <a:ext uri="{0D108BD9-81ED-4DB2-BD59-A6C34878D82A}">
-                    <a16:rowId xmlns:a16="http://schemas.microsoft.com/office/drawing/2014/main" val="3732418422"/>
+                    <a16:rowId xmlns:a16="http://schemas.microsoft.com/office/drawing/2014/main" val="10003"/>
+                  </a:ext>
+                </a:extLst>
+              </a:tr>
+              <a:tr h="330019">
+                <a:tc>
+                  <a:txBody>
+                    <a:bodyPr/>
+                    <a:lstStyle/>
+                    <a:p>
+                      <a:r>
+                        <a:rPr lang="es-CO" sz="1200"/>
+                        <a:t>Elementos de arquitectura involucrados</a:t>
+                      </a:r>
+                    </a:p>
+                  </a:txBody>
+                  <a:tcPr/>
+                </a:tc>
+                <a:tc>
+                  <a:txBody>
+                    <a:bodyPr/>
+                    <a:lstStyle/>
+                    <a:p>
+                      <a:r>
+                        <a:rPr lang="es-CO" sz="1200" b="0" i="0" u="none" strike="noStrike" noProof="0">
+                          <a:solidFill>
+                            <a:srgbClr val="174970"/>
+                          </a:solidFill>
+                          <a:latin typeface="Calibri"/>
+                        </a:rPr>
+                        <a:t>El ASR asociado requiere generar 6500 notificaciones de maneras estocástica por minuto en 30 minutos , por lo que se buscara hacer uso de tácticas como múltiples copias de cómputo, haciendo uso de los beneficios que dan las lambdas al copiarse para poder procesar grandes cantidades de notificaciones.</a:t>
+                      </a:r>
+                    </a:p>
+                  </a:txBody>
+                  <a:tcPr/>
+                </a:tc>
+                <a:extLst>
+                  <a:ext uri="{0D108BD9-81ED-4DB2-BD59-A6C34878D82A}">
+                    <a16:rowId xmlns:a16="http://schemas.microsoft.com/office/drawing/2014/main" val="10004"/>
+                  </a:ext>
+                </a:extLst>
+              </a:tr>
+              <a:tr h="330019">
+                <a:tc>
+                  <a:txBody>
+                    <a:bodyPr/>
+                    <a:lstStyle/>
+                    <a:p>
+                      <a:r>
+                        <a:rPr lang="es-CO" sz="1200"/>
+                        <a:t>Esfuerzo estimado</a:t>
+                      </a:r>
+                    </a:p>
+                  </a:txBody>
+                  <a:tcPr/>
+                </a:tc>
+                <a:tc>
+                  <a:txBody>
+                    <a:bodyPr/>
+                    <a:lstStyle/>
+                    <a:p>
+                      <a:r>
+                        <a:rPr lang="es-CO" sz="1200"/>
+                        <a:t>48 horas</a:t>
+                      </a:r>
+                    </a:p>
+                  </a:txBody>
+                  <a:tcPr/>
+                </a:tc>
+                <a:extLst>
+                  <a:ext uri="{0D108BD9-81ED-4DB2-BD59-A6C34878D82A}">
+                    <a16:rowId xmlns:a16="http://schemas.microsoft.com/office/drawing/2014/main" val="10005"/>
                   </a:ext>
                 </a:extLst>
               </a:tr>
@@ -29677,7 +27480,7 @@
     </p:spTree>
     <p:extLst>
       <p:ext uri="{BB962C8B-B14F-4D97-AF65-F5344CB8AC3E}">
-        <p14:creationId xmlns:p14="http://schemas.microsoft.com/office/powerpoint/2010/main" val="1957387262"/>
+        <p14:creationId xmlns:p14="http://schemas.microsoft.com/office/powerpoint/2010/main" val="2556734983"/>
       </p:ext>
     </p:extLst>
   </p:cSld>
@@ -29987,62 +27790,20 @@
           <a:lstStyle/>
           <a:p>
             <a:r>
-              <a:rPr lang="en-GB" err="1">
+              <a:rPr lang="es-CO" noProof="0">
                 <a:ea typeface="Calibri"/>
                 <a:cs typeface="Calibri"/>
               </a:rPr>
-              <a:t>Latencia</a:t>
-            </a:r>
-            <a:r>
-              <a:rPr lang="en-GB">
-                <a:ea typeface="Calibri"/>
-                <a:cs typeface="Calibri"/>
-              </a:rPr>
-              <a:t> </a:t>
-            </a:r>
-            <a:r>
-              <a:rPr lang="en-GB" err="1">
-                <a:ea typeface="Calibri"/>
-                <a:cs typeface="Calibri"/>
-              </a:rPr>
-              <a:t>Esperada</a:t>
-            </a:r>
-            <a:r>
-              <a:rPr lang="en-GB">
-                <a:ea typeface="Calibri"/>
-                <a:cs typeface="Calibri"/>
-              </a:rPr>
-              <a:t> &lt;= 0.15seg </a:t>
+              <a:t>Latencia Esperada &lt;= 0.15seg </a:t>
             </a:r>
           </a:p>
           <a:p>
             <a:r>
-              <a:rPr lang="en-GB" err="1">
+              <a:rPr lang="es-CO" noProof="0">
                 <a:ea typeface="Calibri"/>
                 <a:cs typeface="Calibri"/>
               </a:rPr>
-              <a:t>Latencia</a:t>
-            </a:r>
-            <a:r>
-              <a:rPr lang="en-GB">
-                <a:ea typeface="Calibri"/>
-                <a:cs typeface="Calibri"/>
-              </a:rPr>
-              <a:t> </a:t>
-            </a:r>
-            <a:r>
-              <a:rPr lang="en-GB" err="1">
-                <a:ea typeface="Calibri"/>
-                <a:cs typeface="Calibri"/>
-              </a:rPr>
-              <a:t>Obtenida</a:t>
-            </a:r>
-            <a:r>
-              <a:rPr lang="en-GB">
-                <a:ea typeface="Calibri"/>
-                <a:cs typeface="Calibri"/>
-              </a:rPr>
-              <a:t> =   0.0095seg </a:t>
+              <a:t>Latencia Obtenida =   0.0095seg </a:t>
             </a:r>
           </a:p>
         </p:txBody>
@@ -30390,62 +28151,34 @@
           <a:lstStyle/>
           <a:p>
             <a:r>
-              <a:rPr lang="en-GB" err="1">
+              <a:rPr lang="es-CO" noProof="0">
                 <a:ea typeface="Calibri"/>
                 <a:cs typeface="Calibri"/>
               </a:rPr>
-              <a:t>Latencia</a:t>
-            </a:r>
-            <a:r>
-              <a:rPr lang="en-GB">
-                <a:ea typeface="Calibri"/>
-                <a:cs typeface="Calibri"/>
-              </a:rPr>
-              <a:t> </a:t>
-            </a:r>
-            <a:r>
-              <a:rPr lang="en-GB" err="1">
-                <a:ea typeface="Calibri"/>
-                <a:cs typeface="Calibri"/>
-              </a:rPr>
-              <a:t>Esperada</a:t>
-            </a:r>
-            <a:r>
-              <a:rPr lang="en-GB">
-                <a:ea typeface="Calibri"/>
-                <a:cs typeface="Calibri"/>
-              </a:rPr>
-              <a:t> &lt;= 0.15seg </a:t>
+              <a:t>Latencia Esperada &lt;= 0.15seg </a:t>
             </a:r>
           </a:p>
           <a:p>
             <a:r>
-              <a:rPr lang="en-GB" err="1">
+              <a:rPr lang="es-CO" noProof="0">
                 <a:ea typeface="Calibri"/>
                 <a:cs typeface="Calibri"/>
               </a:rPr>
-              <a:t>Latencia</a:t>
+              <a:t>Latencia Obtenida =   0.014 </a:t>
             </a:r>
             <a:r>
-              <a:rPr lang="en-GB">
+              <a:rPr lang="es-CO" noProof="0" err="1">
                 <a:ea typeface="Calibri"/>
                 <a:cs typeface="Calibri"/>
               </a:rPr>
-              <a:t> </a:t>
+              <a:t>seg</a:t>
             </a:r>
             <a:r>
-              <a:rPr lang="en-GB" err="1">
+              <a:rPr lang="es-CO" noProof="0">
                 <a:ea typeface="Calibri"/>
                 <a:cs typeface="Calibri"/>
               </a:rPr>
-              <a:t>Obtenida</a:t>
-            </a:r>
-            <a:r>
-              <a:rPr lang="en-GB">
-                <a:ea typeface="Calibri"/>
-                <a:cs typeface="Calibri"/>
-              </a:rPr>
-              <a:t> =   0.014 seg </a:t>
+              <a:t> </a:t>
             </a:r>
           </a:p>
         </p:txBody>
@@ -30743,7 +28476,7 @@
         <p:cNvPr id="1" name="">
           <a:extLst>
             <a:ext uri="{FF2B5EF4-FFF2-40B4-BE49-F238E27FC236}">
-              <a16:creationId xmlns:a16="http://schemas.microsoft.com/office/drawing/2014/main" id="{7153351C-0BF5-A7F3-BA2B-20F88A7B0088}"/>
+              <a16:creationId xmlns:a16="http://schemas.microsoft.com/office/drawing/2014/main" id="{B9A8B5C4-62A4-35FC-012F-04E45D2F43B1}"/>
             </a:ext>
           </a:extLst>
         </p:cNvPr>
@@ -30763,7 +28496,7 @@
           <p:cNvPr id="3" name="Slide Number Placeholder 2">
             <a:extLst>
               <a:ext uri="{FF2B5EF4-FFF2-40B4-BE49-F238E27FC236}">
-                <a16:creationId xmlns:a16="http://schemas.microsoft.com/office/drawing/2014/main" id="{654557E0-364C-8C4A-B43C-B81DFEF43A83}"/>
+                <a16:creationId xmlns:a16="http://schemas.microsoft.com/office/drawing/2014/main" id="{766716D4-A6AC-D1F9-3179-531F56141341}"/>
               </a:ext>
             </a:extLst>
           </p:cNvPr>
@@ -30793,7 +28526,7 @@
           <p:cNvPr id="6" name="Footer Placeholder 5">
             <a:extLst>
               <a:ext uri="{FF2B5EF4-FFF2-40B4-BE49-F238E27FC236}">
-                <a16:creationId xmlns:a16="http://schemas.microsoft.com/office/drawing/2014/main" id="{1799AB93-125E-03EC-E92F-56488D1586DA}"/>
+                <a16:creationId xmlns:a16="http://schemas.microsoft.com/office/drawing/2014/main" id="{272E41E5-EF7C-7C5F-0101-2A27321C0339}"/>
               </a:ext>
             </a:extLst>
           </p:cNvPr>
@@ -30924,7 +28657,7 @@
           <p:cNvPr id="8" name="TextBox 7">
             <a:extLst>
               <a:ext uri="{FF2B5EF4-FFF2-40B4-BE49-F238E27FC236}">
-                <a16:creationId xmlns:a16="http://schemas.microsoft.com/office/drawing/2014/main" id="{BF3F40AD-BA41-F414-FCB8-A49F538C65FD}"/>
+                <a16:creationId xmlns:a16="http://schemas.microsoft.com/office/drawing/2014/main" id="{A142ED0A-408E-CCD9-2393-C7A4F4E31159}"/>
               </a:ext>
             </a:extLst>
           </p:cNvPr>
@@ -30966,7 +28699,7 @@
           <p:cNvPr id="2" name="TextBox 1">
             <a:extLst>
               <a:ext uri="{FF2B5EF4-FFF2-40B4-BE49-F238E27FC236}">
-                <a16:creationId xmlns:a16="http://schemas.microsoft.com/office/drawing/2014/main" id="{6BCAE436-5F1D-F8FA-E81B-0155711F6CF7}"/>
+                <a16:creationId xmlns:a16="http://schemas.microsoft.com/office/drawing/2014/main" id="{E1F09712-A89D-1541-61A9-49B6702BDCF9}"/>
               </a:ext>
             </a:extLst>
           </p:cNvPr>
@@ -30993,41 +28726,16 @@
           <a:lstStyle/>
           <a:p>
             <a:r>
-              <a:rPr lang="en-GB">
+              <a:rPr lang="en-GB" dirty="0">
                 <a:ea typeface="Calibri"/>
                 <a:cs typeface="Calibri"/>
               </a:rPr>
-              <a:t>6500 event / min * 30 min (Pico) --&gt; 30 </a:t>
+              <a:t>Punto de Inflexion</a:t>
             </a:r>
-            <a:r>
-              <a:rPr lang="en-GB" err="1">
-                <a:ea typeface="Calibri"/>
-                <a:cs typeface="Calibri"/>
-              </a:rPr>
-              <a:t>usuarios</a:t>
-            </a:r>
-            <a:r>
-              <a:rPr lang="en-GB">
-                <a:ea typeface="Calibri"/>
-                <a:cs typeface="Calibri"/>
-              </a:rPr>
-              <a:t> </a:t>
-            </a:r>
-            <a:r>
-              <a:rPr lang="en-GB" err="1">
-                <a:ea typeface="Calibri"/>
-                <a:cs typeface="Calibri"/>
-              </a:rPr>
-              <a:t>en</a:t>
-            </a:r>
-            <a:r>
-              <a:rPr lang="en-GB">
-                <a:ea typeface="Calibri"/>
-                <a:cs typeface="Calibri"/>
-              </a:rPr>
-              <a:t> cache</a:t>
-            </a:r>
-            <a:endParaRPr lang="en-GB"/>
+            <a:endParaRPr lang="es-CO" dirty="0" err="1">
+              <a:ea typeface="Calibri"/>
+              <a:cs typeface="Calibri"/>
+            </a:endParaRPr>
           </a:p>
         </p:txBody>
       </p:sp>
@@ -31036,7 +28744,7 @@
           <p:cNvPr id="5" name="TextBox 4">
             <a:extLst>
               <a:ext uri="{FF2B5EF4-FFF2-40B4-BE49-F238E27FC236}">
-                <a16:creationId xmlns:a16="http://schemas.microsoft.com/office/drawing/2014/main" id="{7B46D263-946F-8FC0-0E23-CE98F6514655}"/>
+                <a16:creationId xmlns:a16="http://schemas.microsoft.com/office/drawing/2014/main" id="{1E9056A3-DBFA-5E11-BA32-85101EB60EF2}"/>
               </a:ext>
             </a:extLst>
           </p:cNvPr>
@@ -31045,8 +28753,8 @@
         </p:nvSpPr>
         <p:spPr>
           <a:xfrm>
-            <a:off x="852406" y="4831597"/>
-            <a:ext cx="3246894" cy="646331"/>
+            <a:off x="4808944" y="4462320"/>
+            <a:ext cx="3246894" cy="1200329"/>
           </a:xfrm>
           <a:prstGeom prst="rect">
             <a:avLst/>
@@ -31063,72 +28771,25 @@
           <a:lstStyle/>
           <a:p>
             <a:r>
-              <a:rPr lang="en-GB" err="1">
+              <a:rPr lang="es-CO" dirty="0">
                 <a:ea typeface="Calibri"/>
                 <a:cs typeface="Calibri"/>
               </a:rPr>
-              <a:t>Latencia</a:t>
+              <a:t>El punto de inflexión es cuando tuvimos 25000 eventos * min / 30 min, ya que la latencia es superior al ASR propuesto </a:t>
             </a:r>
-            <a:r>
-              <a:rPr lang="en-GB">
-                <a:ea typeface="Calibri"/>
-                <a:cs typeface="Calibri"/>
-              </a:rPr>
-              <a:t> </a:t>
-            </a:r>
-            <a:r>
-              <a:rPr lang="en-GB" err="1">
-                <a:ea typeface="Calibri"/>
-                <a:cs typeface="Calibri"/>
-              </a:rPr>
-              <a:t>Esperada</a:t>
-            </a:r>
-            <a:r>
-              <a:rPr lang="en-GB">
-                <a:ea typeface="Calibri"/>
-                <a:cs typeface="Calibri"/>
-              </a:rPr>
-              <a:t> &lt;= 0.15seg </a:t>
-            </a:r>
-          </a:p>
-          <a:p>
-            <a:r>
-              <a:rPr lang="en-GB" err="1">
-                <a:ea typeface="Calibri"/>
-                <a:cs typeface="Calibri"/>
-              </a:rPr>
-              <a:t>Latencia</a:t>
-            </a:r>
-            <a:r>
-              <a:rPr lang="en-GB">
-                <a:ea typeface="Calibri"/>
-                <a:cs typeface="Calibri"/>
-              </a:rPr>
-              <a:t> </a:t>
-            </a:r>
-            <a:r>
-              <a:rPr lang="en-GB" err="1">
-                <a:ea typeface="Calibri"/>
-                <a:cs typeface="Calibri"/>
-              </a:rPr>
-              <a:t>Obtenida</a:t>
-            </a:r>
-            <a:r>
-              <a:rPr lang="en-GB">
-                <a:ea typeface="Calibri"/>
-                <a:cs typeface="Calibri"/>
-              </a:rPr>
-              <a:t> =   0.014 seg </a:t>
-            </a:r>
+            <a:endParaRPr lang="es-CO" noProof="0" dirty="0">
+              <a:ea typeface="Calibri"/>
+              <a:cs typeface="Calibri"/>
+            </a:endParaRPr>
           </a:p>
         </p:txBody>
       </p:sp>
       <p:pic>
         <p:nvPicPr>
-          <p:cNvPr id="4" name="Picture 3" descr="A screenshot of a computer&#10;&#10;AI-generated content may be incorrect.">
+          <p:cNvPr id="7" name="Picture 6" descr="A table with numbers and text&#10;&#10;AI-generated content may be incorrect.">
             <a:extLst>
               <a:ext uri="{FF2B5EF4-FFF2-40B4-BE49-F238E27FC236}">
-                <a16:creationId xmlns:a16="http://schemas.microsoft.com/office/drawing/2014/main" id="{8BF9E78C-3948-92C7-7AC7-38048C3CB79D}"/>
+                <a16:creationId xmlns:a16="http://schemas.microsoft.com/office/drawing/2014/main" id="{711EBFF9-783E-CCD0-4BC4-42F26AD5F9E2}"/>
               </a:ext>
             </a:extLst>
           </p:cNvPr>
@@ -31145,8 +28806,38 @@
         </p:blipFill>
         <p:spPr>
           <a:xfrm>
-            <a:off x="958362" y="2376198"/>
-            <a:ext cx="6049108" cy="2255074"/>
+            <a:off x="4811590" y="3077674"/>
+            <a:ext cx="3600450" cy="1247775"/>
+          </a:xfrm>
+          <a:prstGeom prst="rect">
+            <a:avLst/>
+          </a:prstGeom>
+        </p:spPr>
+      </p:pic>
+      <p:pic>
+        <p:nvPicPr>
+          <p:cNvPr id="10" name="Picture 9" descr="A graph with a line going up&#10;&#10;AI-generated content may be incorrect.">
+            <a:extLst>
+              <a:ext uri="{FF2B5EF4-FFF2-40B4-BE49-F238E27FC236}">
+                <a16:creationId xmlns:a16="http://schemas.microsoft.com/office/drawing/2014/main" id="{C5EE3875-829E-13CF-3FFF-C5389B446112}"/>
+              </a:ext>
+            </a:extLst>
+          </p:cNvPr>
+          <p:cNvPicPr>
+            <a:picLocks noChangeAspect="1"/>
+          </p:cNvPicPr>
+          <p:nvPr/>
+        </p:nvPicPr>
+        <p:blipFill>
+          <a:blip r:embed="rId4"/>
+          <a:stretch>
+            <a:fillRect/>
+          </a:stretch>
+        </p:blipFill>
+        <p:spPr>
+          <a:xfrm>
+            <a:off x="430823" y="2696980"/>
+            <a:ext cx="4220308" cy="2527908"/>
           </a:xfrm>
           <a:prstGeom prst="rect">
             <a:avLst/>
@@ -31156,7 +28847,467 @@
     </p:spTree>
     <p:extLst>
       <p:ext uri="{BB962C8B-B14F-4D97-AF65-F5344CB8AC3E}">
-        <p14:creationId xmlns:p14="http://schemas.microsoft.com/office/powerpoint/2010/main" val="665455168"/>
+        <p14:creationId xmlns:p14="http://schemas.microsoft.com/office/powerpoint/2010/main" val="2299784379"/>
+      </p:ext>
+    </p:extLst>
+  </p:cSld>
+  <p:clrMapOvr>
+    <a:masterClrMapping/>
+  </p:clrMapOvr>
+</p:sld>
+</file>
+
+<file path=ppt/slides/slide31.xml><?xml version="1.0" encoding="utf-8"?>
+<p:sld xmlns:a="http://schemas.openxmlformats.org/drawingml/2006/main" xmlns:r="http://schemas.openxmlformats.org/officeDocument/2006/relationships" xmlns:p="http://schemas.openxmlformats.org/presentationml/2006/main">
+  <p:cSld>
+    <p:spTree>
+      <p:nvGrpSpPr>
+        <p:cNvPr id="1" name=""/>
+        <p:cNvGrpSpPr/>
+        <p:nvPr/>
+      </p:nvGrpSpPr>
+      <p:grpSpPr>
+        <a:xfrm>
+          <a:off x="0" y="0"/>
+          <a:ext cx="0" cy="0"/>
+          <a:chOff x="0" y="0"/>
+          <a:chExt cx="0" cy="0"/>
+        </a:xfrm>
+      </p:grpSpPr>
+      <p:sp>
+        <p:nvSpPr>
+          <p:cNvPr id="3" name="Slide Number Placeholder 2"/>
+          <p:cNvSpPr>
+            <a:spLocks noGrp="1"/>
+          </p:cNvSpPr>
+          <p:nvPr>
+            <p:ph type="sldNum" sz="quarter" idx="4"/>
+          </p:nvPr>
+        </p:nvSpPr>
+        <p:spPr/>
+        <p:txBody>
+          <a:bodyPr/>
+          <a:lstStyle/>
+          <a:p>
+            <a:fld id="{0AEE6DC9-5AC4-4174-887C-07A615CCC701}" type="slidenum">
+              <a:rPr lang="es-CO" smtClean="0"/>
+              <a:pPr/>
+              <a:t>31</a:t>
+            </a:fld>
+            <a:endParaRPr lang="es-CO"/>
+          </a:p>
+        </p:txBody>
+      </p:sp>
+      <p:sp>
+        <p:nvSpPr>
+          <p:cNvPr id="6" name="Footer Placeholder 5"/>
+          <p:cNvSpPr>
+            <a:spLocks noGrp="1"/>
+          </p:cNvSpPr>
+          <p:nvPr>
+            <p:ph type="ftr" sz="quarter" idx="11"/>
+          </p:nvPr>
+        </p:nvSpPr>
+        <p:spPr>
+          <a:xfrm>
+            <a:off x="2123728" y="6453336"/>
+            <a:ext cx="5256584" cy="365125"/>
+          </a:xfrm>
+          <a:prstGeom prst="rect">
+            <a:avLst/>
+          </a:prstGeom>
+        </p:spPr>
+        <p:txBody>
+          <a:bodyPr/>
+          <a:lstStyle>
+            <a:defPPr>
+              <a:defRPr lang="es-CO"/>
+            </a:defPPr>
+            <a:lvl1pPr marL="0" algn="l" defTabSz="914400" rtl="0" eaLnBrk="1" latinLnBrk="0" hangingPunct="1">
+              <a:defRPr sz="1100" kern="1200">
+                <a:solidFill>
+                  <a:srgbClr val="174970"/>
+                </a:solidFill>
+                <a:latin typeface="+mn-lt"/>
+                <a:ea typeface="+mn-ea"/>
+                <a:cs typeface="+mn-cs"/>
+              </a:defRPr>
+            </a:lvl1pPr>
+            <a:lvl2pPr marL="457200" algn="l" defTabSz="914400" rtl="0" eaLnBrk="1" latinLnBrk="0" hangingPunct="1">
+              <a:defRPr sz="1800" kern="1200">
+                <a:solidFill>
+                  <a:schemeClr val="tx1"/>
+                </a:solidFill>
+                <a:latin typeface="+mn-lt"/>
+                <a:ea typeface="+mn-ea"/>
+                <a:cs typeface="+mn-cs"/>
+              </a:defRPr>
+            </a:lvl2pPr>
+            <a:lvl3pPr marL="914400" algn="l" defTabSz="914400" rtl="0" eaLnBrk="1" latinLnBrk="0" hangingPunct="1">
+              <a:defRPr sz="1800" kern="1200">
+                <a:solidFill>
+                  <a:schemeClr val="tx1"/>
+                </a:solidFill>
+                <a:latin typeface="+mn-lt"/>
+                <a:ea typeface="+mn-ea"/>
+                <a:cs typeface="+mn-cs"/>
+              </a:defRPr>
+            </a:lvl3pPr>
+            <a:lvl4pPr marL="1371600" algn="l" defTabSz="914400" rtl="0" eaLnBrk="1" latinLnBrk="0" hangingPunct="1">
+              <a:defRPr sz="1800" kern="1200">
+                <a:solidFill>
+                  <a:schemeClr val="tx1"/>
+                </a:solidFill>
+                <a:latin typeface="+mn-lt"/>
+                <a:ea typeface="+mn-ea"/>
+                <a:cs typeface="+mn-cs"/>
+              </a:defRPr>
+            </a:lvl4pPr>
+            <a:lvl5pPr marL="1828800" algn="l" defTabSz="914400" rtl="0" eaLnBrk="1" latinLnBrk="0" hangingPunct="1">
+              <a:defRPr sz="1800" kern="1200">
+                <a:solidFill>
+                  <a:schemeClr val="tx1"/>
+                </a:solidFill>
+                <a:latin typeface="+mn-lt"/>
+                <a:ea typeface="+mn-ea"/>
+                <a:cs typeface="+mn-cs"/>
+              </a:defRPr>
+            </a:lvl5pPr>
+            <a:lvl6pPr marL="2286000" algn="l" defTabSz="914400" rtl="0" eaLnBrk="1" latinLnBrk="0" hangingPunct="1">
+              <a:defRPr sz="1800" kern="1200">
+                <a:solidFill>
+                  <a:schemeClr val="tx1"/>
+                </a:solidFill>
+                <a:latin typeface="+mn-lt"/>
+                <a:ea typeface="+mn-ea"/>
+                <a:cs typeface="+mn-cs"/>
+              </a:defRPr>
+            </a:lvl6pPr>
+            <a:lvl7pPr marL="2743200" algn="l" defTabSz="914400" rtl="0" eaLnBrk="1" latinLnBrk="0" hangingPunct="1">
+              <a:defRPr sz="1800" kern="1200">
+                <a:solidFill>
+                  <a:schemeClr val="tx1"/>
+                </a:solidFill>
+                <a:latin typeface="+mn-lt"/>
+                <a:ea typeface="+mn-ea"/>
+                <a:cs typeface="+mn-cs"/>
+              </a:defRPr>
+            </a:lvl7pPr>
+            <a:lvl8pPr marL="3200400" algn="l" defTabSz="914400" rtl="0" eaLnBrk="1" latinLnBrk="0" hangingPunct="1">
+              <a:defRPr sz="1800" kern="1200">
+                <a:solidFill>
+                  <a:schemeClr val="tx1"/>
+                </a:solidFill>
+                <a:latin typeface="+mn-lt"/>
+                <a:ea typeface="+mn-ea"/>
+                <a:cs typeface="+mn-cs"/>
+              </a:defRPr>
+            </a:lvl8pPr>
+            <a:lvl9pPr marL="3657600" algn="l" defTabSz="914400" rtl="0" eaLnBrk="1" latinLnBrk="0" hangingPunct="1">
+              <a:defRPr sz="1800" kern="1200">
+                <a:solidFill>
+                  <a:schemeClr val="tx1"/>
+                </a:solidFill>
+                <a:latin typeface="+mn-lt"/>
+                <a:ea typeface="+mn-ea"/>
+                <a:cs typeface="+mn-cs"/>
+              </a:defRPr>
+            </a:lvl9pPr>
+          </a:lstStyle>
+          <a:p>
+            <a:r>
+              <a:rPr lang="es-CO"/>
+              <a:t>© 2018 - Universidad de Los Andes – Departamento de Sistemas y Computación</a:t>
+            </a:r>
+            <a:endParaRPr lang="es-CO" noProof="0"/>
+          </a:p>
+        </p:txBody>
+      </p:sp>
+      <p:sp>
+        <p:nvSpPr>
+          <p:cNvPr id="8" name="TextBox 7">
+            <a:extLst>
+              <a:ext uri="{FF2B5EF4-FFF2-40B4-BE49-F238E27FC236}">
+                <a16:creationId xmlns:a16="http://schemas.microsoft.com/office/drawing/2014/main" id="{EB73D295-E43F-AD4E-8201-88046EF1E27D}"/>
+              </a:ext>
+            </a:extLst>
+          </p:cNvPr>
+          <p:cNvSpPr txBox="1"/>
+          <p:nvPr/>
+        </p:nvSpPr>
+        <p:spPr>
+          <a:xfrm>
+            <a:off x="341620" y="1268760"/>
+            <a:ext cx="8460760" cy="461665"/>
+          </a:xfrm>
+          <a:prstGeom prst="rect">
+            <a:avLst/>
+          </a:prstGeom>
+          <a:solidFill>
+            <a:schemeClr val="bg1">
+              <a:lumMod val="85000"/>
+            </a:schemeClr>
+          </a:solidFill>
+        </p:spPr>
+        <p:txBody>
+          <a:bodyPr wrap="square" rtlCol="0">
+            <a:spAutoFit/>
+          </a:bodyPr>
+          <a:lstStyle/>
+          <a:p>
+            <a:r>
+              <a:rPr lang="es-ES_tradnl" sz="1200" b="1"/>
+              <a:t>Paso 8- Iterar si es necesario: </a:t>
+            </a:r>
+            <a:r>
+              <a:rPr lang="es-ES_tradnl" sz="1200"/>
+              <a:t>Repita los pasos 2 a 7 de ser necesario. Use el riesgo como una medida para decidir si parar o continuar con una iteración más.</a:t>
+            </a:r>
+          </a:p>
+        </p:txBody>
+      </p:sp>
+      <p:sp>
+        <p:nvSpPr>
+          <p:cNvPr id="4" name="TextBox 3">
+            <a:extLst>
+              <a:ext uri="{FF2B5EF4-FFF2-40B4-BE49-F238E27FC236}">
+                <a16:creationId xmlns:a16="http://schemas.microsoft.com/office/drawing/2014/main" id="{BC0C3729-CC7E-DC9C-AEAA-35048142B5F3}"/>
+              </a:ext>
+            </a:extLst>
+          </p:cNvPr>
+          <p:cNvSpPr txBox="1"/>
+          <p:nvPr/>
+        </p:nvSpPr>
+        <p:spPr>
+          <a:xfrm>
+            <a:off x="313162" y="1862556"/>
+            <a:ext cx="8475403" cy="276999"/>
+          </a:xfrm>
+          <a:prstGeom prst="rect">
+            <a:avLst/>
+          </a:prstGeom>
+          <a:solidFill>
+            <a:schemeClr val="bg1">
+              <a:lumMod val="85000"/>
+            </a:schemeClr>
+          </a:solidFill>
+        </p:spPr>
+        <p:txBody>
+          <a:bodyPr wrap="square" lIns="91440" tIns="45720" rIns="91440" bIns="45720" rtlCol="0" anchor="t">
+            <a:spAutoFit/>
+          </a:bodyPr>
+          <a:lstStyle/>
+          <a:p>
+            <a:r>
+              <a:rPr lang="es-CO" sz="1200" b="1"/>
+              <a:t>Conclusión</a:t>
+            </a:r>
+            <a:r>
+              <a:rPr lang="es-CO" sz="1200"/>
+              <a:t> </a:t>
+            </a:r>
+            <a:r>
+              <a:rPr lang="es-CO" sz="1200" b="1"/>
+              <a:t>del</a:t>
+            </a:r>
+            <a:r>
+              <a:rPr lang="es-CO" sz="1200"/>
+              <a:t> </a:t>
+            </a:r>
+            <a:r>
+              <a:rPr lang="es-ES_tradnl" sz="1200" b="1"/>
+              <a:t>experimento</a:t>
+            </a:r>
+            <a:endParaRPr lang="en-US"/>
+          </a:p>
+        </p:txBody>
+      </p:sp>
+      <p:sp>
+        <p:nvSpPr>
+          <p:cNvPr id="5" name="TextBox 4">
+            <a:extLst>
+              <a:ext uri="{FF2B5EF4-FFF2-40B4-BE49-F238E27FC236}">
+                <a16:creationId xmlns:a16="http://schemas.microsoft.com/office/drawing/2014/main" id="{C6B7CD31-A9C3-7C42-2C00-33BA41D168BE}"/>
+              </a:ext>
+            </a:extLst>
+          </p:cNvPr>
+          <p:cNvSpPr txBox="1"/>
+          <p:nvPr/>
+        </p:nvSpPr>
+        <p:spPr>
+          <a:xfrm>
+            <a:off x="330365" y="2361025"/>
+            <a:ext cx="8460052" cy="2492990"/>
+          </a:xfrm>
+          <a:prstGeom prst="rect">
+            <a:avLst/>
+          </a:prstGeom>
+          <a:noFill/>
+        </p:spPr>
+        <p:txBody>
+          <a:bodyPr rot="0" spcFirstLastPara="0" vertOverflow="overflow" horzOverflow="overflow" vert="horz" wrap="square" lIns="91440" tIns="45720" rIns="91440" bIns="45720" numCol="1" spcCol="0" rtlCol="0" fromWordArt="0" anchor="t" anchorCtr="0" forceAA="0" compatLnSpc="1">
+            <a:prstTxWarp prst="textNoShape">
+              <a:avLst/>
+            </a:prstTxWarp>
+            <a:spAutoFit/>
+          </a:bodyPr>
+          <a:lstStyle/>
+          <a:p>
+            <a:r>
+              <a:rPr lang="es-CO" sz="1200" dirty="0">
+                <a:ea typeface="Calibri"/>
+                <a:cs typeface="Calibri"/>
+              </a:rPr>
+              <a:t>Los resultados confirman la hipótesis de diseño: el uso de colas de prioridad, múltiples instancias de cómputo y cache de usuarios premium permite que el sistema cumpla con los atributos de calidad definidos (latencia y escalabilidad). </a:t>
+            </a:r>
+          </a:p>
+          <a:p>
+            <a:endParaRPr lang="es-CO" sz="1200">
+              <a:ea typeface="Calibri"/>
+              <a:cs typeface="Calibri"/>
+            </a:endParaRPr>
+          </a:p>
+          <a:p>
+            <a:r>
+              <a:rPr lang="es-ES" sz="1200" dirty="0"/>
+              <a:t>La arquitectura basada en eventos con AWS Lambda y SQS validó los </a:t>
+            </a:r>
+            <a:r>
+              <a:rPr lang="es-ES" sz="1200" dirty="0" err="1"/>
+              <a:t>ASRs</a:t>
+            </a:r>
+            <a:r>
+              <a:rPr lang="es-ES" sz="1200" dirty="0"/>
+              <a:t> de latencia y escalabilidad. Se alcanzaron latencias muy por debajo de 0.15 s (0.0095 s normal y 0.014 s en pico) y el sistema soportó 6500 notificaciones/min durante 30 min sin degradación.</a:t>
+            </a:r>
+            <a:endParaRPr lang="es-CO" sz="1200" dirty="0">
+              <a:ea typeface="Calibri"/>
+              <a:cs typeface="Calibri"/>
+            </a:endParaRPr>
+          </a:p>
+          <a:p>
+            <a:endParaRPr lang="es-CO" sz="1200">
+              <a:ea typeface="Calibri"/>
+              <a:cs typeface="Calibri"/>
+            </a:endParaRPr>
+          </a:p>
+          <a:p>
+            <a:r>
+              <a:rPr lang="es-CO" sz="1200" dirty="0">
+                <a:ea typeface="Calibri"/>
+                <a:cs typeface="Calibri"/>
+              </a:rPr>
+              <a:t>El punto de inflexión encontrado es de 25000 eventos * min / 30 min debido a que la latencia es mayor a lo pactado en el ASR de latencia.</a:t>
+            </a:r>
+          </a:p>
+          <a:p>
+            <a:endParaRPr lang="es-CO" sz="1200" dirty="0">
+              <a:ea typeface="Calibri"/>
+              <a:cs typeface="Calibri"/>
+            </a:endParaRPr>
+          </a:p>
+          <a:p>
+            <a:r>
+              <a:rPr lang="es-CO" sz="1200" dirty="0">
+                <a:ea typeface="Calibri"/>
+                <a:cs typeface="Calibri"/>
+              </a:rPr>
+              <a:t>La decisión arquitectónica de emplear una arquitectura basada en eventos con AWS Lambda y Amazon SQS es adecuada para dar solución a los </a:t>
+            </a:r>
+            <a:r>
+              <a:rPr lang="es-CO" sz="1200" dirty="0" err="1">
+                <a:ea typeface="Calibri"/>
+                <a:cs typeface="Calibri"/>
+              </a:rPr>
+              <a:t>ASRs</a:t>
+            </a:r>
+            <a:r>
+              <a:rPr lang="es-CO" sz="1200" dirty="0">
+                <a:ea typeface="Calibri"/>
+                <a:cs typeface="Calibri"/>
+              </a:rPr>
+              <a:t> planteados.</a:t>
+            </a:r>
+            <a:endParaRPr lang="es-CO">
+              <a:ea typeface="Calibri"/>
+              <a:cs typeface="Calibri"/>
+            </a:endParaRPr>
+          </a:p>
+          <a:p>
+            <a:endParaRPr lang="es-CO" sz="1200" dirty="0">
+              <a:ea typeface="Calibri"/>
+              <a:cs typeface="Calibri"/>
+            </a:endParaRPr>
+          </a:p>
+          <a:p>
+            <a:endParaRPr lang="es-CO" sz="1200" dirty="0">
+              <a:ea typeface="Calibri"/>
+              <a:cs typeface="Calibri"/>
+            </a:endParaRPr>
+          </a:p>
+        </p:txBody>
+      </p:sp>
+      <p:sp>
+        <p:nvSpPr>
+          <p:cNvPr id="2" name="CuadroTexto 1">
+            <a:extLst>
+              <a:ext uri="{FF2B5EF4-FFF2-40B4-BE49-F238E27FC236}">
+                <a16:creationId xmlns:a16="http://schemas.microsoft.com/office/drawing/2014/main" id="{A6F17D20-69B6-4DA0-53E9-A8BB313DD24F}"/>
+              </a:ext>
+            </a:extLst>
+          </p:cNvPr>
+          <p:cNvSpPr txBox="1"/>
+          <p:nvPr/>
+        </p:nvSpPr>
+        <p:spPr>
+          <a:xfrm>
+            <a:off x="341620" y="5338796"/>
+            <a:ext cx="7467600" cy="523220"/>
+          </a:xfrm>
+          <a:prstGeom prst="rect">
+            <a:avLst/>
+          </a:prstGeom>
+          <a:noFill/>
+        </p:spPr>
+        <p:txBody>
+          <a:bodyPr wrap="square" lIns="91440" tIns="45720" rIns="91440" bIns="45720" rtlCol="0" anchor="t">
+            <a:spAutoFit/>
+          </a:bodyPr>
+          <a:lstStyle/>
+          <a:p>
+            <a:r>
+              <a:rPr lang="es-CO" sz="1400" b="1" dirty="0"/>
+              <a:t>NOTA: </a:t>
+            </a:r>
+            <a:r>
+              <a:rPr lang="es-CO" sz="1400" dirty="0"/>
+              <a:t>Se pueden ver en este repositorio </a:t>
+            </a:r>
+            <a:r>
+              <a:rPr lang="es-CO" sz="1400" dirty="0">
+                <a:hlinkClick r:id="rId3"/>
+              </a:rPr>
+              <a:t>https://github.com/juanforo31/Reto1_ASRs_Grupo5</a:t>
+            </a:r>
+            <a:r>
+              <a:rPr lang="es-CO" sz="1400" dirty="0"/>
+              <a:t> </a:t>
+            </a:r>
+            <a:endParaRPr lang="en-US" dirty="0"/>
+          </a:p>
+          <a:p>
+            <a:r>
+              <a:rPr lang="es-CO" sz="1400" dirty="0"/>
+              <a:t>los archivos, video del experimento, diagramas, código, entre otros.</a:t>
+            </a:r>
+            <a:endParaRPr lang="es-CO" dirty="0"/>
+          </a:p>
+        </p:txBody>
+      </p:sp>
+    </p:spTree>
+    <p:extLst>
+      <p:ext uri="{BB962C8B-B14F-4D97-AF65-F5344CB8AC3E}">
+        <p14:creationId xmlns:p14="http://schemas.microsoft.com/office/powerpoint/2010/main" val="1957387262"/>
       </p:ext>
     </p:extLst>
   </p:cSld>
@@ -32961,8 +31112,8 @@
         </p:nvSpPr>
         <p:spPr>
           <a:xfrm>
-            <a:off x="611560" y="1038233"/>
-            <a:ext cx="8075152" cy="369332"/>
+            <a:off x="469670" y="838536"/>
+            <a:ext cx="8863428" cy="553998"/>
           </a:xfrm>
           <a:prstGeom prst="rect">
             <a:avLst/>
@@ -32976,13 +31127,24 @@
           <a:lstStyle/>
           <a:p>
             <a:r>
+              <a:rPr lang="es-ES" sz="3000" b="1">
+                <a:solidFill>
+                  <a:schemeClr val="bg1"/>
+                </a:solidFill>
+                <a:latin typeface="Arial"/>
+                <a:cs typeface="Arial"/>
+              </a:rPr>
+              <a:t>⭐</a:t>
+            </a:r>
+            <a:r>
               <a:rPr lang="es-CO" b="1" err="1"/>
               <a:t>ASRs</a:t>
             </a:r>
             <a:r>
               <a:rPr lang="es-CO" b="1"/>
-              <a:t> seleccionados de latencia y escalabilidad para la realización del experimentó</a:t>
+              <a:t> seleccionados de latencia y escalabilidad para la realización del experimento</a:t>
             </a:r>
+            <a:endParaRPr lang="en-US"/>
           </a:p>
         </p:txBody>
       </p:sp>
@@ -42998,16 +41160,16 @@
 <file path=customXml/itemProps1.xml><?xml version="1.0" encoding="utf-8"?>
 <ds:datastoreItem xmlns:ds="http://schemas.openxmlformats.org/officeDocument/2006/customXml" ds:itemID="{A6CA0C8D-3EA7-4A0C-80B3-EF1E0352A135}">
   <ds:schemaRefs>
+    <ds:schemaRef ds:uri="7e18fa01-6860-4b34-97e3-8e9dc06f10c0"/>
+    <ds:schemaRef ds:uri="9ba872fe-ebe7-44ee-97e3-5e5488f75d03"/>
+    <ds:schemaRef ds:uri="http://purl.org/dc/dcmitype/"/>
+    <ds:schemaRef ds:uri="http://purl.org/dc/elements/1.1/"/>
     <ds:schemaRef ds:uri="http://purl.org/dc/terms/"/>
+    <ds:schemaRef ds:uri="http://schemas.microsoft.com/office/2006/documentManagement/types"/>
     <ds:schemaRef ds:uri="http://schemas.microsoft.com/office/2006/metadata/properties"/>
-    <ds:schemaRef ds:uri="9ba872fe-ebe7-44ee-97e3-5e5488f75d03"/>
+    <ds:schemaRef ds:uri="http://schemas.microsoft.com/office/infopath/2007/PartnerControls"/>
+    <ds:schemaRef ds:uri="http://schemas.openxmlformats.org/package/2006/metadata/core-properties"/>
     <ds:schemaRef ds:uri="http://www.w3.org/XML/1998/namespace"/>
-    <ds:schemaRef ds:uri="http://schemas.openxmlformats.org/package/2006/metadata/core-properties"/>
-    <ds:schemaRef ds:uri="http://purl.org/dc/dcmitype/"/>
-    <ds:schemaRef ds:uri="http://schemas.microsoft.com/office/2006/documentManagement/types"/>
-    <ds:schemaRef ds:uri="http://purl.org/dc/elements/1.1/"/>
-    <ds:schemaRef ds:uri="http://schemas.microsoft.com/office/infopath/2007/PartnerControls"/>
-    <ds:schemaRef ds:uri="7e18fa01-6860-4b34-97e3-8e9dc06f10c0"/>
   </ds:schemaRefs>
 </ds:datastoreItem>
 </file>
